--- a/relatorio/abntex2-modelos-1.9.2/figuras/diagramas.pptx
+++ b/relatorio/abntex2-modelos-1.9.2/figuras/diagramas.pptx
@@ -7,6 +7,7 @@
   <p:sldIdLst>
     <p:sldId id="256" r:id="rId2"/>
     <p:sldId id="257" r:id="rId3"/>
+    <p:sldId id="258" r:id="rId4"/>
   </p:sldIdLst>
   <p:sldSz cx="12192000" cy="6858000"/>
   <p:notesSz cx="6858000" cy="9144000"/>
@@ -105,6 +106,11 @@
       </a:defRPr>
     </a:lvl9pPr>
   </p:defaultTextStyle>
+  <p:extLst>
+    <p:ext uri="{EFAFB233-063F-42B5-8137-9DF3F51BA10A}">
+      <p15:sldGuideLst xmlns:p15="http://schemas.microsoft.com/office/powerpoint/2012/main"/>
+    </p:ext>
+  </p:extLst>
 </p:presentation>
 </file>
 
@@ -239,7 +245,7 @@
           <a:p>
             <a:fld id="{7F981E3C-F023-4B2E-8C30-C087B244E656}" type="datetimeFigureOut">
               <a:rPr lang="pt-BR" smtClean="0"/>
-              <a:t>27/04/2014</a:t>
+              <a:t>10/05/2014</a:t>
             </a:fld>
             <a:endParaRPr lang="pt-BR"/>
           </a:p>
@@ -409,7 +415,7 @@
           <a:p>
             <a:fld id="{7F981E3C-F023-4B2E-8C30-C087B244E656}" type="datetimeFigureOut">
               <a:rPr lang="pt-BR" smtClean="0"/>
-              <a:t>27/04/2014</a:t>
+              <a:t>10/05/2014</a:t>
             </a:fld>
             <a:endParaRPr lang="pt-BR"/>
           </a:p>
@@ -589,7 +595,7 @@
           <a:p>
             <a:fld id="{7F981E3C-F023-4B2E-8C30-C087B244E656}" type="datetimeFigureOut">
               <a:rPr lang="pt-BR" smtClean="0"/>
-              <a:t>27/04/2014</a:t>
+              <a:t>10/05/2014</a:t>
             </a:fld>
             <a:endParaRPr lang="pt-BR"/>
           </a:p>
@@ -759,7 +765,7 @@
           <a:p>
             <a:fld id="{7F981E3C-F023-4B2E-8C30-C087B244E656}" type="datetimeFigureOut">
               <a:rPr lang="pt-BR" smtClean="0"/>
-              <a:t>27/04/2014</a:t>
+              <a:t>10/05/2014</a:t>
             </a:fld>
             <a:endParaRPr lang="pt-BR"/>
           </a:p>
@@ -1005,7 +1011,7 @@
           <a:p>
             <a:fld id="{7F981E3C-F023-4B2E-8C30-C087B244E656}" type="datetimeFigureOut">
               <a:rPr lang="pt-BR" smtClean="0"/>
-              <a:t>27/04/2014</a:t>
+              <a:t>10/05/2014</a:t>
             </a:fld>
             <a:endParaRPr lang="pt-BR"/>
           </a:p>
@@ -1237,7 +1243,7 @@
           <a:p>
             <a:fld id="{7F981E3C-F023-4B2E-8C30-C087B244E656}" type="datetimeFigureOut">
               <a:rPr lang="pt-BR" smtClean="0"/>
-              <a:t>27/04/2014</a:t>
+              <a:t>10/05/2014</a:t>
             </a:fld>
             <a:endParaRPr lang="pt-BR"/>
           </a:p>
@@ -1604,7 +1610,7 @@
           <a:p>
             <a:fld id="{7F981E3C-F023-4B2E-8C30-C087B244E656}" type="datetimeFigureOut">
               <a:rPr lang="pt-BR" smtClean="0"/>
-              <a:t>27/04/2014</a:t>
+              <a:t>10/05/2014</a:t>
             </a:fld>
             <a:endParaRPr lang="pt-BR"/>
           </a:p>
@@ -1722,7 +1728,7 @@
           <a:p>
             <a:fld id="{7F981E3C-F023-4B2E-8C30-C087B244E656}" type="datetimeFigureOut">
               <a:rPr lang="pt-BR" smtClean="0"/>
-              <a:t>27/04/2014</a:t>
+              <a:t>10/05/2014</a:t>
             </a:fld>
             <a:endParaRPr lang="pt-BR"/>
           </a:p>
@@ -1817,7 +1823,7 @@
           <a:p>
             <a:fld id="{7F981E3C-F023-4B2E-8C30-C087B244E656}" type="datetimeFigureOut">
               <a:rPr lang="pt-BR" smtClean="0"/>
-              <a:t>27/04/2014</a:t>
+              <a:t>10/05/2014</a:t>
             </a:fld>
             <a:endParaRPr lang="pt-BR"/>
           </a:p>
@@ -2094,7 +2100,7 @@
           <a:p>
             <a:fld id="{7F981E3C-F023-4B2E-8C30-C087B244E656}" type="datetimeFigureOut">
               <a:rPr lang="pt-BR" smtClean="0"/>
-              <a:t>27/04/2014</a:t>
+              <a:t>10/05/2014</a:t>
             </a:fld>
             <a:endParaRPr lang="pt-BR"/>
           </a:p>
@@ -2347,7 +2353,7 @@
           <a:p>
             <a:fld id="{7F981E3C-F023-4B2E-8C30-C087B244E656}" type="datetimeFigureOut">
               <a:rPr lang="pt-BR" smtClean="0"/>
-              <a:t>27/04/2014</a:t>
+              <a:t>10/05/2014</a:t>
             </a:fld>
             <a:endParaRPr lang="pt-BR"/>
           </a:p>
@@ -2560,7 +2566,7 @@
           <a:p>
             <a:fld id="{7F981E3C-F023-4B2E-8C30-C087B244E656}" type="datetimeFigureOut">
               <a:rPr lang="pt-BR" smtClean="0"/>
-              <a:t>27/04/2014</a:t>
+              <a:t>10/05/2014</a:t>
             </a:fld>
             <a:endParaRPr lang="pt-BR"/>
           </a:p>
@@ -4858,6 +4864,1133 @@
 </p:sld>
 </file>
 
+<file path=ppt/slides/slide3.xml><?xml version="1.0" encoding="utf-8"?>
+<p:sld xmlns:a="http://schemas.openxmlformats.org/drawingml/2006/main" xmlns:r="http://schemas.openxmlformats.org/officeDocument/2006/relationships" xmlns:p="http://schemas.openxmlformats.org/presentationml/2006/main">
+  <p:cSld>
+    <p:spTree>
+      <p:nvGrpSpPr>
+        <p:cNvPr id="1" name=""/>
+        <p:cNvGrpSpPr/>
+        <p:nvPr/>
+      </p:nvGrpSpPr>
+      <p:grpSpPr>
+        <a:xfrm>
+          <a:off x="0" y="0"/>
+          <a:ext cx="0" cy="0"/>
+          <a:chOff x="0" y="0"/>
+          <a:chExt cx="0" cy="0"/>
+        </a:xfrm>
+      </p:grpSpPr>
+      <p:sp>
+        <p:nvSpPr>
+          <p:cNvPr id="4" name="Retângulo de cantos arredondados 3"/>
+          <p:cNvSpPr/>
+          <p:nvPr/>
+        </p:nvSpPr>
+        <p:spPr>
+          <a:xfrm>
+            <a:off x="570607" y="169751"/>
+            <a:ext cx="627937" cy="577127"/>
+          </a:xfrm>
+          <a:prstGeom prst="roundRect">
+            <a:avLst/>
+          </a:prstGeom>
+          <a:solidFill>
+            <a:schemeClr val="accent6">
+              <a:lumMod val="40000"/>
+              <a:lumOff val="60000"/>
+            </a:schemeClr>
+          </a:solidFill>
+        </p:spPr>
+        <p:style>
+          <a:lnRef idx="2">
+            <a:schemeClr val="accent4">
+              <a:shade val="50000"/>
+            </a:schemeClr>
+          </a:lnRef>
+          <a:fillRef idx="1">
+            <a:schemeClr val="accent4"/>
+          </a:fillRef>
+          <a:effectRef idx="0">
+            <a:schemeClr val="accent4"/>
+          </a:effectRef>
+          <a:fontRef idx="minor">
+            <a:schemeClr val="lt1"/>
+          </a:fontRef>
+        </p:style>
+        <p:txBody>
+          <a:bodyPr rtlCol="0" anchor="ctr"/>
+          <a:lstStyle/>
+          <a:p>
+            <a:pPr algn="ctr"/>
+            <a:endParaRPr lang="pt-BR" dirty="0"/>
+          </a:p>
+        </p:txBody>
+      </p:sp>
+      <p:sp>
+        <p:nvSpPr>
+          <p:cNvPr id="5" name="Retângulo de cantos arredondados 4"/>
+          <p:cNvSpPr/>
+          <p:nvPr/>
+        </p:nvSpPr>
+        <p:spPr>
+          <a:xfrm>
+            <a:off x="678736" y="314638"/>
+            <a:ext cx="627937" cy="577127"/>
+          </a:xfrm>
+          <a:prstGeom prst="roundRect">
+            <a:avLst/>
+          </a:prstGeom>
+          <a:solidFill>
+            <a:schemeClr val="accent2">
+              <a:lumMod val="40000"/>
+              <a:lumOff val="60000"/>
+            </a:schemeClr>
+          </a:solidFill>
+        </p:spPr>
+        <p:style>
+          <a:lnRef idx="2">
+            <a:schemeClr val="accent4">
+              <a:shade val="50000"/>
+            </a:schemeClr>
+          </a:lnRef>
+          <a:fillRef idx="1">
+            <a:schemeClr val="accent4"/>
+          </a:fillRef>
+          <a:effectRef idx="0">
+            <a:schemeClr val="accent4"/>
+          </a:effectRef>
+          <a:fontRef idx="minor">
+            <a:schemeClr val="lt1"/>
+          </a:fontRef>
+        </p:style>
+        <p:txBody>
+          <a:bodyPr rtlCol="0" anchor="ctr"/>
+          <a:lstStyle/>
+          <a:p>
+            <a:pPr algn="ctr"/>
+            <a:endParaRPr lang="pt-BR" dirty="0"/>
+          </a:p>
+        </p:txBody>
+      </p:sp>
+      <p:sp>
+        <p:nvSpPr>
+          <p:cNvPr id="6" name="Retângulo de cantos arredondados 5"/>
+          <p:cNvSpPr/>
+          <p:nvPr/>
+        </p:nvSpPr>
+        <p:spPr>
+          <a:xfrm>
+            <a:off x="786865" y="459525"/>
+            <a:ext cx="627937" cy="577127"/>
+          </a:xfrm>
+          <a:prstGeom prst="roundRect">
+            <a:avLst/>
+          </a:prstGeom>
+          <a:solidFill>
+            <a:schemeClr val="accent1">
+              <a:lumMod val="40000"/>
+              <a:lumOff val="60000"/>
+            </a:schemeClr>
+          </a:solidFill>
+        </p:spPr>
+        <p:style>
+          <a:lnRef idx="2">
+            <a:schemeClr val="accent4">
+              <a:shade val="50000"/>
+            </a:schemeClr>
+          </a:lnRef>
+          <a:fillRef idx="1">
+            <a:schemeClr val="accent4"/>
+          </a:fillRef>
+          <a:effectRef idx="0">
+            <a:schemeClr val="accent4"/>
+          </a:effectRef>
+          <a:fontRef idx="minor">
+            <a:schemeClr val="lt1"/>
+          </a:fontRef>
+        </p:style>
+        <p:txBody>
+          <a:bodyPr rtlCol="0" anchor="ctr"/>
+          <a:lstStyle/>
+          <a:p>
+            <a:pPr algn="ctr"/>
+            <a:endParaRPr lang="pt-BR" dirty="0"/>
+          </a:p>
+        </p:txBody>
+      </p:sp>
+      <p:sp>
+        <p:nvSpPr>
+          <p:cNvPr id="7" name="Retângulo de cantos arredondados 6"/>
+          <p:cNvSpPr/>
+          <p:nvPr/>
+        </p:nvSpPr>
+        <p:spPr>
+          <a:xfrm>
+            <a:off x="2743380" y="459525"/>
+            <a:ext cx="1790163" cy="577127"/>
+          </a:xfrm>
+          <a:prstGeom prst="roundRect">
+            <a:avLst/>
+          </a:prstGeom>
+        </p:spPr>
+        <p:style>
+          <a:lnRef idx="2">
+            <a:schemeClr val="accent6">
+              <a:shade val="50000"/>
+            </a:schemeClr>
+          </a:lnRef>
+          <a:fillRef idx="1">
+            <a:schemeClr val="accent6"/>
+          </a:fillRef>
+          <a:effectRef idx="0">
+            <a:schemeClr val="accent6"/>
+          </a:effectRef>
+          <a:fontRef idx="minor">
+            <a:schemeClr val="lt1"/>
+          </a:fontRef>
+        </p:style>
+        <p:txBody>
+          <a:bodyPr rtlCol="0" anchor="ctr"/>
+          <a:lstStyle/>
+          <a:p>
+            <a:pPr algn="ctr"/>
+            <a:r>
+              <a:rPr lang="pt-PT" dirty="0" smtClean="0"/>
+              <a:t>Video Encoder</a:t>
+            </a:r>
+          </a:p>
+        </p:txBody>
+      </p:sp>
+      <p:sp>
+        <p:nvSpPr>
+          <p:cNvPr id="8" name="Retângulo de cantos arredondados 7"/>
+          <p:cNvSpPr/>
+          <p:nvPr/>
+        </p:nvSpPr>
+        <p:spPr>
+          <a:xfrm>
+            <a:off x="6553022" y="1455503"/>
+            <a:ext cx="1790163" cy="577127"/>
+          </a:xfrm>
+          <a:prstGeom prst="roundRect">
+            <a:avLst/>
+          </a:prstGeom>
+        </p:spPr>
+        <p:style>
+          <a:lnRef idx="2">
+            <a:schemeClr val="accent6">
+              <a:shade val="50000"/>
+            </a:schemeClr>
+          </a:lnRef>
+          <a:fillRef idx="1">
+            <a:schemeClr val="accent6"/>
+          </a:fillRef>
+          <a:effectRef idx="0">
+            <a:schemeClr val="accent6"/>
+          </a:effectRef>
+          <a:fontRef idx="minor">
+            <a:schemeClr val="lt1"/>
+          </a:fontRef>
+        </p:style>
+        <p:txBody>
+          <a:bodyPr rtlCol="0" anchor="ctr"/>
+          <a:lstStyle/>
+          <a:p>
+            <a:pPr algn="ctr"/>
+            <a:r>
+              <a:rPr lang="pt-PT" dirty="0" smtClean="0"/>
+              <a:t>MPEG2 Muxer</a:t>
+            </a:r>
+          </a:p>
+        </p:txBody>
+      </p:sp>
+      <p:cxnSp>
+        <p:nvCxnSpPr>
+          <p:cNvPr id="9" name="Conector de seta reta 8"/>
+          <p:cNvCxnSpPr>
+            <a:stCxn id="6" idx="3"/>
+            <a:endCxn id="7" idx="1"/>
+          </p:cNvCxnSpPr>
+          <p:nvPr/>
+        </p:nvCxnSpPr>
+        <p:spPr>
+          <a:xfrm>
+            <a:off x="1414802" y="748089"/>
+            <a:ext cx="1328578" cy="0"/>
+          </a:xfrm>
+          <a:prstGeom prst="straightConnector1">
+            <a:avLst/>
+          </a:prstGeom>
+          <a:ln>
+            <a:tailEnd type="triangle"/>
+          </a:ln>
+        </p:spPr>
+        <p:style>
+          <a:lnRef idx="1">
+            <a:schemeClr val="accent1"/>
+          </a:lnRef>
+          <a:fillRef idx="0">
+            <a:schemeClr val="accent1"/>
+          </a:fillRef>
+          <a:effectRef idx="0">
+            <a:schemeClr val="accent1"/>
+          </a:effectRef>
+          <a:fontRef idx="minor">
+            <a:schemeClr val="tx1"/>
+          </a:fontRef>
+        </p:style>
+      </p:cxnSp>
+      <p:grpSp>
+        <p:nvGrpSpPr>
+          <p:cNvPr id="15" name="Grupo 14"/>
+          <p:cNvGrpSpPr/>
+          <p:nvPr/>
+        </p:nvGrpSpPr>
+        <p:grpSpPr>
+          <a:xfrm rot="10800000">
+            <a:off x="10029950" y="2075035"/>
+            <a:ext cx="768456" cy="1113827"/>
+            <a:chOff x="2492375" y="2743199"/>
+            <a:chExt cx="1082802" cy="1569450"/>
+          </a:xfrm>
+        </p:grpSpPr>
+        <p:sp>
+          <p:nvSpPr>
+            <p:cNvPr id="16" name="Triângulo isósceles 15"/>
+            <p:cNvSpPr/>
+            <p:nvPr/>
+          </p:nvSpPr>
+          <p:spPr>
+            <a:xfrm>
+              <a:off x="2492375" y="3379199"/>
+              <a:ext cx="1082802" cy="933450"/>
+            </a:xfrm>
+            <a:prstGeom prst="triangle">
+              <a:avLst/>
+            </a:prstGeom>
+            <a:ln>
+              <a:solidFill>
+                <a:schemeClr val="tx1"/>
+              </a:solidFill>
+            </a:ln>
+          </p:spPr>
+          <p:style>
+            <a:lnRef idx="2">
+              <a:schemeClr val="accent6"/>
+            </a:lnRef>
+            <a:fillRef idx="1">
+              <a:schemeClr val="lt1"/>
+            </a:fillRef>
+            <a:effectRef idx="0">
+              <a:schemeClr val="accent6"/>
+            </a:effectRef>
+            <a:fontRef idx="minor">
+              <a:schemeClr val="dk1"/>
+            </a:fontRef>
+          </p:style>
+          <p:txBody>
+            <a:bodyPr rtlCol="0" anchor="ctr"/>
+            <a:lstStyle/>
+            <a:p>
+              <a:pPr algn="ctr"/>
+              <a:endParaRPr lang="pt-BR"/>
+            </a:p>
+          </p:txBody>
+        </p:sp>
+        <p:cxnSp>
+          <p:nvCxnSpPr>
+            <p:cNvPr id="17" name="Conector reto 16"/>
+            <p:cNvCxnSpPr>
+              <a:stCxn id="16" idx="3"/>
+            </p:cNvCxnSpPr>
+            <p:nvPr/>
+          </p:nvCxnSpPr>
+          <p:spPr>
+            <a:xfrm flipV="1">
+              <a:off x="3033776" y="2743199"/>
+              <a:ext cx="0" cy="1569450"/>
+            </a:xfrm>
+            <a:prstGeom prst="line">
+              <a:avLst/>
+            </a:prstGeom>
+            <a:ln w="12700"/>
+          </p:spPr>
+          <p:style>
+            <a:lnRef idx="1">
+              <a:schemeClr val="dk1"/>
+            </a:lnRef>
+            <a:fillRef idx="0">
+              <a:schemeClr val="dk1"/>
+            </a:fillRef>
+            <a:effectRef idx="0">
+              <a:schemeClr val="dk1"/>
+            </a:effectRef>
+            <a:fontRef idx="minor">
+              <a:schemeClr val="tx1"/>
+            </a:fontRef>
+          </p:style>
+        </p:cxnSp>
+      </p:grpSp>
+      <p:sp>
+        <p:nvSpPr>
+          <p:cNvPr id="21" name="Retângulo de cantos arredondados 20"/>
+          <p:cNvSpPr/>
+          <p:nvPr/>
+        </p:nvSpPr>
+        <p:spPr>
+          <a:xfrm>
+            <a:off x="2717980" y="1466816"/>
+            <a:ext cx="1790163" cy="524092"/>
+          </a:xfrm>
+          <a:prstGeom prst="roundRect">
+            <a:avLst/>
+          </a:prstGeom>
+        </p:spPr>
+        <p:style>
+          <a:lnRef idx="2">
+            <a:schemeClr val="accent6">
+              <a:shade val="50000"/>
+            </a:schemeClr>
+          </a:lnRef>
+          <a:fillRef idx="1">
+            <a:schemeClr val="accent6"/>
+          </a:fillRef>
+          <a:effectRef idx="0">
+            <a:schemeClr val="accent6"/>
+          </a:effectRef>
+          <a:fontRef idx="minor">
+            <a:schemeClr val="lt1"/>
+          </a:fontRef>
+        </p:style>
+        <p:txBody>
+          <a:bodyPr rtlCol="0" anchor="ctr"/>
+          <a:lstStyle/>
+          <a:p>
+            <a:pPr algn="ctr"/>
+            <a:r>
+              <a:rPr lang="pt-PT" dirty="0" smtClean="0"/>
+              <a:t>Audio Encoder</a:t>
+            </a:r>
+            <a:endParaRPr lang="pt-PT" dirty="0" smtClean="0"/>
+          </a:p>
+        </p:txBody>
+      </p:sp>
+      <p:cxnSp>
+        <p:nvCxnSpPr>
+          <p:cNvPr id="22" name="Conector de seta reta 21"/>
+          <p:cNvCxnSpPr>
+            <a:endCxn id="21" idx="1"/>
+          </p:cNvCxnSpPr>
+          <p:nvPr/>
+        </p:nvCxnSpPr>
+        <p:spPr>
+          <a:xfrm>
+            <a:off x="1636693" y="1728862"/>
+            <a:ext cx="1081287" cy="0"/>
+          </a:xfrm>
+          <a:prstGeom prst="straightConnector1">
+            <a:avLst/>
+          </a:prstGeom>
+          <a:ln>
+            <a:tailEnd type="triangle"/>
+          </a:ln>
+        </p:spPr>
+        <p:style>
+          <a:lnRef idx="1">
+            <a:schemeClr val="accent1"/>
+          </a:lnRef>
+          <a:fillRef idx="0">
+            <a:schemeClr val="accent1"/>
+          </a:fillRef>
+          <a:effectRef idx="0">
+            <a:schemeClr val="accent1"/>
+          </a:effectRef>
+          <a:fontRef idx="minor">
+            <a:schemeClr val="tx1"/>
+          </a:fontRef>
+        </p:style>
+      </p:cxnSp>
+      <p:sp>
+        <p:nvSpPr>
+          <p:cNvPr id="24" name="Retângulo de cantos arredondados 23"/>
+          <p:cNvSpPr/>
+          <p:nvPr/>
+        </p:nvSpPr>
+        <p:spPr>
+          <a:xfrm>
+            <a:off x="608707" y="2329490"/>
+            <a:ext cx="851436" cy="849737"/>
+          </a:xfrm>
+          <a:prstGeom prst="roundRect">
+            <a:avLst/>
+          </a:prstGeom>
+          <a:noFill/>
+        </p:spPr>
+        <p:style>
+          <a:lnRef idx="2">
+            <a:schemeClr val="accent4">
+              <a:shade val="50000"/>
+            </a:schemeClr>
+          </a:lnRef>
+          <a:fillRef idx="1">
+            <a:schemeClr val="accent4"/>
+          </a:fillRef>
+          <a:effectRef idx="0">
+            <a:schemeClr val="accent4"/>
+          </a:effectRef>
+          <a:fontRef idx="minor">
+            <a:schemeClr val="lt1"/>
+          </a:fontRef>
+        </p:style>
+        <p:txBody>
+          <a:bodyPr rtlCol="0" anchor="ctr"/>
+          <a:lstStyle/>
+          <a:p>
+            <a:pPr algn="ctr"/>
+            <a:r>
+              <a:rPr lang="pt-PT" sz="1400" dirty="0" smtClean="0">
+                <a:ln w="0"/>
+                <a:solidFill>
+                  <a:schemeClr val="tx1"/>
+                </a:solidFill>
+                <a:effectLst>
+                  <a:outerShdw blurRad="38100" dist="19050" dir="2700000" algn="tl" rotWithShape="0">
+                    <a:schemeClr val="dk1">
+                      <a:alpha val="40000"/>
+                    </a:schemeClr>
+                  </a:outerShdw>
+                </a:effectLst>
+                <a:latin typeface="Consolas" panose="020B0609020204030204" pitchFamily="49" charset="0"/>
+                <a:cs typeface="Consolas" panose="020B0609020204030204" pitchFamily="49" charset="0"/>
+              </a:rPr>
+              <a:t>010110101010110</a:t>
+            </a:r>
+            <a:endParaRPr lang="pt-BR" sz="1400" dirty="0">
+              <a:ln w="0"/>
+              <a:solidFill>
+                <a:schemeClr val="tx1"/>
+              </a:solidFill>
+              <a:effectLst>
+                <a:outerShdw blurRad="38100" dist="19050" dir="2700000" algn="tl" rotWithShape="0">
+                  <a:schemeClr val="dk1">
+                    <a:alpha val="40000"/>
+                  </a:schemeClr>
+                </a:outerShdw>
+              </a:effectLst>
+              <a:latin typeface="Consolas" panose="020B0609020204030204" pitchFamily="49" charset="0"/>
+              <a:cs typeface="Consolas" panose="020B0609020204030204" pitchFamily="49" charset="0"/>
+            </a:endParaRPr>
+          </a:p>
+        </p:txBody>
+      </p:sp>
+      <p:sp>
+        <p:nvSpPr>
+          <p:cNvPr id="29" name="CaixaDeTexto 28"/>
+          <p:cNvSpPr txBox="1"/>
+          <p:nvPr/>
+        </p:nvSpPr>
+        <p:spPr>
+          <a:xfrm>
+            <a:off x="1549400" y="2772109"/>
+            <a:ext cx="1104900" cy="369332"/>
+          </a:xfrm>
+          <a:prstGeom prst="rect">
+            <a:avLst/>
+          </a:prstGeom>
+          <a:noFill/>
+        </p:spPr>
+        <p:txBody>
+          <a:bodyPr wrap="square" rtlCol="0">
+            <a:spAutoFit/>
+          </a:bodyPr>
+          <a:lstStyle/>
+          <a:p>
+            <a:pPr algn="ctr"/>
+            <a:r>
+              <a:rPr lang="pt-PT" dirty="0"/>
+              <a:t>Data</a:t>
+            </a:r>
+            <a:endParaRPr lang="pt-BR" dirty="0"/>
+          </a:p>
+        </p:txBody>
+      </p:sp>
+      <p:pic>
+        <p:nvPicPr>
+          <p:cNvPr id="1028" name="Picture 4" descr="https://encrypted-tbn2.gstatic.com/images?q=tbn:ANd9GcTbuG_HREhJ9FI0ZMC8KKMljMgX3ppf3hUWokoVLcxoG9pCz68V"/>
+          <p:cNvPicPr>
+            <a:picLocks noChangeAspect="1" noChangeArrowheads="1"/>
+          </p:cNvPicPr>
+          <p:nvPr/>
+        </p:nvPicPr>
+        <p:blipFill rotWithShape="1">
+          <a:blip r:embed="rId2">
+            <a:clrChange>
+              <a:clrFrom>
+                <a:srgbClr val="FFFFFF"/>
+              </a:clrFrom>
+              <a:clrTo>
+                <a:srgbClr val="FFFFFF">
+                  <a:alpha val="0"/>
+                </a:srgbClr>
+              </a:clrTo>
+            </a:clrChange>
+            <a:extLst>
+              <a:ext uri="{28A0092B-C50C-407E-A947-70E740481C1C}">
+                <a14:useLocalDpi xmlns:a14="http://schemas.microsoft.com/office/drawing/2010/main" val="0"/>
+              </a:ext>
+            </a:extLst>
+          </a:blip>
+          <a:srcRect l="33333" t="32034" r="32690" b="30852"/>
+          <a:stretch/>
+        </p:blipFill>
+        <p:spPr bwMode="auto">
+          <a:xfrm>
+            <a:off x="716302" y="1313643"/>
+            <a:ext cx="566221" cy="463272"/>
+          </a:xfrm>
+          <a:prstGeom prst="rect">
+            <a:avLst/>
+          </a:prstGeom>
+          <a:noFill/>
+          <a:extLst>
+            <a:ext uri="{909E8E84-426E-40DD-AFC4-6F175D3DCCD1}">
+              <a14:hiddenFill xmlns:a14="http://schemas.microsoft.com/office/drawing/2010/main">
+                <a:solidFill>
+                  <a:srgbClr val="FFFFFF"/>
+                </a:solidFill>
+              </a14:hiddenFill>
+            </a:ext>
+          </a:extLst>
+        </p:spPr>
+      </p:pic>
+      <p:pic>
+        <p:nvPicPr>
+          <p:cNvPr id="72" name="Picture 4" descr="https://encrypted-tbn2.gstatic.com/images?q=tbn:ANd9GcTbuG_HREhJ9FI0ZMC8KKMljMgX3ppf3hUWokoVLcxoG9pCz68V"/>
+          <p:cNvPicPr>
+            <a:picLocks noChangeAspect="1" noChangeArrowheads="1"/>
+          </p:cNvPicPr>
+          <p:nvPr/>
+        </p:nvPicPr>
+        <p:blipFill rotWithShape="1">
+          <a:blip r:embed="rId2">
+            <a:clrChange>
+              <a:clrFrom>
+                <a:srgbClr val="FFFFFF"/>
+              </a:clrFrom>
+              <a:clrTo>
+                <a:srgbClr val="FFFFFF">
+                  <a:alpha val="0"/>
+                </a:srgbClr>
+              </a:clrTo>
+            </a:clrChange>
+            <a:extLst>
+              <a:ext uri="{28A0092B-C50C-407E-A947-70E740481C1C}">
+                <a14:useLocalDpi xmlns:a14="http://schemas.microsoft.com/office/drawing/2010/main" val="0"/>
+              </a:ext>
+            </a:extLst>
+          </a:blip>
+          <a:srcRect l="33333" t="32034" r="32690" b="30852"/>
+          <a:stretch/>
+        </p:blipFill>
+        <p:spPr bwMode="auto">
+          <a:xfrm>
+            <a:off x="962881" y="1641935"/>
+            <a:ext cx="566221" cy="463272"/>
+          </a:xfrm>
+          <a:prstGeom prst="rect">
+            <a:avLst/>
+          </a:prstGeom>
+          <a:noFill/>
+          <a:extLst>
+            <a:ext uri="{909E8E84-426E-40DD-AFC4-6F175D3DCCD1}">
+              <a14:hiddenFill xmlns:a14="http://schemas.microsoft.com/office/drawing/2010/main">
+                <a:solidFill>
+                  <a:srgbClr val="FFFFFF"/>
+                </a:solidFill>
+              </a14:hiddenFill>
+            </a:ext>
+          </a:extLst>
+        </p:spPr>
+      </p:pic>
+      <p:sp>
+        <p:nvSpPr>
+          <p:cNvPr id="73" name="CaixaDeTexto 72"/>
+          <p:cNvSpPr txBox="1"/>
+          <p:nvPr/>
+        </p:nvSpPr>
+        <p:spPr>
+          <a:xfrm>
+            <a:off x="1574800" y="1872344"/>
+            <a:ext cx="1104900" cy="369332"/>
+          </a:xfrm>
+          <a:prstGeom prst="rect">
+            <a:avLst/>
+          </a:prstGeom>
+          <a:noFill/>
+        </p:spPr>
+        <p:txBody>
+          <a:bodyPr wrap="square" rtlCol="0">
+            <a:spAutoFit/>
+          </a:bodyPr>
+          <a:lstStyle/>
+          <a:p>
+            <a:pPr algn="ctr"/>
+            <a:r>
+              <a:rPr lang="pt-PT" dirty="0" smtClean="0"/>
+              <a:t>Audio</a:t>
+            </a:r>
+            <a:endParaRPr lang="pt-BR" dirty="0"/>
+          </a:p>
+        </p:txBody>
+      </p:sp>
+      <p:sp>
+        <p:nvSpPr>
+          <p:cNvPr id="74" name="CaixaDeTexto 73"/>
+          <p:cNvSpPr txBox="1"/>
+          <p:nvPr/>
+        </p:nvSpPr>
+        <p:spPr>
+          <a:xfrm>
+            <a:off x="1543096" y="821763"/>
+            <a:ext cx="1104900" cy="369332"/>
+          </a:xfrm>
+          <a:prstGeom prst="rect">
+            <a:avLst/>
+          </a:prstGeom>
+          <a:noFill/>
+        </p:spPr>
+        <p:txBody>
+          <a:bodyPr wrap="square" rtlCol="0">
+            <a:spAutoFit/>
+          </a:bodyPr>
+          <a:lstStyle/>
+          <a:p>
+            <a:pPr algn="ctr"/>
+            <a:r>
+              <a:rPr lang="pt-PT" dirty="0" smtClean="0"/>
+              <a:t>Video</a:t>
+            </a:r>
+            <a:endParaRPr lang="pt-BR" dirty="0"/>
+          </a:p>
+        </p:txBody>
+      </p:sp>
+      <p:sp>
+        <p:nvSpPr>
+          <p:cNvPr id="75" name="Retângulo de cantos arredondados 74"/>
+          <p:cNvSpPr/>
+          <p:nvPr/>
+        </p:nvSpPr>
+        <p:spPr>
+          <a:xfrm>
+            <a:off x="9519098" y="228022"/>
+            <a:ext cx="1790163" cy="577128"/>
+          </a:xfrm>
+          <a:prstGeom prst="roundRect">
+            <a:avLst/>
+          </a:prstGeom>
+        </p:spPr>
+        <p:style>
+          <a:lnRef idx="2">
+            <a:schemeClr val="accent6">
+              <a:shade val="50000"/>
+            </a:schemeClr>
+          </a:lnRef>
+          <a:fillRef idx="1">
+            <a:schemeClr val="accent6"/>
+          </a:fillRef>
+          <a:effectRef idx="0">
+            <a:schemeClr val="accent6"/>
+          </a:effectRef>
+          <a:fontRef idx="minor">
+            <a:schemeClr val="lt1"/>
+          </a:fontRef>
+        </p:style>
+        <p:txBody>
+          <a:bodyPr rtlCol="0" anchor="ctr"/>
+          <a:lstStyle/>
+          <a:p>
+            <a:pPr algn="ctr"/>
+            <a:r>
+              <a:rPr lang="pt-PT" dirty="0" smtClean="0"/>
+              <a:t>Error Correction Encoder</a:t>
+            </a:r>
+            <a:endParaRPr lang="pt-PT" dirty="0" smtClean="0"/>
+          </a:p>
+        </p:txBody>
+      </p:sp>
+      <p:sp>
+        <p:nvSpPr>
+          <p:cNvPr id="76" name="Retângulo de cantos arredondados 75"/>
+          <p:cNvSpPr/>
+          <p:nvPr/>
+        </p:nvSpPr>
+        <p:spPr>
+          <a:xfrm>
+            <a:off x="9519097" y="1176504"/>
+            <a:ext cx="1790163" cy="424868"/>
+          </a:xfrm>
+          <a:prstGeom prst="roundRect">
+            <a:avLst/>
+          </a:prstGeom>
+        </p:spPr>
+        <p:style>
+          <a:lnRef idx="2">
+            <a:schemeClr val="accent6">
+              <a:shade val="50000"/>
+            </a:schemeClr>
+          </a:lnRef>
+          <a:fillRef idx="1">
+            <a:schemeClr val="accent6"/>
+          </a:fillRef>
+          <a:effectRef idx="0">
+            <a:schemeClr val="accent6"/>
+          </a:effectRef>
+          <a:fontRef idx="minor">
+            <a:schemeClr val="lt1"/>
+          </a:fontRef>
+        </p:style>
+        <p:txBody>
+          <a:bodyPr rtlCol="0" anchor="ctr"/>
+          <a:lstStyle/>
+          <a:p>
+            <a:pPr algn="ctr"/>
+            <a:r>
+              <a:rPr lang="pt-PT" dirty="0" smtClean="0"/>
+              <a:t>Modulator</a:t>
+            </a:r>
+            <a:endParaRPr lang="pt-PT" dirty="0" smtClean="0"/>
+          </a:p>
+        </p:txBody>
+      </p:sp>
+      <p:cxnSp>
+        <p:nvCxnSpPr>
+          <p:cNvPr id="84" name="Conector angulado 83"/>
+          <p:cNvCxnSpPr>
+            <a:stCxn id="7" idx="3"/>
+            <a:endCxn id="8" idx="0"/>
+          </p:cNvCxnSpPr>
+          <p:nvPr/>
+        </p:nvCxnSpPr>
+        <p:spPr>
+          <a:xfrm>
+            <a:off x="4533543" y="748089"/>
+            <a:ext cx="2914561" cy="707414"/>
+          </a:xfrm>
+          <a:prstGeom prst="bentConnector2">
+            <a:avLst/>
+          </a:prstGeom>
+          <a:ln>
+            <a:tailEnd type="triangle"/>
+          </a:ln>
+        </p:spPr>
+        <p:style>
+          <a:lnRef idx="1">
+            <a:schemeClr val="accent1"/>
+          </a:lnRef>
+          <a:fillRef idx="0">
+            <a:schemeClr val="accent1"/>
+          </a:fillRef>
+          <a:effectRef idx="0">
+            <a:schemeClr val="accent1"/>
+          </a:effectRef>
+          <a:fontRef idx="minor">
+            <a:schemeClr val="tx1"/>
+          </a:fontRef>
+        </p:style>
+      </p:cxnSp>
+      <p:cxnSp>
+        <p:nvCxnSpPr>
+          <p:cNvPr id="90" name="Conector angulado 89"/>
+          <p:cNvCxnSpPr>
+            <a:stCxn id="24" idx="3"/>
+            <a:endCxn id="8" idx="2"/>
+          </p:cNvCxnSpPr>
+          <p:nvPr/>
+        </p:nvCxnSpPr>
+        <p:spPr>
+          <a:xfrm flipV="1">
+            <a:off x="1460143" y="2032630"/>
+            <a:ext cx="5987961" cy="721729"/>
+          </a:xfrm>
+          <a:prstGeom prst="bentConnector2">
+            <a:avLst/>
+          </a:prstGeom>
+          <a:ln>
+            <a:tailEnd type="triangle"/>
+          </a:ln>
+        </p:spPr>
+        <p:style>
+          <a:lnRef idx="1">
+            <a:schemeClr val="accent1"/>
+          </a:lnRef>
+          <a:fillRef idx="0">
+            <a:schemeClr val="accent1"/>
+          </a:fillRef>
+          <a:effectRef idx="0">
+            <a:schemeClr val="accent1"/>
+          </a:effectRef>
+          <a:fontRef idx="minor">
+            <a:schemeClr val="tx1"/>
+          </a:fontRef>
+        </p:style>
+      </p:cxnSp>
+      <p:cxnSp>
+        <p:nvCxnSpPr>
+          <p:cNvPr id="95" name="Conector angulado 94"/>
+          <p:cNvCxnSpPr>
+            <a:stCxn id="8" idx="3"/>
+            <a:endCxn id="75" idx="1"/>
+          </p:cNvCxnSpPr>
+          <p:nvPr/>
+        </p:nvCxnSpPr>
+        <p:spPr>
+          <a:xfrm flipV="1">
+            <a:off x="8343185" y="516586"/>
+            <a:ext cx="1175913" cy="1227481"/>
+          </a:xfrm>
+          <a:prstGeom prst="bentConnector3">
+            <a:avLst>
+              <a:gd name="adj1" fmla="val 78080"/>
+            </a:avLst>
+          </a:prstGeom>
+          <a:ln>
+            <a:tailEnd type="triangle"/>
+          </a:ln>
+        </p:spPr>
+        <p:style>
+          <a:lnRef idx="1">
+            <a:schemeClr val="accent1"/>
+          </a:lnRef>
+          <a:fillRef idx="0">
+            <a:schemeClr val="accent1"/>
+          </a:fillRef>
+          <a:effectRef idx="0">
+            <a:schemeClr val="accent1"/>
+          </a:effectRef>
+          <a:fontRef idx="minor">
+            <a:schemeClr val="tx1"/>
+          </a:fontRef>
+        </p:style>
+      </p:cxnSp>
+      <p:cxnSp>
+        <p:nvCxnSpPr>
+          <p:cNvPr id="97" name="Conector angulado 96"/>
+          <p:cNvCxnSpPr>
+            <a:stCxn id="75" idx="2"/>
+            <a:endCxn id="76" idx="0"/>
+          </p:cNvCxnSpPr>
+          <p:nvPr/>
+        </p:nvCxnSpPr>
+        <p:spPr>
+          <a:xfrm rot="5400000">
+            <a:off x="10228503" y="990827"/>
+            <a:ext cx="371354" cy="1"/>
+          </a:xfrm>
+          <a:prstGeom prst="bentConnector3">
+            <a:avLst>
+              <a:gd name="adj1" fmla="val 50000"/>
+            </a:avLst>
+          </a:prstGeom>
+          <a:ln>
+            <a:tailEnd type="triangle"/>
+          </a:ln>
+        </p:spPr>
+        <p:style>
+          <a:lnRef idx="1">
+            <a:schemeClr val="accent1"/>
+          </a:lnRef>
+          <a:fillRef idx="0">
+            <a:schemeClr val="accent1"/>
+          </a:fillRef>
+          <a:effectRef idx="0">
+            <a:schemeClr val="accent1"/>
+          </a:effectRef>
+          <a:fontRef idx="minor">
+            <a:schemeClr val="tx1"/>
+          </a:fontRef>
+        </p:style>
+      </p:cxnSp>
+      <p:cxnSp>
+        <p:nvCxnSpPr>
+          <p:cNvPr id="100" name="Conector angulado 99"/>
+          <p:cNvCxnSpPr>
+            <a:stCxn id="76" idx="2"/>
+            <a:endCxn id="16" idx="3"/>
+          </p:cNvCxnSpPr>
+          <p:nvPr/>
+        </p:nvCxnSpPr>
+        <p:spPr>
+          <a:xfrm rot="5400000">
+            <a:off x="10177348" y="1838203"/>
+            <a:ext cx="473663" cy="1"/>
+          </a:xfrm>
+          <a:prstGeom prst="bentConnector3">
+            <a:avLst>
+              <a:gd name="adj1" fmla="val 50000"/>
+            </a:avLst>
+          </a:prstGeom>
+          <a:ln>
+            <a:tailEnd type="triangle"/>
+          </a:ln>
+        </p:spPr>
+        <p:style>
+          <a:lnRef idx="1">
+            <a:schemeClr val="accent1"/>
+          </a:lnRef>
+          <a:fillRef idx="0">
+            <a:schemeClr val="accent1"/>
+          </a:fillRef>
+          <a:effectRef idx="0">
+            <a:schemeClr val="accent1"/>
+          </a:effectRef>
+          <a:fontRef idx="minor">
+            <a:schemeClr val="tx1"/>
+          </a:fontRef>
+        </p:style>
+      </p:cxnSp>
+      <p:sp>
+        <p:nvSpPr>
+          <p:cNvPr id="103" name="CaixaDeTexto 102"/>
+          <p:cNvSpPr txBox="1"/>
+          <p:nvPr/>
+        </p:nvSpPr>
+        <p:spPr>
+          <a:xfrm>
+            <a:off x="4392594" y="765488"/>
+            <a:ext cx="2420510" cy="307777"/>
+          </a:xfrm>
+          <a:prstGeom prst="rect">
+            <a:avLst/>
+          </a:prstGeom>
+          <a:noFill/>
+        </p:spPr>
+        <p:txBody>
+          <a:bodyPr wrap="square" rtlCol="0">
+            <a:spAutoFit/>
+          </a:bodyPr>
+          <a:lstStyle/>
+          <a:p>
+            <a:pPr algn="ctr"/>
+            <a:r>
+              <a:rPr lang="pt-PT" sz="1400" dirty="0" smtClean="0"/>
+              <a:t>Video Elementary Stream</a:t>
+            </a:r>
+            <a:endParaRPr lang="pt-BR" sz="1400" dirty="0"/>
+          </a:p>
+        </p:txBody>
+      </p:sp>
+      <p:cxnSp>
+        <p:nvCxnSpPr>
+          <p:cNvPr id="108" name="Conector de seta reta 107"/>
+          <p:cNvCxnSpPr>
+            <a:stCxn id="21" idx="3"/>
+            <a:endCxn id="8" idx="1"/>
+          </p:cNvCxnSpPr>
+          <p:nvPr/>
+        </p:nvCxnSpPr>
+        <p:spPr>
+          <a:xfrm>
+            <a:off x="4508143" y="1728862"/>
+            <a:ext cx="2044879" cy="15205"/>
+          </a:xfrm>
+          <a:prstGeom prst="straightConnector1">
+            <a:avLst/>
+          </a:prstGeom>
+          <a:ln>
+            <a:tailEnd type="triangle"/>
+          </a:ln>
+        </p:spPr>
+        <p:style>
+          <a:lnRef idx="1">
+            <a:schemeClr val="accent1"/>
+          </a:lnRef>
+          <a:fillRef idx="0">
+            <a:schemeClr val="accent1"/>
+          </a:fillRef>
+          <a:effectRef idx="0">
+            <a:schemeClr val="accent1"/>
+          </a:effectRef>
+          <a:fontRef idx="minor">
+            <a:schemeClr val="tx1"/>
+          </a:fontRef>
+        </p:style>
+      </p:cxnSp>
+      <p:sp>
+        <p:nvSpPr>
+          <p:cNvPr id="110" name="CaixaDeTexto 109"/>
+          <p:cNvSpPr txBox="1"/>
+          <p:nvPr/>
+        </p:nvSpPr>
+        <p:spPr>
+          <a:xfrm>
+            <a:off x="4306194" y="1717549"/>
+            <a:ext cx="2420510" cy="307777"/>
+          </a:xfrm>
+          <a:prstGeom prst="rect">
+            <a:avLst/>
+          </a:prstGeom>
+          <a:noFill/>
+        </p:spPr>
+        <p:txBody>
+          <a:bodyPr wrap="square" rtlCol="0">
+            <a:spAutoFit/>
+          </a:bodyPr>
+          <a:lstStyle/>
+          <a:p>
+            <a:pPr algn="ctr"/>
+            <a:r>
+              <a:rPr lang="pt-PT" sz="1400" dirty="0" smtClean="0"/>
+              <a:t>Audio Elementary Stream</a:t>
+            </a:r>
+            <a:endParaRPr lang="pt-BR" sz="1400" dirty="0"/>
+          </a:p>
+        </p:txBody>
+      </p:sp>
+      <p:sp>
+        <p:nvSpPr>
+          <p:cNvPr id="113" name="CaixaDeTexto 112"/>
+          <p:cNvSpPr txBox="1"/>
+          <p:nvPr/>
+        </p:nvSpPr>
+        <p:spPr>
+          <a:xfrm>
+            <a:off x="8299540" y="1749233"/>
+            <a:ext cx="1500029" cy="307777"/>
+          </a:xfrm>
+          <a:prstGeom prst="rect">
+            <a:avLst/>
+          </a:prstGeom>
+          <a:noFill/>
+        </p:spPr>
+        <p:txBody>
+          <a:bodyPr wrap="square" rtlCol="0">
+            <a:spAutoFit/>
+          </a:bodyPr>
+          <a:lstStyle/>
+          <a:p>
+            <a:pPr algn="ctr"/>
+            <a:r>
+              <a:rPr lang="pt-PT" sz="1400" dirty="0" smtClean="0"/>
+              <a:t>Transport Stream</a:t>
+            </a:r>
+            <a:endParaRPr lang="pt-BR" sz="1400" dirty="0"/>
+          </a:p>
+        </p:txBody>
+      </p:sp>
+    </p:spTree>
+    <p:extLst>
+      <p:ext uri="{BB962C8B-B14F-4D97-AF65-F5344CB8AC3E}">
+        <p14:creationId xmlns:p14="http://schemas.microsoft.com/office/powerpoint/2010/main" val="2564541181"/>
+      </p:ext>
+    </p:extLst>
+  </p:cSld>
+  <p:clrMapOvr>
+    <a:masterClrMapping/>
+  </p:clrMapOvr>
+</p:sld>
+</file>
+
 <file path=ppt/theme/theme1.xml><?xml version="1.0" encoding="utf-8"?>
 <a:theme xmlns:a="http://schemas.openxmlformats.org/drawingml/2006/main" name="Tema do Office">
   <a:themeElements>

--- a/relatorio/abntex2-modelos-1.9.2/figuras/diagramas.pptx
+++ b/relatorio/abntex2-modelos-1.9.2/figuras/diagramas.pptx
@@ -8,6 +8,7 @@
     <p:sldId id="256" r:id="rId2"/>
     <p:sldId id="257" r:id="rId3"/>
     <p:sldId id="258" r:id="rId4"/>
+    <p:sldId id="259" r:id="rId5"/>
   </p:sldIdLst>
   <p:sldSz cx="12192000" cy="6858000"/>
   <p:notesSz cx="6858000" cy="9144000"/>
@@ -245,7 +246,7 @@
           <a:p>
             <a:fld id="{7F981E3C-F023-4B2E-8C30-C087B244E656}" type="datetimeFigureOut">
               <a:rPr lang="pt-BR" smtClean="0"/>
-              <a:t>10/05/2014</a:t>
+              <a:t>18/05/2014</a:t>
             </a:fld>
             <a:endParaRPr lang="pt-BR"/>
           </a:p>
@@ -415,7 +416,7 @@
           <a:p>
             <a:fld id="{7F981E3C-F023-4B2E-8C30-C087B244E656}" type="datetimeFigureOut">
               <a:rPr lang="pt-BR" smtClean="0"/>
-              <a:t>10/05/2014</a:t>
+              <a:t>18/05/2014</a:t>
             </a:fld>
             <a:endParaRPr lang="pt-BR"/>
           </a:p>
@@ -595,7 +596,7 @@
           <a:p>
             <a:fld id="{7F981E3C-F023-4B2E-8C30-C087B244E656}" type="datetimeFigureOut">
               <a:rPr lang="pt-BR" smtClean="0"/>
-              <a:t>10/05/2014</a:t>
+              <a:t>18/05/2014</a:t>
             </a:fld>
             <a:endParaRPr lang="pt-BR"/>
           </a:p>
@@ -765,7 +766,7 @@
           <a:p>
             <a:fld id="{7F981E3C-F023-4B2E-8C30-C087B244E656}" type="datetimeFigureOut">
               <a:rPr lang="pt-BR" smtClean="0"/>
-              <a:t>10/05/2014</a:t>
+              <a:t>18/05/2014</a:t>
             </a:fld>
             <a:endParaRPr lang="pt-BR"/>
           </a:p>
@@ -1011,7 +1012,7 @@
           <a:p>
             <a:fld id="{7F981E3C-F023-4B2E-8C30-C087B244E656}" type="datetimeFigureOut">
               <a:rPr lang="pt-BR" smtClean="0"/>
-              <a:t>10/05/2014</a:t>
+              <a:t>18/05/2014</a:t>
             </a:fld>
             <a:endParaRPr lang="pt-BR"/>
           </a:p>
@@ -1243,7 +1244,7 @@
           <a:p>
             <a:fld id="{7F981E3C-F023-4B2E-8C30-C087B244E656}" type="datetimeFigureOut">
               <a:rPr lang="pt-BR" smtClean="0"/>
-              <a:t>10/05/2014</a:t>
+              <a:t>18/05/2014</a:t>
             </a:fld>
             <a:endParaRPr lang="pt-BR"/>
           </a:p>
@@ -1610,7 +1611,7 @@
           <a:p>
             <a:fld id="{7F981E3C-F023-4B2E-8C30-C087B244E656}" type="datetimeFigureOut">
               <a:rPr lang="pt-BR" smtClean="0"/>
-              <a:t>10/05/2014</a:t>
+              <a:t>18/05/2014</a:t>
             </a:fld>
             <a:endParaRPr lang="pt-BR"/>
           </a:p>
@@ -1728,7 +1729,7 @@
           <a:p>
             <a:fld id="{7F981E3C-F023-4B2E-8C30-C087B244E656}" type="datetimeFigureOut">
               <a:rPr lang="pt-BR" smtClean="0"/>
-              <a:t>10/05/2014</a:t>
+              <a:t>18/05/2014</a:t>
             </a:fld>
             <a:endParaRPr lang="pt-BR"/>
           </a:p>
@@ -1823,7 +1824,7 @@
           <a:p>
             <a:fld id="{7F981E3C-F023-4B2E-8C30-C087B244E656}" type="datetimeFigureOut">
               <a:rPr lang="pt-BR" smtClean="0"/>
-              <a:t>10/05/2014</a:t>
+              <a:t>18/05/2014</a:t>
             </a:fld>
             <a:endParaRPr lang="pt-BR"/>
           </a:p>
@@ -2100,7 +2101,7 @@
           <a:p>
             <a:fld id="{7F981E3C-F023-4B2E-8C30-C087B244E656}" type="datetimeFigureOut">
               <a:rPr lang="pt-BR" smtClean="0"/>
-              <a:t>10/05/2014</a:t>
+              <a:t>18/05/2014</a:t>
             </a:fld>
             <a:endParaRPr lang="pt-BR"/>
           </a:p>
@@ -2353,7 +2354,7 @@
           <a:p>
             <a:fld id="{7F981E3C-F023-4B2E-8C30-C087B244E656}" type="datetimeFigureOut">
               <a:rPr lang="pt-BR" smtClean="0"/>
-              <a:t>10/05/2014</a:t>
+              <a:t>18/05/2014</a:t>
             </a:fld>
             <a:endParaRPr lang="pt-BR"/>
           </a:p>
@@ -2566,7 +2567,7 @@
           <a:p>
             <a:fld id="{7F981E3C-F023-4B2E-8C30-C087B244E656}" type="datetimeFigureOut">
               <a:rPr lang="pt-BR" smtClean="0"/>
-              <a:t>10/05/2014</a:t>
+              <a:t>18/05/2014</a:t>
             </a:fld>
             <a:endParaRPr lang="pt-BR"/>
           </a:p>
@@ -5272,7 +5273,6 @@
               <a:rPr lang="pt-PT" dirty="0" smtClean="0"/>
               <a:t>Audio Encoder</a:t>
             </a:r>
-            <a:endParaRPr lang="pt-PT" dirty="0" smtClean="0"/>
           </a:p>
         </p:txBody>
       </p:sp>
@@ -5615,7 +5615,6 @@
               <a:rPr lang="pt-PT" dirty="0" smtClean="0"/>
               <a:t>Error Correction Encoder</a:t>
             </a:r>
-            <a:endParaRPr lang="pt-PT" dirty="0" smtClean="0"/>
           </a:p>
         </p:txBody>
       </p:sp>
@@ -5659,7 +5658,6 @@
               <a:rPr lang="pt-PT" dirty="0" smtClean="0"/>
               <a:t>Modulator</a:t>
             </a:r>
-            <a:endParaRPr lang="pt-PT" dirty="0" smtClean="0"/>
           </a:p>
         </p:txBody>
       </p:sp>
@@ -5982,6 +5980,1209 @@
     <p:extLst>
       <p:ext uri="{BB962C8B-B14F-4D97-AF65-F5344CB8AC3E}">
         <p14:creationId xmlns:p14="http://schemas.microsoft.com/office/powerpoint/2010/main" val="2564541181"/>
+      </p:ext>
+    </p:extLst>
+  </p:cSld>
+  <p:clrMapOvr>
+    <a:masterClrMapping/>
+  </p:clrMapOvr>
+</p:sld>
+</file>
+
+<file path=ppt/slides/slide4.xml><?xml version="1.0" encoding="utf-8"?>
+<p:sld xmlns:a="http://schemas.openxmlformats.org/drawingml/2006/main" xmlns:r="http://schemas.openxmlformats.org/officeDocument/2006/relationships" xmlns:p="http://schemas.openxmlformats.org/presentationml/2006/main">
+  <p:cSld>
+    <p:spTree>
+      <p:nvGrpSpPr>
+        <p:cNvPr id="1" name=""/>
+        <p:cNvGrpSpPr/>
+        <p:nvPr/>
+      </p:nvGrpSpPr>
+      <p:grpSpPr>
+        <a:xfrm>
+          <a:off x="0" y="0"/>
+          <a:ext cx="0" cy="0"/>
+          <a:chOff x="0" y="0"/>
+          <a:chExt cx="0" cy="0"/>
+        </a:xfrm>
+      </p:grpSpPr>
+      <p:sp>
+        <p:nvSpPr>
+          <p:cNvPr id="3" name="Subtítulo 2"/>
+          <p:cNvSpPr>
+            <a:spLocks noGrp="1"/>
+          </p:cNvSpPr>
+          <p:nvPr>
+            <p:ph type="subTitle" idx="1"/>
+          </p:nvPr>
+        </p:nvSpPr>
+        <p:spPr>
+          <a:xfrm>
+            <a:off x="1910367" y="6272011"/>
+            <a:ext cx="9144000" cy="444321"/>
+          </a:xfrm>
+        </p:spPr>
+        <p:txBody>
+          <a:bodyPr/>
+          <a:lstStyle/>
+          <a:p>
+            <a:r>
+              <a:rPr lang="pt-PT" dirty="0" smtClean="0"/>
+              <a:t>Sequencia de quadros IBBPBBP...</a:t>
+            </a:r>
+            <a:endParaRPr lang="pt-BR" dirty="0"/>
+          </a:p>
+        </p:txBody>
+      </p:sp>
+      <p:sp>
+        <p:nvSpPr>
+          <p:cNvPr id="5" name="Retângulo de cantos arredondados 4"/>
+          <p:cNvSpPr/>
+          <p:nvPr/>
+        </p:nvSpPr>
+        <p:spPr>
+          <a:xfrm>
+            <a:off x="1250886" y="857365"/>
+            <a:ext cx="1790163" cy="1684449"/>
+          </a:xfrm>
+          <a:prstGeom prst="roundRect">
+            <a:avLst/>
+          </a:prstGeom>
+        </p:spPr>
+        <p:style>
+          <a:lnRef idx="1">
+            <a:schemeClr val="accent4"/>
+          </a:lnRef>
+          <a:fillRef idx="2">
+            <a:schemeClr val="accent4"/>
+          </a:fillRef>
+          <a:effectRef idx="1">
+            <a:schemeClr val="accent4"/>
+          </a:effectRef>
+          <a:fontRef idx="minor">
+            <a:schemeClr val="dk1"/>
+          </a:fontRef>
+        </p:style>
+        <p:txBody>
+          <a:bodyPr rtlCol="0" anchor="ctr"/>
+          <a:lstStyle/>
+          <a:p>
+            <a:pPr algn="ctr"/>
+            <a:endParaRPr lang="pt-PT" dirty="0" smtClean="0">
+              <a:solidFill>
+                <a:prstClr val="white"/>
+              </a:solidFill>
+            </a:endParaRPr>
+          </a:p>
+          <a:p>
+            <a:pPr algn="ctr"/>
+            <a:endParaRPr lang="pt-PT" dirty="0">
+              <a:solidFill>
+                <a:prstClr val="white"/>
+              </a:solidFill>
+            </a:endParaRPr>
+          </a:p>
+          <a:p>
+            <a:pPr algn="ctr"/>
+            <a:endParaRPr lang="pt-PT" dirty="0" smtClean="0">
+              <a:solidFill>
+                <a:prstClr val="white"/>
+              </a:solidFill>
+            </a:endParaRPr>
+          </a:p>
+          <a:p>
+            <a:pPr algn="ctr"/>
+            <a:endParaRPr lang="pt-PT" dirty="0">
+              <a:solidFill>
+                <a:prstClr val="white"/>
+              </a:solidFill>
+            </a:endParaRPr>
+          </a:p>
+          <a:p>
+            <a:pPr algn="ctr"/>
+            <a:endParaRPr lang="pt-PT" dirty="0" smtClean="0">
+              <a:solidFill>
+                <a:prstClr val="white"/>
+              </a:solidFill>
+            </a:endParaRPr>
+          </a:p>
+          <a:p>
+            <a:r>
+              <a:rPr lang="pt-PT" dirty="0" smtClean="0">
+                <a:solidFill>
+                  <a:prstClr val="white"/>
+                </a:solidFill>
+              </a:rPr>
+              <a:t>I</a:t>
+            </a:r>
+            <a:endParaRPr lang="pt-BR" sz="1400" dirty="0">
+              <a:solidFill>
+                <a:prstClr val="white"/>
+              </a:solidFill>
+            </a:endParaRPr>
+          </a:p>
+        </p:txBody>
+      </p:sp>
+      <p:sp>
+        <p:nvSpPr>
+          <p:cNvPr id="27" name="Retângulo de cantos arredondados 26"/>
+          <p:cNvSpPr/>
+          <p:nvPr/>
+        </p:nvSpPr>
+        <p:spPr>
+          <a:xfrm>
+            <a:off x="3211647" y="857364"/>
+            <a:ext cx="1790163" cy="1684449"/>
+          </a:xfrm>
+          <a:prstGeom prst="roundRect">
+            <a:avLst/>
+          </a:prstGeom>
+        </p:spPr>
+        <p:style>
+          <a:lnRef idx="1">
+            <a:schemeClr val="accent6"/>
+          </a:lnRef>
+          <a:fillRef idx="2">
+            <a:schemeClr val="accent6"/>
+          </a:fillRef>
+          <a:effectRef idx="1">
+            <a:schemeClr val="accent6"/>
+          </a:effectRef>
+          <a:fontRef idx="minor">
+            <a:schemeClr val="dk1"/>
+          </a:fontRef>
+        </p:style>
+        <p:txBody>
+          <a:bodyPr rtlCol="0" anchor="ctr"/>
+          <a:lstStyle/>
+          <a:p>
+            <a:pPr algn="ctr"/>
+            <a:endParaRPr lang="pt-PT" dirty="0" smtClean="0">
+              <a:solidFill>
+                <a:prstClr val="white"/>
+              </a:solidFill>
+            </a:endParaRPr>
+          </a:p>
+          <a:p>
+            <a:pPr algn="ctr"/>
+            <a:endParaRPr lang="pt-PT" dirty="0">
+              <a:solidFill>
+                <a:prstClr val="white"/>
+              </a:solidFill>
+            </a:endParaRPr>
+          </a:p>
+          <a:p>
+            <a:pPr algn="ctr"/>
+            <a:endParaRPr lang="pt-PT" dirty="0" smtClean="0">
+              <a:solidFill>
+                <a:prstClr val="white"/>
+              </a:solidFill>
+            </a:endParaRPr>
+          </a:p>
+          <a:p>
+            <a:pPr algn="ctr"/>
+            <a:endParaRPr lang="pt-PT" dirty="0">
+              <a:solidFill>
+                <a:prstClr val="white"/>
+              </a:solidFill>
+            </a:endParaRPr>
+          </a:p>
+          <a:p>
+            <a:pPr algn="ctr"/>
+            <a:endParaRPr lang="pt-PT" dirty="0" smtClean="0">
+              <a:solidFill>
+                <a:prstClr val="white"/>
+              </a:solidFill>
+            </a:endParaRPr>
+          </a:p>
+          <a:p>
+            <a:r>
+              <a:rPr lang="pt-PT" dirty="0">
+                <a:solidFill>
+                  <a:prstClr val="white"/>
+                </a:solidFill>
+              </a:rPr>
+              <a:t>B</a:t>
+            </a:r>
+            <a:endParaRPr lang="pt-BR" sz="1400" dirty="0">
+              <a:solidFill>
+                <a:prstClr val="white"/>
+              </a:solidFill>
+            </a:endParaRPr>
+          </a:p>
+        </p:txBody>
+      </p:sp>
+      <p:sp>
+        <p:nvSpPr>
+          <p:cNvPr id="28" name="Retângulo de cantos arredondados 27"/>
+          <p:cNvSpPr/>
+          <p:nvPr/>
+        </p:nvSpPr>
+        <p:spPr>
+          <a:xfrm>
+            <a:off x="5197539" y="857364"/>
+            <a:ext cx="1790163" cy="1684449"/>
+          </a:xfrm>
+          <a:prstGeom prst="roundRect">
+            <a:avLst/>
+          </a:prstGeom>
+        </p:spPr>
+        <p:style>
+          <a:lnRef idx="1">
+            <a:schemeClr val="accent6"/>
+          </a:lnRef>
+          <a:fillRef idx="2">
+            <a:schemeClr val="accent6"/>
+          </a:fillRef>
+          <a:effectRef idx="1">
+            <a:schemeClr val="accent6"/>
+          </a:effectRef>
+          <a:fontRef idx="minor">
+            <a:schemeClr val="dk1"/>
+          </a:fontRef>
+        </p:style>
+        <p:txBody>
+          <a:bodyPr rtlCol="0" anchor="ctr"/>
+          <a:lstStyle/>
+          <a:p>
+            <a:pPr algn="ctr"/>
+            <a:endParaRPr lang="pt-PT" dirty="0" smtClean="0">
+              <a:solidFill>
+                <a:prstClr val="white"/>
+              </a:solidFill>
+            </a:endParaRPr>
+          </a:p>
+          <a:p>
+            <a:pPr algn="ctr"/>
+            <a:endParaRPr lang="pt-PT" dirty="0">
+              <a:solidFill>
+                <a:prstClr val="white"/>
+              </a:solidFill>
+            </a:endParaRPr>
+          </a:p>
+          <a:p>
+            <a:pPr algn="ctr"/>
+            <a:endParaRPr lang="pt-PT" dirty="0" smtClean="0">
+              <a:solidFill>
+                <a:prstClr val="white"/>
+              </a:solidFill>
+            </a:endParaRPr>
+          </a:p>
+          <a:p>
+            <a:pPr algn="ctr"/>
+            <a:endParaRPr lang="pt-PT" dirty="0">
+              <a:solidFill>
+                <a:prstClr val="white"/>
+              </a:solidFill>
+            </a:endParaRPr>
+          </a:p>
+          <a:p>
+            <a:pPr algn="ctr"/>
+            <a:endParaRPr lang="pt-PT" dirty="0" smtClean="0">
+              <a:solidFill>
+                <a:prstClr val="white"/>
+              </a:solidFill>
+            </a:endParaRPr>
+          </a:p>
+          <a:p>
+            <a:r>
+              <a:rPr lang="pt-PT" dirty="0">
+                <a:solidFill>
+                  <a:prstClr val="white"/>
+                </a:solidFill>
+              </a:rPr>
+              <a:t>B</a:t>
+            </a:r>
+            <a:endParaRPr lang="pt-BR" sz="1400" dirty="0">
+              <a:solidFill>
+                <a:prstClr val="white"/>
+              </a:solidFill>
+            </a:endParaRPr>
+          </a:p>
+        </p:txBody>
+      </p:sp>
+      <p:sp>
+        <p:nvSpPr>
+          <p:cNvPr id="29" name="Retângulo de cantos arredondados 28"/>
+          <p:cNvSpPr/>
+          <p:nvPr/>
+        </p:nvSpPr>
+        <p:spPr>
+          <a:xfrm>
+            <a:off x="7158300" y="857364"/>
+            <a:ext cx="1790163" cy="1684449"/>
+          </a:xfrm>
+          <a:prstGeom prst="roundRect">
+            <a:avLst/>
+          </a:prstGeom>
+        </p:spPr>
+        <p:style>
+          <a:lnRef idx="1">
+            <a:schemeClr val="accent1"/>
+          </a:lnRef>
+          <a:fillRef idx="3">
+            <a:schemeClr val="accent1"/>
+          </a:fillRef>
+          <a:effectRef idx="2">
+            <a:schemeClr val="accent1"/>
+          </a:effectRef>
+          <a:fontRef idx="minor">
+            <a:schemeClr val="lt1"/>
+          </a:fontRef>
+        </p:style>
+        <p:txBody>
+          <a:bodyPr rtlCol="0" anchor="ctr"/>
+          <a:lstStyle/>
+          <a:p>
+            <a:pPr algn="ctr"/>
+            <a:endParaRPr lang="pt-PT" dirty="0" smtClean="0">
+              <a:solidFill>
+                <a:prstClr val="white"/>
+              </a:solidFill>
+            </a:endParaRPr>
+          </a:p>
+          <a:p>
+            <a:pPr algn="ctr"/>
+            <a:endParaRPr lang="pt-PT" dirty="0">
+              <a:solidFill>
+                <a:prstClr val="white"/>
+              </a:solidFill>
+            </a:endParaRPr>
+          </a:p>
+          <a:p>
+            <a:pPr algn="ctr"/>
+            <a:endParaRPr lang="pt-PT" dirty="0" smtClean="0">
+              <a:solidFill>
+                <a:prstClr val="white"/>
+              </a:solidFill>
+            </a:endParaRPr>
+          </a:p>
+          <a:p>
+            <a:pPr algn="ctr"/>
+            <a:endParaRPr lang="pt-PT" dirty="0">
+              <a:solidFill>
+                <a:prstClr val="white"/>
+              </a:solidFill>
+            </a:endParaRPr>
+          </a:p>
+          <a:p>
+            <a:pPr algn="ctr"/>
+            <a:endParaRPr lang="pt-PT" dirty="0" smtClean="0">
+              <a:solidFill>
+                <a:prstClr val="white"/>
+              </a:solidFill>
+            </a:endParaRPr>
+          </a:p>
+          <a:p>
+            <a:r>
+              <a:rPr lang="pt-PT" dirty="0" smtClean="0">
+                <a:solidFill>
+                  <a:prstClr val="white"/>
+                </a:solidFill>
+              </a:rPr>
+              <a:t>P</a:t>
+            </a:r>
+            <a:endParaRPr lang="pt-BR" sz="1400" dirty="0">
+              <a:solidFill>
+                <a:prstClr val="white"/>
+              </a:solidFill>
+            </a:endParaRPr>
+          </a:p>
+        </p:txBody>
+      </p:sp>
+      <p:sp>
+        <p:nvSpPr>
+          <p:cNvPr id="30" name="Retângulo de cantos arredondados 29"/>
+          <p:cNvSpPr/>
+          <p:nvPr/>
+        </p:nvSpPr>
+        <p:spPr>
+          <a:xfrm>
+            <a:off x="9119061" y="857364"/>
+            <a:ext cx="1790163" cy="1684449"/>
+          </a:xfrm>
+          <a:prstGeom prst="roundRect">
+            <a:avLst/>
+          </a:prstGeom>
+        </p:spPr>
+        <p:style>
+          <a:lnRef idx="1">
+            <a:schemeClr val="accent6"/>
+          </a:lnRef>
+          <a:fillRef idx="2">
+            <a:schemeClr val="accent6"/>
+          </a:fillRef>
+          <a:effectRef idx="1">
+            <a:schemeClr val="accent6"/>
+          </a:effectRef>
+          <a:fontRef idx="minor">
+            <a:schemeClr val="dk1"/>
+          </a:fontRef>
+        </p:style>
+        <p:txBody>
+          <a:bodyPr rtlCol="0" anchor="ctr"/>
+          <a:lstStyle/>
+          <a:p>
+            <a:pPr algn="ctr"/>
+            <a:endParaRPr lang="pt-PT" dirty="0" smtClean="0">
+              <a:solidFill>
+                <a:prstClr val="white"/>
+              </a:solidFill>
+            </a:endParaRPr>
+          </a:p>
+          <a:p>
+            <a:pPr algn="ctr"/>
+            <a:endParaRPr lang="pt-PT" dirty="0">
+              <a:solidFill>
+                <a:prstClr val="white"/>
+              </a:solidFill>
+            </a:endParaRPr>
+          </a:p>
+          <a:p>
+            <a:pPr algn="ctr"/>
+            <a:endParaRPr lang="pt-PT" dirty="0" smtClean="0">
+              <a:solidFill>
+                <a:prstClr val="white"/>
+              </a:solidFill>
+            </a:endParaRPr>
+          </a:p>
+          <a:p>
+            <a:pPr algn="ctr"/>
+            <a:endParaRPr lang="pt-PT" dirty="0">
+              <a:solidFill>
+                <a:prstClr val="white"/>
+              </a:solidFill>
+            </a:endParaRPr>
+          </a:p>
+          <a:p>
+            <a:pPr algn="ctr"/>
+            <a:endParaRPr lang="pt-PT" dirty="0" smtClean="0">
+              <a:solidFill>
+                <a:prstClr val="white"/>
+              </a:solidFill>
+            </a:endParaRPr>
+          </a:p>
+          <a:p>
+            <a:r>
+              <a:rPr lang="pt-PT" dirty="0">
+                <a:solidFill>
+                  <a:prstClr val="white"/>
+                </a:solidFill>
+              </a:rPr>
+              <a:t>B</a:t>
+            </a:r>
+            <a:endParaRPr lang="pt-BR" sz="1400" dirty="0">
+              <a:solidFill>
+                <a:prstClr val="white"/>
+              </a:solidFill>
+            </a:endParaRPr>
+          </a:p>
+        </p:txBody>
+      </p:sp>
+      <p:sp>
+        <p:nvSpPr>
+          <p:cNvPr id="31" name="Retângulo de cantos arredondados 30"/>
+          <p:cNvSpPr/>
+          <p:nvPr/>
+        </p:nvSpPr>
+        <p:spPr>
+          <a:xfrm>
+            <a:off x="1250885" y="3347434"/>
+            <a:ext cx="1790163" cy="1684449"/>
+          </a:xfrm>
+          <a:prstGeom prst="roundRect">
+            <a:avLst/>
+          </a:prstGeom>
+        </p:spPr>
+        <p:style>
+          <a:lnRef idx="1">
+            <a:schemeClr val="accent6"/>
+          </a:lnRef>
+          <a:fillRef idx="2">
+            <a:schemeClr val="accent6"/>
+          </a:fillRef>
+          <a:effectRef idx="1">
+            <a:schemeClr val="accent6"/>
+          </a:effectRef>
+          <a:fontRef idx="minor">
+            <a:schemeClr val="dk1"/>
+          </a:fontRef>
+        </p:style>
+        <p:txBody>
+          <a:bodyPr rtlCol="0" anchor="ctr"/>
+          <a:lstStyle/>
+          <a:p>
+            <a:pPr algn="ctr"/>
+            <a:endParaRPr lang="pt-PT" dirty="0" smtClean="0">
+              <a:solidFill>
+                <a:prstClr val="white"/>
+              </a:solidFill>
+            </a:endParaRPr>
+          </a:p>
+          <a:p>
+            <a:pPr algn="ctr"/>
+            <a:endParaRPr lang="pt-PT" dirty="0">
+              <a:solidFill>
+                <a:prstClr val="white"/>
+              </a:solidFill>
+            </a:endParaRPr>
+          </a:p>
+          <a:p>
+            <a:pPr algn="ctr"/>
+            <a:endParaRPr lang="pt-PT" dirty="0" smtClean="0">
+              <a:solidFill>
+                <a:prstClr val="white"/>
+              </a:solidFill>
+            </a:endParaRPr>
+          </a:p>
+          <a:p>
+            <a:pPr algn="ctr"/>
+            <a:endParaRPr lang="pt-PT" dirty="0">
+              <a:solidFill>
+                <a:prstClr val="white"/>
+              </a:solidFill>
+            </a:endParaRPr>
+          </a:p>
+          <a:p>
+            <a:pPr algn="ctr"/>
+            <a:endParaRPr lang="pt-PT" dirty="0" smtClean="0">
+              <a:solidFill>
+                <a:prstClr val="white"/>
+              </a:solidFill>
+            </a:endParaRPr>
+          </a:p>
+          <a:p>
+            <a:r>
+              <a:rPr lang="pt-PT" dirty="0">
+                <a:solidFill>
+                  <a:prstClr val="white"/>
+                </a:solidFill>
+              </a:rPr>
+              <a:t>B</a:t>
+            </a:r>
+            <a:endParaRPr lang="pt-BR" sz="1400" dirty="0">
+              <a:solidFill>
+                <a:prstClr val="white"/>
+              </a:solidFill>
+            </a:endParaRPr>
+          </a:p>
+        </p:txBody>
+      </p:sp>
+      <p:sp>
+        <p:nvSpPr>
+          <p:cNvPr id="32" name="Retângulo de cantos arredondados 31"/>
+          <p:cNvSpPr/>
+          <p:nvPr/>
+        </p:nvSpPr>
+        <p:spPr>
+          <a:xfrm>
+            <a:off x="3228401" y="3347434"/>
+            <a:ext cx="1790163" cy="1684449"/>
+          </a:xfrm>
+          <a:prstGeom prst="roundRect">
+            <a:avLst/>
+          </a:prstGeom>
+        </p:spPr>
+        <p:style>
+          <a:lnRef idx="1">
+            <a:schemeClr val="accent1"/>
+          </a:lnRef>
+          <a:fillRef idx="3">
+            <a:schemeClr val="accent1"/>
+          </a:fillRef>
+          <a:effectRef idx="2">
+            <a:schemeClr val="accent1"/>
+          </a:effectRef>
+          <a:fontRef idx="minor">
+            <a:schemeClr val="lt1"/>
+          </a:fontRef>
+        </p:style>
+        <p:txBody>
+          <a:bodyPr rtlCol="0" anchor="ctr"/>
+          <a:lstStyle/>
+          <a:p>
+            <a:pPr algn="ctr"/>
+            <a:endParaRPr lang="pt-PT" dirty="0" smtClean="0">
+              <a:solidFill>
+                <a:prstClr val="white"/>
+              </a:solidFill>
+            </a:endParaRPr>
+          </a:p>
+          <a:p>
+            <a:pPr algn="ctr"/>
+            <a:endParaRPr lang="pt-PT" dirty="0">
+              <a:solidFill>
+                <a:prstClr val="white"/>
+              </a:solidFill>
+            </a:endParaRPr>
+          </a:p>
+          <a:p>
+            <a:pPr algn="ctr"/>
+            <a:endParaRPr lang="pt-PT" dirty="0" smtClean="0">
+              <a:solidFill>
+                <a:prstClr val="white"/>
+              </a:solidFill>
+            </a:endParaRPr>
+          </a:p>
+          <a:p>
+            <a:pPr algn="ctr"/>
+            <a:endParaRPr lang="pt-PT" dirty="0">
+              <a:solidFill>
+                <a:prstClr val="white"/>
+              </a:solidFill>
+            </a:endParaRPr>
+          </a:p>
+          <a:p>
+            <a:pPr algn="ctr"/>
+            <a:endParaRPr lang="pt-PT" dirty="0" smtClean="0">
+              <a:solidFill>
+                <a:prstClr val="white"/>
+              </a:solidFill>
+            </a:endParaRPr>
+          </a:p>
+          <a:p>
+            <a:r>
+              <a:rPr lang="pt-PT" dirty="0" smtClean="0">
+                <a:solidFill>
+                  <a:prstClr val="white"/>
+                </a:solidFill>
+              </a:rPr>
+              <a:t>P</a:t>
+            </a:r>
+            <a:endParaRPr lang="pt-BR" sz="1400" dirty="0">
+              <a:solidFill>
+                <a:prstClr val="white"/>
+              </a:solidFill>
+            </a:endParaRPr>
+          </a:p>
+        </p:txBody>
+      </p:sp>
+      <p:sp>
+        <p:nvSpPr>
+          <p:cNvPr id="33" name="Retângulo de cantos arredondados 32"/>
+          <p:cNvSpPr/>
+          <p:nvPr/>
+        </p:nvSpPr>
+        <p:spPr>
+          <a:xfrm>
+            <a:off x="5189162" y="3347434"/>
+            <a:ext cx="1790163" cy="1684449"/>
+          </a:xfrm>
+          <a:prstGeom prst="roundRect">
+            <a:avLst/>
+          </a:prstGeom>
+        </p:spPr>
+        <p:style>
+          <a:lnRef idx="1">
+            <a:schemeClr val="accent6"/>
+          </a:lnRef>
+          <a:fillRef idx="2">
+            <a:schemeClr val="accent6"/>
+          </a:fillRef>
+          <a:effectRef idx="1">
+            <a:schemeClr val="accent6"/>
+          </a:effectRef>
+          <a:fontRef idx="minor">
+            <a:schemeClr val="dk1"/>
+          </a:fontRef>
+        </p:style>
+        <p:txBody>
+          <a:bodyPr rtlCol="0" anchor="ctr"/>
+          <a:lstStyle/>
+          <a:p>
+            <a:pPr algn="ctr"/>
+            <a:endParaRPr lang="pt-PT" dirty="0" smtClean="0">
+              <a:solidFill>
+                <a:prstClr val="white"/>
+              </a:solidFill>
+            </a:endParaRPr>
+          </a:p>
+          <a:p>
+            <a:pPr algn="ctr"/>
+            <a:endParaRPr lang="pt-PT" dirty="0">
+              <a:solidFill>
+                <a:prstClr val="white"/>
+              </a:solidFill>
+            </a:endParaRPr>
+          </a:p>
+          <a:p>
+            <a:pPr algn="ctr"/>
+            <a:endParaRPr lang="pt-PT" dirty="0" smtClean="0">
+              <a:solidFill>
+                <a:prstClr val="white"/>
+              </a:solidFill>
+            </a:endParaRPr>
+          </a:p>
+          <a:p>
+            <a:pPr algn="ctr"/>
+            <a:endParaRPr lang="pt-PT" dirty="0">
+              <a:solidFill>
+                <a:prstClr val="white"/>
+              </a:solidFill>
+            </a:endParaRPr>
+          </a:p>
+          <a:p>
+            <a:pPr algn="ctr"/>
+            <a:endParaRPr lang="pt-PT" dirty="0" smtClean="0">
+              <a:solidFill>
+                <a:prstClr val="white"/>
+              </a:solidFill>
+            </a:endParaRPr>
+          </a:p>
+          <a:p>
+            <a:r>
+              <a:rPr lang="pt-PT" dirty="0">
+                <a:solidFill>
+                  <a:prstClr val="white"/>
+                </a:solidFill>
+              </a:rPr>
+              <a:t>B</a:t>
+            </a:r>
+            <a:endParaRPr lang="pt-BR" sz="1400" dirty="0">
+              <a:solidFill>
+                <a:prstClr val="white"/>
+              </a:solidFill>
+            </a:endParaRPr>
+          </a:p>
+        </p:txBody>
+      </p:sp>
+      <p:sp>
+        <p:nvSpPr>
+          <p:cNvPr id="34" name="Retângulo de cantos arredondados 33"/>
+          <p:cNvSpPr/>
+          <p:nvPr/>
+        </p:nvSpPr>
+        <p:spPr>
+          <a:xfrm>
+            <a:off x="7158300" y="3347434"/>
+            <a:ext cx="1790163" cy="1684449"/>
+          </a:xfrm>
+          <a:prstGeom prst="roundRect">
+            <a:avLst/>
+          </a:prstGeom>
+        </p:spPr>
+        <p:style>
+          <a:lnRef idx="1">
+            <a:schemeClr val="accent6"/>
+          </a:lnRef>
+          <a:fillRef idx="2">
+            <a:schemeClr val="accent6"/>
+          </a:fillRef>
+          <a:effectRef idx="1">
+            <a:schemeClr val="accent6"/>
+          </a:effectRef>
+          <a:fontRef idx="minor">
+            <a:schemeClr val="dk1"/>
+          </a:fontRef>
+        </p:style>
+        <p:txBody>
+          <a:bodyPr rtlCol="0" anchor="ctr"/>
+          <a:lstStyle/>
+          <a:p>
+            <a:pPr algn="ctr"/>
+            <a:endParaRPr lang="pt-PT" dirty="0" smtClean="0">
+              <a:solidFill>
+                <a:prstClr val="white"/>
+              </a:solidFill>
+            </a:endParaRPr>
+          </a:p>
+          <a:p>
+            <a:pPr algn="ctr"/>
+            <a:endParaRPr lang="pt-PT" dirty="0">
+              <a:solidFill>
+                <a:prstClr val="white"/>
+              </a:solidFill>
+            </a:endParaRPr>
+          </a:p>
+          <a:p>
+            <a:pPr algn="ctr"/>
+            <a:endParaRPr lang="pt-PT" dirty="0" smtClean="0">
+              <a:solidFill>
+                <a:prstClr val="white"/>
+              </a:solidFill>
+            </a:endParaRPr>
+          </a:p>
+          <a:p>
+            <a:pPr algn="ctr"/>
+            <a:endParaRPr lang="pt-PT" dirty="0">
+              <a:solidFill>
+                <a:prstClr val="white"/>
+              </a:solidFill>
+            </a:endParaRPr>
+          </a:p>
+          <a:p>
+            <a:pPr algn="ctr"/>
+            <a:endParaRPr lang="pt-PT" dirty="0" smtClean="0">
+              <a:solidFill>
+                <a:prstClr val="white"/>
+              </a:solidFill>
+            </a:endParaRPr>
+          </a:p>
+          <a:p>
+            <a:r>
+              <a:rPr lang="pt-PT" dirty="0">
+                <a:solidFill>
+                  <a:prstClr val="white"/>
+                </a:solidFill>
+              </a:rPr>
+              <a:t>B</a:t>
+            </a:r>
+            <a:endParaRPr lang="pt-BR" sz="1400" dirty="0">
+              <a:solidFill>
+                <a:prstClr val="white"/>
+              </a:solidFill>
+            </a:endParaRPr>
+          </a:p>
+        </p:txBody>
+      </p:sp>
+      <p:cxnSp>
+        <p:nvCxnSpPr>
+          <p:cNvPr id="8" name="Conector angulado 7"/>
+          <p:cNvCxnSpPr>
+            <a:stCxn id="5" idx="3"/>
+            <a:endCxn id="27" idx="1"/>
+          </p:cNvCxnSpPr>
+          <p:nvPr/>
+        </p:nvCxnSpPr>
+        <p:spPr>
+          <a:xfrm flipV="1">
+            <a:off x="3041049" y="1699589"/>
+            <a:ext cx="170598" cy="1"/>
+          </a:xfrm>
+          <a:prstGeom prst="bentConnector3">
+            <a:avLst/>
+          </a:prstGeom>
+          <a:ln>
+            <a:tailEnd type="triangle"/>
+          </a:ln>
+        </p:spPr>
+        <p:style>
+          <a:lnRef idx="1">
+            <a:schemeClr val="accent1"/>
+          </a:lnRef>
+          <a:fillRef idx="0">
+            <a:schemeClr val="accent1"/>
+          </a:fillRef>
+          <a:effectRef idx="0">
+            <a:schemeClr val="accent1"/>
+          </a:effectRef>
+          <a:fontRef idx="minor">
+            <a:schemeClr val="tx1"/>
+          </a:fontRef>
+        </p:style>
+      </p:cxnSp>
+      <p:cxnSp>
+        <p:nvCxnSpPr>
+          <p:cNvPr id="40" name="Conector angulado 39"/>
+          <p:cNvCxnSpPr/>
+          <p:nvPr/>
+        </p:nvCxnSpPr>
+        <p:spPr>
+          <a:xfrm flipV="1">
+            <a:off x="5001810" y="1699587"/>
+            <a:ext cx="170598" cy="1"/>
+          </a:xfrm>
+          <a:prstGeom prst="bentConnector3">
+            <a:avLst/>
+          </a:prstGeom>
+          <a:ln>
+            <a:tailEnd type="triangle"/>
+          </a:ln>
+        </p:spPr>
+        <p:style>
+          <a:lnRef idx="1">
+            <a:schemeClr val="accent1"/>
+          </a:lnRef>
+          <a:fillRef idx="0">
+            <a:schemeClr val="accent1"/>
+          </a:fillRef>
+          <a:effectRef idx="0">
+            <a:schemeClr val="accent1"/>
+          </a:effectRef>
+          <a:fontRef idx="minor">
+            <a:schemeClr val="tx1"/>
+          </a:fontRef>
+        </p:style>
+      </p:cxnSp>
+      <p:cxnSp>
+        <p:nvCxnSpPr>
+          <p:cNvPr id="45" name="Conector angulado 44"/>
+          <p:cNvCxnSpPr/>
+          <p:nvPr/>
+        </p:nvCxnSpPr>
+        <p:spPr>
+          <a:xfrm flipV="1">
+            <a:off x="6988494" y="1699586"/>
+            <a:ext cx="170598" cy="1"/>
+          </a:xfrm>
+          <a:prstGeom prst="bentConnector3">
+            <a:avLst/>
+          </a:prstGeom>
+          <a:ln>
+            <a:tailEnd type="triangle"/>
+          </a:ln>
+        </p:spPr>
+        <p:style>
+          <a:lnRef idx="1">
+            <a:schemeClr val="accent1"/>
+          </a:lnRef>
+          <a:fillRef idx="0">
+            <a:schemeClr val="accent1"/>
+          </a:fillRef>
+          <a:effectRef idx="0">
+            <a:schemeClr val="accent1"/>
+          </a:effectRef>
+          <a:fontRef idx="minor">
+            <a:schemeClr val="tx1"/>
+          </a:fontRef>
+        </p:style>
+      </p:cxnSp>
+      <p:cxnSp>
+        <p:nvCxnSpPr>
+          <p:cNvPr id="47" name="Conector angulado 46"/>
+          <p:cNvCxnSpPr/>
+          <p:nvPr/>
+        </p:nvCxnSpPr>
+        <p:spPr>
+          <a:xfrm flipV="1">
+            <a:off x="8947671" y="1692291"/>
+            <a:ext cx="170598" cy="1"/>
+          </a:xfrm>
+          <a:prstGeom prst="bentConnector3">
+            <a:avLst/>
+          </a:prstGeom>
+          <a:ln>
+            <a:tailEnd type="triangle"/>
+          </a:ln>
+        </p:spPr>
+        <p:style>
+          <a:lnRef idx="1">
+            <a:schemeClr val="accent1"/>
+          </a:lnRef>
+          <a:fillRef idx="0">
+            <a:schemeClr val="accent1"/>
+          </a:fillRef>
+          <a:effectRef idx="0">
+            <a:schemeClr val="accent1"/>
+          </a:effectRef>
+          <a:fontRef idx="minor">
+            <a:schemeClr val="tx1"/>
+          </a:fontRef>
+        </p:style>
+      </p:cxnSp>
+      <p:cxnSp>
+        <p:nvCxnSpPr>
+          <p:cNvPr id="48" name="Conector angulado 47"/>
+          <p:cNvCxnSpPr/>
+          <p:nvPr/>
+        </p:nvCxnSpPr>
+        <p:spPr>
+          <a:xfrm flipV="1">
+            <a:off x="6979325" y="4193794"/>
+            <a:ext cx="170598" cy="1"/>
+          </a:xfrm>
+          <a:prstGeom prst="bentConnector3">
+            <a:avLst/>
+          </a:prstGeom>
+          <a:ln>
+            <a:tailEnd type="triangle"/>
+          </a:ln>
+        </p:spPr>
+        <p:style>
+          <a:lnRef idx="1">
+            <a:schemeClr val="accent1"/>
+          </a:lnRef>
+          <a:fillRef idx="0">
+            <a:schemeClr val="accent1"/>
+          </a:fillRef>
+          <a:effectRef idx="0">
+            <a:schemeClr val="accent1"/>
+          </a:effectRef>
+          <a:fontRef idx="minor">
+            <a:schemeClr val="tx1"/>
+          </a:fontRef>
+        </p:style>
+      </p:cxnSp>
+      <p:cxnSp>
+        <p:nvCxnSpPr>
+          <p:cNvPr id="50" name="Conector angulado 49"/>
+          <p:cNvCxnSpPr/>
+          <p:nvPr/>
+        </p:nvCxnSpPr>
+        <p:spPr>
+          <a:xfrm flipV="1">
+            <a:off x="5018564" y="4189658"/>
+            <a:ext cx="170598" cy="1"/>
+          </a:xfrm>
+          <a:prstGeom prst="bentConnector3">
+            <a:avLst/>
+          </a:prstGeom>
+          <a:ln>
+            <a:tailEnd type="triangle"/>
+          </a:ln>
+        </p:spPr>
+        <p:style>
+          <a:lnRef idx="1">
+            <a:schemeClr val="accent1"/>
+          </a:lnRef>
+          <a:fillRef idx="0">
+            <a:schemeClr val="accent1"/>
+          </a:fillRef>
+          <a:effectRef idx="0">
+            <a:schemeClr val="accent1"/>
+          </a:effectRef>
+          <a:fontRef idx="minor">
+            <a:schemeClr val="tx1"/>
+          </a:fontRef>
+        </p:style>
+      </p:cxnSp>
+      <p:cxnSp>
+        <p:nvCxnSpPr>
+          <p:cNvPr id="51" name="Conector angulado 50"/>
+          <p:cNvCxnSpPr/>
+          <p:nvPr/>
+        </p:nvCxnSpPr>
+        <p:spPr>
+          <a:xfrm flipV="1">
+            <a:off x="3057803" y="4189658"/>
+            <a:ext cx="170598" cy="1"/>
+          </a:xfrm>
+          <a:prstGeom prst="bentConnector3">
+            <a:avLst/>
+          </a:prstGeom>
+          <a:ln>
+            <a:tailEnd type="triangle"/>
+          </a:ln>
+        </p:spPr>
+        <p:style>
+          <a:lnRef idx="1">
+            <a:schemeClr val="accent1"/>
+          </a:lnRef>
+          <a:fillRef idx="0">
+            <a:schemeClr val="accent1"/>
+          </a:fillRef>
+          <a:effectRef idx="0">
+            <a:schemeClr val="accent1"/>
+          </a:effectRef>
+          <a:fontRef idx="minor">
+            <a:schemeClr val="tx1"/>
+          </a:fontRef>
+        </p:style>
+      </p:cxnSp>
+      <p:cxnSp>
+        <p:nvCxnSpPr>
+          <p:cNvPr id="14" name="Conector angulado 13"/>
+          <p:cNvCxnSpPr>
+            <a:stCxn id="30" idx="3"/>
+            <a:endCxn id="31" idx="1"/>
+          </p:cNvCxnSpPr>
+          <p:nvPr/>
+        </p:nvCxnSpPr>
+        <p:spPr>
+          <a:xfrm flipH="1">
+            <a:off x="1250885" y="1699589"/>
+            <a:ext cx="9658339" cy="2490070"/>
+          </a:xfrm>
+          <a:prstGeom prst="bentConnector5">
+            <a:avLst>
+              <a:gd name="adj1" fmla="val -2367"/>
+              <a:gd name="adj2" fmla="val 50000"/>
+              <a:gd name="adj3" fmla="val 102367"/>
+            </a:avLst>
+          </a:prstGeom>
+          <a:ln>
+            <a:tailEnd type="triangle"/>
+          </a:ln>
+        </p:spPr>
+        <p:style>
+          <a:lnRef idx="1">
+            <a:schemeClr val="accent1"/>
+          </a:lnRef>
+          <a:fillRef idx="0">
+            <a:schemeClr val="accent1"/>
+          </a:fillRef>
+          <a:effectRef idx="0">
+            <a:schemeClr val="accent1"/>
+          </a:effectRef>
+          <a:fontRef idx="minor">
+            <a:schemeClr val="tx1"/>
+          </a:fontRef>
+        </p:style>
+      </p:cxnSp>
+      <p:sp>
+        <p:nvSpPr>
+          <p:cNvPr id="23" name="CaixaDeTexto 22"/>
+          <p:cNvSpPr txBox="1"/>
+          <p:nvPr/>
+        </p:nvSpPr>
+        <p:spPr>
+          <a:xfrm>
+            <a:off x="9499600" y="3835400"/>
+            <a:ext cx="774700" cy="584775"/>
+          </a:xfrm>
+          <a:prstGeom prst="rect">
+            <a:avLst/>
+          </a:prstGeom>
+          <a:noFill/>
+        </p:spPr>
+        <p:txBody>
+          <a:bodyPr wrap="square" rtlCol="0">
+            <a:spAutoFit/>
+          </a:bodyPr>
+          <a:lstStyle/>
+          <a:p>
+            <a:r>
+              <a:rPr lang="pt-PT" sz="3200" dirty="0" smtClean="0"/>
+              <a:t>. . .</a:t>
+            </a:r>
+            <a:endParaRPr lang="pt-BR" sz="3200" dirty="0"/>
+          </a:p>
+        </p:txBody>
+      </p:sp>
+      <p:cxnSp>
+        <p:nvCxnSpPr>
+          <p:cNvPr id="39" name="Conector angulado 38"/>
+          <p:cNvCxnSpPr>
+            <a:stCxn id="23" idx="3"/>
+            <a:endCxn id="5" idx="1"/>
+          </p:cNvCxnSpPr>
+          <p:nvPr/>
+        </p:nvCxnSpPr>
+        <p:spPr>
+          <a:xfrm flipH="1" flipV="1">
+            <a:off x="1250886" y="1699590"/>
+            <a:ext cx="9023414" cy="2428198"/>
+          </a:xfrm>
+          <a:prstGeom prst="bentConnector5">
+            <a:avLst>
+              <a:gd name="adj1" fmla="val -2533"/>
+              <a:gd name="adj2" fmla="val -48144"/>
+              <a:gd name="adj3" fmla="val 103659"/>
+            </a:avLst>
+          </a:prstGeom>
+          <a:ln>
+            <a:tailEnd type="triangle"/>
+          </a:ln>
+        </p:spPr>
+        <p:style>
+          <a:lnRef idx="1">
+            <a:schemeClr val="accent1"/>
+          </a:lnRef>
+          <a:fillRef idx="0">
+            <a:schemeClr val="accent1"/>
+          </a:fillRef>
+          <a:effectRef idx="0">
+            <a:schemeClr val="accent1"/>
+          </a:effectRef>
+          <a:fontRef idx="minor">
+            <a:schemeClr val="tx1"/>
+          </a:fontRef>
+        </p:style>
+      </p:cxnSp>
+    </p:spTree>
+    <p:extLst>
+      <p:ext uri="{BB962C8B-B14F-4D97-AF65-F5344CB8AC3E}">
+        <p14:creationId xmlns:p14="http://schemas.microsoft.com/office/powerpoint/2010/main" val="2264095420"/>
       </p:ext>
     </p:extLst>
   </p:cSld>

--- a/relatorio/abntex2-modelos-1.9.2/figuras/diagramas.pptx
+++ b/relatorio/abntex2-modelos-1.9.2/figuras/diagramas.pptx
@@ -9,6 +9,7 @@
     <p:sldId id="257" r:id="rId3"/>
     <p:sldId id="258" r:id="rId4"/>
     <p:sldId id="259" r:id="rId5"/>
+    <p:sldId id="260" r:id="rId6"/>
   </p:sldIdLst>
   <p:sldSz cx="12192000" cy="6858000"/>
   <p:notesSz cx="6858000" cy="9144000"/>
@@ -109,7 +110,7 @@
   </p:defaultTextStyle>
   <p:extLst>
     <p:ext uri="{EFAFB233-063F-42B5-8137-9DF3F51BA10A}">
-      <p15:sldGuideLst xmlns:p15="http://schemas.microsoft.com/office/powerpoint/2012/main"/>
+      <p15:sldGuideLst xmlns:p15="http://schemas.microsoft.com/office/powerpoint/2012/main" xmlns=""/>
     </p:ext>
   </p:extLst>
 </p:presentation>
@@ -246,7 +247,8 @@
           <a:p>
             <a:fld id="{7F981E3C-F023-4B2E-8C30-C087B244E656}" type="datetimeFigureOut">
               <a:rPr lang="pt-BR" smtClean="0"/>
-              <a:t>18/05/2014</a:t>
+              <a:pPr/>
+              <a:t>22/5/2014</a:t>
             </a:fld>
             <a:endParaRPr lang="pt-BR"/>
           </a:p>
@@ -288,6 +290,7 @@
           <a:p>
             <a:fld id="{06B14292-DE05-4001-9038-9B82A33A6A71}" type="slidenum">
               <a:rPr lang="pt-BR" smtClean="0"/>
+              <a:pPr/>
               <a:t>‹nº›</a:t>
             </a:fld>
             <a:endParaRPr lang="pt-BR"/>
@@ -297,7 +300,7 @@
     </p:spTree>
     <p:extLst>
       <p:ext uri="{BB962C8B-B14F-4D97-AF65-F5344CB8AC3E}">
-        <p14:creationId xmlns:p14="http://schemas.microsoft.com/office/powerpoint/2010/main" val="3346162728"/>
+        <p14:creationId xmlns:p14="http://schemas.microsoft.com/office/powerpoint/2010/main" xmlns="" val="3346162728"/>
       </p:ext>
     </p:extLst>
   </p:cSld>
@@ -416,7 +419,8 @@
           <a:p>
             <a:fld id="{7F981E3C-F023-4B2E-8C30-C087B244E656}" type="datetimeFigureOut">
               <a:rPr lang="pt-BR" smtClean="0"/>
-              <a:t>18/05/2014</a:t>
+              <a:pPr/>
+              <a:t>22/5/2014</a:t>
             </a:fld>
             <a:endParaRPr lang="pt-BR"/>
           </a:p>
@@ -458,6 +462,7 @@
           <a:p>
             <a:fld id="{06B14292-DE05-4001-9038-9B82A33A6A71}" type="slidenum">
               <a:rPr lang="pt-BR" smtClean="0"/>
+              <a:pPr/>
               <a:t>‹nº›</a:t>
             </a:fld>
             <a:endParaRPr lang="pt-BR"/>
@@ -467,7 +472,7 @@
     </p:spTree>
     <p:extLst>
       <p:ext uri="{BB962C8B-B14F-4D97-AF65-F5344CB8AC3E}">
-        <p14:creationId xmlns:p14="http://schemas.microsoft.com/office/powerpoint/2010/main" val="3399439725"/>
+        <p14:creationId xmlns:p14="http://schemas.microsoft.com/office/powerpoint/2010/main" xmlns="" val="3399439725"/>
       </p:ext>
     </p:extLst>
   </p:cSld>
@@ -596,7 +601,8 @@
           <a:p>
             <a:fld id="{7F981E3C-F023-4B2E-8C30-C087B244E656}" type="datetimeFigureOut">
               <a:rPr lang="pt-BR" smtClean="0"/>
-              <a:t>18/05/2014</a:t>
+              <a:pPr/>
+              <a:t>22/5/2014</a:t>
             </a:fld>
             <a:endParaRPr lang="pt-BR"/>
           </a:p>
@@ -638,6 +644,7 @@
           <a:p>
             <a:fld id="{06B14292-DE05-4001-9038-9B82A33A6A71}" type="slidenum">
               <a:rPr lang="pt-BR" smtClean="0"/>
+              <a:pPr/>
               <a:t>‹nº›</a:t>
             </a:fld>
             <a:endParaRPr lang="pt-BR"/>
@@ -647,7 +654,7 @@
     </p:spTree>
     <p:extLst>
       <p:ext uri="{BB962C8B-B14F-4D97-AF65-F5344CB8AC3E}">
-        <p14:creationId xmlns:p14="http://schemas.microsoft.com/office/powerpoint/2010/main" val="2345909394"/>
+        <p14:creationId xmlns:p14="http://schemas.microsoft.com/office/powerpoint/2010/main" xmlns="" val="2345909394"/>
       </p:ext>
     </p:extLst>
   </p:cSld>
@@ -766,7 +773,8 @@
           <a:p>
             <a:fld id="{7F981E3C-F023-4B2E-8C30-C087B244E656}" type="datetimeFigureOut">
               <a:rPr lang="pt-BR" smtClean="0"/>
-              <a:t>18/05/2014</a:t>
+              <a:pPr/>
+              <a:t>22/5/2014</a:t>
             </a:fld>
             <a:endParaRPr lang="pt-BR"/>
           </a:p>
@@ -808,6 +816,7 @@
           <a:p>
             <a:fld id="{06B14292-DE05-4001-9038-9B82A33A6A71}" type="slidenum">
               <a:rPr lang="pt-BR" smtClean="0"/>
+              <a:pPr/>
               <a:t>‹nº›</a:t>
             </a:fld>
             <a:endParaRPr lang="pt-BR"/>
@@ -817,7 +826,7 @@
     </p:spTree>
     <p:extLst>
       <p:ext uri="{BB962C8B-B14F-4D97-AF65-F5344CB8AC3E}">
-        <p14:creationId xmlns:p14="http://schemas.microsoft.com/office/powerpoint/2010/main" val="3703175047"/>
+        <p14:creationId xmlns:p14="http://schemas.microsoft.com/office/powerpoint/2010/main" xmlns="" val="3703175047"/>
       </p:ext>
     </p:extLst>
   </p:cSld>
@@ -1012,7 +1021,8 @@
           <a:p>
             <a:fld id="{7F981E3C-F023-4B2E-8C30-C087B244E656}" type="datetimeFigureOut">
               <a:rPr lang="pt-BR" smtClean="0"/>
-              <a:t>18/05/2014</a:t>
+              <a:pPr/>
+              <a:t>22/5/2014</a:t>
             </a:fld>
             <a:endParaRPr lang="pt-BR"/>
           </a:p>
@@ -1054,6 +1064,7 @@
           <a:p>
             <a:fld id="{06B14292-DE05-4001-9038-9B82A33A6A71}" type="slidenum">
               <a:rPr lang="pt-BR" smtClean="0"/>
+              <a:pPr/>
               <a:t>‹nº›</a:t>
             </a:fld>
             <a:endParaRPr lang="pt-BR"/>
@@ -1063,7 +1074,7 @@
     </p:spTree>
     <p:extLst>
       <p:ext uri="{BB962C8B-B14F-4D97-AF65-F5344CB8AC3E}">
-        <p14:creationId xmlns:p14="http://schemas.microsoft.com/office/powerpoint/2010/main" val="1152049616"/>
+        <p14:creationId xmlns:p14="http://schemas.microsoft.com/office/powerpoint/2010/main" xmlns="" val="1152049616"/>
       </p:ext>
     </p:extLst>
   </p:cSld>
@@ -1244,7 +1255,8 @@
           <a:p>
             <a:fld id="{7F981E3C-F023-4B2E-8C30-C087B244E656}" type="datetimeFigureOut">
               <a:rPr lang="pt-BR" smtClean="0"/>
-              <a:t>18/05/2014</a:t>
+              <a:pPr/>
+              <a:t>22/5/2014</a:t>
             </a:fld>
             <a:endParaRPr lang="pt-BR"/>
           </a:p>
@@ -1286,6 +1298,7 @@
           <a:p>
             <a:fld id="{06B14292-DE05-4001-9038-9B82A33A6A71}" type="slidenum">
               <a:rPr lang="pt-BR" smtClean="0"/>
+              <a:pPr/>
               <a:t>‹nº›</a:t>
             </a:fld>
             <a:endParaRPr lang="pt-BR"/>
@@ -1295,7 +1308,7 @@
     </p:spTree>
     <p:extLst>
       <p:ext uri="{BB962C8B-B14F-4D97-AF65-F5344CB8AC3E}">
-        <p14:creationId xmlns:p14="http://schemas.microsoft.com/office/powerpoint/2010/main" val="3749148039"/>
+        <p14:creationId xmlns:p14="http://schemas.microsoft.com/office/powerpoint/2010/main" xmlns="" val="3749148039"/>
       </p:ext>
     </p:extLst>
   </p:cSld>
@@ -1611,7 +1624,8 @@
           <a:p>
             <a:fld id="{7F981E3C-F023-4B2E-8C30-C087B244E656}" type="datetimeFigureOut">
               <a:rPr lang="pt-BR" smtClean="0"/>
-              <a:t>18/05/2014</a:t>
+              <a:pPr/>
+              <a:t>22/5/2014</a:t>
             </a:fld>
             <a:endParaRPr lang="pt-BR"/>
           </a:p>
@@ -1653,6 +1667,7 @@
           <a:p>
             <a:fld id="{06B14292-DE05-4001-9038-9B82A33A6A71}" type="slidenum">
               <a:rPr lang="pt-BR" smtClean="0"/>
+              <a:pPr/>
               <a:t>‹nº›</a:t>
             </a:fld>
             <a:endParaRPr lang="pt-BR"/>
@@ -1662,7 +1677,7 @@
     </p:spTree>
     <p:extLst>
       <p:ext uri="{BB962C8B-B14F-4D97-AF65-F5344CB8AC3E}">
-        <p14:creationId xmlns:p14="http://schemas.microsoft.com/office/powerpoint/2010/main" val="2231941236"/>
+        <p14:creationId xmlns:p14="http://schemas.microsoft.com/office/powerpoint/2010/main" xmlns="" val="2231941236"/>
       </p:ext>
     </p:extLst>
   </p:cSld>
@@ -1729,7 +1744,8 @@
           <a:p>
             <a:fld id="{7F981E3C-F023-4B2E-8C30-C087B244E656}" type="datetimeFigureOut">
               <a:rPr lang="pt-BR" smtClean="0"/>
-              <a:t>18/05/2014</a:t>
+              <a:pPr/>
+              <a:t>22/5/2014</a:t>
             </a:fld>
             <a:endParaRPr lang="pt-BR"/>
           </a:p>
@@ -1771,6 +1787,7 @@
           <a:p>
             <a:fld id="{06B14292-DE05-4001-9038-9B82A33A6A71}" type="slidenum">
               <a:rPr lang="pt-BR" smtClean="0"/>
+              <a:pPr/>
               <a:t>‹nº›</a:t>
             </a:fld>
             <a:endParaRPr lang="pt-BR"/>
@@ -1780,7 +1797,7 @@
     </p:spTree>
     <p:extLst>
       <p:ext uri="{BB962C8B-B14F-4D97-AF65-F5344CB8AC3E}">
-        <p14:creationId xmlns:p14="http://schemas.microsoft.com/office/powerpoint/2010/main" val="2757764658"/>
+        <p14:creationId xmlns:p14="http://schemas.microsoft.com/office/powerpoint/2010/main" xmlns="" val="2757764658"/>
       </p:ext>
     </p:extLst>
   </p:cSld>
@@ -1824,7 +1841,8 @@
           <a:p>
             <a:fld id="{7F981E3C-F023-4B2E-8C30-C087B244E656}" type="datetimeFigureOut">
               <a:rPr lang="pt-BR" smtClean="0"/>
-              <a:t>18/05/2014</a:t>
+              <a:pPr/>
+              <a:t>22/5/2014</a:t>
             </a:fld>
             <a:endParaRPr lang="pt-BR"/>
           </a:p>
@@ -1866,6 +1884,7 @@
           <a:p>
             <a:fld id="{06B14292-DE05-4001-9038-9B82A33A6A71}" type="slidenum">
               <a:rPr lang="pt-BR" smtClean="0"/>
+              <a:pPr/>
               <a:t>‹nº›</a:t>
             </a:fld>
             <a:endParaRPr lang="pt-BR"/>
@@ -1875,7 +1894,7 @@
     </p:spTree>
     <p:extLst>
       <p:ext uri="{BB962C8B-B14F-4D97-AF65-F5344CB8AC3E}">
-        <p14:creationId xmlns:p14="http://schemas.microsoft.com/office/powerpoint/2010/main" val="3672854325"/>
+        <p14:creationId xmlns:p14="http://schemas.microsoft.com/office/powerpoint/2010/main" xmlns="" val="3672854325"/>
       </p:ext>
     </p:extLst>
   </p:cSld>
@@ -2101,7 +2120,8 @@
           <a:p>
             <a:fld id="{7F981E3C-F023-4B2E-8C30-C087B244E656}" type="datetimeFigureOut">
               <a:rPr lang="pt-BR" smtClean="0"/>
-              <a:t>18/05/2014</a:t>
+              <a:pPr/>
+              <a:t>22/5/2014</a:t>
             </a:fld>
             <a:endParaRPr lang="pt-BR"/>
           </a:p>
@@ -2143,6 +2163,7 @@
           <a:p>
             <a:fld id="{06B14292-DE05-4001-9038-9B82A33A6A71}" type="slidenum">
               <a:rPr lang="pt-BR" smtClean="0"/>
+              <a:pPr/>
               <a:t>‹nº›</a:t>
             </a:fld>
             <a:endParaRPr lang="pt-BR"/>
@@ -2152,7 +2173,7 @@
     </p:spTree>
     <p:extLst>
       <p:ext uri="{BB962C8B-B14F-4D97-AF65-F5344CB8AC3E}">
-        <p14:creationId xmlns:p14="http://schemas.microsoft.com/office/powerpoint/2010/main" val="1310300903"/>
+        <p14:creationId xmlns:p14="http://schemas.microsoft.com/office/powerpoint/2010/main" xmlns="" val="1310300903"/>
       </p:ext>
     </p:extLst>
   </p:cSld>
@@ -2354,7 +2375,8 @@
           <a:p>
             <a:fld id="{7F981E3C-F023-4B2E-8C30-C087B244E656}" type="datetimeFigureOut">
               <a:rPr lang="pt-BR" smtClean="0"/>
-              <a:t>18/05/2014</a:t>
+              <a:pPr/>
+              <a:t>22/5/2014</a:t>
             </a:fld>
             <a:endParaRPr lang="pt-BR"/>
           </a:p>
@@ -2396,6 +2418,7 @@
           <a:p>
             <a:fld id="{06B14292-DE05-4001-9038-9B82A33A6A71}" type="slidenum">
               <a:rPr lang="pt-BR" smtClean="0"/>
+              <a:pPr/>
               <a:t>‹nº›</a:t>
             </a:fld>
             <a:endParaRPr lang="pt-BR"/>
@@ -2405,7 +2428,7 @@
     </p:spTree>
     <p:extLst>
       <p:ext uri="{BB962C8B-B14F-4D97-AF65-F5344CB8AC3E}">
-        <p14:creationId xmlns:p14="http://schemas.microsoft.com/office/powerpoint/2010/main" val="331276270"/>
+        <p14:creationId xmlns:p14="http://schemas.microsoft.com/office/powerpoint/2010/main" xmlns="" val="331276270"/>
       </p:ext>
     </p:extLst>
   </p:cSld>
@@ -2567,7 +2590,8 @@
           <a:p>
             <a:fld id="{7F981E3C-F023-4B2E-8C30-C087B244E656}" type="datetimeFigureOut">
               <a:rPr lang="pt-BR" smtClean="0"/>
-              <a:t>18/05/2014</a:t>
+              <a:pPr/>
+              <a:t>22/5/2014</a:t>
             </a:fld>
             <a:endParaRPr lang="pt-BR"/>
           </a:p>
@@ -2645,6 +2669,7 @@
           <a:p>
             <a:fld id="{06B14292-DE05-4001-9038-9B82A33A6A71}" type="slidenum">
               <a:rPr lang="pt-BR" smtClean="0"/>
+              <a:pPr/>
               <a:t>‹nº›</a:t>
             </a:fld>
             <a:endParaRPr lang="pt-BR"/>
@@ -2654,7 +2679,7 @@
     </p:spTree>
     <p:extLst>
       <p:ext uri="{BB962C8B-B14F-4D97-AF65-F5344CB8AC3E}">
-        <p14:creationId xmlns:p14="http://schemas.microsoft.com/office/powerpoint/2010/main" val="2644906291"/>
+        <p14:creationId xmlns:p14="http://schemas.microsoft.com/office/powerpoint/2010/main" xmlns="" val="2644906291"/>
       </p:ext>
     </p:extLst>
   </p:cSld>
@@ -4098,7 +4123,7 @@
     </p:spTree>
     <p:extLst>
       <p:ext uri="{BB962C8B-B14F-4D97-AF65-F5344CB8AC3E}">
-        <p14:creationId xmlns:p14="http://schemas.microsoft.com/office/powerpoint/2010/main" val="1899401591"/>
+        <p14:creationId xmlns:p14="http://schemas.microsoft.com/office/powerpoint/2010/main" xmlns="" val="1899401591"/>
       </p:ext>
     </p:extLst>
   </p:cSld>
@@ -4855,7 +4880,7 @@
     </p:spTree>
     <p:extLst>
       <p:ext uri="{BB962C8B-B14F-4D97-AF65-F5344CB8AC3E}">
-        <p14:creationId xmlns:p14="http://schemas.microsoft.com/office/powerpoint/2010/main" val="32127210"/>
+        <p14:creationId xmlns:p14="http://schemas.microsoft.com/office/powerpoint/2010/main" xmlns="" val="32127210"/>
       </p:ext>
     </p:extLst>
   </p:cSld>
@@ -5424,7 +5449,7 @@
           <p:nvPr/>
         </p:nvPicPr>
         <p:blipFill rotWithShape="1">
-          <a:blip r:embed="rId2">
+          <a:blip r:embed="rId2" cstate="print">
             <a:clrChange>
               <a:clrFrom>
                 <a:srgbClr val="FFFFFF"/>
@@ -5437,7 +5462,7 @@
             </a:clrChange>
             <a:extLst>
               <a:ext uri="{28A0092B-C50C-407E-A947-70E740481C1C}">
-                <a14:useLocalDpi xmlns:a14="http://schemas.microsoft.com/office/drawing/2010/main" val="0"/>
+                <a14:useLocalDpi xmlns:a14="http://schemas.microsoft.com/office/drawing/2010/main" xmlns="" val="0"/>
               </a:ext>
             </a:extLst>
           </a:blip>
@@ -5455,7 +5480,7 @@
           <a:noFill/>
           <a:extLst>
             <a:ext uri="{909E8E84-426E-40DD-AFC4-6F175D3DCCD1}">
-              <a14:hiddenFill xmlns:a14="http://schemas.microsoft.com/office/drawing/2010/main">
+              <a14:hiddenFill xmlns:a14="http://schemas.microsoft.com/office/drawing/2010/main" xmlns="">
                 <a:solidFill>
                   <a:srgbClr val="FFFFFF"/>
                 </a:solidFill>
@@ -5473,7 +5498,7 @@
           <p:nvPr/>
         </p:nvPicPr>
         <p:blipFill rotWithShape="1">
-          <a:blip r:embed="rId2">
+          <a:blip r:embed="rId2" cstate="print">
             <a:clrChange>
               <a:clrFrom>
                 <a:srgbClr val="FFFFFF"/>
@@ -5486,7 +5511,7 @@
             </a:clrChange>
             <a:extLst>
               <a:ext uri="{28A0092B-C50C-407E-A947-70E740481C1C}">
-                <a14:useLocalDpi xmlns:a14="http://schemas.microsoft.com/office/drawing/2010/main" val="0"/>
+                <a14:useLocalDpi xmlns:a14="http://schemas.microsoft.com/office/drawing/2010/main" xmlns="" val="0"/>
               </a:ext>
             </a:extLst>
           </a:blip>
@@ -5504,7 +5529,7 @@
           <a:noFill/>
           <a:extLst>
             <a:ext uri="{909E8E84-426E-40DD-AFC4-6F175D3DCCD1}">
-              <a14:hiddenFill xmlns:a14="http://schemas.microsoft.com/office/drawing/2010/main">
+              <a14:hiddenFill xmlns:a14="http://schemas.microsoft.com/office/drawing/2010/main" xmlns="">
                 <a:solidFill>
                   <a:srgbClr val="FFFFFF"/>
                 </a:solidFill>
@@ -5979,7 +6004,7 @@
     </p:spTree>
     <p:extLst>
       <p:ext uri="{BB962C8B-B14F-4D97-AF65-F5344CB8AC3E}">
-        <p14:creationId xmlns:p14="http://schemas.microsoft.com/office/powerpoint/2010/main" val="2564541181"/>
+        <p14:creationId xmlns:p14="http://schemas.microsoft.com/office/powerpoint/2010/main" xmlns="" val="2564541181"/>
       </p:ext>
     </p:extLst>
   </p:cSld>
@@ -7182,7 +7207,1088 @@
     </p:spTree>
     <p:extLst>
       <p:ext uri="{BB962C8B-B14F-4D97-AF65-F5344CB8AC3E}">
-        <p14:creationId xmlns:p14="http://schemas.microsoft.com/office/powerpoint/2010/main" val="2264095420"/>
+        <p14:creationId xmlns:p14="http://schemas.microsoft.com/office/powerpoint/2010/main" xmlns="" val="2264095420"/>
+      </p:ext>
+    </p:extLst>
+  </p:cSld>
+  <p:clrMapOvr>
+    <a:masterClrMapping/>
+  </p:clrMapOvr>
+</p:sld>
+</file>
+
+<file path=ppt/slides/slide5.xml><?xml version="1.0" encoding="utf-8"?>
+<p:sld xmlns:a="http://schemas.openxmlformats.org/drawingml/2006/main" xmlns:r="http://schemas.openxmlformats.org/officeDocument/2006/relationships" xmlns:p="http://schemas.openxmlformats.org/presentationml/2006/main">
+  <p:cSld>
+    <p:spTree>
+      <p:nvGrpSpPr>
+        <p:cNvPr id="1" name=""/>
+        <p:cNvGrpSpPr/>
+        <p:nvPr/>
+      </p:nvGrpSpPr>
+      <p:grpSpPr>
+        <a:xfrm>
+          <a:off x="0" y="0"/>
+          <a:ext cx="0" cy="0"/>
+          <a:chOff x="0" y="0"/>
+          <a:chExt cx="0" cy="0"/>
+        </a:xfrm>
+      </p:grpSpPr>
+      <p:cxnSp>
+        <p:nvCxnSpPr>
+          <p:cNvPr id="35" name="Conector de seta reta 34"/>
+          <p:cNvCxnSpPr/>
+          <p:nvPr/>
+        </p:nvCxnSpPr>
+        <p:spPr>
+          <a:xfrm>
+            <a:off x="7526480" y="2989943"/>
+            <a:ext cx="0" cy="590013"/>
+          </a:xfrm>
+          <a:prstGeom prst="straightConnector1">
+            <a:avLst/>
+          </a:prstGeom>
+          <a:ln>
+            <a:tailEnd type="triangle"/>
+          </a:ln>
+        </p:spPr>
+        <p:style>
+          <a:lnRef idx="1">
+            <a:schemeClr val="accent1"/>
+          </a:lnRef>
+          <a:fillRef idx="0">
+            <a:schemeClr val="accent1"/>
+          </a:fillRef>
+          <a:effectRef idx="0">
+            <a:schemeClr val="accent1"/>
+          </a:effectRef>
+          <a:fontRef idx="minor">
+            <a:schemeClr val="tx1"/>
+          </a:fontRef>
+        </p:style>
+      </p:cxnSp>
+      <p:cxnSp>
+        <p:nvCxnSpPr>
+          <p:cNvPr id="37" name="Conector de seta reta 36"/>
+          <p:cNvCxnSpPr/>
+          <p:nvPr/>
+        </p:nvCxnSpPr>
+        <p:spPr>
+          <a:xfrm>
+            <a:off x="8455395" y="3178629"/>
+            <a:ext cx="0" cy="415841"/>
+          </a:xfrm>
+          <a:prstGeom prst="straightConnector1">
+            <a:avLst/>
+          </a:prstGeom>
+          <a:ln>
+            <a:tailEnd type="triangle"/>
+          </a:ln>
+        </p:spPr>
+        <p:style>
+          <a:lnRef idx="1">
+            <a:schemeClr val="accent1"/>
+          </a:lnRef>
+          <a:fillRef idx="0">
+            <a:schemeClr val="accent1"/>
+          </a:fillRef>
+          <a:effectRef idx="0">
+            <a:schemeClr val="accent1"/>
+          </a:effectRef>
+          <a:fontRef idx="minor">
+            <a:schemeClr val="tx1"/>
+          </a:fontRef>
+        </p:style>
+      </p:cxnSp>
+      <p:sp>
+        <p:nvSpPr>
+          <p:cNvPr id="4" name="Subtítulo 2"/>
+          <p:cNvSpPr txBox="1">
+            <a:spLocks/>
+          </p:cNvSpPr>
+          <p:nvPr/>
+        </p:nvSpPr>
+        <p:spPr>
+          <a:xfrm>
+            <a:off x="1910367" y="6272011"/>
+            <a:ext cx="9144000" cy="444321"/>
+          </a:xfrm>
+          <a:prstGeom prst="rect">
+            <a:avLst/>
+          </a:prstGeom>
+        </p:spPr>
+        <p:txBody>
+          <a:bodyPr vert="horz" lIns="91440" tIns="45720" rIns="91440" bIns="45720" rtlCol="0">
+            <a:normAutofit fontScale="92500" lnSpcReduction="10000"/>
+          </a:bodyPr>
+          <a:lstStyle>
+            <a:lvl1pPr marL="228600" indent="-228600" algn="l" defTabSz="914400" rtl="0" eaLnBrk="1" latinLnBrk="0" hangingPunct="1">
+              <a:lnSpc>
+                <a:spcPct val="90000"/>
+              </a:lnSpc>
+              <a:spcBef>
+                <a:spcPts val="1000"/>
+              </a:spcBef>
+              <a:buFont typeface="Arial" panose="020B0604020202020204" pitchFamily="34" charset="0"/>
+              <a:buChar char="•"/>
+              <a:defRPr sz="2800" kern="1200">
+                <a:solidFill>
+                  <a:schemeClr val="tx1"/>
+                </a:solidFill>
+                <a:latin typeface="+mn-lt"/>
+                <a:ea typeface="+mn-ea"/>
+                <a:cs typeface="+mn-cs"/>
+              </a:defRPr>
+            </a:lvl1pPr>
+            <a:lvl2pPr marL="685800" indent="-228600" algn="l" defTabSz="914400" rtl="0" eaLnBrk="1" latinLnBrk="0" hangingPunct="1">
+              <a:lnSpc>
+                <a:spcPct val="90000"/>
+              </a:lnSpc>
+              <a:spcBef>
+                <a:spcPts val="500"/>
+              </a:spcBef>
+              <a:buFont typeface="Arial" panose="020B0604020202020204" pitchFamily="34" charset="0"/>
+              <a:buChar char="•"/>
+              <a:defRPr sz="2400" kern="1200">
+                <a:solidFill>
+                  <a:schemeClr val="tx1"/>
+                </a:solidFill>
+                <a:latin typeface="+mn-lt"/>
+                <a:ea typeface="+mn-ea"/>
+                <a:cs typeface="+mn-cs"/>
+              </a:defRPr>
+            </a:lvl2pPr>
+            <a:lvl3pPr marL="1143000" indent="-228600" algn="l" defTabSz="914400" rtl="0" eaLnBrk="1" latinLnBrk="0" hangingPunct="1">
+              <a:lnSpc>
+                <a:spcPct val="90000"/>
+              </a:lnSpc>
+              <a:spcBef>
+                <a:spcPts val="500"/>
+              </a:spcBef>
+              <a:buFont typeface="Arial" panose="020B0604020202020204" pitchFamily="34" charset="0"/>
+              <a:buChar char="•"/>
+              <a:defRPr sz="2000" kern="1200">
+                <a:solidFill>
+                  <a:schemeClr val="tx1"/>
+                </a:solidFill>
+                <a:latin typeface="+mn-lt"/>
+                <a:ea typeface="+mn-ea"/>
+                <a:cs typeface="+mn-cs"/>
+              </a:defRPr>
+            </a:lvl3pPr>
+            <a:lvl4pPr marL="1600200" indent="-228600" algn="l" defTabSz="914400" rtl="0" eaLnBrk="1" latinLnBrk="0" hangingPunct="1">
+              <a:lnSpc>
+                <a:spcPct val="90000"/>
+              </a:lnSpc>
+              <a:spcBef>
+                <a:spcPts val="500"/>
+              </a:spcBef>
+              <a:buFont typeface="Arial" panose="020B0604020202020204" pitchFamily="34" charset="0"/>
+              <a:buChar char="•"/>
+              <a:defRPr sz="1800" kern="1200">
+                <a:solidFill>
+                  <a:schemeClr val="tx1"/>
+                </a:solidFill>
+                <a:latin typeface="+mn-lt"/>
+                <a:ea typeface="+mn-ea"/>
+                <a:cs typeface="+mn-cs"/>
+              </a:defRPr>
+            </a:lvl4pPr>
+            <a:lvl5pPr marL="2057400" indent="-228600" algn="l" defTabSz="914400" rtl="0" eaLnBrk="1" latinLnBrk="0" hangingPunct="1">
+              <a:lnSpc>
+                <a:spcPct val="90000"/>
+              </a:lnSpc>
+              <a:spcBef>
+                <a:spcPts val="500"/>
+              </a:spcBef>
+              <a:buFont typeface="Arial" panose="020B0604020202020204" pitchFamily="34" charset="0"/>
+              <a:buChar char="•"/>
+              <a:defRPr sz="1800" kern="1200">
+                <a:solidFill>
+                  <a:schemeClr val="tx1"/>
+                </a:solidFill>
+                <a:latin typeface="+mn-lt"/>
+                <a:ea typeface="+mn-ea"/>
+                <a:cs typeface="+mn-cs"/>
+              </a:defRPr>
+            </a:lvl5pPr>
+            <a:lvl6pPr marL="2514600" indent="-228600" algn="l" defTabSz="914400" rtl="0" eaLnBrk="1" latinLnBrk="0" hangingPunct="1">
+              <a:lnSpc>
+                <a:spcPct val="90000"/>
+              </a:lnSpc>
+              <a:spcBef>
+                <a:spcPts val="500"/>
+              </a:spcBef>
+              <a:buFont typeface="Arial" panose="020B0604020202020204" pitchFamily="34" charset="0"/>
+              <a:buChar char="•"/>
+              <a:defRPr sz="1800" kern="1200">
+                <a:solidFill>
+                  <a:schemeClr val="tx1"/>
+                </a:solidFill>
+                <a:latin typeface="+mn-lt"/>
+                <a:ea typeface="+mn-ea"/>
+                <a:cs typeface="+mn-cs"/>
+              </a:defRPr>
+            </a:lvl6pPr>
+            <a:lvl7pPr marL="2971800" indent="-228600" algn="l" defTabSz="914400" rtl="0" eaLnBrk="1" latinLnBrk="0" hangingPunct="1">
+              <a:lnSpc>
+                <a:spcPct val="90000"/>
+              </a:lnSpc>
+              <a:spcBef>
+                <a:spcPts val="500"/>
+              </a:spcBef>
+              <a:buFont typeface="Arial" panose="020B0604020202020204" pitchFamily="34" charset="0"/>
+              <a:buChar char="•"/>
+              <a:defRPr sz="1800" kern="1200">
+                <a:solidFill>
+                  <a:schemeClr val="tx1"/>
+                </a:solidFill>
+                <a:latin typeface="+mn-lt"/>
+                <a:ea typeface="+mn-ea"/>
+                <a:cs typeface="+mn-cs"/>
+              </a:defRPr>
+            </a:lvl7pPr>
+            <a:lvl8pPr marL="3429000" indent="-228600" algn="l" defTabSz="914400" rtl="0" eaLnBrk="1" latinLnBrk="0" hangingPunct="1">
+              <a:lnSpc>
+                <a:spcPct val="90000"/>
+              </a:lnSpc>
+              <a:spcBef>
+                <a:spcPts val="500"/>
+              </a:spcBef>
+              <a:buFont typeface="Arial" panose="020B0604020202020204" pitchFamily="34" charset="0"/>
+              <a:buChar char="•"/>
+              <a:defRPr sz="1800" kern="1200">
+                <a:solidFill>
+                  <a:schemeClr val="tx1"/>
+                </a:solidFill>
+                <a:latin typeface="+mn-lt"/>
+                <a:ea typeface="+mn-ea"/>
+                <a:cs typeface="+mn-cs"/>
+              </a:defRPr>
+            </a:lvl8pPr>
+            <a:lvl9pPr marL="3886200" indent="-228600" algn="l" defTabSz="914400" rtl="0" eaLnBrk="1" latinLnBrk="0" hangingPunct="1">
+              <a:lnSpc>
+                <a:spcPct val="90000"/>
+              </a:lnSpc>
+              <a:spcBef>
+                <a:spcPts val="500"/>
+              </a:spcBef>
+              <a:buFont typeface="Arial" panose="020B0604020202020204" pitchFamily="34" charset="0"/>
+              <a:buChar char="•"/>
+              <a:defRPr sz="1800" kern="1200">
+                <a:solidFill>
+                  <a:schemeClr val="tx1"/>
+                </a:solidFill>
+                <a:latin typeface="+mn-lt"/>
+                <a:ea typeface="+mn-ea"/>
+                <a:cs typeface="+mn-cs"/>
+              </a:defRPr>
+            </a:lvl9pPr>
+          </a:lstStyle>
+          <a:p>
+            <a:r>
+              <a:rPr lang="pt-PT" dirty="0" smtClean="0"/>
+              <a:t>Amostragem do PCR</a:t>
+            </a:r>
+            <a:endParaRPr lang="pt-BR" dirty="0"/>
+          </a:p>
+        </p:txBody>
+      </p:sp>
+      <p:sp>
+        <p:nvSpPr>
+          <p:cNvPr id="8" name="Retângulo de cantos arredondados 7"/>
+          <p:cNvSpPr/>
+          <p:nvPr/>
+        </p:nvSpPr>
+        <p:spPr>
+          <a:xfrm>
+            <a:off x="3264080" y="1284755"/>
+            <a:ext cx="1790163" cy="1017432"/>
+          </a:xfrm>
+          <a:prstGeom prst="roundRect">
+            <a:avLst/>
+          </a:prstGeom>
+        </p:spPr>
+        <p:style>
+          <a:lnRef idx="2">
+            <a:schemeClr val="accent6">
+              <a:shade val="50000"/>
+            </a:schemeClr>
+          </a:lnRef>
+          <a:fillRef idx="1">
+            <a:schemeClr val="accent6"/>
+          </a:fillRef>
+          <a:effectRef idx="0">
+            <a:schemeClr val="accent6"/>
+          </a:effectRef>
+          <a:fontRef idx="minor">
+            <a:schemeClr val="lt1"/>
+          </a:fontRef>
+        </p:style>
+        <p:txBody>
+          <a:bodyPr rtlCol="0" anchor="ctr"/>
+          <a:lstStyle/>
+          <a:p>
+            <a:pPr algn="ctr"/>
+            <a:r>
+              <a:rPr lang="pt-PT" dirty="0" smtClean="0">
+                <a:sym typeface="Symbol"/>
+              </a:rPr>
+              <a:t>300</a:t>
+            </a:r>
+            <a:endParaRPr lang="pt-PT" dirty="0" smtClean="0"/>
+          </a:p>
+        </p:txBody>
+      </p:sp>
+      <p:cxnSp>
+        <p:nvCxnSpPr>
+          <p:cNvPr id="11" name="Conector de seta reta 10"/>
+          <p:cNvCxnSpPr>
+            <a:endCxn id="8" idx="1"/>
+          </p:cNvCxnSpPr>
+          <p:nvPr/>
+        </p:nvCxnSpPr>
+        <p:spPr>
+          <a:xfrm>
+            <a:off x="2540000" y="1793471"/>
+            <a:ext cx="724080" cy="0"/>
+          </a:xfrm>
+          <a:prstGeom prst="straightConnector1">
+            <a:avLst/>
+          </a:prstGeom>
+          <a:ln>
+            <a:tailEnd type="triangle"/>
+          </a:ln>
+        </p:spPr>
+        <p:style>
+          <a:lnRef idx="1">
+            <a:schemeClr val="accent1"/>
+          </a:lnRef>
+          <a:fillRef idx="0">
+            <a:schemeClr val="accent1"/>
+          </a:fillRef>
+          <a:effectRef idx="0">
+            <a:schemeClr val="accent1"/>
+          </a:effectRef>
+          <a:fontRef idx="minor">
+            <a:schemeClr val="tx1"/>
+          </a:fontRef>
+        </p:style>
+      </p:cxnSp>
+      <p:cxnSp>
+        <p:nvCxnSpPr>
+          <p:cNvPr id="14" name="Conector de seta reta 13"/>
+          <p:cNvCxnSpPr>
+            <a:endCxn id="23" idx="1"/>
+          </p:cNvCxnSpPr>
+          <p:nvPr/>
+        </p:nvCxnSpPr>
+        <p:spPr>
+          <a:xfrm>
+            <a:off x="5054512" y="1793471"/>
+            <a:ext cx="691559" cy="11744"/>
+          </a:xfrm>
+          <a:prstGeom prst="straightConnector1">
+            <a:avLst/>
+          </a:prstGeom>
+          <a:ln>
+            <a:tailEnd type="triangle"/>
+          </a:ln>
+        </p:spPr>
+        <p:style>
+          <a:lnRef idx="1">
+            <a:schemeClr val="accent1"/>
+          </a:lnRef>
+          <a:fillRef idx="0">
+            <a:schemeClr val="accent1"/>
+          </a:fillRef>
+          <a:effectRef idx="0">
+            <a:schemeClr val="accent1"/>
+          </a:effectRef>
+          <a:fontRef idx="minor">
+            <a:schemeClr val="tx1"/>
+          </a:fontRef>
+        </p:style>
+      </p:cxnSp>
+      <p:sp>
+        <p:nvSpPr>
+          <p:cNvPr id="15" name="CaixaDeTexto 14"/>
+          <p:cNvSpPr txBox="1"/>
+          <p:nvPr/>
+        </p:nvSpPr>
+        <p:spPr>
+          <a:xfrm>
+            <a:off x="4992917" y="1866042"/>
+            <a:ext cx="812800" cy="369332"/>
+          </a:xfrm>
+          <a:prstGeom prst="rect">
+            <a:avLst/>
+          </a:prstGeom>
+          <a:noFill/>
+        </p:spPr>
+        <p:txBody>
+          <a:bodyPr wrap="square" rtlCol="0">
+            <a:spAutoFit/>
+          </a:bodyPr>
+          <a:lstStyle/>
+          <a:p>
+            <a:pPr algn="ctr"/>
+            <a:r>
+              <a:rPr lang="pt-PT" dirty="0" smtClean="0"/>
+              <a:t>90KHz</a:t>
+            </a:r>
+            <a:endParaRPr lang="pt-BR" dirty="0"/>
+          </a:p>
+        </p:txBody>
+      </p:sp>
+      <p:sp>
+        <p:nvSpPr>
+          <p:cNvPr id="19" name="Elipse 18"/>
+          <p:cNvSpPr/>
+          <p:nvPr/>
+        </p:nvSpPr>
+        <p:spPr>
+          <a:xfrm>
+            <a:off x="1785256" y="1480456"/>
+            <a:ext cx="653143" cy="653143"/>
+          </a:xfrm>
+          <a:prstGeom prst="ellipse">
+            <a:avLst/>
+          </a:prstGeom>
+        </p:spPr>
+        <p:style>
+          <a:lnRef idx="2">
+            <a:schemeClr val="accent1">
+              <a:shade val="50000"/>
+            </a:schemeClr>
+          </a:lnRef>
+          <a:fillRef idx="1">
+            <a:schemeClr val="accent1"/>
+          </a:fillRef>
+          <a:effectRef idx="0">
+            <a:schemeClr val="accent1"/>
+          </a:effectRef>
+          <a:fontRef idx="minor">
+            <a:schemeClr val="lt1"/>
+          </a:fontRef>
+        </p:style>
+        <p:txBody>
+          <a:bodyPr rtlCol="0" anchor="ctr"/>
+          <a:lstStyle/>
+          <a:p>
+            <a:pPr algn="ctr"/>
+            <a:r>
+              <a:rPr lang="pt-BR" sz="1100" dirty="0" smtClean="0"/>
+              <a:t> </a:t>
+            </a:r>
+            <a:endParaRPr lang="pt-BR" sz="4000" dirty="0" smtClean="0"/>
+          </a:p>
+          <a:p>
+            <a:pPr algn="ctr"/>
+            <a:r>
+              <a:rPr lang="pt-BR" sz="4000" dirty="0" smtClean="0"/>
+              <a:t>~</a:t>
+            </a:r>
+            <a:endParaRPr lang="pt-BR" dirty="0"/>
+          </a:p>
+        </p:txBody>
+      </p:sp>
+      <p:sp>
+        <p:nvSpPr>
+          <p:cNvPr id="20" name="CaixaDeTexto 19"/>
+          <p:cNvSpPr txBox="1"/>
+          <p:nvPr/>
+        </p:nvSpPr>
+        <p:spPr>
+          <a:xfrm>
+            <a:off x="362856" y="1488667"/>
+            <a:ext cx="1224643" cy="646331"/>
+          </a:xfrm>
+          <a:prstGeom prst="rect">
+            <a:avLst/>
+          </a:prstGeom>
+          <a:noFill/>
+        </p:spPr>
+        <p:txBody>
+          <a:bodyPr wrap="square" rtlCol="0">
+            <a:spAutoFit/>
+          </a:bodyPr>
+          <a:lstStyle/>
+          <a:p>
+            <a:pPr algn="ctr"/>
+            <a:r>
+              <a:rPr lang="pt-PT" dirty="0" smtClean="0"/>
+              <a:t>Reference</a:t>
+            </a:r>
+          </a:p>
+          <a:p>
+            <a:pPr algn="ctr"/>
+            <a:r>
+              <a:rPr lang="pt-PT" dirty="0" smtClean="0"/>
+              <a:t>Oscillator</a:t>
+            </a:r>
+            <a:endParaRPr lang="pt-BR" dirty="0"/>
+          </a:p>
+        </p:txBody>
+      </p:sp>
+      <p:sp>
+        <p:nvSpPr>
+          <p:cNvPr id="23" name="Retângulo de cantos arredondados 22"/>
+          <p:cNvSpPr/>
+          <p:nvPr/>
+        </p:nvSpPr>
+        <p:spPr>
+          <a:xfrm>
+            <a:off x="5746071" y="1524004"/>
+            <a:ext cx="3586619" cy="562422"/>
+          </a:xfrm>
+          <a:prstGeom prst="roundRect">
+            <a:avLst/>
+          </a:prstGeom>
+        </p:spPr>
+        <p:style>
+          <a:lnRef idx="2">
+            <a:schemeClr val="accent6">
+              <a:shade val="50000"/>
+            </a:schemeClr>
+          </a:lnRef>
+          <a:fillRef idx="1">
+            <a:schemeClr val="accent6"/>
+          </a:fillRef>
+          <a:effectRef idx="0">
+            <a:schemeClr val="accent6"/>
+          </a:effectRef>
+          <a:fontRef idx="minor">
+            <a:schemeClr val="lt1"/>
+          </a:fontRef>
+        </p:style>
+        <p:txBody>
+          <a:bodyPr rtlCol="0" anchor="ctr"/>
+          <a:lstStyle/>
+          <a:p>
+            <a:pPr algn="ctr"/>
+            <a:r>
+              <a:rPr lang="pt-PT" sz="2000" dirty="0" smtClean="0">
+                <a:sym typeface="Symbol"/>
+              </a:rPr>
+              <a:t>42 Bits Counter</a:t>
+            </a:r>
+            <a:endParaRPr lang="pt-PT" dirty="0" smtClean="0"/>
+          </a:p>
+        </p:txBody>
+      </p:sp>
+      <p:sp>
+        <p:nvSpPr>
+          <p:cNvPr id="24" name="CaixaDeTexto 23"/>
+          <p:cNvSpPr txBox="1"/>
+          <p:nvPr/>
+        </p:nvSpPr>
+        <p:spPr>
+          <a:xfrm>
+            <a:off x="2445657" y="1858785"/>
+            <a:ext cx="863599" cy="369332"/>
+          </a:xfrm>
+          <a:prstGeom prst="rect">
+            <a:avLst/>
+          </a:prstGeom>
+          <a:noFill/>
+        </p:spPr>
+        <p:txBody>
+          <a:bodyPr wrap="square" rtlCol="0">
+            <a:spAutoFit/>
+          </a:bodyPr>
+          <a:lstStyle/>
+          <a:p>
+            <a:pPr algn="ctr"/>
+            <a:r>
+              <a:rPr lang="pt-PT" dirty="0" smtClean="0"/>
+              <a:t>27M</a:t>
+            </a:r>
+            <a:r>
+              <a:rPr lang="pt-PT" dirty="0" smtClean="0"/>
+              <a:t>Hz</a:t>
+            </a:r>
+            <a:endParaRPr lang="pt-BR" dirty="0"/>
+          </a:p>
+        </p:txBody>
+      </p:sp>
+      <p:sp>
+        <p:nvSpPr>
+          <p:cNvPr id="25" name="Retângulo de cantos arredondados 24"/>
+          <p:cNvSpPr/>
+          <p:nvPr/>
+        </p:nvSpPr>
+        <p:spPr>
+          <a:xfrm>
+            <a:off x="6545948" y="3739619"/>
+            <a:ext cx="2032000" cy="1017432"/>
+          </a:xfrm>
+          <a:prstGeom prst="roundRect">
+            <a:avLst/>
+          </a:prstGeom>
+        </p:spPr>
+        <p:style>
+          <a:lnRef idx="2">
+            <a:schemeClr val="accent6">
+              <a:shade val="50000"/>
+            </a:schemeClr>
+          </a:lnRef>
+          <a:fillRef idx="1">
+            <a:schemeClr val="accent6"/>
+          </a:fillRef>
+          <a:effectRef idx="0">
+            <a:schemeClr val="accent6"/>
+          </a:effectRef>
+          <a:fontRef idx="minor">
+            <a:schemeClr val="lt1"/>
+          </a:fontRef>
+        </p:style>
+        <p:txBody>
+          <a:bodyPr rtlCol="0" anchor="ctr"/>
+          <a:lstStyle/>
+          <a:p>
+            <a:pPr algn="ctr"/>
+            <a:r>
+              <a:rPr lang="pt-PT" dirty="0" smtClean="0"/>
+              <a:t>MPEG2 Muxer</a:t>
+            </a:r>
+          </a:p>
+        </p:txBody>
+      </p:sp>
+      <p:cxnSp>
+        <p:nvCxnSpPr>
+          <p:cNvPr id="26" name="Conector de seta reta 25"/>
+          <p:cNvCxnSpPr/>
+          <p:nvPr/>
+        </p:nvCxnSpPr>
+        <p:spPr>
+          <a:xfrm>
+            <a:off x="5678630" y="4173809"/>
+            <a:ext cx="649602" cy="0"/>
+          </a:xfrm>
+          <a:prstGeom prst="straightConnector1">
+            <a:avLst/>
+          </a:prstGeom>
+          <a:ln>
+            <a:tailEnd type="triangle"/>
+          </a:ln>
+        </p:spPr>
+        <p:style>
+          <a:lnRef idx="1">
+            <a:schemeClr val="accent1"/>
+          </a:lnRef>
+          <a:fillRef idx="0">
+            <a:schemeClr val="accent1"/>
+          </a:fillRef>
+          <a:effectRef idx="0">
+            <a:schemeClr val="accent1"/>
+          </a:effectRef>
+          <a:fontRef idx="minor">
+            <a:schemeClr val="tx1"/>
+          </a:fontRef>
+        </p:style>
+      </p:cxnSp>
+      <p:cxnSp>
+        <p:nvCxnSpPr>
+          <p:cNvPr id="27" name="Conector de seta reta 26"/>
+          <p:cNvCxnSpPr/>
+          <p:nvPr/>
+        </p:nvCxnSpPr>
+        <p:spPr>
+          <a:xfrm>
+            <a:off x="5678630" y="4493124"/>
+            <a:ext cx="649602" cy="0"/>
+          </a:xfrm>
+          <a:prstGeom prst="straightConnector1">
+            <a:avLst/>
+          </a:prstGeom>
+          <a:ln>
+            <a:tailEnd type="triangle"/>
+          </a:ln>
+        </p:spPr>
+        <p:style>
+          <a:lnRef idx="1">
+            <a:schemeClr val="accent1"/>
+          </a:lnRef>
+          <a:fillRef idx="0">
+            <a:schemeClr val="accent1"/>
+          </a:fillRef>
+          <a:effectRef idx="0">
+            <a:schemeClr val="accent1"/>
+          </a:effectRef>
+          <a:fontRef idx="minor">
+            <a:schemeClr val="tx1"/>
+          </a:fontRef>
+        </p:style>
+      </p:cxnSp>
+      <p:cxnSp>
+        <p:nvCxnSpPr>
+          <p:cNvPr id="28" name="Conector de seta reta 27"/>
+          <p:cNvCxnSpPr/>
+          <p:nvPr/>
+        </p:nvCxnSpPr>
+        <p:spPr>
+          <a:xfrm>
+            <a:off x="6574977" y="2670622"/>
+            <a:ext cx="8075" cy="894819"/>
+          </a:xfrm>
+          <a:prstGeom prst="straightConnector1">
+            <a:avLst/>
+          </a:prstGeom>
+          <a:ln>
+            <a:tailEnd type="triangle"/>
+          </a:ln>
+        </p:spPr>
+        <p:style>
+          <a:lnRef idx="1">
+            <a:schemeClr val="accent1"/>
+          </a:lnRef>
+          <a:fillRef idx="0">
+            <a:schemeClr val="accent1"/>
+          </a:fillRef>
+          <a:effectRef idx="0">
+            <a:schemeClr val="accent1"/>
+          </a:effectRef>
+          <a:fontRef idx="minor">
+            <a:schemeClr val="tx1"/>
+          </a:fontRef>
+        </p:style>
+      </p:cxnSp>
+      <p:sp>
+        <p:nvSpPr>
+          <p:cNvPr id="32" name="Retângulo de cantos arredondados 31"/>
+          <p:cNvSpPr/>
+          <p:nvPr/>
+        </p:nvSpPr>
+        <p:spPr>
+          <a:xfrm>
+            <a:off x="6149897" y="2473382"/>
+            <a:ext cx="787935" cy="443989"/>
+          </a:xfrm>
+          <a:prstGeom prst="roundRect">
+            <a:avLst/>
+          </a:prstGeom>
+        </p:spPr>
+        <p:style>
+          <a:lnRef idx="2">
+            <a:schemeClr val="accent4">
+              <a:shade val="50000"/>
+            </a:schemeClr>
+          </a:lnRef>
+          <a:fillRef idx="1">
+            <a:schemeClr val="accent4"/>
+          </a:fillRef>
+          <a:effectRef idx="0">
+            <a:schemeClr val="accent4"/>
+          </a:effectRef>
+          <a:fontRef idx="minor">
+            <a:schemeClr val="lt1"/>
+          </a:fontRef>
+        </p:style>
+        <p:txBody>
+          <a:bodyPr rtlCol="0" anchor="ctr"/>
+          <a:lstStyle/>
+          <a:p>
+            <a:pPr algn="ctr"/>
+            <a:r>
+              <a:rPr lang="pt-BR" dirty="0" smtClean="0"/>
+              <a:t>PCR</a:t>
+            </a:r>
+            <a:endParaRPr lang="pt-BR" dirty="0"/>
+          </a:p>
+        </p:txBody>
+      </p:sp>
+      <p:sp>
+        <p:nvSpPr>
+          <p:cNvPr id="33" name="Retângulo de cantos arredondados 32"/>
+          <p:cNvSpPr/>
+          <p:nvPr/>
+        </p:nvSpPr>
+        <p:spPr>
+          <a:xfrm>
+            <a:off x="7107840" y="2850755"/>
+            <a:ext cx="787935" cy="443989"/>
+          </a:xfrm>
+          <a:prstGeom prst="roundRect">
+            <a:avLst/>
+          </a:prstGeom>
+        </p:spPr>
+        <p:style>
+          <a:lnRef idx="2">
+            <a:schemeClr val="accent4">
+              <a:shade val="50000"/>
+            </a:schemeClr>
+          </a:lnRef>
+          <a:fillRef idx="1">
+            <a:schemeClr val="accent4"/>
+          </a:fillRef>
+          <a:effectRef idx="0">
+            <a:schemeClr val="accent4"/>
+          </a:effectRef>
+          <a:fontRef idx="minor">
+            <a:schemeClr val="lt1"/>
+          </a:fontRef>
+        </p:style>
+        <p:txBody>
+          <a:bodyPr rtlCol="0" anchor="ctr"/>
+          <a:lstStyle/>
+          <a:p>
+            <a:pPr algn="ctr"/>
+            <a:r>
+              <a:rPr lang="pt-BR" dirty="0" smtClean="0"/>
+              <a:t>PCR</a:t>
+            </a:r>
+            <a:endParaRPr lang="pt-BR" dirty="0"/>
+          </a:p>
+        </p:txBody>
+      </p:sp>
+      <p:sp>
+        <p:nvSpPr>
+          <p:cNvPr id="34" name="Retângulo de cantos arredondados 33"/>
+          <p:cNvSpPr/>
+          <p:nvPr/>
+        </p:nvSpPr>
+        <p:spPr>
+          <a:xfrm>
+            <a:off x="8094812" y="3024924"/>
+            <a:ext cx="787935" cy="443989"/>
+          </a:xfrm>
+          <a:prstGeom prst="roundRect">
+            <a:avLst/>
+          </a:prstGeom>
+        </p:spPr>
+        <p:style>
+          <a:lnRef idx="2">
+            <a:schemeClr val="accent4">
+              <a:shade val="50000"/>
+            </a:schemeClr>
+          </a:lnRef>
+          <a:fillRef idx="1">
+            <a:schemeClr val="accent4"/>
+          </a:fillRef>
+          <a:effectRef idx="0">
+            <a:schemeClr val="accent4"/>
+          </a:effectRef>
+          <a:fontRef idx="minor">
+            <a:schemeClr val="lt1"/>
+          </a:fontRef>
+        </p:style>
+        <p:txBody>
+          <a:bodyPr rtlCol="0" anchor="ctr"/>
+          <a:lstStyle/>
+          <a:p>
+            <a:pPr algn="ctr"/>
+            <a:r>
+              <a:rPr lang="pt-BR" dirty="0" smtClean="0"/>
+              <a:t>PCR</a:t>
+            </a:r>
+            <a:endParaRPr lang="pt-BR" dirty="0"/>
+          </a:p>
+        </p:txBody>
+      </p:sp>
+      <p:cxnSp>
+        <p:nvCxnSpPr>
+          <p:cNvPr id="40" name="Conector de seta reta 39"/>
+          <p:cNvCxnSpPr/>
+          <p:nvPr/>
+        </p:nvCxnSpPr>
+        <p:spPr>
+          <a:xfrm>
+            <a:off x="6560461" y="2286956"/>
+            <a:ext cx="2380343" cy="0"/>
+          </a:xfrm>
+          <a:prstGeom prst="straightConnector1">
+            <a:avLst/>
+          </a:prstGeom>
+          <a:ln w="28575">
+            <a:tailEnd type="triangle"/>
+          </a:ln>
+        </p:spPr>
+        <p:style>
+          <a:lnRef idx="1">
+            <a:schemeClr val="dk1"/>
+          </a:lnRef>
+          <a:fillRef idx="0">
+            <a:schemeClr val="dk1"/>
+          </a:fillRef>
+          <a:effectRef idx="0">
+            <a:schemeClr val="dk1"/>
+          </a:effectRef>
+          <a:fontRef idx="minor">
+            <a:schemeClr val="tx1"/>
+          </a:fontRef>
+        </p:style>
+      </p:cxnSp>
+      <p:cxnSp>
+        <p:nvCxnSpPr>
+          <p:cNvPr id="44" name="Conector reto 43"/>
+          <p:cNvCxnSpPr/>
+          <p:nvPr/>
+        </p:nvCxnSpPr>
+        <p:spPr>
+          <a:xfrm>
+            <a:off x="6545947" y="2119085"/>
+            <a:ext cx="0" cy="333829"/>
+          </a:xfrm>
+          <a:prstGeom prst="line">
+            <a:avLst/>
+          </a:prstGeom>
+          <a:ln w="28575">
+            <a:headEnd type="none" w="med" len="med"/>
+            <a:tailEnd type="none" w="med" len="med"/>
+          </a:ln>
+        </p:spPr>
+        <p:style>
+          <a:lnRef idx="1">
+            <a:schemeClr val="dk1"/>
+          </a:lnRef>
+          <a:fillRef idx="0">
+            <a:schemeClr val="dk1"/>
+          </a:fillRef>
+          <a:effectRef idx="0">
+            <a:schemeClr val="dk1"/>
+          </a:effectRef>
+          <a:fontRef idx="minor">
+            <a:schemeClr val="tx1"/>
+          </a:fontRef>
+        </p:style>
+      </p:cxnSp>
+      <p:sp>
+        <p:nvSpPr>
+          <p:cNvPr id="45" name="CaixaDeTexto 44"/>
+          <p:cNvSpPr txBox="1"/>
+          <p:nvPr/>
+        </p:nvSpPr>
+        <p:spPr>
+          <a:xfrm>
+            <a:off x="8977087" y="2134546"/>
+            <a:ext cx="863599" cy="369332"/>
+          </a:xfrm>
+          <a:prstGeom prst="rect">
+            <a:avLst/>
+          </a:prstGeom>
+          <a:noFill/>
+        </p:spPr>
+        <p:txBody>
+          <a:bodyPr wrap="square" rtlCol="0">
+            <a:spAutoFit/>
+          </a:bodyPr>
+          <a:lstStyle/>
+          <a:p>
+            <a:pPr algn="ctr"/>
+            <a:r>
+              <a:rPr lang="pt-PT" dirty="0" smtClean="0"/>
+              <a:t>Time</a:t>
+            </a:r>
+            <a:endParaRPr lang="pt-BR" dirty="0"/>
+          </a:p>
+        </p:txBody>
+      </p:sp>
+      <p:cxnSp>
+        <p:nvCxnSpPr>
+          <p:cNvPr id="46" name="Conector reto 45"/>
+          <p:cNvCxnSpPr/>
+          <p:nvPr/>
+        </p:nvCxnSpPr>
+        <p:spPr>
+          <a:xfrm>
+            <a:off x="7532918" y="2119085"/>
+            <a:ext cx="0" cy="333829"/>
+          </a:xfrm>
+          <a:prstGeom prst="line">
+            <a:avLst/>
+          </a:prstGeom>
+          <a:ln w="28575">
+            <a:headEnd type="none" w="med" len="med"/>
+            <a:tailEnd type="none" w="med" len="med"/>
+          </a:ln>
+        </p:spPr>
+        <p:style>
+          <a:lnRef idx="1">
+            <a:schemeClr val="dk1"/>
+          </a:lnRef>
+          <a:fillRef idx="0">
+            <a:schemeClr val="dk1"/>
+          </a:fillRef>
+          <a:effectRef idx="0">
+            <a:schemeClr val="dk1"/>
+          </a:effectRef>
+          <a:fontRef idx="minor">
+            <a:schemeClr val="tx1"/>
+          </a:fontRef>
+        </p:style>
+      </p:cxnSp>
+      <p:cxnSp>
+        <p:nvCxnSpPr>
+          <p:cNvPr id="47" name="Conector reto 46"/>
+          <p:cNvCxnSpPr/>
+          <p:nvPr/>
+        </p:nvCxnSpPr>
+        <p:spPr>
+          <a:xfrm>
+            <a:off x="8534402" y="2119085"/>
+            <a:ext cx="0" cy="333829"/>
+          </a:xfrm>
+          <a:prstGeom prst="line">
+            <a:avLst/>
+          </a:prstGeom>
+          <a:ln w="28575">
+            <a:headEnd type="none" w="med" len="med"/>
+            <a:tailEnd type="none" w="med" len="med"/>
+          </a:ln>
+        </p:spPr>
+        <p:style>
+          <a:lnRef idx="1">
+            <a:schemeClr val="dk1"/>
+          </a:lnRef>
+          <a:fillRef idx="0">
+            <a:schemeClr val="dk1"/>
+          </a:fillRef>
+          <a:effectRef idx="0">
+            <a:schemeClr val="dk1"/>
+          </a:effectRef>
+          <a:fontRef idx="minor">
+            <a:schemeClr val="tx1"/>
+          </a:fontRef>
+        </p:style>
+      </p:cxnSp>
+      <p:cxnSp>
+        <p:nvCxnSpPr>
+          <p:cNvPr id="48" name="Conector de seta reta 47"/>
+          <p:cNvCxnSpPr/>
+          <p:nvPr/>
+        </p:nvCxnSpPr>
+        <p:spPr>
+          <a:xfrm>
+            <a:off x="8828230" y="4231867"/>
+            <a:ext cx="649602" cy="0"/>
+          </a:xfrm>
+          <a:prstGeom prst="straightConnector1">
+            <a:avLst/>
+          </a:prstGeom>
+          <a:ln>
+            <a:tailEnd type="triangle"/>
+          </a:ln>
+        </p:spPr>
+        <p:style>
+          <a:lnRef idx="1">
+            <a:schemeClr val="accent1"/>
+          </a:lnRef>
+          <a:fillRef idx="0">
+            <a:schemeClr val="accent1"/>
+          </a:fillRef>
+          <a:effectRef idx="0">
+            <a:schemeClr val="accent1"/>
+          </a:effectRef>
+          <a:fontRef idx="minor">
+            <a:schemeClr val="tx1"/>
+          </a:fontRef>
+        </p:style>
+      </p:cxnSp>
+    </p:spTree>
+    <p:extLst>
+      <p:ext uri="{BB962C8B-B14F-4D97-AF65-F5344CB8AC3E}">
+        <p14:creationId xmlns:p14="http://schemas.microsoft.com/office/powerpoint/2010/main" xmlns="" val="32127210"/>
       </p:ext>
     </p:extLst>
   </p:cSld>
@@ -7235,7 +8341,7 @@
     </a:clrScheme>
     <a:fontScheme name="Escritório">
       <a:majorFont>
-        <a:latin typeface="Calibri Light" panose="020F0302020204030204"/>
+        <a:latin typeface="Calibri Light"/>
         <a:ea typeface=""/>
         <a:cs typeface=""/>
         <a:font script="Jpan" typeface="ＭＳ Ｐゴシック"/>
@@ -7270,7 +8376,7 @@
         <a:font script="Geor" typeface="Sylfaen"/>
       </a:majorFont>
       <a:minorFont>
-        <a:latin typeface="Calibri" panose="020F0502020204030204"/>
+        <a:latin typeface="Calibri"/>
         <a:ea typeface=""/>
         <a:cs typeface=""/>
         <a:font script="Jpan" typeface="ＭＳ Ｐゴシック"/>
@@ -7447,7 +8553,7 @@
   <a:extraClrSchemeLst/>
   <a:extLst>
     <a:ext uri="{05A4C25C-085E-4340-85A3-A5531E510DB2}">
-      <thm15:themeFamily xmlns:thm15="http://schemas.microsoft.com/office/thememl/2012/main" name="Office Theme" id="{62F939B6-93AF-4DB8-9C6B-D6C7DFDC589F}" vid="{4A3C46E8-61CC-4603-A589-7422A47A8E4A}"/>
+      <thm15:themeFamily xmlns:thm15="http://schemas.microsoft.com/office/thememl/2012/main" xmlns="" name="Office Theme" id="{62F939B6-93AF-4DB8-9C6B-D6C7DFDC589F}" vid="{4A3C46E8-61CC-4603-A589-7422A47A8E4A}"/>
     </a:ext>
   </a:extLst>
 </a:theme>

--- a/relatorio/abntex2-modelos-1.9.2/figuras/diagramas.pptx
+++ b/relatorio/abntex2-modelos-1.9.2/figuras/diagramas.pptx
@@ -6,10 +6,11 @@
   </p:sldMasterIdLst>
   <p:sldIdLst>
     <p:sldId id="256" r:id="rId2"/>
-    <p:sldId id="257" r:id="rId3"/>
-    <p:sldId id="258" r:id="rId4"/>
-    <p:sldId id="259" r:id="rId5"/>
-    <p:sldId id="260" r:id="rId6"/>
+    <p:sldId id="261" r:id="rId3"/>
+    <p:sldId id="257" r:id="rId4"/>
+    <p:sldId id="258" r:id="rId5"/>
+    <p:sldId id="259" r:id="rId6"/>
+    <p:sldId id="260" r:id="rId7"/>
   </p:sldIdLst>
   <p:sldSz cx="12192000" cy="6858000"/>
   <p:notesSz cx="6858000" cy="9144000"/>
@@ -110,7 +111,18 @@
   </p:defaultTextStyle>
   <p:extLst>
     <p:ext uri="{EFAFB233-063F-42B5-8137-9DF3F51BA10A}">
-      <p15:sldGuideLst xmlns:p15="http://schemas.microsoft.com/office/powerpoint/2012/main" xmlns=""/>
+      <p15:sldGuideLst xmlns:p15="http://schemas.microsoft.com/office/powerpoint/2012/main">
+        <p15:guide id="1" orient="horz" pos="2160">
+          <p15:clr>
+            <a:srgbClr val="A4A3A4"/>
+          </p15:clr>
+        </p15:guide>
+        <p15:guide id="2" pos="3840">
+          <p15:clr>
+            <a:srgbClr val="A4A3A4"/>
+          </p15:clr>
+        </p15:guide>
+      </p15:sldGuideLst>
     </p:ext>
   </p:extLst>
 </p:presentation>
@@ -248,7 +260,7 @@
             <a:fld id="{7F981E3C-F023-4B2E-8C30-C087B244E656}" type="datetimeFigureOut">
               <a:rPr lang="pt-BR" smtClean="0"/>
               <a:pPr/>
-              <a:t>22/5/2014</a:t>
+              <a:t>09/06/2014</a:t>
             </a:fld>
             <a:endParaRPr lang="pt-BR"/>
           </a:p>
@@ -300,7 +312,7 @@
     </p:spTree>
     <p:extLst>
       <p:ext uri="{BB962C8B-B14F-4D97-AF65-F5344CB8AC3E}">
-        <p14:creationId xmlns:p14="http://schemas.microsoft.com/office/powerpoint/2010/main" xmlns="" val="3346162728"/>
+        <p14:creationId xmlns:p14="http://schemas.microsoft.com/office/powerpoint/2010/main" val="3346162728"/>
       </p:ext>
     </p:extLst>
   </p:cSld>
@@ -420,7 +432,7 @@
             <a:fld id="{7F981E3C-F023-4B2E-8C30-C087B244E656}" type="datetimeFigureOut">
               <a:rPr lang="pt-BR" smtClean="0"/>
               <a:pPr/>
-              <a:t>22/5/2014</a:t>
+              <a:t>09/06/2014</a:t>
             </a:fld>
             <a:endParaRPr lang="pt-BR"/>
           </a:p>
@@ -472,7 +484,7 @@
     </p:spTree>
     <p:extLst>
       <p:ext uri="{BB962C8B-B14F-4D97-AF65-F5344CB8AC3E}">
-        <p14:creationId xmlns:p14="http://schemas.microsoft.com/office/powerpoint/2010/main" xmlns="" val="3399439725"/>
+        <p14:creationId xmlns:p14="http://schemas.microsoft.com/office/powerpoint/2010/main" val="3399439725"/>
       </p:ext>
     </p:extLst>
   </p:cSld>
@@ -602,7 +614,7 @@
             <a:fld id="{7F981E3C-F023-4B2E-8C30-C087B244E656}" type="datetimeFigureOut">
               <a:rPr lang="pt-BR" smtClean="0"/>
               <a:pPr/>
-              <a:t>22/5/2014</a:t>
+              <a:t>09/06/2014</a:t>
             </a:fld>
             <a:endParaRPr lang="pt-BR"/>
           </a:p>
@@ -654,7 +666,7 @@
     </p:spTree>
     <p:extLst>
       <p:ext uri="{BB962C8B-B14F-4D97-AF65-F5344CB8AC3E}">
-        <p14:creationId xmlns:p14="http://schemas.microsoft.com/office/powerpoint/2010/main" xmlns="" val="2345909394"/>
+        <p14:creationId xmlns:p14="http://schemas.microsoft.com/office/powerpoint/2010/main" val="2345909394"/>
       </p:ext>
     </p:extLst>
   </p:cSld>
@@ -774,7 +786,7 @@
             <a:fld id="{7F981E3C-F023-4B2E-8C30-C087B244E656}" type="datetimeFigureOut">
               <a:rPr lang="pt-BR" smtClean="0"/>
               <a:pPr/>
-              <a:t>22/5/2014</a:t>
+              <a:t>09/06/2014</a:t>
             </a:fld>
             <a:endParaRPr lang="pt-BR"/>
           </a:p>
@@ -826,7 +838,7 @@
     </p:spTree>
     <p:extLst>
       <p:ext uri="{BB962C8B-B14F-4D97-AF65-F5344CB8AC3E}">
-        <p14:creationId xmlns:p14="http://schemas.microsoft.com/office/powerpoint/2010/main" xmlns="" val="3703175047"/>
+        <p14:creationId xmlns:p14="http://schemas.microsoft.com/office/powerpoint/2010/main" val="3703175047"/>
       </p:ext>
     </p:extLst>
   </p:cSld>
@@ -1022,7 +1034,7 @@
             <a:fld id="{7F981E3C-F023-4B2E-8C30-C087B244E656}" type="datetimeFigureOut">
               <a:rPr lang="pt-BR" smtClean="0"/>
               <a:pPr/>
-              <a:t>22/5/2014</a:t>
+              <a:t>09/06/2014</a:t>
             </a:fld>
             <a:endParaRPr lang="pt-BR"/>
           </a:p>
@@ -1074,7 +1086,7 @@
     </p:spTree>
     <p:extLst>
       <p:ext uri="{BB962C8B-B14F-4D97-AF65-F5344CB8AC3E}">
-        <p14:creationId xmlns:p14="http://schemas.microsoft.com/office/powerpoint/2010/main" xmlns="" val="1152049616"/>
+        <p14:creationId xmlns:p14="http://schemas.microsoft.com/office/powerpoint/2010/main" val="1152049616"/>
       </p:ext>
     </p:extLst>
   </p:cSld>
@@ -1256,7 +1268,7 @@
             <a:fld id="{7F981E3C-F023-4B2E-8C30-C087B244E656}" type="datetimeFigureOut">
               <a:rPr lang="pt-BR" smtClean="0"/>
               <a:pPr/>
-              <a:t>22/5/2014</a:t>
+              <a:t>09/06/2014</a:t>
             </a:fld>
             <a:endParaRPr lang="pt-BR"/>
           </a:p>
@@ -1308,7 +1320,7 @@
     </p:spTree>
     <p:extLst>
       <p:ext uri="{BB962C8B-B14F-4D97-AF65-F5344CB8AC3E}">
-        <p14:creationId xmlns:p14="http://schemas.microsoft.com/office/powerpoint/2010/main" xmlns="" val="3749148039"/>
+        <p14:creationId xmlns:p14="http://schemas.microsoft.com/office/powerpoint/2010/main" val="3749148039"/>
       </p:ext>
     </p:extLst>
   </p:cSld>
@@ -1625,7 +1637,7 @@
             <a:fld id="{7F981E3C-F023-4B2E-8C30-C087B244E656}" type="datetimeFigureOut">
               <a:rPr lang="pt-BR" smtClean="0"/>
               <a:pPr/>
-              <a:t>22/5/2014</a:t>
+              <a:t>09/06/2014</a:t>
             </a:fld>
             <a:endParaRPr lang="pt-BR"/>
           </a:p>
@@ -1677,7 +1689,7 @@
     </p:spTree>
     <p:extLst>
       <p:ext uri="{BB962C8B-B14F-4D97-AF65-F5344CB8AC3E}">
-        <p14:creationId xmlns:p14="http://schemas.microsoft.com/office/powerpoint/2010/main" xmlns="" val="2231941236"/>
+        <p14:creationId xmlns:p14="http://schemas.microsoft.com/office/powerpoint/2010/main" val="2231941236"/>
       </p:ext>
     </p:extLst>
   </p:cSld>
@@ -1745,7 +1757,7 @@
             <a:fld id="{7F981E3C-F023-4B2E-8C30-C087B244E656}" type="datetimeFigureOut">
               <a:rPr lang="pt-BR" smtClean="0"/>
               <a:pPr/>
-              <a:t>22/5/2014</a:t>
+              <a:t>09/06/2014</a:t>
             </a:fld>
             <a:endParaRPr lang="pt-BR"/>
           </a:p>
@@ -1797,7 +1809,7 @@
     </p:spTree>
     <p:extLst>
       <p:ext uri="{BB962C8B-B14F-4D97-AF65-F5344CB8AC3E}">
-        <p14:creationId xmlns:p14="http://schemas.microsoft.com/office/powerpoint/2010/main" xmlns="" val="2757764658"/>
+        <p14:creationId xmlns:p14="http://schemas.microsoft.com/office/powerpoint/2010/main" val="2757764658"/>
       </p:ext>
     </p:extLst>
   </p:cSld>
@@ -1842,7 +1854,7 @@
             <a:fld id="{7F981E3C-F023-4B2E-8C30-C087B244E656}" type="datetimeFigureOut">
               <a:rPr lang="pt-BR" smtClean="0"/>
               <a:pPr/>
-              <a:t>22/5/2014</a:t>
+              <a:t>09/06/2014</a:t>
             </a:fld>
             <a:endParaRPr lang="pt-BR"/>
           </a:p>
@@ -1894,7 +1906,7 @@
     </p:spTree>
     <p:extLst>
       <p:ext uri="{BB962C8B-B14F-4D97-AF65-F5344CB8AC3E}">
-        <p14:creationId xmlns:p14="http://schemas.microsoft.com/office/powerpoint/2010/main" xmlns="" val="3672854325"/>
+        <p14:creationId xmlns:p14="http://schemas.microsoft.com/office/powerpoint/2010/main" val="3672854325"/>
       </p:ext>
     </p:extLst>
   </p:cSld>
@@ -2121,7 +2133,7 @@
             <a:fld id="{7F981E3C-F023-4B2E-8C30-C087B244E656}" type="datetimeFigureOut">
               <a:rPr lang="pt-BR" smtClean="0"/>
               <a:pPr/>
-              <a:t>22/5/2014</a:t>
+              <a:t>09/06/2014</a:t>
             </a:fld>
             <a:endParaRPr lang="pt-BR"/>
           </a:p>
@@ -2173,7 +2185,7 @@
     </p:spTree>
     <p:extLst>
       <p:ext uri="{BB962C8B-B14F-4D97-AF65-F5344CB8AC3E}">
-        <p14:creationId xmlns:p14="http://schemas.microsoft.com/office/powerpoint/2010/main" xmlns="" val="1310300903"/>
+        <p14:creationId xmlns:p14="http://schemas.microsoft.com/office/powerpoint/2010/main" val="1310300903"/>
       </p:ext>
     </p:extLst>
   </p:cSld>
@@ -2376,7 +2388,7 @@
             <a:fld id="{7F981E3C-F023-4B2E-8C30-C087B244E656}" type="datetimeFigureOut">
               <a:rPr lang="pt-BR" smtClean="0"/>
               <a:pPr/>
-              <a:t>22/5/2014</a:t>
+              <a:t>09/06/2014</a:t>
             </a:fld>
             <a:endParaRPr lang="pt-BR"/>
           </a:p>
@@ -2428,7 +2440,7 @@
     </p:spTree>
     <p:extLst>
       <p:ext uri="{BB962C8B-B14F-4D97-AF65-F5344CB8AC3E}">
-        <p14:creationId xmlns:p14="http://schemas.microsoft.com/office/powerpoint/2010/main" xmlns="" val="331276270"/>
+        <p14:creationId xmlns:p14="http://schemas.microsoft.com/office/powerpoint/2010/main" val="331276270"/>
       </p:ext>
     </p:extLst>
   </p:cSld>
@@ -2591,7 +2603,7 @@
             <a:fld id="{7F981E3C-F023-4B2E-8C30-C087B244E656}" type="datetimeFigureOut">
               <a:rPr lang="pt-BR" smtClean="0"/>
               <a:pPr/>
-              <a:t>22/5/2014</a:t>
+              <a:t>09/06/2014</a:t>
             </a:fld>
             <a:endParaRPr lang="pt-BR"/>
           </a:p>
@@ -2679,7 +2691,7 @@
     </p:spTree>
     <p:extLst>
       <p:ext uri="{BB962C8B-B14F-4D97-AF65-F5344CB8AC3E}">
-        <p14:creationId xmlns:p14="http://schemas.microsoft.com/office/powerpoint/2010/main" xmlns="" val="2644906291"/>
+        <p14:creationId xmlns:p14="http://schemas.microsoft.com/office/powerpoint/2010/main" val="2644906291"/>
       </p:ext>
     </p:extLst>
   </p:cSld>
@@ -4123,7 +4135,7 @@
     </p:spTree>
     <p:extLst>
       <p:ext uri="{BB962C8B-B14F-4D97-AF65-F5344CB8AC3E}">
-        <p14:creationId xmlns:p14="http://schemas.microsoft.com/office/powerpoint/2010/main" xmlns="" val="1899401591"/>
+        <p14:creationId xmlns:p14="http://schemas.microsoft.com/office/powerpoint/2010/main" val="1899401591"/>
       </p:ext>
     </p:extLst>
   </p:cSld>
@@ -4134,6 +4146,2475 @@
 </file>
 
 <file path=ppt/slides/slide2.xml><?xml version="1.0" encoding="utf-8"?>
+<p:sld xmlns:a="http://schemas.openxmlformats.org/drawingml/2006/main" xmlns:r="http://schemas.openxmlformats.org/officeDocument/2006/relationships" xmlns:p="http://schemas.openxmlformats.org/presentationml/2006/main">
+  <p:cSld>
+    <p:spTree>
+      <p:nvGrpSpPr>
+        <p:cNvPr id="1" name=""/>
+        <p:cNvGrpSpPr/>
+        <p:nvPr/>
+      </p:nvGrpSpPr>
+      <p:grpSpPr>
+        <a:xfrm>
+          <a:off x="0" y="0"/>
+          <a:ext cx="0" cy="0"/>
+          <a:chOff x="0" y="0"/>
+          <a:chExt cx="0" cy="0"/>
+        </a:xfrm>
+      </p:grpSpPr>
+      <p:sp>
+        <p:nvSpPr>
+          <p:cNvPr id="28" name="Retângulo de cantos arredondados 27"/>
+          <p:cNvSpPr/>
+          <p:nvPr/>
+        </p:nvSpPr>
+        <p:spPr>
+          <a:xfrm>
+            <a:off x="2057399" y="2082856"/>
+            <a:ext cx="2643909" cy="2022732"/>
+          </a:xfrm>
+          <a:prstGeom prst="roundRect">
+            <a:avLst/>
+          </a:prstGeom>
+          <a:solidFill>
+            <a:schemeClr val="bg1">
+              <a:lumMod val="85000"/>
+            </a:schemeClr>
+          </a:solidFill>
+        </p:spPr>
+        <p:style>
+          <a:lnRef idx="2">
+            <a:schemeClr val="accent3">
+              <a:shade val="50000"/>
+            </a:schemeClr>
+          </a:lnRef>
+          <a:fillRef idx="1">
+            <a:schemeClr val="accent3"/>
+          </a:fillRef>
+          <a:effectRef idx="0">
+            <a:schemeClr val="accent3"/>
+          </a:effectRef>
+          <a:fontRef idx="minor">
+            <a:schemeClr val="lt1"/>
+          </a:fontRef>
+        </p:style>
+        <p:txBody>
+          <a:bodyPr rtlCol="0" anchor="t"/>
+          <a:lstStyle/>
+          <a:p>
+            <a:pPr algn="ctr"/>
+            <a:r>
+              <a:rPr lang="pt-PT" dirty="0">
+                <a:ln w="0"/>
+                <a:solidFill>
+                  <a:schemeClr val="tx1"/>
+                </a:solidFill>
+                <a:effectLst>
+                  <a:outerShdw blurRad="38100" dist="19050" dir="2700000" algn="tl" rotWithShape="0">
+                    <a:schemeClr val="dk1">
+                      <a:alpha val="40000"/>
+                    </a:schemeClr>
+                  </a:outerShdw>
+                </a:effectLst>
+                <a:latin typeface="Consolas" panose="020B0609020204030204" pitchFamily="49" charset="0"/>
+                <a:cs typeface="Consolas" panose="020B0609020204030204" pitchFamily="49" charset="0"/>
+              </a:rPr>
+              <a:t>MpegTSService</a:t>
+            </a:r>
+          </a:p>
+          <a:p>
+            <a:r>
+              <a:rPr lang="pt-PT" sz="1200" dirty="0" smtClean="0">
+                <a:ln w="0"/>
+                <a:solidFill>
+                  <a:schemeClr val="tx1"/>
+                </a:solidFill>
+                <a:effectLst>
+                  <a:outerShdw blurRad="38100" dist="19050" dir="2700000" algn="tl" rotWithShape="0">
+                    <a:schemeClr val="dk1">
+                      <a:alpha val="40000"/>
+                    </a:schemeClr>
+                  </a:outerShdw>
+                </a:effectLst>
+                <a:latin typeface="Consolas" panose="020B0609020204030204" pitchFamily="49" charset="0"/>
+                <a:cs typeface="Consolas" panose="020B0609020204030204" pitchFamily="49" charset="0"/>
+              </a:rPr>
+              <a:t>MpegTSSection </a:t>
+            </a:r>
+            <a:r>
+              <a:rPr lang="pt-PT" sz="1200" dirty="0">
+                <a:ln w="0"/>
+                <a:solidFill>
+                  <a:schemeClr val="tx1"/>
+                </a:solidFill>
+                <a:effectLst>
+                  <a:outerShdw blurRad="38100" dist="19050" dir="2700000" algn="tl" rotWithShape="0">
+                    <a:schemeClr val="dk1">
+                      <a:alpha val="40000"/>
+                    </a:schemeClr>
+                  </a:outerShdw>
+                </a:effectLst>
+                <a:latin typeface="Consolas" panose="020B0609020204030204" pitchFamily="49" charset="0"/>
+                <a:cs typeface="Consolas" panose="020B0609020204030204" pitchFamily="49" charset="0"/>
+              </a:rPr>
+              <a:t>pmt</a:t>
+            </a:r>
+            <a:r>
+              <a:rPr lang="pt-PT" sz="1200" dirty="0" smtClean="0">
+                <a:ln w="0"/>
+                <a:solidFill>
+                  <a:schemeClr val="tx1"/>
+                </a:solidFill>
+                <a:effectLst>
+                  <a:outerShdw blurRad="38100" dist="19050" dir="2700000" algn="tl" rotWithShape="0">
+                    <a:schemeClr val="dk1">
+                      <a:alpha val="40000"/>
+                    </a:schemeClr>
+                  </a:outerShdw>
+                </a:effectLst>
+                <a:latin typeface="Consolas" panose="020B0609020204030204" pitchFamily="49" charset="0"/>
+                <a:cs typeface="Consolas" panose="020B0609020204030204" pitchFamily="49" charset="0"/>
+              </a:rPr>
+              <a:t>;</a:t>
+            </a:r>
+            <a:endParaRPr lang="pt-PT" sz="1200" dirty="0">
+              <a:ln w="0"/>
+              <a:solidFill>
+                <a:schemeClr val="tx1"/>
+              </a:solidFill>
+              <a:effectLst>
+                <a:outerShdw blurRad="38100" dist="19050" dir="2700000" algn="tl" rotWithShape="0">
+                  <a:schemeClr val="dk1">
+                    <a:alpha val="40000"/>
+                  </a:schemeClr>
+                </a:outerShdw>
+              </a:effectLst>
+              <a:latin typeface="Consolas" panose="020B0609020204030204" pitchFamily="49" charset="0"/>
+              <a:cs typeface="Consolas" panose="020B0609020204030204" pitchFamily="49" charset="0"/>
+            </a:endParaRPr>
+          </a:p>
+          <a:p>
+            <a:r>
+              <a:rPr lang="pt-PT" sz="1200" dirty="0" smtClean="0">
+                <a:ln w="0"/>
+                <a:solidFill>
+                  <a:schemeClr val="tx1"/>
+                </a:solidFill>
+                <a:effectLst>
+                  <a:outerShdw blurRad="38100" dist="19050" dir="2700000" algn="tl" rotWithShape="0">
+                    <a:schemeClr val="dk1">
+                      <a:alpha val="40000"/>
+                    </a:schemeClr>
+                  </a:outerShdw>
+                </a:effectLst>
+                <a:latin typeface="Consolas" panose="020B0609020204030204" pitchFamily="49" charset="0"/>
+                <a:cs typeface="Consolas" panose="020B0609020204030204" pitchFamily="49" charset="0"/>
+              </a:rPr>
+              <a:t>int </a:t>
+            </a:r>
+            <a:r>
+              <a:rPr lang="pt-PT" sz="1200" dirty="0">
+                <a:ln w="0"/>
+                <a:solidFill>
+                  <a:schemeClr val="tx1"/>
+                </a:solidFill>
+                <a:effectLst>
+                  <a:outerShdw blurRad="38100" dist="19050" dir="2700000" algn="tl" rotWithShape="0">
+                    <a:schemeClr val="dk1">
+                      <a:alpha val="40000"/>
+                    </a:schemeClr>
+                  </a:outerShdw>
+                </a:effectLst>
+                <a:latin typeface="Consolas" panose="020B0609020204030204" pitchFamily="49" charset="0"/>
+                <a:cs typeface="Consolas" panose="020B0609020204030204" pitchFamily="49" charset="0"/>
+              </a:rPr>
+              <a:t>sid</a:t>
+            </a:r>
+            <a:r>
+              <a:rPr lang="pt-PT" sz="1200" dirty="0" smtClean="0">
+                <a:ln w="0"/>
+                <a:solidFill>
+                  <a:schemeClr val="tx1"/>
+                </a:solidFill>
+                <a:effectLst>
+                  <a:outerShdw blurRad="38100" dist="19050" dir="2700000" algn="tl" rotWithShape="0">
+                    <a:schemeClr val="dk1">
+                      <a:alpha val="40000"/>
+                    </a:schemeClr>
+                  </a:outerShdw>
+                </a:effectLst>
+                <a:latin typeface="Consolas" panose="020B0609020204030204" pitchFamily="49" charset="0"/>
+                <a:cs typeface="Consolas" panose="020B0609020204030204" pitchFamily="49" charset="0"/>
+              </a:rPr>
+              <a:t>;</a:t>
+            </a:r>
+          </a:p>
+          <a:p>
+            <a:r>
+              <a:rPr lang="pt-PT" sz="1200" dirty="0" smtClean="0">
+                <a:ln w="0"/>
+                <a:solidFill>
+                  <a:schemeClr val="tx1"/>
+                </a:solidFill>
+                <a:effectLst>
+                  <a:outerShdw blurRad="38100" dist="19050" dir="2700000" algn="tl" rotWithShape="0">
+                    <a:schemeClr val="dk1">
+                      <a:alpha val="40000"/>
+                    </a:schemeClr>
+                  </a:outerShdw>
+                </a:effectLst>
+                <a:latin typeface="Consolas" panose="020B0609020204030204" pitchFamily="49" charset="0"/>
+                <a:cs typeface="Consolas" panose="020B0609020204030204" pitchFamily="49" charset="0"/>
+              </a:rPr>
+              <a:t>char </a:t>
+            </a:r>
+            <a:r>
+              <a:rPr lang="pt-PT" sz="1200" dirty="0">
+                <a:ln w="0"/>
+                <a:solidFill>
+                  <a:schemeClr val="tx1"/>
+                </a:solidFill>
+                <a:effectLst>
+                  <a:outerShdw blurRad="38100" dist="19050" dir="2700000" algn="tl" rotWithShape="0">
+                    <a:schemeClr val="dk1">
+                      <a:alpha val="40000"/>
+                    </a:schemeClr>
+                  </a:outerShdw>
+                </a:effectLst>
+                <a:latin typeface="Consolas" panose="020B0609020204030204" pitchFamily="49" charset="0"/>
+                <a:cs typeface="Consolas" panose="020B0609020204030204" pitchFamily="49" charset="0"/>
+              </a:rPr>
+              <a:t>*name</a:t>
+            </a:r>
+            <a:r>
+              <a:rPr lang="pt-PT" sz="1200" dirty="0" smtClean="0">
+                <a:ln w="0"/>
+                <a:solidFill>
+                  <a:schemeClr val="tx1"/>
+                </a:solidFill>
+                <a:effectLst>
+                  <a:outerShdw blurRad="38100" dist="19050" dir="2700000" algn="tl" rotWithShape="0">
+                    <a:schemeClr val="dk1">
+                      <a:alpha val="40000"/>
+                    </a:schemeClr>
+                  </a:outerShdw>
+                </a:effectLst>
+                <a:latin typeface="Consolas" panose="020B0609020204030204" pitchFamily="49" charset="0"/>
+                <a:cs typeface="Consolas" panose="020B0609020204030204" pitchFamily="49" charset="0"/>
+              </a:rPr>
+              <a:t>;</a:t>
+            </a:r>
+          </a:p>
+          <a:p>
+            <a:r>
+              <a:rPr lang="pt-PT" sz="1200" dirty="0" smtClean="0">
+                <a:ln w="0"/>
+                <a:solidFill>
+                  <a:schemeClr val="tx1"/>
+                </a:solidFill>
+                <a:effectLst>
+                  <a:outerShdw blurRad="38100" dist="19050" dir="2700000" algn="tl" rotWithShape="0">
+                    <a:schemeClr val="dk1">
+                      <a:alpha val="40000"/>
+                    </a:schemeClr>
+                  </a:outerShdw>
+                </a:effectLst>
+                <a:latin typeface="Consolas" panose="020B0609020204030204" pitchFamily="49" charset="0"/>
+                <a:cs typeface="Consolas" panose="020B0609020204030204" pitchFamily="49" charset="0"/>
+              </a:rPr>
+              <a:t>char </a:t>
+            </a:r>
+            <a:r>
+              <a:rPr lang="pt-PT" sz="1200" dirty="0">
+                <a:ln w="0"/>
+                <a:solidFill>
+                  <a:schemeClr val="tx1"/>
+                </a:solidFill>
+                <a:effectLst>
+                  <a:outerShdw blurRad="38100" dist="19050" dir="2700000" algn="tl" rotWithShape="0">
+                    <a:schemeClr val="dk1">
+                      <a:alpha val="40000"/>
+                    </a:schemeClr>
+                  </a:outerShdw>
+                </a:effectLst>
+                <a:latin typeface="Consolas" panose="020B0609020204030204" pitchFamily="49" charset="0"/>
+                <a:cs typeface="Consolas" panose="020B0609020204030204" pitchFamily="49" charset="0"/>
+              </a:rPr>
+              <a:t>*provider_name</a:t>
+            </a:r>
+            <a:r>
+              <a:rPr lang="pt-PT" sz="1200" dirty="0" smtClean="0">
+                <a:ln w="0"/>
+                <a:solidFill>
+                  <a:schemeClr val="tx1"/>
+                </a:solidFill>
+                <a:effectLst>
+                  <a:outerShdw blurRad="38100" dist="19050" dir="2700000" algn="tl" rotWithShape="0">
+                    <a:schemeClr val="dk1">
+                      <a:alpha val="40000"/>
+                    </a:schemeClr>
+                  </a:outerShdw>
+                </a:effectLst>
+                <a:latin typeface="Consolas" panose="020B0609020204030204" pitchFamily="49" charset="0"/>
+                <a:cs typeface="Consolas" panose="020B0609020204030204" pitchFamily="49" charset="0"/>
+              </a:rPr>
+              <a:t>;</a:t>
+            </a:r>
+          </a:p>
+          <a:p>
+            <a:r>
+              <a:rPr lang="pt-PT" sz="1200" dirty="0" smtClean="0">
+                <a:ln w="0"/>
+                <a:solidFill>
+                  <a:schemeClr val="tx1"/>
+                </a:solidFill>
+                <a:effectLst>
+                  <a:outerShdw blurRad="38100" dist="19050" dir="2700000" algn="tl" rotWithShape="0">
+                    <a:schemeClr val="dk1">
+                      <a:alpha val="40000"/>
+                    </a:schemeClr>
+                  </a:outerShdw>
+                </a:effectLst>
+                <a:latin typeface="Consolas" panose="020B0609020204030204" pitchFamily="49" charset="0"/>
+                <a:cs typeface="Consolas" panose="020B0609020204030204" pitchFamily="49" charset="0"/>
+              </a:rPr>
+              <a:t>int </a:t>
+            </a:r>
+            <a:r>
+              <a:rPr lang="pt-PT" sz="1200" dirty="0">
+                <a:ln w="0"/>
+                <a:solidFill>
+                  <a:schemeClr val="tx1"/>
+                </a:solidFill>
+                <a:effectLst>
+                  <a:outerShdw blurRad="38100" dist="19050" dir="2700000" algn="tl" rotWithShape="0">
+                    <a:schemeClr val="dk1">
+                      <a:alpha val="40000"/>
+                    </a:schemeClr>
+                  </a:outerShdw>
+                </a:effectLst>
+                <a:latin typeface="Consolas" panose="020B0609020204030204" pitchFamily="49" charset="0"/>
+                <a:cs typeface="Consolas" panose="020B0609020204030204" pitchFamily="49" charset="0"/>
+              </a:rPr>
+              <a:t>pcr_pid</a:t>
+            </a:r>
+            <a:r>
+              <a:rPr lang="pt-PT" sz="1200" dirty="0" smtClean="0">
+                <a:ln w="0"/>
+                <a:solidFill>
+                  <a:schemeClr val="tx1"/>
+                </a:solidFill>
+                <a:effectLst>
+                  <a:outerShdw blurRad="38100" dist="19050" dir="2700000" algn="tl" rotWithShape="0">
+                    <a:schemeClr val="dk1">
+                      <a:alpha val="40000"/>
+                    </a:schemeClr>
+                  </a:outerShdw>
+                </a:effectLst>
+                <a:latin typeface="Consolas" panose="020B0609020204030204" pitchFamily="49" charset="0"/>
+                <a:cs typeface="Consolas" panose="020B0609020204030204" pitchFamily="49" charset="0"/>
+              </a:rPr>
+              <a:t>;</a:t>
+            </a:r>
+            <a:endParaRPr lang="pt-PT" sz="1200" dirty="0">
+              <a:ln w="0"/>
+              <a:solidFill>
+                <a:schemeClr val="tx1"/>
+              </a:solidFill>
+              <a:effectLst>
+                <a:outerShdw blurRad="38100" dist="19050" dir="2700000" algn="tl" rotWithShape="0">
+                  <a:schemeClr val="dk1">
+                    <a:alpha val="40000"/>
+                  </a:schemeClr>
+                </a:outerShdw>
+              </a:effectLst>
+              <a:latin typeface="Consolas" panose="020B0609020204030204" pitchFamily="49" charset="0"/>
+              <a:cs typeface="Consolas" panose="020B0609020204030204" pitchFamily="49" charset="0"/>
+            </a:endParaRPr>
+          </a:p>
+        </p:txBody>
+      </p:sp>
+      <p:sp>
+        <p:nvSpPr>
+          <p:cNvPr id="29" name="Retângulo de cantos arredondados 28"/>
+          <p:cNvSpPr/>
+          <p:nvPr/>
+        </p:nvSpPr>
+        <p:spPr>
+          <a:xfrm>
+            <a:off x="5507442" y="497935"/>
+            <a:ext cx="6298939" cy="1920507"/>
+          </a:xfrm>
+          <a:prstGeom prst="roundRect">
+            <a:avLst/>
+          </a:prstGeom>
+          <a:solidFill>
+            <a:schemeClr val="bg1">
+              <a:lumMod val="85000"/>
+            </a:schemeClr>
+          </a:solidFill>
+        </p:spPr>
+        <p:style>
+          <a:lnRef idx="2">
+            <a:schemeClr val="accent3">
+              <a:shade val="50000"/>
+            </a:schemeClr>
+          </a:lnRef>
+          <a:fillRef idx="1">
+            <a:schemeClr val="accent3"/>
+          </a:fillRef>
+          <a:effectRef idx="0">
+            <a:schemeClr val="accent3"/>
+          </a:effectRef>
+          <a:fontRef idx="minor">
+            <a:schemeClr val="lt1"/>
+          </a:fontRef>
+        </p:style>
+        <p:txBody>
+          <a:bodyPr rtlCol="0" anchor="t"/>
+          <a:lstStyle/>
+          <a:p>
+            <a:pPr algn="ctr"/>
+            <a:r>
+              <a:rPr lang="pt-PT" dirty="0">
+                <a:ln w="0"/>
+                <a:solidFill>
+                  <a:schemeClr val="tx1"/>
+                </a:solidFill>
+                <a:effectLst>
+                  <a:outerShdw blurRad="38100" dist="19050" dir="2700000" algn="tl" rotWithShape="0">
+                    <a:schemeClr val="dk1">
+                      <a:alpha val="40000"/>
+                    </a:schemeClr>
+                  </a:outerShdw>
+                </a:effectLst>
+                <a:latin typeface="Consolas" panose="020B0609020204030204" pitchFamily="49" charset="0"/>
+                <a:cs typeface="Consolas" panose="020B0609020204030204" pitchFamily="49" charset="0"/>
+              </a:rPr>
+              <a:t>MpegTSWrite</a:t>
+            </a:r>
+          </a:p>
+          <a:p>
+            <a:r>
+              <a:rPr lang="pt-PT" sz="1200" dirty="0" smtClean="0">
+                <a:ln w="0"/>
+                <a:solidFill>
+                  <a:schemeClr val="tx1"/>
+                </a:solidFill>
+                <a:effectLst>
+                  <a:outerShdw blurRad="38100" dist="19050" dir="2700000" algn="tl" rotWithShape="0">
+                    <a:schemeClr val="dk1">
+                      <a:alpha val="40000"/>
+                    </a:schemeClr>
+                  </a:outerShdw>
+                </a:effectLst>
+                <a:latin typeface="Consolas" panose="020B0609020204030204" pitchFamily="49" charset="0"/>
+                <a:cs typeface="Consolas" panose="020B0609020204030204" pitchFamily="49" charset="0"/>
+              </a:rPr>
+              <a:t>MpegTSSection </a:t>
+            </a:r>
+            <a:r>
+              <a:rPr lang="pt-PT" sz="1200" dirty="0">
+                <a:ln w="0"/>
+                <a:solidFill>
+                  <a:schemeClr val="tx1"/>
+                </a:solidFill>
+                <a:effectLst>
+                  <a:outerShdw blurRad="38100" dist="19050" dir="2700000" algn="tl" rotWithShape="0">
+                    <a:schemeClr val="dk1">
+                      <a:alpha val="40000"/>
+                    </a:schemeClr>
+                  </a:outerShdw>
+                </a:effectLst>
+                <a:latin typeface="Consolas" panose="020B0609020204030204" pitchFamily="49" charset="0"/>
+                <a:cs typeface="Consolas" panose="020B0609020204030204" pitchFamily="49" charset="0"/>
+              </a:rPr>
+              <a:t>pat;</a:t>
+            </a:r>
+          </a:p>
+          <a:p>
+            <a:r>
+              <a:rPr lang="pt-PT" sz="1200" dirty="0">
+                <a:ln w="0"/>
+                <a:solidFill>
+                  <a:schemeClr val="tx1"/>
+                </a:solidFill>
+                <a:effectLst>
+                  <a:outerShdw blurRad="38100" dist="19050" dir="2700000" algn="tl" rotWithShape="0">
+                    <a:schemeClr val="dk1">
+                      <a:alpha val="40000"/>
+                    </a:schemeClr>
+                  </a:outerShdw>
+                </a:effectLst>
+                <a:latin typeface="Consolas" panose="020B0609020204030204" pitchFamily="49" charset="0"/>
+                <a:cs typeface="Consolas" panose="020B0609020204030204" pitchFamily="49" charset="0"/>
+              </a:rPr>
+              <a:t>MpegTSSection nit;</a:t>
+            </a:r>
+          </a:p>
+          <a:p>
+            <a:r>
+              <a:rPr lang="pt-PT" sz="1200" dirty="0">
+                <a:ln w="0"/>
+                <a:solidFill>
+                  <a:schemeClr val="tx1"/>
+                </a:solidFill>
+                <a:effectLst>
+                  <a:outerShdw blurRad="38100" dist="19050" dir="2700000" algn="tl" rotWithShape="0">
+                    <a:schemeClr val="dk1">
+                      <a:alpha val="40000"/>
+                    </a:schemeClr>
+                  </a:outerShdw>
+                </a:effectLst>
+                <a:latin typeface="Consolas" panose="020B0609020204030204" pitchFamily="49" charset="0"/>
+                <a:cs typeface="Consolas" panose="020B0609020204030204" pitchFamily="49" charset="0"/>
+              </a:rPr>
+              <a:t>MpegTSSection sdt;</a:t>
+            </a:r>
+          </a:p>
+          <a:p>
+            <a:r>
+              <a:rPr lang="pt-PT" sz="1200" dirty="0">
+                <a:ln w="0"/>
+                <a:solidFill>
+                  <a:schemeClr val="tx1"/>
+                </a:solidFill>
+                <a:effectLst>
+                  <a:outerShdw blurRad="38100" dist="19050" dir="2700000" algn="tl" rotWithShape="0">
+                    <a:schemeClr val="dk1">
+                      <a:alpha val="40000"/>
+                    </a:schemeClr>
+                  </a:outerShdw>
+                </a:effectLst>
+                <a:latin typeface="Consolas" panose="020B0609020204030204" pitchFamily="49" charset="0"/>
+                <a:cs typeface="Consolas" panose="020B0609020204030204" pitchFamily="49" charset="0"/>
+              </a:rPr>
+              <a:t>MpegTSService **services;</a:t>
+            </a:r>
+          </a:p>
+        </p:txBody>
+      </p:sp>
+      <p:sp>
+        <p:nvSpPr>
+          <p:cNvPr id="30" name="Retângulo de cantos arredondados 29"/>
+          <p:cNvSpPr/>
+          <p:nvPr/>
+        </p:nvSpPr>
+        <p:spPr>
+          <a:xfrm>
+            <a:off x="6924663" y="2845300"/>
+            <a:ext cx="2988858" cy="1260236"/>
+          </a:xfrm>
+          <a:prstGeom prst="roundRect">
+            <a:avLst/>
+          </a:prstGeom>
+          <a:solidFill>
+            <a:schemeClr val="bg1">
+              <a:lumMod val="85000"/>
+            </a:schemeClr>
+          </a:solidFill>
+        </p:spPr>
+        <p:style>
+          <a:lnRef idx="2">
+            <a:schemeClr val="accent3">
+              <a:shade val="50000"/>
+            </a:schemeClr>
+          </a:lnRef>
+          <a:fillRef idx="1">
+            <a:schemeClr val="accent3"/>
+          </a:fillRef>
+          <a:effectRef idx="0">
+            <a:schemeClr val="accent3"/>
+          </a:effectRef>
+          <a:fontRef idx="minor">
+            <a:schemeClr val="lt1"/>
+          </a:fontRef>
+        </p:style>
+        <p:txBody>
+          <a:bodyPr rtlCol="0" anchor="t"/>
+          <a:lstStyle/>
+          <a:p>
+            <a:pPr algn="ctr"/>
+            <a:r>
+              <a:rPr lang="pt-PT" dirty="0">
+                <a:ln w="0"/>
+                <a:solidFill>
+                  <a:schemeClr val="tx1"/>
+                </a:solidFill>
+                <a:effectLst>
+                  <a:outerShdw blurRad="38100" dist="19050" dir="2700000" algn="tl" rotWithShape="0">
+                    <a:schemeClr val="dk1">
+                      <a:alpha val="40000"/>
+                    </a:schemeClr>
+                  </a:outerShdw>
+                </a:effectLst>
+                <a:latin typeface="Consolas" panose="020B0609020204030204" pitchFamily="49" charset="0"/>
+                <a:cs typeface="Consolas" panose="020B0609020204030204" pitchFamily="49" charset="0"/>
+              </a:rPr>
+              <a:t>MpegTSWriteStream</a:t>
+            </a:r>
+          </a:p>
+          <a:p>
+            <a:r>
+              <a:rPr lang="pt-PT" sz="1200" dirty="0">
+                <a:ln w="0"/>
+                <a:solidFill>
+                  <a:schemeClr val="tx1"/>
+                </a:solidFill>
+                <a:effectLst>
+                  <a:outerShdw blurRad="38100" dist="19050" dir="2700000" algn="tl" rotWithShape="0">
+                    <a:schemeClr val="dk1">
+                      <a:alpha val="40000"/>
+                    </a:schemeClr>
+                  </a:outerShdw>
+                </a:effectLst>
+                <a:latin typeface="Consolas" panose="020B0609020204030204" pitchFamily="49" charset="0"/>
+                <a:cs typeface="Consolas" panose="020B0609020204030204" pitchFamily="49" charset="0"/>
+              </a:rPr>
+              <a:t>struct MpegTSService *service;</a:t>
+            </a:r>
+          </a:p>
+          <a:p>
+            <a:r>
+              <a:rPr lang="pt-PT" sz="1200" dirty="0">
+                <a:ln w="0"/>
+                <a:solidFill>
+                  <a:schemeClr val="tx1"/>
+                </a:solidFill>
+                <a:effectLst>
+                  <a:outerShdw blurRad="38100" dist="19050" dir="2700000" algn="tl" rotWithShape="0">
+                    <a:schemeClr val="dk1">
+                      <a:alpha val="40000"/>
+                    </a:schemeClr>
+                  </a:outerShdw>
+                </a:effectLst>
+                <a:latin typeface="Consolas" panose="020B0609020204030204" pitchFamily="49" charset="0"/>
+                <a:cs typeface="Consolas" panose="020B0609020204030204" pitchFamily="49" charset="0"/>
+              </a:rPr>
+              <a:t>int pid;</a:t>
+            </a:r>
+          </a:p>
+          <a:p>
+            <a:r>
+              <a:rPr lang="pt-PT" sz="1200" dirty="0">
+                <a:ln w="0"/>
+                <a:solidFill>
+                  <a:schemeClr val="tx1"/>
+                </a:solidFill>
+                <a:effectLst>
+                  <a:outerShdw blurRad="38100" dist="19050" dir="2700000" algn="tl" rotWithShape="0">
+                    <a:schemeClr val="dk1">
+                      <a:alpha val="40000"/>
+                    </a:schemeClr>
+                  </a:outerShdw>
+                </a:effectLst>
+                <a:latin typeface="Consolas" panose="020B0609020204030204" pitchFamily="49" charset="0"/>
+                <a:cs typeface="Consolas" panose="020B0609020204030204" pitchFamily="49" charset="0"/>
+              </a:rPr>
+              <a:t>int cc;</a:t>
+            </a:r>
+          </a:p>
+        </p:txBody>
+      </p:sp>
+      <p:cxnSp>
+        <p:nvCxnSpPr>
+          <p:cNvPr id="9" name="Conector angulado 8"/>
+          <p:cNvCxnSpPr>
+            <a:endCxn id="28" idx="0"/>
+          </p:cNvCxnSpPr>
+          <p:nvPr/>
+        </p:nvCxnSpPr>
+        <p:spPr>
+          <a:xfrm rot="10800000" flipV="1">
+            <a:off x="3379355" y="1587500"/>
+            <a:ext cx="2248161" cy="495356"/>
+          </a:xfrm>
+          <a:prstGeom prst="bentConnector2">
+            <a:avLst/>
+          </a:prstGeom>
+          <a:ln w="38100">
+            <a:tailEnd type="triangle"/>
+          </a:ln>
+        </p:spPr>
+        <p:style>
+          <a:lnRef idx="1">
+            <a:schemeClr val="accent1"/>
+          </a:lnRef>
+          <a:fillRef idx="0">
+            <a:schemeClr val="accent1"/>
+          </a:fillRef>
+          <a:effectRef idx="0">
+            <a:schemeClr val="accent1"/>
+          </a:effectRef>
+          <a:fontRef idx="minor">
+            <a:schemeClr val="tx1"/>
+          </a:fontRef>
+        </p:style>
+      </p:cxnSp>
+      <p:cxnSp>
+        <p:nvCxnSpPr>
+          <p:cNvPr id="33" name="Conector angulado 32"/>
+          <p:cNvCxnSpPr>
+            <a:endCxn id="65" idx="0"/>
+          </p:cNvCxnSpPr>
+          <p:nvPr/>
+        </p:nvCxnSpPr>
+        <p:spPr>
+          <a:xfrm rot="10800000">
+            <a:off x="1718092" y="312772"/>
+            <a:ext cx="3909422" cy="689458"/>
+          </a:xfrm>
+          <a:prstGeom prst="bentConnector4">
+            <a:avLst>
+              <a:gd name="adj1" fmla="val 30451"/>
+              <a:gd name="adj2" fmla="val 133156"/>
+            </a:avLst>
+          </a:prstGeom>
+          <a:ln w="38100">
+            <a:tailEnd type="triangle"/>
+          </a:ln>
+        </p:spPr>
+        <p:style>
+          <a:lnRef idx="1">
+            <a:schemeClr val="accent1"/>
+          </a:lnRef>
+          <a:fillRef idx="0">
+            <a:schemeClr val="accent1"/>
+          </a:fillRef>
+          <a:effectRef idx="0">
+            <a:schemeClr val="accent1"/>
+          </a:effectRef>
+          <a:fontRef idx="minor">
+            <a:schemeClr val="tx1"/>
+          </a:fontRef>
+        </p:style>
+      </p:cxnSp>
+      <p:sp>
+        <p:nvSpPr>
+          <p:cNvPr id="59" name="Retângulo de cantos arredondados 58"/>
+          <p:cNvSpPr/>
+          <p:nvPr/>
+        </p:nvSpPr>
+        <p:spPr>
+          <a:xfrm>
+            <a:off x="396137" y="4259155"/>
+            <a:ext cx="2643910" cy="2022732"/>
+          </a:xfrm>
+          <a:prstGeom prst="roundRect">
+            <a:avLst/>
+          </a:prstGeom>
+          <a:solidFill>
+            <a:schemeClr val="bg1">
+              <a:lumMod val="85000"/>
+            </a:schemeClr>
+          </a:solidFill>
+        </p:spPr>
+        <p:style>
+          <a:lnRef idx="2">
+            <a:schemeClr val="accent3">
+              <a:shade val="50000"/>
+            </a:schemeClr>
+          </a:lnRef>
+          <a:fillRef idx="1">
+            <a:schemeClr val="accent3"/>
+          </a:fillRef>
+          <a:effectRef idx="0">
+            <a:schemeClr val="accent3"/>
+          </a:effectRef>
+          <a:fontRef idx="minor">
+            <a:schemeClr val="lt1"/>
+          </a:fontRef>
+        </p:style>
+        <p:txBody>
+          <a:bodyPr rtlCol="0" anchor="t"/>
+          <a:lstStyle/>
+          <a:p>
+            <a:pPr algn="ctr"/>
+            <a:r>
+              <a:rPr lang="pt-PT" dirty="0">
+                <a:ln w="0"/>
+                <a:solidFill>
+                  <a:schemeClr val="tx1"/>
+                </a:solidFill>
+                <a:effectLst>
+                  <a:outerShdw blurRad="38100" dist="19050" dir="2700000" algn="tl" rotWithShape="0">
+                    <a:schemeClr val="dk1">
+                      <a:alpha val="40000"/>
+                    </a:schemeClr>
+                  </a:outerShdw>
+                </a:effectLst>
+                <a:latin typeface="Consolas" panose="020B0609020204030204" pitchFamily="49" charset="0"/>
+                <a:cs typeface="Consolas" panose="020B0609020204030204" pitchFamily="49" charset="0"/>
+              </a:rPr>
+              <a:t>MpegTSService</a:t>
+            </a:r>
+          </a:p>
+          <a:p>
+            <a:r>
+              <a:rPr lang="pt-PT" sz="1200" dirty="0" smtClean="0">
+                <a:ln w="0"/>
+                <a:solidFill>
+                  <a:schemeClr val="tx1"/>
+                </a:solidFill>
+                <a:effectLst>
+                  <a:outerShdw blurRad="38100" dist="19050" dir="2700000" algn="tl" rotWithShape="0">
+                    <a:schemeClr val="dk1">
+                      <a:alpha val="40000"/>
+                    </a:schemeClr>
+                  </a:outerShdw>
+                </a:effectLst>
+                <a:latin typeface="Consolas" panose="020B0609020204030204" pitchFamily="49" charset="0"/>
+                <a:cs typeface="Consolas" panose="020B0609020204030204" pitchFamily="49" charset="0"/>
+              </a:rPr>
+              <a:t>MpegTSSection </a:t>
+            </a:r>
+            <a:r>
+              <a:rPr lang="pt-PT" sz="1200" dirty="0">
+                <a:ln w="0"/>
+                <a:solidFill>
+                  <a:schemeClr val="tx1"/>
+                </a:solidFill>
+                <a:effectLst>
+                  <a:outerShdw blurRad="38100" dist="19050" dir="2700000" algn="tl" rotWithShape="0">
+                    <a:schemeClr val="dk1">
+                      <a:alpha val="40000"/>
+                    </a:schemeClr>
+                  </a:outerShdw>
+                </a:effectLst>
+                <a:latin typeface="Consolas" panose="020B0609020204030204" pitchFamily="49" charset="0"/>
+                <a:cs typeface="Consolas" panose="020B0609020204030204" pitchFamily="49" charset="0"/>
+              </a:rPr>
+              <a:t>pmt</a:t>
+            </a:r>
+            <a:r>
+              <a:rPr lang="pt-PT" sz="1200" dirty="0" smtClean="0">
+                <a:ln w="0"/>
+                <a:solidFill>
+                  <a:schemeClr val="tx1"/>
+                </a:solidFill>
+                <a:effectLst>
+                  <a:outerShdw blurRad="38100" dist="19050" dir="2700000" algn="tl" rotWithShape="0">
+                    <a:schemeClr val="dk1">
+                      <a:alpha val="40000"/>
+                    </a:schemeClr>
+                  </a:outerShdw>
+                </a:effectLst>
+                <a:latin typeface="Consolas" panose="020B0609020204030204" pitchFamily="49" charset="0"/>
+                <a:cs typeface="Consolas" panose="020B0609020204030204" pitchFamily="49" charset="0"/>
+              </a:rPr>
+              <a:t>;</a:t>
+            </a:r>
+            <a:endParaRPr lang="pt-PT" sz="1200" dirty="0">
+              <a:ln w="0"/>
+              <a:solidFill>
+                <a:schemeClr val="tx1"/>
+              </a:solidFill>
+              <a:effectLst>
+                <a:outerShdw blurRad="38100" dist="19050" dir="2700000" algn="tl" rotWithShape="0">
+                  <a:schemeClr val="dk1">
+                    <a:alpha val="40000"/>
+                  </a:schemeClr>
+                </a:outerShdw>
+              </a:effectLst>
+              <a:latin typeface="Consolas" panose="020B0609020204030204" pitchFamily="49" charset="0"/>
+              <a:cs typeface="Consolas" panose="020B0609020204030204" pitchFamily="49" charset="0"/>
+            </a:endParaRPr>
+          </a:p>
+          <a:p>
+            <a:r>
+              <a:rPr lang="pt-PT" sz="1200" dirty="0" smtClean="0">
+                <a:ln w="0"/>
+                <a:solidFill>
+                  <a:schemeClr val="tx1"/>
+                </a:solidFill>
+                <a:effectLst>
+                  <a:outerShdw blurRad="38100" dist="19050" dir="2700000" algn="tl" rotWithShape="0">
+                    <a:schemeClr val="dk1">
+                      <a:alpha val="40000"/>
+                    </a:schemeClr>
+                  </a:outerShdw>
+                </a:effectLst>
+                <a:latin typeface="Consolas" panose="020B0609020204030204" pitchFamily="49" charset="0"/>
+                <a:cs typeface="Consolas" panose="020B0609020204030204" pitchFamily="49" charset="0"/>
+              </a:rPr>
+              <a:t>int </a:t>
+            </a:r>
+            <a:r>
+              <a:rPr lang="pt-PT" sz="1200" dirty="0">
+                <a:ln w="0"/>
+                <a:solidFill>
+                  <a:schemeClr val="tx1"/>
+                </a:solidFill>
+                <a:effectLst>
+                  <a:outerShdw blurRad="38100" dist="19050" dir="2700000" algn="tl" rotWithShape="0">
+                    <a:schemeClr val="dk1">
+                      <a:alpha val="40000"/>
+                    </a:schemeClr>
+                  </a:outerShdw>
+                </a:effectLst>
+                <a:latin typeface="Consolas" panose="020B0609020204030204" pitchFamily="49" charset="0"/>
+                <a:cs typeface="Consolas" panose="020B0609020204030204" pitchFamily="49" charset="0"/>
+              </a:rPr>
+              <a:t>sid</a:t>
+            </a:r>
+            <a:r>
+              <a:rPr lang="pt-PT" sz="1200" dirty="0" smtClean="0">
+                <a:ln w="0"/>
+                <a:solidFill>
+                  <a:schemeClr val="tx1"/>
+                </a:solidFill>
+                <a:effectLst>
+                  <a:outerShdw blurRad="38100" dist="19050" dir="2700000" algn="tl" rotWithShape="0">
+                    <a:schemeClr val="dk1">
+                      <a:alpha val="40000"/>
+                    </a:schemeClr>
+                  </a:outerShdw>
+                </a:effectLst>
+                <a:latin typeface="Consolas" panose="020B0609020204030204" pitchFamily="49" charset="0"/>
+                <a:cs typeface="Consolas" panose="020B0609020204030204" pitchFamily="49" charset="0"/>
+              </a:rPr>
+              <a:t>;</a:t>
+            </a:r>
+          </a:p>
+          <a:p>
+            <a:r>
+              <a:rPr lang="pt-PT" sz="1200" dirty="0" smtClean="0">
+                <a:ln w="0"/>
+                <a:solidFill>
+                  <a:schemeClr val="tx1"/>
+                </a:solidFill>
+                <a:effectLst>
+                  <a:outerShdw blurRad="38100" dist="19050" dir="2700000" algn="tl" rotWithShape="0">
+                    <a:schemeClr val="dk1">
+                      <a:alpha val="40000"/>
+                    </a:schemeClr>
+                  </a:outerShdw>
+                </a:effectLst>
+                <a:latin typeface="Consolas" panose="020B0609020204030204" pitchFamily="49" charset="0"/>
+                <a:cs typeface="Consolas" panose="020B0609020204030204" pitchFamily="49" charset="0"/>
+              </a:rPr>
+              <a:t>char </a:t>
+            </a:r>
+            <a:r>
+              <a:rPr lang="pt-PT" sz="1200" dirty="0">
+                <a:ln w="0"/>
+                <a:solidFill>
+                  <a:schemeClr val="tx1"/>
+                </a:solidFill>
+                <a:effectLst>
+                  <a:outerShdw blurRad="38100" dist="19050" dir="2700000" algn="tl" rotWithShape="0">
+                    <a:schemeClr val="dk1">
+                      <a:alpha val="40000"/>
+                    </a:schemeClr>
+                  </a:outerShdw>
+                </a:effectLst>
+                <a:latin typeface="Consolas" panose="020B0609020204030204" pitchFamily="49" charset="0"/>
+                <a:cs typeface="Consolas" panose="020B0609020204030204" pitchFamily="49" charset="0"/>
+              </a:rPr>
+              <a:t>*name</a:t>
+            </a:r>
+            <a:r>
+              <a:rPr lang="pt-PT" sz="1200" dirty="0" smtClean="0">
+                <a:ln w="0"/>
+                <a:solidFill>
+                  <a:schemeClr val="tx1"/>
+                </a:solidFill>
+                <a:effectLst>
+                  <a:outerShdw blurRad="38100" dist="19050" dir="2700000" algn="tl" rotWithShape="0">
+                    <a:schemeClr val="dk1">
+                      <a:alpha val="40000"/>
+                    </a:schemeClr>
+                  </a:outerShdw>
+                </a:effectLst>
+                <a:latin typeface="Consolas" panose="020B0609020204030204" pitchFamily="49" charset="0"/>
+                <a:cs typeface="Consolas" panose="020B0609020204030204" pitchFamily="49" charset="0"/>
+              </a:rPr>
+              <a:t>;</a:t>
+            </a:r>
+          </a:p>
+          <a:p>
+            <a:r>
+              <a:rPr lang="pt-PT" sz="1200" dirty="0" smtClean="0">
+                <a:ln w="0"/>
+                <a:solidFill>
+                  <a:schemeClr val="tx1"/>
+                </a:solidFill>
+                <a:effectLst>
+                  <a:outerShdw blurRad="38100" dist="19050" dir="2700000" algn="tl" rotWithShape="0">
+                    <a:schemeClr val="dk1">
+                      <a:alpha val="40000"/>
+                    </a:schemeClr>
+                  </a:outerShdw>
+                </a:effectLst>
+                <a:latin typeface="Consolas" panose="020B0609020204030204" pitchFamily="49" charset="0"/>
+                <a:cs typeface="Consolas" panose="020B0609020204030204" pitchFamily="49" charset="0"/>
+              </a:rPr>
+              <a:t>char </a:t>
+            </a:r>
+            <a:r>
+              <a:rPr lang="pt-PT" sz="1200" dirty="0">
+                <a:ln w="0"/>
+                <a:solidFill>
+                  <a:schemeClr val="tx1"/>
+                </a:solidFill>
+                <a:effectLst>
+                  <a:outerShdw blurRad="38100" dist="19050" dir="2700000" algn="tl" rotWithShape="0">
+                    <a:schemeClr val="dk1">
+                      <a:alpha val="40000"/>
+                    </a:schemeClr>
+                  </a:outerShdw>
+                </a:effectLst>
+                <a:latin typeface="Consolas" panose="020B0609020204030204" pitchFamily="49" charset="0"/>
+                <a:cs typeface="Consolas" panose="020B0609020204030204" pitchFamily="49" charset="0"/>
+              </a:rPr>
+              <a:t>*provider_name</a:t>
+            </a:r>
+            <a:r>
+              <a:rPr lang="pt-PT" sz="1200" dirty="0" smtClean="0">
+                <a:ln w="0"/>
+                <a:solidFill>
+                  <a:schemeClr val="tx1"/>
+                </a:solidFill>
+                <a:effectLst>
+                  <a:outerShdw blurRad="38100" dist="19050" dir="2700000" algn="tl" rotWithShape="0">
+                    <a:schemeClr val="dk1">
+                      <a:alpha val="40000"/>
+                    </a:schemeClr>
+                  </a:outerShdw>
+                </a:effectLst>
+                <a:latin typeface="Consolas" panose="020B0609020204030204" pitchFamily="49" charset="0"/>
+                <a:cs typeface="Consolas" panose="020B0609020204030204" pitchFamily="49" charset="0"/>
+              </a:rPr>
+              <a:t>;</a:t>
+            </a:r>
+          </a:p>
+          <a:p>
+            <a:r>
+              <a:rPr lang="pt-PT" sz="1200" dirty="0" smtClean="0">
+                <a:ln w="0"/>
+                <a:solidFill>
+                  <a:schemeClr val="tx1"/>
+                </a:solidFill>
+                <a:effectLst>
+                  <a:outerShdw blurRad="38100" dist="19050" dir="2700000" algn="tl" rotWithShape="0">
+                    <a:schemeClr val="dk1">
+                      <a:alpha val="40000"/>
+                    </a:schemeClr>
+                  </a:outerShdw>
+                </a:effectLst>
+                <a:latin typeface="Consolas" panose="020B0609020204030204" pitchFamily="49" charset="0"/>
+                <a:cs typeface="Consolas" panose="020B0609020204030204" pitchFamily="49" charset="0"/>
+              </a:rPr>
+              <a:t>int </a:t>
+            </a:r>
+            <a:r>
+              <a:rPr lang="pt-PT" sz="1200" dirty="0">
+                <a:ln w="0"/>
+                <a:solidFill>
+                  <a:schemeClr val="tx1"/>
+                </a:solidFill>
+                <a:effectLst>
+                  <a:outerShdw blurRad="38100" dist="19050" dir="2700000" algn="tl" rotWithShape="0">
+                    <a:schemeClr val="dk1">
+                      <a:alpha val="40000"/>
+                    </a:schemeClr>
+                  </a:outerShdw>
+                </a:effectLst>
+                <a:latin typeface="Consolas" panose="020B0609020204030204" pitchFamily="49" charset="0"/>
+                <a:cs typeface="Consolas" panose="020B0609020204030204" pitchFamily="49" charset="0"/>
+              </a:rPr>
+              <a:t>pcr_pid</a:t>
+            </a:r>
+            <a:r>
+              <a:rPr lang="pt-PT" sz="1200" dirty="0" smtClean="0">
+                <a:ln w="0"/>
+                <a:solidFill>
+                  <a:schemeClr val="tx1"/>
+                </a:solidFill>
+                <a:effectLst>
+                  <a:outerShdw blurRad="38100" dist="19050" dir="2700000" algn="tl" rotWithShape="0">
+                    <a:schemeClr val="dk1">
+                      <a:alpha val="40000"/>
+                    </a:schemeClr>
+                  </a:outerShdw>
+                </a:effectLst>
+                <a:latin typeface="Consolas" panose="020B0609020204030204" pitchFamily="49" charset="0"/>
+                <a:cs typeface="Consolas" panose="020B0609020204030204" pitchFamily="49" charset="0"/>
+              </a:rPr>
+              <a:t>;</a:t>
+            </a:r>
+            <a:endParaRPr lang="pt-PT" sz="1200" dirty="0">
+              <a:ln w="0"/>
+              <a:solidFill>
+                <a:schemeClr val="tx1"/>
+              </a:solidFill>
+              <a:effectLst>
+                <a:outerShdw blurRad="38100" dist="19050" dir="2700000" algn="tl" rotWithShape="0">
+                  <a:schemeClr val="dk1">
+                    <a:alpha val="40000"/>
+                  </a:schemeClr>
+                </a:outerShdw>
+              </a:effectLst>
+              <a:latin typeface="Consolas" panose="020B0609020204030204" pitchFamily="49" charset="0"/>
+              <a:cs typeface="Consolas" panose="020B0609020204030204" pitchFamily="49" charset="0"/>
+            </a:endParaRPr>
+          </a:p>
+        </p:txBody>
+      </p:sp>
+      <p:cxnSp>
+        <p:nvCxnSpPr>
+          <p:cNvPr id="60" name="Conector angulado 59"/>
+          <p:cNvCxnSpPr/>
+          <p:nvPr/>
+        </p:nvCxnSpPr>
+        <p:spPr>
+          <a:xfrm rot="10800000" flipV="1">
+            <a:off x="1718092" y="1583247"/>
+            <a:ext cx="3920064" cy="2661393"/>
+          </a:xfrm>
+          <a:prstGeom prst="bentConnector2">
+            <a:avLst/>
+          </a:prstGeom>
+          <a:ln w="38100">
+            <a:tailEnd type="triangle"/>
+          </a:ln>
+        </p:spPr>
+        <p:style>
+          <a:lnRef idx="1">
+            <a:schemeClr val="accent1"/>
+          </a:lnRef>
+          <a:fillRef idx="0">
+            <a:schemeClr val="accent1"/>
+          </a:fillRef>
+          <a:effectRef idx="0">
+            <a:schemeClr val="accent1"/>
+          </a:effectRef>
+          <a:fontRef idx="minor">
+            <a:schemeClr val="tx1"/>
+          </a:fontRef>
+        </p:style>
+      </p:cxnSp>
+      <p:sp>
+        <p:nvSpPr>
+          <p:cNvPr id="64" name="Retângulo de cantos arredondados 63"/>
+          <p:cNvSpPr/>
+          <p:nvPr/>
+        </p:nvSpPr>
+        <p:spPr>
+          <a:xfrm>
+            <a:off x="1718092" y="5464372"/>
+            <a:ext cx="3056976" cy="1131423"/>
+          </a:xfrm>
+          <a:prstGeom prst="roundRect">
+            <a:avLst/>
+          </a:prstGeom>
+          <a:solidFill>
+            <a:schemeClr val="bg1">
+              <a:lumMod val="85000"/>
+            </a:schemeClr>
+          </a:solidFill>
+        </p:spPr>
+        <p:style>
+          <a:lnRef idx="2">
+            <a:schemeClr val="accent3">
+              <a:shade val="50000"/>
+            </a:schemeClr>
+          </a:lnRef>
+          <a:fillRef idx="1">
+            <a:schemeClr val="accent3"/>
+          </a:fillRef>
+          <a:effectRef idx="0">
+            <a:schemeClr val="accent3"/>
+          </a:effectRef>
+          <a:fontRef idx="minor">
+            <a:schemeClr val="lt1"/>
+          </a:fontRef>
+        </p:style>
+        <p:txBody>
+          <a:bodyPr rtlCol="0" anchor="t"/>
+          <a:lstStyle/>
+          <a:p>
+            <a:pPr algn="ctr"/>
+            <a:r>
+              <a:rPr lang="pt-PT" dirty="0" smtClean="0">
+                <a:ln w="0"/>
+                <a:solidFill>
+                  <a:schemeClr val="tx1"/>
+                </a:solidFill>
+                <a:effectLst>
+                  <a:outerShdw blurRad="38100" dist="19050" dir="2700000" algn="tl" rotWithShape="0">
+                    <a:schemeClr val="dk1">
+                      <a:alpha val="40000"/>
+                    </a:schemeClr>
+                  </a:outerShdw>
+                </a:effectLst>
+                <a:latin typeface="Consolas" panose="020B0609020204030204" pitchFamily="49" charset="0"/>
+                <a:cs typeface="Consolas" panose="020B0609020204030204" pitchFamily="49" charset="0"/>
+              </a:rPr>
+              <a:t>MpegTSSection PMT</a:t>
+            </a:r>
+            <a:endParaRPr lang="pt-PT" dirty="0">
+              <a:ln w="0"/>
+              <a:solidFill>
+                <a:schemeClr val="tx1"/>
+              </a:solidFill>
+              <a:effectLst>
+                <a:outerShdw blurRad="38100" dist="19050" dir="2700000" algn="tl" rotWithShape="0">
+                  <a:schemeClr val="dk1">
+                    <a:alpha val="40000"/>
+                  </a:schemeClr>
+                </a:outerShdw>
+              </a:effectLst>
+              <a:latin typeface="Consolas" panose="020B0609020204030204" pitchFamily="49" charset="0"/>
+              <a:cs typeface="Consolas" panose="020B0609020204030204" pitchFamily="49" charset="0"/>
+            </a:endParaRPr>
+          </a:p>
+          <a:p>
+            <a:r>
+              <a:rPr lang="pt-PT" sz="1200" dirty="0" smtClean="0">
+                <a:ln w="0"/>
+                <a:solidFill>
+                  <a:schemeClr val="tx1"/>
+                </a:solidFill>
+                <a:effectLst>
+                  <a:outerShdw blurRad="38100" dist="19050" dir="2700000" algn="tl" rotWithShape="0">
+                    <a:schemeClr val="dk1">
+                      <a:alpha val="40000"/>
+                    </a:schemeClr>
+                  </a:outerShdw>
+                </a:effectLst>
+                <a:latin typeface="Consolas" panose="020B0609020204030204" pitchFamily="49" charset="0"/>
+                <a:cs typeface="Consolas" panose="020B0609020204030204" pitchFamily="49" charset="0"/>
+              </a:rPr>
+              <a:t>int pid;</a:t>
+            </a:r>
+          </a:p>
+          <a:p>
+            <a:r>
+              <a:rPr lang="pt-PT" sz="1200" dirty="0" smtClean="0">
+                <a:ln w="0"/>
+                <a:solidFill>
+                  <a:schemeClr val="tx1"/>
+                </a:solidFill>
+                <a:effectLst>
+                  <a:outerShdw blurRad="38100" dist="19050" dir="2700000" algn="tl" rotWithShape="0">
+                    <a:schemeClr val="dk1">
+                      <a:alpha val="40000"/>
+                    </a:schemeClr>
+                  </a:outerShdw>
+                </a:effectLst>
+                <a:latin typeface="Consolas" panose="020B0609020204030204" pitchFamily="49" charset="0"/>
+                <a:cs typeface="Consolas" panose="020B0609020204030204" pitchFamily="49" charset="0"/>
+              </a:rPr>
+              <a:t>int </a:t>
+            </a:r>
+            <a:r>
+              <a:rPr lang="pt-PT" sz="1200" dirty="0">
+                <a:ln w="0"/>
+                <a:solidFill>
+                  <a:schemeClr val="tx1"/>
+                </a:solidFill>
+                <a:effectLst>
+                  <a:outerShdw blurRad="38100" dist="19050" dir="2700000" algn="tl" rotWithShape="0">
+                    <a:schemeClr val="dk1">
+                      <a:alpha val="40000"/>
+                    </a:schemeClr>
+                  </a:outerShdw>
+                </a:effectLst>
+                <a:latin typeface="Consolas" panose="020B0609020204030204" pitchFamily="49" charset="0"/>
+                <a:cs typeface="Consolas" panose="020B0609020204030204" pitchFamily="49" charset="0"/>
+              </a:rPr>
+              <a:t>cc;</a:t>
+            </a:r>
+          </a:p>
+          <a:p>
+            <a:r>
+              <a:rPr lang="pt-PT" sz="1200" dirty="0">
+                <a:ln w="0"/>
+                <a:solidFill>
+                  <a:schemeClr val="tx1"/>
+                </a:solidFill>
+                <a:effectLst>
+                  <a:outerShdw blurRad="38100" dist="19050" dir="2700000" algn="tl" rotWithShape="0">
+                    <a:schemeClr val="dk1">
+                      <a:alpha val="40000"/>
+                    </a:schemeClr>
+                  </a:outerShdw>
+                </a:effectLst>
+                <a:latin typeface="Consolas" panose="020B0609020204030204" pitchFamily="49" charset="0"/>
+                <a:cs typeface="Consolas" panose="020B0609020204030204" pitchFamily="49" charset="0"/>
+              </a:rPr>
+              <a:t>void *opaque</a:t>
+            </a:r>
+            <a:r>
+              <a:rPr lang="pt-PT" sz="1200" dirty="0" smtClean="0">
+                <a:ln w="0"/>
+                <a:solidFill>
+                  <a:schemeClr val="tx1"/>
+                </a:solidFill>
+                <a:effectLst>
+                  <a:outerShdw blurRad="38100" dist="19050" dir="2700000" algn="tl" rotWithShape="0">
+                    <a:schemeClr val="dk1">
+                      <a:alpha val="40000"/>
+                    </a:schemeClr>
+                  </a:outerShdw>
+                </a:effectLst>
+                <a:latin typeface="Consolas" panose="020B0609020204030204" pitchFamily="49" charset="0"/>
+                <a:cs typeface="Consolas" panose="020B0609020204030204" pitchFamily="49" charset="0"/>
+              </a:rPr>
+              <a:t>;</a:t>
+            </a:r>
+            <a:endParaRPr lang="pt-PT" sz="1200" dirty="0">
+              <a:ln w="0"/>
+              <a:solidFill>
+                <a:schemeClr val="tx1"/>
+              </a:solidFill>
+              <a:effectLst>
+                <a:outerShdw blurRad="38100" dist="19050" dir="2700000" algn="tl" rotWithShape="0">
+                  <a:schemeClr val="dk1">
+                    <a:alpha val="40000"/>
+                  </a:schemeClr>
+                </a:outerShdw>
+              </a:effectLst>
+              <a:latin typeface="Consolas" panose="020B0609020204030204" pitchFamily="49" charset="0"/>
+              <a:cs typeface="Consolas" panose="020B0609020204030204" pitchFamily="49" charset="0"/>
+            </a:endParaRPr>
+          </a:p>
+        </p:txBody>
+      </p:sp>
+      <p:sp>
+        <p:nvSpPr>
+          <p:cNvPr id="65" name="Retângulo de cantos arredondados 64"/>
+          <p:cNvSpPr/>
+          <p:nvPr/>
+        </p:nvSpPr>
+        <p:spPr>
+          <a:xfrm>
+            <a:off x="189604" y="312772"/>
+            <a:ext cx="3056976" cy="1131423"/>
+          </a:xfrm>
+          <a:prstGeom prst="roundRect">
+            <a:avLst/>
+          </a:prstGeom>
+          <a:solidFill>
+            <a:schemeClr val="bg1">
+              <a:lumMod val="85000"/>
+            </a:schemeClr>
+          </a:solidFill>
+        </p:spPr>
+        <p:style>
+          <a:lnRef idx="2">
+            <a:schemeClr val="accent3">
+              <a:shade val="50000"/>
+            </a:schemeClr>
+          </a:lnRef>
+          <a:fillRef idx="1">
+            <a:schemeClr val="accent3"/>
+          </a:fillRef>
+          <a:effectRef idx="0">
+            <a:schemeClr val="accent3"/>
+          </a:effectRef>
+          <a:fontRef idx="minor">
+            <a:schemeClr val="lt1"/>
+          </a:fontRef>
+        </p:style>
+        <p:txBody>
+          <a:bodyPr rtlCol="0" anchor="t"/>
+          <a:lstStyle/>
+          <a:p>
+            <a:pPr algn="ctr"/>
+            <a:r>
+              <a:rPr lang="pt-PT" dirty="0" smtClean="0">
+                <a:ln w="0"/>
+                <a:solidFill>
+                  <a:schemeClr val="tx1"/>
+                </a:solidFill>
+                <a:effectLst>
+                  <a:outerShdw blurRad="38100" dist="19050" dir="2700000" algn="tl" rotWithShape="0">
+                    <a:schemeClr val="dk1">
+                      <a:alpha val="40000"/>
+                    </a:schemeClr>
+                  </a:outerShdw>
+                </a:effectLst>
+                <a:latin typeface="Consolas" panose="020B0609020204030204" pitchFamily="49" charset="0"/>
+                <a:cs typeface="Consolas" panose="020B0609020204030204" pitchFamily="49" charset="0"/>
+              </a:rPr>
+              <a:t>MpegTSSection PAT</a:t>
+            </a:r>
+            <a:endParaRPr lang="pt-PT" dirty="0">
+              <a:ln w="0"/>
+              <a:solidFill>
+                <a:schemeClr val="tx1"/>
+              </a:solidFill>
+              <a:effectLst>
+                <a:outerShdw blurRad="38100" dist="19050" dir="2700000" algn="tl" rotWithShape="0">
+                  <a:schemeClr val="dk1">
+                    <a:alpha val="40000"/>
+                  </a:schemeClr>
+                </a:outerShdw>
+              </a:effectLst>
+              <a:latin typeface="Consolas" panose="020B0609020204030204" pitchFamily="49" charset="0"/>
+              <a:cs typeface="Consolas" panose="020B0609020204030204" pitchFamily="49" charset="0"/>
+            </a:endParaRPr>
+          </a:p>
+          <a:p>
+            <a:r>
+              <a:rPr lang="pt-PT" sz="1200" dirty="0" smtClean="0">
+                <a:ln w="0"/>
+                <a:solidFill>
+                  <a:schemeClr val="tx1"/>
+                </a:solidFill>
+                <a:effectLst>
+                  <a:outerShdw blurRad="38100" dist="19050" dir="2700000" algn="tl" rotWithShape="0">
+                    <a:schemeClr val="dk1">
+                      <a:alpha val="40000"/>
+                    </a:schemeClr>
+                  </a:outerShdw>
+                </a:effectLst>
+                <a:latin typeface="Consolas" panose="020B0609020204030204" pitchFamily="49" charset="0"/>
+                <a:cs typeface="Consolas" panose="020B0609020204030204" pitchFamily="49" charset="0"/>
+              </a:rPr>
+              <a:t>int pid;</a:t>
+            </a:r>
+          </a:p>
+          <a:p>
+            <a:r>
+              <a:rPr lang="pt-PT" sz="1200" dirty="0" smtClean="0">
+                <a:ln w="0"/>
+                <a:solidFill>
+                  <a:schemeClr val="tx1"/>
+                </a:solidFill>
+                <a:effectLst>
+                  <a:outerShdw blurRad="38100" dist="19050" dir="2700000" algn="tl" rotWithShape="0">
+                    <a:schemeClr val="dk1">
+                      <a:alpha val="40000"/>
+                    </a:schemeClr>
+                  </a:outerShdw>
+                </a:effectLst>
+                <a:latin typeface="Consolas" panose="020B0609020204030204" pitchFamily="49" charset="0"/>
+                <a:cs typeface="Consolas" panose="020B0609020204030204" pitchFamily="49" charset="0"/>
+              </a:rPr>
+              <a:t>int </a:t>
+            </a:r>
+            <a:r>
+              <a:rPr lang="pt-PT" sz="1200" dirty="0">
+                <a:ln w="0"/>
+                <a:solidFill>
+                  <a:schemeClr val="tx1"/>
+                </a:solidFill>
+                <a:effectLst>
+                  <a:outerShdw blurRad="38100" dist="19050" dir="2700000" algn="tl" rotWithShape="0">
+                    <a:schemeClr val="dk1">
+                      <a:alpha val="40000"/>
+                    </a:schemeClr>
+                  </a:outerShdw>
+                </a:effectLst>
+                <a:latin typeface="Consolas" panose="020B0609020204030204" pitchFamily="49" charset="0"/>
+                <a:cs typeface="Consolas" panose="020B0609020204030204" pitchFamily="49" charset="0"/>
+              </a:rPr>
+              <a:t>cc;</a:t>
+            </a:r>
+          </a:p>
+          <a:p>
+            <a:r>
+              <a:rPr lang="pt-PT" sz="1200" dirty="0">
+                <a:ln w="0"/>
+                <a:solidFill>
+                  <a:schemeClr val="tx1"/>
+                </a:solidFill>
+                <a:effectLst>
+                  <a:outerShdw blurRad="38100" dist="19050" dir="2700000" algn="tl" rotWithShape="0">
+                    <a:schemeClr val="dk1">
+                      <a:alpha val="40000"/>
+                    </a:schemeClr>
+                  </a:outerShdw>
+                </a:effectLst>
+                <a:latin typeface="Consolas" panose="020B0609020204030204" pitchFamily="49" charset="0"/>
+                <a:cs typeface="Consolas" panose="020B0609020204030204" pitchFamily="49" charset="0"/>
+              </a:rPr>
+              <a:t>void *opaque</a:t>
+            </a:r>
+            <a:r>
+              <a:rPr lang="pt-PT" sz="1200" dirty="0" smtClean="0">
+                <a:ln w="0"/>
+                <a:solidFill>
+                  <a:schemeClr val="tx1"/>
+                </a:solidFill>
+                <a:effectLst>
+                  <a:outerShdw blurRad="38100" dist="19050" dir="2700000" algn="tl" rotWithShape="0">
+                    <a:schemeClr val="dk1">
+                      <a:alpha val="40000"/>
+                    </a:schemeClr>
+                  </a:outerShdw>
+                </a:effectLst>
+                <a:latin typeface="Consolas" panose="020B0609020204030204" pitchFamily="49" charset="0"/>
+                <a:cs typeface="Consolas" panose="020B0609020204030204" pitchFamily="49" charset="0"/>
+              </a:rPr>
+              <a:t>;</a:t>
+            </a:r>
+            <a:endParaRPr lang="pt-PT" sz="1200" dirty="0">
+              <a:ln w="0"/>
+              <a:solidFill>
+                <a:schemeClr val="tx1"/>
+              </a:solidFill>
+              <a:effectLst>
+                <a:outerShdw blurRad="38100" dist="19050" dir="2700000" algn="tl" rotWithShape="0">
+                  <a:schemeClr val="dk1">
+                    <a:alpha val="40000"/>
+                  </a:schemeClr>
+                </a:outerShdw>
+              </a:effectLst>
+              <a:latin typeface="Consolas" panose="020B0609020204030204" pitchFamily="49" charset="0"/>
+              <a:cs typeface="Consolas" panose="020B0609020204030204" pitchFamily="49" charset="0"/>
+            </a:endParaRPr>
+          </a:p>
+        </p:txBody>
+      </p:sp>
+      <p:sp>
+        <p:nvSpPr>
+          <p:cNvPr id="27" name="Retângulo de cantos arredondados 26"/>
+          <p:cNvSpPr/>
+          <p:nvPr/>
+        </p:nvSpPr>
+        <p:spPr>
+          <a:xfrm>
+            <a:off x="3343906" y="3252323"/>
+            <a:ext cx="3056976" cy="1131423"/>
+          </a:xfrm>
+          <a:prstGeom prst="roundRect">
+            <a:avLst/>
+          </a:prstGeom>
+          <a:solidFill>
+            <a:schemeClr val="bg1">
+              <a:lumMod val="85000"/>
+            </a:schemeClr>
+          </a:solidFill>
+        </p:spPr>
+        <p:style>
+          <a:lnRef idx="2">
+            <a:schemeClr val="accent3">
+              <a:shade val="50000"/>
+            </a:schemeClr>
+          </a:lnRef>
+          <a:fillRef idx="1">
+            <a:schemeClr val="accent3"/>
+          </a:fillRef>
+          <a:effectRef idx="0">
+            <a:schemeClr val="accent3"/>
+          </a:effectRef>
+          <a:fontRef idx="minor">
+            <a:schemeClr val="lt1"/>
+          </a:fontRef>
+        </p:style>
+        <p:txBody>
+          <a:bodyPr rtlCol="0" anchor="t"/>
+          <a:lstStyle/>
+          <a:p>
+            <a:pPr algn="ctr"/>
+            <a:r>
+              <a:rPr lang="pt-PT" dirty="0" smtClean="0">
+                <a:ln w="0"/>
+                <a:solidFill>
+                  <a:schemeClr val="tx1"/>
+                </a:solidFill>
+                <a:effectLst>
+                  <a:outerShdw blurRad="38100" dist="19050" dir="2700000" algn="tl" rotWithShape="0">
+                    <a:schemeClr val="dk1">
+                      <a:alpha val="40000"/>
+                    </a:schemeClr>
+                  </a:outerShdw>
+                </a:effectLst>
+                <a:latin typeface="Consolas" panose="020B0609020204030204" pitchFamily="49" charset="0"/>
+                <a:cs typeface="Consolas" panose="020B0609020204030204" pitchFamily="49" charset="0"/>
+              </a:rPr>
+              <a:t>MpegTSSection PMT</a:t>
+            </a:r>
+            <a:endParaRPr lang="pt-PT" dirty="0">
+              <a:ln w="0"/>
+              <a:solidFill>
+                <a:schemeClr val="tx1"/>
+              </a:solidFill>
+              <a:effectLst>
+                <a:outerShdw blurRad="38100" dist="19050" dir="2700000" algn="tl" rotWithShape="0">
+                  <a:schemeClr val="dk1">
+                    <a:alpha val="40000"/>
+                  </a:schemeClr>
+                </a:outerShdw>
+              </a:effectLst>
+              <a:latin typeface="Consolas" panose="020B0609020204030204" pitchFamily="49" charset="0"/>
+              <a:cs typeface="Consolas" panose="020B0609020204030204" pitchFamily="49" charset="0"/>
+            </a:endParaRPr>
+          </a:p>
+          <a:p>
+            <a:r>
+              <a:rPr lang="pt-PT" sz="1200" dirty="0" smtClean="0">
+                <a:ln w="0"/>
+                <a:solidFill>
+                  <a:schemeClr val="tx1"/>
+                </a:solidFill>
+                <a:effectLst>
+                  <a:outerShdw blurRad="38100" dist="19050" dir="2700000" algn="tl" rotWithShape="0">
+                    <a:schemeClr val="dk1">
+                      <a:alpha val="40000"/>
+                    </a:schemeClr>
+                  </a:outerShdw>
+                </a:effectLst>
+                <a:latin typeface="Consolas" panose="020B0609020204030204" pitchFamily="49" charset="0"/>
+                <a:cs typeface="Consolas" panose="020B0609020204030204" pitchFamily="49" charset="0"/>
+              </a:rPr>
+              <a:t>int pid;</a:t>
+            </a:r>
+          </a:p>
+          <a:p>
+            <a:r>
+              <a:rPr lang="pt-PT" sz="1200" dirty="0" smtClean="0">
+                <a:ln w="0"/>
+                <a:solidFill>
+                  <a:schemeClr val="tx1"/>
+                </a:solidFill>
+                <a:effectLst>
+                  <a:outerShdw blurRad="38100" dist="19050" dir="2700000" algn="tl" rotWithShape="0">
+                    <a:schemeClr val="dk1">
+                      <a:alpha val="40000"/>
+                    </a:schemeClr>
+                  </a:outerShdw>
+                </a:effectLst>
+                <a:latin typeface="Consolas" panose="020B0609020204030204" pitchFamily="49" charset="0"/>
+                <a:cs typeface="Consolas" panose="020B0609020204030204" pitchFamily="49" charset="0"/>
+              </a:rPr>
+              <a:t>int </a:t>
+            </a:r>
+            <a:r>
+              <a:rPr lang="pt-PT" sz="1200" dirty="0">
+                <a:ln w="0"/>
+                <a:solidFill>
+                  <a:schemeClr val="tx1"/>
+                </a:solidFill>
+                <a:effectLst>
+                  <a:outerShdw blurRad="38100" dist="19050" dir="2700000" algn="tl" rotWithShape="0">
+                    <a:schemeClr val="dk1">
+                      <a:alpha val="40000"/>
+                    </a:schemeClr>
+                  </a:outerShdw>
+                </a:effectLst>
+                <a:latin typeface="Consolas" panose="020B0609020204030204" pitchFamily="49" charset="0"/>
+                <a:cs typeface="Consolas" panose="020B0609020204030204" pitchFamily="49" charset="0"/>
+              </a:rPr>
+              <a:t>cc;</a:t>
+            </a:r>
+          </a:p>
+          <a:p>
+            <a:r>
+              <a:rPr lang="pt-PT" sz="1200" dirty="0">
+                <a:ln w="0"/>
+                <a:solidFill>
+                  <a:schemeClr val="tx1"/>
+                </a:solidFill>
+                <a:effectLst>
+                  <a:outerShdw blurRad="38100" dist="19050" dir="2700000" algn="tl" rotWithShape="0">
+                    <a:schemeClr val="dk1">
+                      <a:alpha val="40000"/>
+                    </a:schemeClr>
+                  </a:outerShdw>
+                </a:effectLst>
+                <a:latin typeface="Consolas" panose="020B0609020204030204" pitchFamily="49" charset="0"/>
+                <a:cs typeface="Consolas" panose="020B0609020204030204" pitchFamily="49" charset="0"/>
+              </a:rPr>
+              <a:t>void *opaque</a:t>
+            </a:r>
+            <a:r>
+              <a:rPr lang="pt-PT" sz="1200" dirty="0" smtClean="0">
+                <a:ln w="0"/>
+                <a:solidFill>
+                  <a:schemeClr val="tx1"/>
+                </a:solidFill>
+                <a:effectLst>
+                  <a:outerShdw blurRad="38100" dist="19050" dir="2700000" algn="tl" rotWithShape="0">
+                    <a:schemeClr val="dk1">
+                      <a:alpha val="40000"/>
+                    </a:schemeClr>
+                  </a:outerShdw>
+                </a:effectLst>
+                <a:latin typeface="Consolas" panose="020B0609020204030204" pitchFamily="49" charset="0"/>
+                <a:cs typeface="Consolas" panose="020B0609020204030204" pitchFamily="49" charset="0"/>
+              </a:rPr>
+              <a:t>;</a:t>
+            </a:r>
+            <a:endParaRPr lang="pt-PT" sz="1200" dirty="0">
+              <a:ln w="0"/>
+              <a:solidFill>
+                <a:schemeClr val="tx1"/>
+              </a:solidFill>
+              <a:effectLst>
+                <a:outerShdw blurRad="38100" dist="19050" dir="2700000" algn="tl" rotWithShape="0">
+                  <a:schemeClr val="dk1">
+                    <a:alpha val="40000"/>
+                  </a:schemeClr>
+                </a:outerShdw>
+              </a:effectLst>
+              <a:latin typeface="Consolas" panose="020B0609020204030204" pitchFamily="49" charset="0"/>
+              <a:cs typeface="Consolas" panose="020B0609020204030204" pitchFamily="49" charset="0"/>
+            </a:endParaRPr>
+          </a:p>
+        </p:txBody>
+      </p:sp>
+      <p:cxnSp>
+        <p:nvCxnSpPr>
+          <p:cNvPr id="75" name="Conector angulado 74"/>
+          <p:cNvCxnSpPr>
+            <a:endCxn id="28" idx="3"/>
+          </p:cNvCxnSpPr>
+          <p:nvPr/>
+        </p:nvCxnSpPr>
+        <p:spPr>
+          <a:xfrm rot="10800000">
+            <a:off x="4701309" y="3094222"/>
+            <a:ext cx="2367151" cy="222880"/>
+          </a:xfrm>
+          <a:prstGeom prst="bentConnector3">
+            <a:avLst>
+              <a:gd name="adj1" fmla="val 17503"/>
+            </a:avLst>
+          </a:prstGeom>
+          <a:ln w="38100">
+            <a:tailEnd type="triangle"/>
+          </a:ln>
+        </p:spPr>
+        <p:style>
+          <a:lnRef idx="1">
+            <a:schemeClr val="accent1"/>
+          </a:lnRef>
+          <a:fillRef idx="0">
+            <a:schemeClr val="accent1"/>
+          </a:fillRef>
+          <a:effectRef idx="0">
+            <a:schemeClr val="accent1"/>
+          </a:effectRef>
+          <a:fontRef idx="minor">
+            <a:schemeClr val="tx1"/>
+          </a:fontRef>
+        </p:style>
+      </p:cxnSp>
+      <p:sp>
+        <p:nvSpPr>
+          <p:cNvPr id="84" name="Retângulo de cantos arredondados 83"/>
+          <p:cNvSpPr/>
+          <p:nvPr/>
+        </p:nvSpPr>
+        <p:spPr>
+          <a:xfrm>
+            <a:off x="7839063" y="3475418"/>
+            <a:ext cx="2988858" cy="1260236"/>
+          </a:xfrm>
+          <a:prstGeom prst="roundRect">
+            <a:avLst/>
+          </a:prstGeom>
+          <a:solidFill>
+            <a:schemeClr val="bg1">
+              <a:lumMod val="85000"/>
+            </a:schemeClr>
+          </a:solidFill>
+        </p:spPr>
+        <p:style>
+          <a:lnRef idx="2">
+            <a:schemeClr val="accent3">
+              <a:shade val="50000"/>
+            </a:schemeClr>
+          </a:lnRef>
+          <a:fillRef idx="1">
+            <a:schemeClr val="accent3"/>
+          </a:fillRef>
+          <a:effectRef idx="0">
+            <a:schemeClr val="accent3"/>
+          </a:effectRef>
+          <a:fontRef idx="minor">
+            <a:schemeClr val="lt1"/>
+          </a:fontRef>
+        </p:style>
+        <p:txBody>
+          <a:bodyPr rtlCol="0" anchor="t"/>
+          <a:lstStyle/>
+          <a:p>
+            <a:pPr algn="ctr"/>
+            <a:r>
+              <a:rPr lang="pt-PT" dirty="0">
+                <a:ln w="0"/>
+                <a:solidFill>
+                  <a:schemeClr val="tx1"/>
+                </a:solidFill>
+                <a:effectLst>
+                  <a:outerShdw blurRad="38100" dist="19050" dir="2700000" algn="tl" rotWithShape="0">
+                    <a:schemeClr val="dk1">
+                      <a:alpha val="40000"/>
+                    </a:schemeClr>
+                  </a:outerShdw>
+                </a:effectLst>
+                <a:latin typeface="Consolas" panose="020B0609020204030204" pitchFamily="49" charset="0"/>
+                <a:cs typeface="Consolas" panose="020B0609020204030204" pitchFamily="49" charset="0"/>
+              </a:rPr>
+              <a:t>MpegTSWriteStream</a:t>
+            </a:r>
+          </a:p>
+          <a:p>
+            <a:r>
+              <a:rPr lang="pt-PT" sz="1200" dirty="0">
+                <a:ln w="0"/>
+                <a:solidFill>
+                  <a:schemeClr val="tx1"/>
+                </a:solidFill>
+                <a:effectLst>
+                  <a:outerShdw blurRad="38100" dist="19050" dir="2700000" algn="tl" rotWithShape="0">
+                    <a:schemeClr val="dk1">
+                      <a:alpha val="40000"/>
+                    </a:schemeClr>
+                  </a:outerShdw>
+                </a:effectLst>
+                <a:latin typeface="Consolas" panose="020B0609020204030204" pitchFamily="49" charset="0"/>
+                <a:cs typeface="Consolas" panose="020B0609020204030204" pitchFamily="49" charset="0"/>
+              </a:rPr>
+              <a:t>struct MpegTSService *service;</a:t>
+            </a:r>
+          </a:p>
+          <a:p>
+            <a:r>
+              <a:rPr lang="pt-PT" sz="1200" dirty="0">
+                <a:ln w="0"/>
+                <a:solidFill>
+                  <a:schemeClr val="tx1"/>
+                </a:solidFill>
+                <a:effectLst>
+                  <a:outerShdw blurRad="38100" dist="19050" dir="2700000" algn="tl" rotWithShape="0">
+                    <a:schemeClr val="dk1">
+                      <a:alpha val="40000"/>
+                    </a:schemeClr>
+                  </a:outerShdw>
+                </a:effectLst>
+                <a:latin typeface="Consolas" panose="020B0609020204030204" pitchFamily="49" charset="0"/>
+                <a:cs typeface="Consolas" panose="020B0609020204030204" pitchFamily="49" charset="0"/>
+              </a:rPr>
+              <a:t>int pid;</a:t>
+            </a:r>
+          </a:p>
+          <a:p>
+            <a:r>
+              <a:rPr lang="pt-PT" sz="1200" dirty="0">
+                <a:ln w="0"/>
+                <a:solidFill>
+                  <a:schemeClr val="tx1"/>
+                </a:solidFill>
+                <a:effectLst>
+                  <a:outerShdw blurRad="38100" dist="19050" dir="2700000" algn="tl" rotWithShape="0">
+                    <a:schemeClr val="dk1">
+                      <a:alpha val="40000"/>
+                    </a:schemeClr>
+                  </a:outerShdw>
+                </a:effectLst>
+                <a:latin typeface="Consolas" panose="020B0609020204030204" pitchFamily="49" charset="0"/>
+                <a:cs typeface="Consolas" panose="020B0609020204030204" pitchFamily="49" charset="0"/>
+              </a:rPr>
+              <a:t>int cc;</a:t>
+            </a:r>
+          </a:p>
+        </p:txBody>
+      </p:sp>
+      <p:sp>
+        <p:nvSpPr>
+          <p:cNvPr id="85" name="Retângulo de cantos arredondados 84"/>
+          <p:cNvSpPr/>
+          <p:nvPr/>
+        </p:nvSpPr>
+        <p:spPr>
+          <a:xfrm>
+            <a:off x="8656911" y="4105536"/>
+            <a:ext cx="2988858" cy="1129922"/>
+          </a:xfrm>
+          <a:prstGeom prst="roundRect">
+            <a:avLst/>
+          </a:prstGeom>
+          <a:solidFill>
+            <a:schemeClr val="bg1">
+              <a:lumMod val="85000"/>
+            </a:schemeClr>
+          </a:solidFill>
+        </p:spPr>
+        <p:style>
+          <a:lnRef idx="2">
+            <a:schemeClr val="accent3">
+              <a:shade val="50000"/>
+            </a:schemeClr>
+          </a:lnRef>
+          <a:fillRef idx="1">
+            <a:schemeClr val="accent3"/>
+          </a:fillRef>
+          <a:effectRef idx="0">
+            <a:schemeClr val="accent3"/>
+          </a:effectRef>
+          <a:fontRef idx="minor">
+            <a:schemeClr val="lt1"/>
+          </a:fontRef>
+        </p:style>
+        <p:txBody>
+          <a:bodyPr rtlCol="0" anchor="t"/>
+          <a:lstStyle/>
+          <a:p>
+            <a:pPr algn="ctr"/>
+            <a:r>
+              <a:rPr lang="pt-PT" dirty="0">
+                <a:ln w="0"/>
+                <a:solidFill>
+                  <a:schemeClr val="tx1"/>
+                </a:solidFill>
+                <a:effectLst>
+                  <a:outerShdw blurRad="38100" dist="19050" dir="2700000" algn="tl" rotWithShape="0">
+                    <a:schemeClr val="dk1">
+                      <a:alpha val="40000"/>
+                    </a:schemeClr>
+                  </a:outerShdw>
+                </a:effectLst>
+                <a:latin typeface="Consolas" panose="020B0609020204030204" pitchFamily="49" charset="0"/>
+                <a:cs typeface="Consolas" panose="020B0609020204030204" pitchFamily="49" charset="0"/>
+              </a:rPr>
+              <a:t>MpegTSWriteStream</a:t>
+            </a:r>
+          </a:p>
+          <a:p>
+            <a:r>
+              <a:rPr lang="pt-PT" sz="1200" dirty="0">
+                <a:ln w="0"/>
+                <a:solidFill>
+                  <a:schemeClr val="tx1"/>
+                </a:solidFill>
+                <a:effectLst>
+                  <a:outerShdw blurRad="38100" dist="19050" dir="2700000" algn="tl" rotWithShape="0">
+                    <a:schemeClr val="dk1">
+                      <a:alpha val="40000"/>
+                    </a:schemeClr>
+                  </a:outerShdw>
+                </a:effectLst>
+                <a:latin typeface="Consolas" panose="020B0609020204030204" pitchFamily="49" charset="0"/>
+                <a:cs typeface="Consolas" panose="020B0609020204030204" pitchFamily="49" charset="0"/>
+              </a:rPr>
+              <a:t>struct MpegTSService *service;</a:t>
+            </a:r>
+          </a:p>
+          <a:p>
+            <a:r>
+              <a:rPr lang="pt-PT" sz="1200" dirty="0">
+                <a:ln w="0"/>
+                <a:solidFill>
+                  <a:schemeClr val="tx1"/>
+                </a:solidFill>
+                <a:effectLst>
+                  <a:outerShdw blurRad="38100" dist="19050" dir="2700000" algn="tl" rotWithShape="0">
+                    <a:schemeClr val="dk1">
+                      <a:alpha val="40000"/>
+                    </a:schemeClr>
+                  </a:outerShdw>
+                </a:effectLst>
+                <a:latin typeface="Consolas" panose="020B0609020204030204" pitchFamily="49" charset="0"/>
+                <a:cs typeface="Consolas" panose="020B0609020204030204" pitchFamily="49" charset="0"/>
+              </a:rPr>
+              <a:t>int pid;</a:t>
+            </a:r>
+          </a:p>
+          <a:p>
+            <a:r>
+              <a:rPr lang="pt-PT" sz="1200" dirty="0">
+                <a:ln w="0"/>
+                <a:solidFill>
+                  <a:schemeClr val="tx1"/>
+                </a:solidFill>
+                <a:effectLst>
+                  <a:outerShdw blurRad="38100" dist="19050" dir="2700000" algn="tl" rotWithShape="0">
+                    <a:schemeClr val="dk1">
+                      <a:alpha val="40000"/>
+                    </a:schemeClr>
+                  </a:outerShdw>
+                </a:effectLst>
+                <a:latin typeface="Consolas" panose="020B0609020204030204" pitchFamily="49" charset="0"/>
+                <a:cs typeface="Consolas" panose="020B0609020204030204" pitchFamily="49" charset="0"/>
+              </a:rPr>
+              <a:t>int cc;</a:t>
+            </a:r>
+          </a:p>
+        </p:txBody>
+      </p:sp>
+      <p:cxnSp>
+        <p:nvCxnSpPr>
+          <p:cNvPr id="87" name="Conector angulado 86"/>
+          <p:cNvCxnSpPr>
+            <a:endCxn id="28" idx="3"/>
+          </p:cNvCxnSpPr>
+          <p:nvPr/>
+        </p:nvCxnSpPr>
+        <p:spPr>
+          <a:xfrm rot="10800000">
+            <a:off x="4701308" y="3094222"/>
+            <a:ext cx="3261806" cy="867642"/>
+          </a:xfrm>
+          <a:prstGeom prst="bentConnector3">
+            <a:avLst>
+              <a:gd name="adj1" fmla="val 40211"/>
+            </a:avLst>
+          </a:prstGeom>
+          <a:ln w="38100">
+            <a:tailEnd type="triangle"/>
+          </a:ln>
+        </p:spPr>
+        <p:style>
+          <a:lnRef idx="1">
+            <a:schemeClr val="accent1"/>
+          </a:lnRef>
+          <a:fillRef idx="0">
+            <a:schemeClr val="accent1"/>
+          </a:fillRef>
+          <a:effectRef idx="0">
+            <a:schemeClr val="accent1"/>
+          </a:effectRef>
+          <a:fontRef idx="minor">
+            <a:schemeClr val="tx1"/>
+          </a:fontRef>
+        </p:style>
+      </p:cxnSp>
+      <p:cxnSp>
+        <p:nvCxnSpPr>
+          <p:cNvPr id="88" name="Conector angulado 87"/>
+          <p:cNvCxnSpPr>
+            <a:endCxn id="28" idx="3"/>
+          </p:cNvCxnSpPr>
+          <p:nvPr/>
+        </p:nvCxnSpPr>
+        <p:spPr>
+          <a:xfrm rot="10800000">
+            <a:off x="4701308" y="3094222"/>
+            <a:ext cx="4067940" cy="1496044"/>
+          </a:xfrm>
+          <a:prstGeom prst="bentConnector3">
+            <a:avLst>
+              <a:gd name="adj1" fmla="val 52141"/>
+            </a:avLst>
+          </a:prstGeom>
+          <a:ln w="38100">
+            <a:tailEnd type="triangle"/>
+          </a:ln>
+        </p:spPr>
+        <p:style>
+          <a:lnRef idx="1">
+            <a:schemeClr val="accent1"/>
+          </a:lnRef>
+          <a:fillRef idx="0">
+            <a:schemeClr val="accent1"/>
+          </a:fillRef>
+          <a:effectRef idx="0">
+            <a:schemeClr val="accent1"/>
+          </a:effectRef>
+          <a:fontRef idx="minor">
+            <a:schemeClr val="tx1"/>
+          </a:fontRef>
+        </p:style>
+      </p:cxnSp>
+      <p:cxnSp>
+        <p:nvCxnSpPr>
+          <p:cNvPr id="92" name="Conector angulado 91"/>
+          <p:cNvCxnSpPr>
+            <a:endCxn id="27" idx="1"/>
+          </p:cNvCxnSpPr>
+          <p:nvPr/>
+        </p:nvCxnSpPr>
+        <p:spPr>
+          <a:xfrm rot="16200000" flipH="1">
+            <a:off x="2156229" y="2630358"/>
+            <a:ext cx="1236830" cy="1138524"/>
+          </a:xfrm>
+          <a:prstGeom prst="bentConnector2">
+            <a:avLst/>
+          </a:prstGeom>
+          <a:ln w="38100">
+            <a:tailEnd type="triangle"/>
+          </a:ln>
+        </p:spPr>
+        <p:style>
+          <a:lnRef idx="1">
+            <a:schemeClr val="accent1"/>
+          </a:lnRef>
+          <a:fillRef idx="0">
+            <a:schemeClr val="accent1"/>
+          </a:fillRef>
+          <a:effectRef idx="0">
+            <a:schemeClr val="accent1"/>
+          </a:effectRef>
+          <a:fontRef idx="minor">
+            <a:schemeClr val="tx1"/>
+          </a:fontRef>
+        </p:style>
+      </p:cxnSp>
+      <p:cxnSp>
+        <p:nvCxnSpPr>
+          <p:cNvPr id="94" name="Conector angulado 93"/>
+          <p:cNvCxnSpPr>
+            <a:endCxn id="64" idx="1"/>
+          </p:cNvCxnSpPr>
+          <p:nvPr/>
+        </p:nvCxnSpPr>
+        <p:spPr>
+          <a:xfrm rot="16200000" flipH="1">
+            <a:off x="481805" y="4793796"/>
+            <a:ext cx="1262483" cy="1210092"/>
+          </a:xfrm>
+          <a:prstGeom prst="bentConnector2">
+            <a:avLst/>
+          </a:prstGeom>
+          <a:ln w="38100">
+            <a:tailEnd type="triangle"/>
+          </a:ln>
+        </p:spPr>
+        <p:style>
+          <a:lnRef idx="1">
+            <a:schemeClr val="accent1"/>
+          </a:lnRef>
+          <a:fillRef idx="0">
+            <a:schemeClr val="accent1"/>
+          </a:fillRef>
+          <a:effectRef idx="0">
+            <a:schemeClr val="accent1"/>
+          </a:effectRef>
+          <a:fontRef idx="minor">
+            <a:schemeClr val="tx1"/>
+          </a:fontRef>
+        </p:style>
+      </p:cxnSp>
+      <p:sp>
+        <p:nvSpPr>
+          <p:cNvPr id="100" name="Retângulo de cantos arredondados 99"/>
+          <p:cNvSpPr/>
+          <p:nvPr/>
+        </p:nvSpPr>
+        <p:spPr>
+          <a:xfrm>
+            <a:off x="5430234" y="4870185"/>
+            <a:ext cx="2988858" cy="1129922"/>
+          </a:xfrm>
+          <a:prstGeom prst="roundRect">
+            <a:avLst/>
+          </a:prstGeom>
+          <a:solidFill>
+            <a:schemeClr val="bg1">
+              <a:lumMod val="85000"/>
+            </a:schemeClr>
+          </a:solidFill>
+        </p:spPr>
+        <p:style>
+          <a:lnRef idx="2">
+            <a:schemeClr val="accent3">
+              <a:shade val="50000"/>
+            </a:schemeClr>
+          </a:lnRef>
+          <a:fillRef idx="1">
+            <a:schemeClr val="accent3"/>
+          </a:fillRef>
+          <a:effectRef idx="0">
+            <a:schemeClr val="accent3"/>
+          </a:effectRef>
+          <a:fontRef idx="minor">
+            <a:schemeClr val="lt1"/>
+          </a:fontRef>
+        </p:style>
+        <p:txBody>
+          <a:bodyPr rtlCol="0" anchor="t"/>
+          <a:lstStyle/>
+          <a:p>
+            <a:pPr algn="ctr"/>
+            <a:r>
+              <a:rPr lang="pt-PT" dirty="0">
+                <a:ln w="0"/>
+                <a:solidFill>
+                  <a:schemeClr val="tx1"/>
+                </a:solidFill>
+                <a:effectLst>
+                  <a:outerShdw blurRad="38100" dist="19050" dir="2700000" algn="tl" rotWithShape="0">
+                    <a:schemeClr val="dk1">
+                      <a:alpha val="40000"/>
+                    </a:schemeClr>
+                  </a:outerShdw>
+                </a:effectLst>
+                <a:latin typeface="Consolas" panose="020B0609020204030204" pitchFamily="49" charset="0"/>
+                <a:cs typeface="Consolas" panose="020B0609020204030204" pitchFamily="49" charset="0"/>
+              </a:rPr>
+              <a:t>MpegTSWriteStream</a:t>
+            </a:r>
+          </a:p>
+          <a:p>
+            <a:r>
+              <a:rPr lang="pt-PT" sz="1200" dirty="0">
+                <a:ln w="0"/>
+                <a:solidFill>
+                  <a:schemeClr val="tx1"/>
+                </a:solidFill>
+                <a:effectLst>
+                  <a:outerShdw blurRad="38100" dist="19050" dir="2700000" algn="tl" rotWithShape="0">
+                    <a:schemeClr val="dk1">
+                      <a:alpha val="40000"/>
+                    </a:schemeClr>
+                  </a:outerShdw>
+                </a:effectLst>
+                <a:latin typeface="Consolas" panose="020B0609020204030204" pitchFamily="49" charset="0"/>
+                <a:cs typeface="Consolas" panose="020B0609020204030204" pitchFamily="49" charset="0"/>
+              </a:rPr>
+              <a:t>struct MpegTSService *service;</a:t>
+            </a:r>
+          </a:p>
+          <a:p>
+            <a:r>
+              <a:rPr lang="pt-PT" sz="1200" dirty="0">
+                <a:ln w="0"/>
+                <a:solidFill>
+                  <a:schemeClr val="tx1"/>
+                </a:solidFill>
+                <a:effectLst>
+                  <a:outerShdw blurRad="38100" dist="19050" dir="2700000" algn="tl" rotWithShape="0">
+                    <a:schemeClr val="dk1">
+                      <a:alpha val="40000"/>
+                    </a:schemeClr>
+                  </a:outerShdw>
+                </a:effectLst>
+                <a:latin typeface="Consolas" panose="020B0609020204030204" pitchFamily="49" charset="0"/>
+                <a:cs typeface="Consolas" panose="020B0609020204030204" pitchFamily="49" charset="0"/>
+              </a:rPr>
+              <a:t>int pid;</a:t>
+            </a:r>
+          </a:p>
+          <a:p>
+            <a:r>
+              <a:rPr lang="pt-PT" sz="1200" dirty="0">
+                <a:ln w="0"/>
+                <a:solidFill>
+                  <a:schemeClr val="tx1"/>
+                </a:solidFill>
+                <a:effectLst>
+                  <a:outerShdw blurRad="38100" dist="19050" dir="2700000" algn="tl" rotWithShape="0">
+                    <a:schemeClr val="dk1">
+                      <a:alpha val="40000"/>
+                    </a:schemeClr>
+                  </a:outerShdw>
+                </a:effectLst>
+                <a:latin typeface="Consolas" panose="020B0609020204030204" pitchFamily="49" charset="0"/>
+                <a:cs typeface="Consolas" panose="020B0609020204030204" pitchFamily="49" charset="0"/>
+              </a:rPr>
+              <a:t>int cc;</a:t>
+            </a:r>
+          </a:p>
+        </p:txBody>
+      </p:sp>
+      <p:sp>
+        <p:nvSpPr>
+          <p:cNvPr id="101" name="Retângulo de cantos arredondados 100"/>
+          <p:cNvSpPr/>
+          <p:nvPr/>
+        </p:nvSpPr>
+        <p:spPr>
+          <a:xfrm>
+            <a:off x="6400882" y="5593655"/>
+            <a:ext cx="2988858" cy="1129922"/>
+          </a:xfrm>
+          <a:prstGeom prst="roundRect">
+            <a:avLst/>
+          </a:prstGeom>
+          <a:solidFill>
+            <a:schemeClr val="bg1">
+              <a:lumMod val="85000"/>
+            </a:schemeClr>
+          </a:solidFill>
+        </p:spPr>
+        <p:style>
+          <a:lnRef idx="2">
+            <a:schemeClr val="accent3">
+              <a:shade val="50000"/>
+            </a:schemeClr>
+          </a:lnRef>
+          <a:fillRef idx="1">
+            <a:schemeClr val="accent3"/>
+          </a:fillRef>
+          <a:effectRef idx="0">
+            <a:schemeClr val="accent3"/>
+          </a:effectRef>
+          <a:fontRef idx="minor">
+            <a:schemeClr val="lt1"/>
+          </a:fontRef>
+        </p:style>
+        <p:txBody>
+          <a:bodyPr rtlCol="0" anchor="t"/>
+          <a:lstStyle/>
+          <a:p>
+            <a:pPr algn="ctr"/>
+            <a:r>
+              <a:rPr lang="pt-PT" dirty="0">
+                <a:ln w="0"/>
+                <a:solidFill>
+                  <a:schemeClr val="tx1"/>
+                </a:solidFill>
+                <a:effectLst>
+                  <a:outerShdw blurRad="38100" dist="19050" dir="2700000" algn="tl" rotWithShape="0">
+                    <a:schemeClr val="dk1">
+                      <a:alpha val="40000"/>
+                    </a:schemeClr>
+                  </a:outerShdw>
+                </a:effectLst>
+                <a:latin typeface="Consolas" panose="020B0609020204030204" pitchFamily="49" charset="0"/>
+                <a:cs typeface="Consolas" panose="020B0609020204030204" pitchFamily="49" charset="0"/>
+              </a:rPr>
+              <a:t>MpegTSWriteStream</a:t>
+            </a:r>
+          </a:p>
+          <a:p>
+            <a:r>
+              <a:rPr lang="pt-PT" sz="1200" dirty="0">
+                <a:ln w="0"/>
+                <a:solidFill>
+                  <a:schemeClr val="tx1"/>
+                </a:solidFill>
+                <a:effectLst>
+                  <a:outerShdw blurRad="38100" dist="19050" dir="2700000" algn="tl" rotWithShape="0">
+                    <a:schemeClr val="dk1">
+                      <a:alpha val="40000"/>
+                    </a:schemeClr>
+                  </a:outerShdw>
+                </a:effectLst>
+                <a:latin typeface="Consolas" panose="020B0609020204030204" pitchFamily="49" charset="0"/>
+                <a:cs typeface="Consolas" panose="020B0609020204030204" pitchFamily="49" charset="0"/>
+              </a:rPr>
+              <a:t>struct MpegTSService *service;</a:t>
+            </a:r>
+          </a:p>
+          <a:p>
+            <a:r>
+              <a:rPr lang="pt-PT" sz="1200" dirty="0">
+                <a:ln w="0"/>
+                <a:solidFill>
+                  <a:schemeClr val="tx1"/>
+                </a:solidFill>
+                <a:effectLst>
+                  <a:outerShdw blurRad="38100" dist="19050" dir="2700000" algn="tl" rotWithShape="0">
+                    <a:schemeClr val="dk1">
+                      <a:alpha val="40000"/>
+                    </a:schemeClr>
+                  </a:outerShdw>
+                </a:effectLst>
+                <a:latin typeface="Consolas" panose="020B0609020204030204" pitchFamily="49" charset="0"/>
+                <a:cs typeface="Consolas" panose="020B0609020204030204" pitchFamily="49" charset="0"/>
+              </a:rPr>
+              <a:t>int pid;</a:t>
+            </a:r>
+          </a:p>
+          <a:p>
+            <a:r>
+              <a:rPr lang="pt-PT" sz="1200" dirty="0">
+                <a:ln w="0"/>
+                <a:solidFill>
+                  <a:schemeClr val="tx1"/>
+                </a:solidFill>
+                <a:effectLst>
+                  <a:outerShdw blurRad="38100" dist="19050" dir="2700000" algn="tl" rotWithShape="0">
+                    <a:schemeClr val="dk1">
+                      <a:alpha val="40000"/>
+                    </a:schemeClr>
+                  </a:outerShdw>
+                </a:effectLst>
+                <a:latin typeface="Consolas" panose="020B0609020204030204" pitchFamily="49" charset="0"/>
+                <a:cs typeface="Consolas" panose="020B0609020204030204" pitchFamily="49" charset="0"/>
+              </a:rPr>
+              <a:t>int cc;</a:t>
+            </a:r>
+          </a:p>
+        </p:txBody>
+      </p:sp>
+      <p:cxnSp>
+        <p:nvCxnSpPr>
+          <p:cNvPr id="102" name="Conector angulado 101"/>
+          <p:cNvCxnSpPr>
+            <a:endCxn id="59" idx="3"/>
+          </p:cNvCxnSpPr>
+          <p:nvPr/>
+        </p:nvCxnSpPr>
+        <p:spPr>
+          <a:xfrm rot="10800000">
+            <a:off x="3040047" y="5270521"/>
+            <a:ext cx="3491382" cy="803104"/>
+          </a:xfrm>
+          <a:prstGeom prst="bentConnector3">
+            <a:avLst>
+              <a:gd name="adj1" fmla="val 40438"/>
+            </a:avLst>
+          </a:prstGeom>
+          <a:ln w="38100">
+            <a:tailEnd type="triangle"/>
+          </a:ln>
+        </p:spPr>
+        <p:style>
+          <a:lnRef idx="1">
+            <a:schemeClr val="accent1"/>
+          </a:lnRef>
+          <a:fillRef idx="0">
+            <a:schemeClr val="accent1"/>
+          </a:fillRef>
+          <a:effectRef idx="0">
+            <a:schemeClr val="accent1"/>
+          </a:effectRef>
+          <a:fontRef idx="minor">
+            <a:schemeClr val="tx1"/>
+          </a:fontRef>
+        </p:style>
+      </p:cxnSp>
+      <p:cxnSp>
+        <p:nvCxnSpPr>
+          <p:cNvPr id="106" name="Conector angulado 105"/>
+          <p:cNvCxnSpPr>
+            <a:endCxn id="59" idx="3"/>
+          </p:cNvCxnSpPr>
+          <p:nvPr/>
+        </p:nvCxnSpPr>
+        <p:spPr>
+          <a:xfrm rot="10800000">
+            <a:off x="3040048" y="5270521"/>
+            <a:ext cx="2467395" cy="59432"/>
+          </a:xfrm>
+          <a:prstGeom prst="bentConnector3">
+            <a:avLst>
+              <a:gd name="adj1" fmla="val 15882"/>
+            </a:avLst>
+          </a:prstGeom>
+          <a:ln w="38100">
+            <a:tailEnd type="triangle"/>
+          </a:ln>
+        </p:spPr>
+        <p:style>
+          <a:lnRef idx="1">
+            <a:schemeClr val="accent1"/>
+          </a:lnRef>
+          <a:fillRef idx="0">
+            <a:schemeClr val="accent1"/>
+          </a:fillRef>
+          <a:effectRef idx="0">
+            <a:schemeClr val="accent1"/>
+          </a:effectRef>
+          <a:fontRef idx="minor">
+            <a:schemeClr val="tx1"/>
+          </a:fontRef>
+        </p:style>
+      </p:cxnSp>
+    </p:spTree>
+    <p:extLst>
+      <p:ext uri="{BB962C8B-B14F-4D97-AF65-F5344CB8AC3E}">
+        <p14:creationId xmlns:p14="http://schemas.microsoft.com/office/powerpoint/2010/main" val="2625534049"/>
+      </p:ext>
+    </p:extLst>
+  </p:cSld>
+  <p:clrMapOvr>
+    <a:masterClrMapping/>
+  </p:clrMapOvr>
+</p:sld>
+</file>
+
+<file path=ppt/slides/slide3.xml><?xml version="1.0" encoding="utf-8"?>
 <p:sld xmlns:a="http://schemas.openxmlformats.org/drawingml/2006/main" xmlns:r="http://schemas.openxmlformats.org/officeDocument/2006/relationships" xmlns:p="http://schemas.openxmlformats.org/presentationml/2006/main">
   <p:cSld>
     <p:spTree>
@@ -4880,7 +7361,7 @@
     </p:spTree>
     <p:extLst>
       <p:ext uri="{BB962C8B-B14F-4D97-AF65-F5344CB8AC3E}">
-        <p14:creationId xmlns:p14="http://schemas.microsoft.com/office/powerpoint/2010/main" xmlns="" val="32127210"/>
+        <p14:creationId xmlns:p14="http://schemas.microsoft.com/office/powerpoint/2010/main" val="32127210"/>
       </p:ext>
     </p:extLst>
   </p:cSld>
@@ -4890,7 +7371,7 @@
 </p:sld>
 </file>
 
-<file path=ppt/slides/slide3.xml><?xml version="1.0" encoding="utf-8"?>
+<file path=ppt/slides/slide4.xml><?xml version="1.0" encoding="utf-8"?>
 <p:sld xmlns:a="http://schemas.openxmlformats.org/drawingml/2006/main" xmlns:r="http://schemas.openxmlformats.org/officeDocument/2006/relationships" xmlns:p="http://schemas.openxmlformats.org/presentationml/2006/main">
   <p:cSld>
     <p:spTree>
@@ -5462,7 +7943,7 @@
             </a:clrChange>
             <a:extLst>
               <a:ext uri="{28A0092B-C50C-407E-A947-70E740481C1C}">
-                <a14:useLocalDpi xmlns:a14="http://schemas.microsoft.com/office/drawing/2010/main" xmlns="" val="0"/>
+                <a14:useLocalDpi xmlns:a14="http://schemas.microsoft.com/office/drawing/2010/main" val="0"/>
               </a:ext>
             </a:extLst>
           </a:blip>
@@ -5480,7 +7961,7 @@
           <a:noFill/>
           <a:extLst>
             <a:ext uri="{909E8E84-426E-40DD-AFC4-6F175D3DCCD1}">
-              <a14:hiddenFill xmlns:a14="http://schemas.microsoft.com/office/drawing/2010/main" xmlns="">
+              <a14:hiddenFill xmlns:a14="http://schemas.microsoft.com/office/drawing/2010/main">
                 <a:solidFill>
                   <a:srgbClr val="FFFFFF"/>
                 </a:solidFill>
@@ -5511,7 +7992,7 @@
             </a:clrChange>
             <a:extLst>
               <a:ext uri="{28A0092B-C50C-407E-A947-70E740481C1C}">
-                <a14:useLocalDpi xmlns:a14="http://schemas.microsoft.com/office/drawing/2010/main" xmlns="" val="0"/>
+                <a14:useLocalDpi xmlns:a14="http://schemas.microsoft.com/office/drawing/2010/main" val="0"/>
               </a:ext>
             </a:extLst>
           </a:blip>
@@ -5529,7 +8010,7 @@
           <a:noFill/>
           <a:extLst>
             <a:ext uri="{909E8E84-426E-40DD-AFC4-6F175D3DCCD1}">
-              <a14:hiddenFill xmlns:a14="http://schemas.microsoft.com/office/drawing/2010/main" xmlns="">
+              <a14:hiddenFill xmlns:a14="http://schemas.microsoft.com/office/drawing/2010/main">
                 <a:solidFill>
                   <a:srgbClr val="FFFFFF"/>
                 </a:solidFill>
@@ -6004,1210 +8485,7 @@
     </p:spTree>
     <p:extLst>
       <p:ext uri="{BB962C8B-B14F-4D97-AF65-F5344CB8AC3E}">
-        <p14:creationId xmlns:p14="http://schemas.microsoft.com/office/powerpoint/2010/main" xmlns="" val="2564541181"/>
-      </p:ext>
-    </p:extLst>
-  </p:cSld>
-  <p:clrMapOvr>
-    <a:masterClrMapping/>
-  </p:clrMapOvr>
-</p:sld>
-</file>
-
-<file path=ppt/slides/slide4.xml><?xml version="1.0" encoding="utf-8"?>
-<p:sld xmlns:a="http://schemas.openxmlformats.org/drawingml/2006/main" xmlns:r="http://schemas.openxmlformats.org/officeDocument/2006/relationships" xmlns:p="http://schemas.openxmlformats.org/presentationml/2006/main">
-  <p:cSld>
-    <p:spTree>
-      <p:nvGrpSpPr>
-        <p:cNvPr id="1" name=""/>
-        <p:cNvGrpSpPr/>
-        <p:nvPr/>
-      </p:nvGrpSpPr>
-      <p:grpSpPr>
-        <a:xfrm>
-          <a:off x="0" y="0"/>
-          <a:ext cx="0" cy="0"/>
-          <a:chOff x="0" y="0"/>
-          <a:chExt cx="0" cy="0"/>
-        </a:xfrm>
-      </p:grpSpPr>
-      <p:sp>
-        <p:nvSpPr>
-          <p:cNvPr id="3" name="Subtítulo 2"/>
-          <p:cNvSpPr>
-            <a:spLocks noGrp="1"/>
-          </p:cNvSpPr>
-          <p:nvPr>
-            <p:ph type="subTitle" idx="1"/>
-          </p:nvPr>
-        </p:nvSpPr>
-        <p:spPr>
-          <a:xfrm>
-            <a:off x="1910367" y="6272011"/>
-            <a:ext cx="9144000" cy="444321"/>
-          </a:xfrm>
-        </p:spPr>
-        <p:txBody>
-          <a:bodyPr/>
-          <a:lstStyle/>
-          <a:p>
-            <a:r>
-              <a:rPr lang="pt-PT" dirty="0" smtClean="0"/>
-              <a:t>Sequencia de quadros IBBPBBP...</a:t>
-            </a:r>
-            <a:endParaRPr lang="pt-BR" dirty="0"/>
-          </a:p>
-        </p:txBody>
-      </p:sp>
-      <p:sp>
-        <p:nvSpPr>
-          <p:cNvPr id="5" name="Retângulo de cantos arredondados 4"/>
-          <p:cNvSpPr/>
-          <p:nvPr/>
-        </p:nvSpPr>
-        <p:spPr>
-          <a:xfrm>
-            <a:off x="1250886" y="857365"/>
-            <a:ext cx="1790163" cy="1684449"/>
-          </a:xfrm>
-          <a:prstGeom prst="roundRect">
-            <a:avLst/>
-          </a:prstGeom>
-        </p:spPr>
-        <p:style>
-          <a:lnRef idx="1">
-            <a:schemeClr val="accent4"/>
-          </a:lnRef>
-          <a:fillRef idx="2">
-            <a:schemeClr val="accent4"/>
-          </a:fillRef>
-          <a:effectRef idx="1">
-            <a:schemeClr val="accent4"/>
-          </a:effectRef>
-          <a:fontRef idx="minor">
-            <a:schemeClr val="dk1"/>
-          </a:fontRef>
-        </p:style>
-        <p:txBody>
-          <a:bodyPr rtlCol="0" anchor="ctr"/>
-          <a:lstStyle/>
-          <a:p>
-            <a:pPr algn="ctr"/>
-            <a:endParaRPr lang="pt-PT" dirty="0" smtClean="0">
-              <a:solidFill>
-                <a:prstClr val="white"/>
-              </a:solidFill>
-            </a:endParaRPr>
-          </a:p>
-          <a:p>
-            <a:pPr algn="ctr"/>
-            <a:endParaRPr lang="pt-PT" dirty="0">
-              <a:solidFill>
-                <a:prstClr val="white"/>
-              </a:solidFill>
-            </a:endParaRPr>
-          </a:p>
-          <a:p>
-            <a:pPr algn="ctr"/>
-            <a:endParaRPr lang="pt-PT" dirty="0" smtClean="0">
-              <a:solidFill>
-                <a:prstClr val="white"/>
-              </a:solidFill>
-            </a:endParaRPr>
-          </a:p>
-          <a:p>
-            <a:pPr algn="ctr"/>
-            <a:endParaRPr lang="pt-PT" dirty="0">
-              <a:solidFill>
-                <a:prstClr val="white"/>
-              </a:solidFill>
-            </a:endParaRPr>
-          </a:p>
-          <a:p>
-            <a:pPr algn="ctr"/>
-            <a:endParaRPr lang="pt-PT" dirty="0" smtClean="0">
-              <a:solidFill>
-                <a:prstClr val="white"/>
-              </a:solidFill>
-            </a:endParaRPr>
-          </a:p>
-          <a:p>
-            <a:r>
-              <a:rPr lang="pt-PT" dirty="0" smtClean="0">
-                <a:solidFill>
-                  <a:prstClr val="white"/>
-                </a:solidFill>
-              </a:rPr>
-              <a:t>I</a:t>
-            </a:r>
-            <a:endParaRPr lang="pt-BR" sz="1400" dirty="0">
-              <a:solidFill>
-                <a:prstClr val="white"/>
-              </a:solidFill>
-            </a:endParaRPr>
-          </a:p>
-        </p:txBody>
-      </p:sp>
-      <p:sp>
-        <p:nvSpPr>
-          <p:cNvPr id="27" name="Retângulo de cantos arredondados 26"/>
-          <p:cNvSpPr/>
-          <p:nvPr/>
-        </p:nvSpPr>
-        <p:spPr>
-          <a:xfrm>
-            <a:off x="3211647" y="857364"/>
-            <a:ext cx="1790163" cy="1684449"/>
-          </a:xfrm>
-          <a:prstGeom prst="roundRect">
-            <a:avLst/>
-          </a:prstGeom>
-        </p:spPr>
-        <p:style>
-          <a:lnRef idx="1">
-            <a:schemeClr val="accent6"/>
-          </a:lnRef>
-          <a:fillRef idx="2">
-            <a:schemeClr val="accent6"/>
-          </a:fillRef>
-          <a:effectRef idx="1">
-            <a:schemeClr val="accent6"/>
-          </a:effectRef>
-          <a:fontRef idx="minor">
-            <a:schemeClr val="dk1"/>
-          </a:fontRef>
-        </p:style>
-        <p:txBody>
-          <a:bodyPr rtlCol="0" anchor="ctr"/>
-          <a:lstStyle/>
-          <a:p>
-            <a:pPr algn="ctr"/>
-            <a:endParaRPr lang="pt-PT" dirty="0" smtClean="0">
-              <a:solidFill>
-                <a:prstClr val="white"/>
-              </a:solidFill>
-            </a:endParaRPr>
-          </a:p>
-          <a:p>
-            <a:pPr algn="ctr"/>
-            <a:endParaRPr lang="pt-PT" dirty="0">
-              <a:solidFill>
-                <a:prstClr val="white"/>
-              </a:solidFill>
-            </a:endParaRPr>
-          </a:p>
-          <a:p>
-            <a:pPr algn="ctr"/>
-            <a:endParaRPr lang="pt-PT" dirty="0" smtClean="0">
-              <a:solidFill>
-                <a:prstClr val="white"/>
-              </a:solidFill>
-            </a:endParaRPr>
-          </a:p>
-          <a:p>
-            <a:pPr algn="ctr"/>
-            <a:endParaRPr lang="pt-PT" dirty="0">
-              <a:solidFill>
-                <a:prstClr val="white"/>
-              </a:solidFill>
-            </a:endParaRPr>
-          </a:p>
-          <a:p>
-            <a:pPr algn="ctr"/>
-            <a:endParaRPr lang="pt-PT" dirty="0" smtClean="0">
-              <a:solidFill>
-                <a:prstClr val="white"/>
-              </a:solidFill>
-            </a:endParaRPr>
-          </a:p>
-          <a:p>
-            <a:r>
-              <a:rPr lang="pt-PT" dirty="0">
-                <a:solidFill>
-                  <a:prstClr val="white"/>
-                </a:solidFill>
-              </a:rPr>
-              <a:t>B</a:t>
-            </a:r>
-            <a:endParaRPr lang="pt-BR" sz="1400" dirty="0">
-              <a:solidFill>
-                <a:prstClr val="white"/>
-              </a:solidFill>
-            </a:endParaRPr>
-          </a:p>
-        </p:txBody>
-      </p:sp>
-      <p:sp>
-        <p:nvSpPr>
-          <p:cNvPr id="28" name="Retângulo de cantos arredondados 27"/>
-          <p:cNvSpPr/>
-          <p:nvPr/>
-        </p:nvSpPr>
-        <p:spPr>
-          <a:xfrm>
-            <a:off x="5197539" y="857364"/>
-            <a:ext cx="1790163" cy="1684449"/>
-          </a:xfrm>
-          <a:prstGeom prst="roundRect">
-            <a:avLst/>
-          </a:prstGeom>
-        </p:spPr>
-        <p:style>
-          <a:lnRef idx="1">
-            <a:schemeClr val="accent6"/>
-          </a:lnRef>
-          <a:fillRef idx="2">
-            <a:schemeClr val="accent6"/>
-          </a:fillRef>
-          <a:effectRef idx="1">
-            <a:schemeClr val="accent6"/>
-          </a:effectRef>
-          <a:fontRef idx="minor">
-            <a:schemeClr val="dk1"/>
-          </a:fontRef>
-        </p:style>
-        <p:txBody>
-          <a:bodyPr rtlCol="0" anchor="ctr"/>
-          <a:lstStyle/>
-          <a:p>
-            <a:pPr algn="ctr"/>
-            <a:endParaRPr lang="pt-PT" dirty="0" smtClean="0">
-              <a:solidFill>
-                <a:prstClr val="white"/>
-              </a:solidFill>
-            </a:endParaRPr>
-          </a:p>
-          <a:p>
-            <a:pPr algn="ctr"/>
-            <a:endParaRPr lang="pt-PT" dirty="0">
-              <a:solidFill>
-                <a:prstClr val="white"/>
-              </a:solidFill>
-            </a:endParaRPr>
-          </a:p>
-          <a:p>
-            <a:pPr algn="ctr"/>
-            <a:endParaRPr lang="pt-PT" dirty="0" smtClean="0">
-              <a:solidFill>
-                <a:prstClr val="white"/>
-              </a:solidFill>
-            </a:endParaRPr>
-          </a:p>
-          <a:p>
-            <a:pPr algn="ctr"/>
-            <a:endParaRPr lang="pt-PT" dirty="0">
-              <a:solidFill>
-                <a:prstClr val="white"/>
-              </a:solidFill>
-            </a:endParaRPr>
-          </a:p>
-          <a:p>
-            <a:pPr algn="ctr"/>
-            <a:endParaRPr lang="pt-PT" dirty="0" smtClean="0">
-              <a:solidFill>
-                <a:prstClr val="white"/>
-              </a:solidFill>
-            </a:endParaRPr>
-          </a:p>
-          <a:p>
-            <a:r>
-              <a:rPr lang="pt-PT" dirty="0">
-                <a:solidFill>
-                  <a:prstClr val="white"/>
-                </a:solidFill>
-              </a:rPr>
-              <a:t>B</a:t>
-            </a:r>
-            <a:endParaRPr lang="pt-BR" sz="1400" dirty="0">
-              <a:solidFill>
-                <a:prstClr val="white"/>
-              </a:solidFill>
-            </a:endParaRPr>
-          </a:p>
-        </p:txBody>
-      </p:sp>
-      <p:sp>
-        <p:nvSpPr>
-          <p:cNvPr id="29" name="Retângulo de cantos arredondados 28"/>
-          <p:cNvSpPr/>
-          <p:nvPr/>
-        </p:nvSpPr>
-        <p:spPr>
-          <a:xfrm>
-            <a:off x="7158300" y="857364"/>
-            <a:ext cx="1790163" cy="1684449"/>
-          </a:xfrm>
-          <a:prstGeom prst="roundRect">
-            <a:avLst/>
-          </a:prstGeom>
-        </p:spPr>
-        <p:style>
-          <a:lnRef idx="1">
-            <a:schemeClr val="accent1"/>
-          </a:lnRef>
-          <a:fillRef idx="3">
-            <a:schemeClr val="accent1"/>
-          </a:fillRef>
-          <a:effectRef idx="2">
-            <a:schemeClr val="accent1"/>
-          </a:effectRef>
-          <a:fontRef idx="minor">
-            <a:schemeClr val="lt1"/>
-          </a:fontRef>
-        </p:style>
-        <p:txBody>
-          <a:bodyPr rtlCol="0" anchor="ctr"/>
-          <a:lstStyle/>
-          <a:p>
-            <a:pPr algn="ctr"/>
-            <a:endParaRPr lang="pt-PT" dirty="0" smtClean="0">
-              <a:solidFill>
-                <a:prstClr val="white"/>
-              </a:solidFill>
-            </a:endParaRPr>
-          </a:p>
-          <a:p>
-            <a:pPr algn="ctr"/>
-            <a:endParaRPr lang="pt-PT" dirty="0">
-              <a:solidFill>
-                <a:prstClr val="white"/>
-              </a:solidFill>
-            </a:endParaRPr>
-          </a:p>
-          <a:p>
-            <a:pPr algn="ctr"/>
-            <a:endParaRPr lang="pt-PT" dirty="0" smtClean="0">
-              <a:solidFill>
-                <a:prstClr val="white"/>
-              </a:solidFill>
-            </a:endParaRPr>
-          </a:p>
-          <a:p>
-            <a:pPr algn="ctr"/>
-            <a:endParaRPr lang="pt-PT" dirty="0">
-              <a:solidFill>
-                <a:prstClr val="white"/>
-              </a:solidFill>
-            </a:endParaRPr>
-          </a:p>
-          <a:p>
-            <a:pPr algn="ctr"/>
-            <a:endParaRPr lang="pt-PT" dirty="0" smtClean="0">
-              <a:solidFill>
-                <a:prstClr val="white"/>
-              </a:solidFill>
-            </a:endParaRPr>
-          </a:p>
-          <a:p>
-            <a:r>
-              <a:rPr lang="pt-PT" dirty="0" smtClean="0">
-                <a:solidFill>
-                  <a:prstClr val="white"/>
-                </a:solidFill>
-              </a:rPr>
-              <a:t>P</a:t>
-            </a:r>
-            <a:endParaRPr lang="pt-BR" sz="1400" dirty="0">
-              <a:solidFill>
-                <a:prstClr val="white"/>
-              </a:solidFill>
-            </a:endParaRPr>
-          </a:p>
-        </p:txBody>
-      </p:sp>
-      <p:sp>
-        <p:nvSpPr>
-          <p:cNvPr id="30" name="Retângulo de cantos arredondados 29"/>
-          <p:cNvSpPr/>
-          <p:nvPr/>
-        </p:nvSpPr>
-        <p:spPr>
-          <a:xfrm>
-            <a:off x="9119061" y="857364"/>
-            <a:ext cx="1790163" cy="1684449"/>
-          </a:xfrm>
-          <a:prstGeom prst="roundRect">
-            <a:avLst/>
-          </a:prstGeom>
-        </p:spPr>
-        <p:style>
-          <a:lnRef idx="1">
-            <a:schemeClr val="accent6"/>
-          </a:lnRef>
-          <a:fillRef idx="2">
-            <a:schemeClr val="accent6"/>
-          </a:fillRef>
-          <a:effectRef idx="1">
-            <a:schemeClr val="accent6"/>
-          </a:effectRef>
-          <a:fontRef idx="minor">
-            <a:schemeClr val="dk1"/>
-          </a:fontRef>
-        </p:style>
-        <p:txBody>
-          <a:bodyPr rtlCol="0" anchor="ctr"/>
-          <a:lstStyle/>
-          <a:p>
-            <a:pPr algn="ctr"/>
-            <a:endParaRPr lang="pt-PT" dirty="0" smtClean="0">
-              <a:solidFill>
-                <a:prstClr val="white"/>
-              </a:solidFill>
-            </a:endParaRPr>
-          </a:p>
-          <a:p>
-            <a:pPr algn="ctr"/>
-            <a:endParaRPr lang="pt-PT" dirty="0">
-              <a:solidFill>
-                <a:prstClr val="white"/>
-              </a:solidFill>
-            </a:endParaRPr>
-          </a:p>
-          <a:p>
-            <a:pPr algn="ctr"/>
-            <a:endParaRPr lang="pt-PT" dirty="0" smtClean="0">
-              <a:solidFill>
-                <a:prstClr val="white"/>
-              </a:solidFill>
-            </a:endParaRPr>
-          </a:p>
-          <a:p>
-            <a:pPr algn="ctr"/>
-            <a:endParaRPr lang="pt-PT" dirty="0">
-              <a:solidFill>
-                <a:prstClr val="white"/>
-              </a:solidFill>
-            </a:endParaRPr>
-          </a:p>
-          <a:p>
-            <a:pPr algn="ctr"/>
-            <a:endParaRPr lang="pt-PT" dirty="0" smtClean="0">
-              <a:solidFill>
-                <a:prstClr val="white"/>
-              </a:solidFill>
-            </a:endParaRPr>
-          </a:p>
-          <a:p>
-            <a:r>
-              <a:rPr lang="pt-PT" dirty="0">
-                <a:solidFill>
-                  <a:prstClr val="white"/>
-                </a:solidFill>
-              </a:rPr>
-              <a:t>B</a:t>
-            </a:r>
-            <a:endParaRPr lang="pt-BR" sz="1400" dirty="0">
-              <a:solidFill>
-                <a:prstClr val="white"/>
-              </a:solidFill>
-            </a:endParaRPr>
-          </a:p>
-        </p:txBody>
-      </p:sp>
-      <p:sp>
-        <p:nvSpPr>
-          <p:cNvPr id="31" name="Retângulo de cantos arredondados 30"/>
-          <p:cNvSpPr/>
-          <p:nvPr/>
-        </p:nvSpPr>
-        <p:spPr>
-          <a:xfrm>
-            <a:off x="1250885" y="3347434"/>
-            <a:ext cx="1790163" cy="1684449"/>
-          </a:xfrm>
-          <a:prstGeom prst="roundRect">
-            <a:avLst/>
-          </a:prstGeom>
-        </p:spPr>
-        <p:style>
-          <a:lnRef idx="1">
-            <a:schemeClr val="accent6"/>
-          </a:lnRef>
-          <a:fillRef idx="2">
-            <a:schemeClr val="accent6"/>
-          </a:fillRef>
-          <a:effectRef idx="1">
-            <a:schemeClr val="accent6"/>
-          </a:effectRef>
-          <a:fontRef idx="minor">
-            <a:schemeClr val="dk1"/>
-          </a:fontRef>
-        </p:style>
-        <p:txBody>
-          <a:bodyPr rtlCol="0" anchor="ctr"/>
-          <a:lstStyle/>
-          <a:p>
-            <a:pPr algn="ctr"/>
-            <a:endParaRPr lang="pt-PT" dirty="0" smtClean="0">
-              <a:solidFill>
-                <a:prstClr val="white"/>
-              </a:solidFill>
-            </a:endParaRPr>
-          </a:p>
-          <a:p>
-            <a:pPr algn="ctr"/>
-            <a:endParaRPr lang="pt-PT" dirty="0">
-              <a:solidFill>
-                <a:prstClr val="white"/>
-              </a:solidFill>
-            </a:endParaRPr>
-          </a:p>
-          <a:p>
-            <a:pPr algn="ctr"/>
-            <a:endParaRPr lang="pt-PT" dirty="0" smtClean="0">
-              <a:solidFill>
-                <a:prstClr val="white"/>
-              </a:solidFill>
-            </a:endParaRPr>
-          </a:p>
-          <a:p>
-            <a:pPr algn="ctr"/>
-            <a:endParaRPr lang="pt-PT" dirty="0">
-              <a:solidFill>
-                <a:prstClr val="white"/>
-              </a:solidFill>
-            </a:endParaRPr>
-          </a:p>
-          <a:p>
-            <a:pPr algn="ctr"/>
-            <a:endParaRPr lang="pt-PT" dirty="0" smtClean="0">
-              <a:solidFill>
-                <a:prstClr val="white"/>
-              </a:solidFill>
-            </a:endParaRPr>
-          </a:p>
-          <a:p>
-            <a:r>
-              <a:rPr lang="pt-PT" dirty="0">
-                <a:solidFill>
-                  <a:prstClr val="white"/>
-                </a:solidFill>
-              </a:rPr>
-              <a:t>B</a:t>
-            </a:r>
-            <a:endParaRPr lang="pt-BR" sz="1400" dirty="0">
-              <a:solidFill>
-                <a:prstClr val="white"/>
-              </a:solidFill>
-            </a:endParaRPr>
-          </a:p>
-        </p:txBody>
-      </p:sp>
-      <p:sp>
-        <p:nvSpPr>
-          <p:cNvPr id="32" name="Retângulo de cantos arredondados 31"/>
-          <p:cNvSpPr/>
-          <p:nvPr/>
-        </p:nvSpPr>
-        <p:spPr>
-          <a:xfrm>
-            <a:off x="3228401" y="3347434"/>
-            <a:ext cx="1790163" cy="1684449"/>
-          </a:xfrm>
-          <a:prstGeom prst="roundRect">
-            <a:avLst/>
-          </a:prstGeom>
-        </p:spPr>
-        <p:style>
-          <a:lnRef idx="1">
-            <a:schemeClr val="accent1"/>
-          </a:lnRef>
-          <a:fillRef idx="3">
-            <a:schemeClr val="accent1"/>
-          </a:fillRef>
-          <a:effectRef idx="2">
-            <a:schemeClr val="accent1"/>
-          </a:effectRef>
-          <a:fontRef idx="minor">
-            <a:schemeClr val="lt1"/>
-          </a:fontRef>
-        </p:style>
-        <p:txBody>
-          <a:bodyPr rtlCol="0" anchor="ctr"/>
-          <a:lstStyle/>
-          <a:p>
-            <a:pPr algn="ctr"/>
-            <a:endParaRPr lang="pt-PT" dirty="0" smtClean="0">
-              <a:solidFill>
-                <a:prstClr val="white"/>
-              </a:solidFill>
-            </a:endParaRPr>
-          </a:p>
-          <a:p>
-            <a:pPr algn="ctr"/>
-            <a:endParaRPr lang="pt-PT" dirty="0">
-              <a:solidFill>
-                <a:prstClr val="white"/>
-              </a:solidFill>
-            </a:endParaRPr>
-          </a:p>
-          <a:p>
-            <a:pPr algn="ctr"/>
-            <a:endParaRPr lang="pt-PT" dirty="0" smtClean="0">
-              <a:solidFill>
-                <a:prstClr val="white"/>
-              </a:solidFill>
-            </a:endParaRPr>
-          </a:p>
-          <a:p>
-            <a:pPr algn="ctr"/>
-            <a:endParaRPr lang="pt-PT" dirty="0">
-              <a:solidFill>
-                <a:prstClr val="white"/>
-              </a:solidFill>
-            </a:endParaRPr>
-          </a:p>
-          <a:p>
-            <a:pPr algn="ctr"/>
-            <a:endParaRPr lang="pt-PT" dirty="0" smtClean="0">
-              <a:solidFill>
-                <a:prstClr val="white"/>
-              </a:solidFill>
-            </a:endParaRPr>
-          </a:p>
-          <a:p>
-            <a:r>
-              <a:rPr lang="pt-PT" dirty="0" smtClean="0">
-                <a:solidFill>
-                  <a:prstClr val="white"/>
-                </a:solidFill>
-              </a:rPr>
-              <a:t>P</a:t>
-            </a:r>
-            <a:endParaRPr lang="pt-BR" sz="1400" dirty="0">
-              <a:solidFill>
-                <a:prstClr val="white"/>
-              </a:solidFill>
-            </a:endParaRPr>
-          </a:p>
-        </p:txBody>
-      </p:sp>
-      <p:sp>
-        <p:nvSpPr>
-          <p:cNvPr id="33" name="Retângulo de cantos arredondados 32"/>
-          <p:cNvSpPr/>
-          <p:nvPr/>
-        </p:nvSpPr>
-        <p:spPr>
-          <a:xfrm>
-            <a:off x="5189162" y="3347434"/>
-            <a:ext cx="1790163" cy="1684449"/>
-          </a:xfrm>
-          <a:prstGeom prst="roundRect">
-            <a:avLst/>
-          </a:prstGeom>
-        </p:spPr>
-        <p:style>
-          <a:lnRef idx="1">
-            <a:schemeClr val="accent6"/>
-          </a:lnRef>
-          <a:fillRef idx="2">
-            <a:schemeClr val="accent6"/>
-          </a:fillRef>
-          <a:effectRef idx="1">
-            <a:schemeClr val="accent6"/>
-          </a:effectRef>
-          <a:fontRef idx="minor">
-            <a:schemeClr val="dk1"/>
-          </a:fontRef>
-        </p:style>
-        <p:txBody>
-          <a:bodyPr rtlCol="0" anchor="ctr"/>
-          <a:lstStyle/>
-          <a:p>
-            <a:pPr algn="ctr"/>
-            <a:endParaRPr lang="pt-PT" dirty="0" smtClean="0">
-              <a:solidFill>
-                <a:prstClr val="white"/>
-              </a:solidFill>
-            </a:endParaRPr>
-          </a:p>
-          <a:p>
-            <a:pPr algn="ctr"/>
-            <a:endParaRPr lang="pt-PT" dirty="0">
-              <a:solidFill>
-                <a:prstClr val="white"/>
-              </a:solidFill>
-            </a:endParaRPr>
-          </a:p>
-          <a:p>
-            <a:pPr algn="ctr"/>
-            <a:endParaRPr lang="pt-PT" dirty="0" smtClean="0">
-              <a:solidFill>
-                <a:prstClr val="white"/>
-              </a:solidFill>
-            </a:endParaRPr>
-          </a:p>
-          <a:p>
-            <a:pPr algn="ctr"/>
-            <a:endParaRPr lang="pt-PT" dirty="0">
-              <a:solidFill>
-                <a:prstClr val="white"/>
-              </a:solidFill>
-            </a:endParaRPr>
-          </a:p>
-          <a:p>
-            <a:pPr algn="ctr"/>
-            <a:endParaRPr lang="pt-PT" dirty="0" smtClean="0">
-              <a:solidFill>
-                <a:prstClr val="white"/>
-              </a:solidFill>
-            </a:endParaRPr>
-          </a:p>
-          <a:p>
-            <a:r>
-              <a:rPr lang="pt-PT" dirty="0">
-                <a:solidFill>
-                  <a:prstClr val="white"/>
-                </a:solidFill>
-              </a:rPr>
-              <a:t>B</a:t>
-            </a:r>
-            <a:endParaRPr lang="pt-BR" sz="1400" dirty="0">
-              <a:solidFill>
-                <a:prstClr val="white"/>
-              </a:solidFill>
-            </a:endParaRPr>
-          </a:p>
-        </p:txBody>
-      </p:sp>
-      <p:sp>
-        <p:nvSpPr>
-          <p:cNvPr id="34" name="Retângulo de cantos arredondados 33"/>
-          <p:cNvSpPr/>
-          <p:nvPr/>
-        </p:nvSpPr>
-        <p:spPr>
-          <a:xfrm>
-            <a:off x="7158300" y="3347434"/>
-            <a:ext cx="1790163" cy="1684449"/>
-          </a:xfrm>
-          <a:prstGeom prst="roundRect">
-            <a:avLst/>
-          </a:prstGeom>
-        </p:spPr>
-        <p:style>
-          <a:lnRef idx="1">
-            <a:schemeClr val="accent6"/>
-          </a:lnRef>
-          <a:fillRef idx="2">
-            <a:schemeClr val="accent6"/>
-          </a:fillRef>
-          <a:effectRef idx="1">
-            <a:schemeClr val="accent6"/>
-          </a:effectRef>
-          <a:fontRef idx="minor">
-            <a:schemeClr val="dk1"/>
-          </a:fontRef>
-        </p:style>
-        <p:txBody>
-          <a:bodyPr rtlCol="0" anchor="ctr"/>
-          <a:lstStyle/>
-          <a:p>
-            <a:pPr algn="ctr"/>
-            <a:endParaRPr lang="pt-PT" dirty="0" smtClean="0">
-              <a:solidFill>
-                <a:prstClr val="white"/>
-              </a:solidFill>
-            </a:endParaRPr>
-          </a:p>
-          <a:p>
-            <a:pPr algn="ctr"/>
-            <a:endParaRPr lang="pt-PT" dirty="0">
-              <a:solidFill>
-                <a:prstClr val="white"/>
-              </a:solidFill>
-            </a:endParaRPr>
-          </a:p>
-          <a:p>
-            <a:pPr algn="ctr"/>
-            <a:endParaRPr lang="pt-PT" dirty="0" smtClean="0">
-              <a:solidFill>
-                <a:prstClr val="white"/>
-              </a:solidFill>
-            </a:endParaRPr>
-          </a:p>
-          <a:p>
-            <a:pPr algn="ctr"/>
-            <a:endParaRPr lang="pt-PT" dirty="0">
-              <a:solidFill>
-                <a:prstClr val="white"/>
-              </a:solidFill>
-            </a:endParaRPr>
-          </a:p>
-          <a:p>
-            <a:pPr algn="ctr"/>
-            <a:endParaRPr lang="pt-PT" dirty="0" smtClean="0">
-              <a:solidFill>
-                <a:prstClr val="white"/>
-              </a:solidFill>
-            </a:endParaRPr>
-          </a:p>
-          <a:p>
-            <a:r>
-              <a:rPr lang="pt-PT" dirty="0">
-                <a:solidFill>
-                  <a:prstClr val="white"/>
-                </a:solidFill>
-              </a:rPr>
-              <a:t>B</a:t>
-            </a:r>
-            <a:endParaRPr lang="pt-BR" sz="1400" dirty="0">
-              <a:solidFill>
-                <a:prstClr val="white"/>
-              </a:solidFill>
-            </a:endParaRPr>
-          </a:p>
-        </p:txBody>
-      </p:sp>
-      <p:cxnSp>
-        <p:nvCxnSpPr>
-          <p:cNvPr id="8" name="Conector angulado 7"/>
-          <p:cNvCxnSpPr>
-            <a:stCxn id="5" idx="3"/>
-            <a:endCxn id="27" idx="1"/>
-          </p:cNvCxnSpPr>
-          <p:nvPr/>
-        </p:nvCxnSpPr>
-        <p:spPr>
-          <a:xfrm flipV="1">
-            <a:off x="3041049" y="1699589"/>
-            <a:ext cx="170598" cy="1"/>
-          </a:xfrm>
-          <a:prstGeom prst="bentConnector3">
-            <a:avLst/>
-          </a:prstGeom>
-          <a:ln>
-            <a:tailEnd type="triangle"/>
-          </a:ln>
-        </p:spPr>
-        <p:style>
-          <a:lnRef idx="1">
-            <a:schemeClr val="accent1"/>
-          </a:lnRef>
-          <a:fillRef idx="0">
-            <a:schemeClr val="accent1"/>
-          </a:fillRef>
-          <a:effectRef idx="0">
-            <a:schemeClr val="accent1"/>
-          </a:effectRef>
-          <a:fontRef idx="minor">
-            <a:schemeClr val="tx1"/>
-          </a:fontRef>
-        </p:style>
-      </p:cxnSp>
-      <p:cxnSp>
-        <p:nvCxnSpPr>
-          <p:cNvPr id="40" name="Conector angulado 39"/>
-          <p:cNvCxnSpPr/>
-          <p:nvPr/>
-        </p:nvCxnSpPr>
-        <p:spPr>
-          <a:xfrm flipV="1">
-            <a:off x="5001810" y="1699587"/>
-            <a:ext cx="170598" cy="1"/>
-          </a:xfrm>
-          <a:prstGeom prst="bentConnector3">
-            <a:avLst/>
-          </a:prstGeom>
-          <a:ln>
-            <a:tailEnd type="triangle"/>
-          </a:ln>
-        </p:spPr>
-        <p:style>
-          <a:lnRef idx="1">
-            <a:schemeClr val="accent1"/>
-          </a:lnRef>
-          <a:fillRef idx="0">
-            <a:schemeClr val="accent1"/>
-          </a:fillRef>
-          <a:effectRef idx="0">
-            <a:schemeClr val="accent1"/>
-          </a:effectRef>
-          <a:fontRef idx="minor">
-            <a:schemeClr val="tx1"/>
-          </a:fontRef>
-        </p:style>
-      </p:cxnSp>
-      <p:cxnSp>
-        <p:nvCxnSpPr>
-          <p:cNvPr id="45" name="Conector angulado 44"/>
-          <p:cNvCxnSpPr/>
-          <p:nvPr/>
-        </p:nvCxnSpPr>
-        <p:spPr>
-          <a:xfrm flipV="1">
-            <a:off x="6988494" y="1699586"/>
-            <a:ext cx="170598" cy="1"/>
-          </a:xfrm>
-          <a:prstGeom prst="bentConnector3">
-            <a:avLst/>
-          </a:prstGeom>
-          <a:ln>
-            <a:tailEnd type="triangle"/>
-          </a:ln>
-        </p:spPr>
-        <p:style>
-          <a:lnRef idx="1">
-            <a:schemeClr val="accent1"/>
-          </a:lnRef>
-          <a:fillRef idx="0">
-            <a:schemeClr val="accent1"/>
-          </a:fillRef>
-          <a:effectRef idx="0">
-            <a:schemeClr val="accent1"/>
-          </a:effectRef>
-          <a:fontRef idx="minor">
-            <a:schemeClr val="tx1"/>
-          </a:fontRef>
-        </p:style>
-      </p:cxnSp>
-      <p:cxnSp>
-        <p:nvCxnSpPr>
-          <p:cNvPr id="47" name="Conector angulado 46"/>
-          <p:cNvCxnSpPr/>
-          <p:nvPr/>
-        </p:nvCxnSpPr>
-        <p:spPr>
-          <a:xfrm flipV="1">
-            <a:off x="8947671" y="1692291"/>
-            <a:ext cx="170598" cy="1"/>
-          </a:xfrm>
-          <a:prstGeom prst="bentConnector3">
-            <a:avLst/>
-          </a:prstGeom>
-          <a:ln>
-            <a:tailEnd type="triangle"/>
-          </a:ln>
-        </p:spPr>
-        <p:style>
-          <a:lnRef idx="1">
-            <a:schemeClr val="accent1"/>
-          </a:lnRef>
-          <a:fillRef idx="0">
-            <a:schemeClr val="accent1"/>
-          </a:fillRef>
-          <a:effectRef idx="0">
-            <a:schemeClr val="accent1"/>
-          </a:effectRef>
-          <a:fontRef idx="minor">
-            <a:schemeClr val="tx1"/>
-          </a:fontRef>
-        </p:style>
-      </p:cxnSp>
-      <p:cxnSp>
-        <p:nvCxnSpPr>
-          <p:cNvPr id="48" name="Conector angulado 47"/>
-          <p:cNvCxnSpPr/>
-          <p:nvPr/>
-        </p:nvCxnSpPr>
-        <p:spPr>
-          <a:xfrm flipV="1">
-            <a:off x="6979325" y="4193794"/>
-            <a:ext cx="170598" cy="1"/>
-          </a:xfrm>
-          <a:prstGeom prst="bentConnector3">
-            <a:avLst/>
-          </a:prstGeom>
-          <a:ln>
-            <a:tailEnd type="triangle"/>
-          </a:ln>
-        </p:spPr>
-        <p:style>
-          <a:lnRef idx="1">
-            <a:schemeClr val="accent1"/>
-          </a:lnRef>
-          <a:fillRef idx="0">
-            <a:schemeClr val="accent1"/>
-          </a:fillRef>
-          <a:effectRef idx="0">
-            <a:schemeClr val="accent1"/>
-          </a:effectRef>
-          <a:fontRef idx="minor">
-            <a:schemeClr val="tx1"/>
-          </a:fontRef>
-        </p:style>
-      </p:cxnSp>
-      <p:cxnSp>
-        <p:nvCxnSpPr>
-          <p:cNvPr id="50" name="Conector angulado 49"/>
-          <p:cNvCxnSpPr/>
-          <p:nvPr/>
-        </p:nvCxnSpPr>
-        <p:spPr>
-          <a:xfrm flipV="1">
-            <a:off x="5018564" y="4189658"/>
-            <a:ext cx="170598" cy="1"/>
-          </a:xfrm>
-          <a:prstGeom prst="bentConnector3">
-            <a:avLst/>
-          </a:prstGeom>
-          <a:ln>
-            <a:tailEnd type="triangle"/>
-          </a:ln>
-        </p:spPr>
-        <p:style>
-          <a:lnRef idx="1">
-            <a:schemeClr val="accent1"/>
-          </a:lnRef>
-          <a:fillRef idx="0">
-            <a:schemeClr val="accent1"/>
-          </a:fillRef>
-          <a:effectRef idx="0">
-            <a:schemeClr val="accent1"/>
-          </a:effectRef>
-          <a:fontRef idx="minor">
-            <a:schemeClr val="tx1"/>
-          </a:fontRef>
-        </p:style>
-      </p:cxnSp>
-      <p:cxnSp>
-        <p:nvCxnSpPr>
-          <p:cNvPr id="51" name="Conector angulado 50"/>
-          <p:cNvCxnSpPr/>
-          <p:nvPr/>
-        </p:nvCxnSpPr>
-        <p:spPr>
-          <a:xfrm flipV="1">
-            <a:off x="3057803" y="4189658"/>
-            <a:ext cx="170598" cy="1"/>
-          </a:xfrm>
-          <a:prstGeom prst="bentConnector3">
-            <a:avLst/>
-          </a:prstGeom>
-          <a:ln>
-            <a:tailEnd type="triangle"/>
-          </a:ln>
-        </p:spPr>
-        <p:style>
-          <a:lnRef idx="1">
-            <a:schemeClr val="accent1"/>
-          </a:lnRef>
-          <a:fillRef idx="0">
-            <a:schemeClr val="accent1"/>
-          </a:fillRef>
-          <a:effectRef idx="0">
-            <a:schemeClr val="accent1"/>
-          </a:effectRef>
-          <a:fontRef idx="minor">
-            <a:schemeClr val="tx1"/>
-          </a:fontRef>
-        </p:style>
-      </p:cxnSp>
-      <p:cxnSp>
-        <p:nvCxnSpPr>
-          <p:cNvPr id="14" name="Conector angulado 13"/>
-          <p:cNvCxnSpPr>
-            <a:stCxn id="30" idx="3"/>
-            <a:endCxn id="31" idx="1"/>
-          </p:cNvCxnSpPr>
-          <p:nvPr/>
-        </p:nvCxnSpPr>
-        <p:spPr>
-          <a:xfrm flipH="1">
-            <a:off x="1250885" y="1699589"/>
-            <a:ext cx="9658339" cy="2490070"/>
-          </a:xfrm>
-          <a:prstGeom prst="bentConnector5">
-            <a:avLst>
-              <a:gd name="adj1" fmla="val -2367"/>
-              <a:gd name="adj2" fmla="val 50000"/>
-              <a:gd name="adj3" fmla="val 102367"/>
-            </a:avLst>
-          </a:prstGeom>
-          <a:ln>
-            <a:tailEnd type="triangle"/>
-          </a:ln>
-        </p:spPr>
-        <p:style>
-          <a:lnRef idx="1">
-            <a:schemeClr val="accent1"/>
-          </a:lnRef>
-          <a:fillRef idx="0">
-            <a:schemeClr val="accent1"/>
-          </a:fillRef>
-          <a:effectRef idx="0">
-            <a:schemeClr val="accent1"/>
-          </a:effectRef>
-          <a:fontRef idx="minor">
-            <a:schemeClr val="tx1"/>
-          </a:fontRef>
-        </p:style>
-      </p:cxnSp>
-      <p:sp>
-        <p:nvSpPr>
-          <p:cNvPr id="23" name="CaixaDeTexto 22"/>
-          <p:cNvSpPr txBox="1"/>
-          <p:nvPr/>
-        </p:nvSpPr>
-        <p:spPr>
-          <a:xfrm>
-            <a:off x="9499600" y="3835400"/>
-            <a:ext cx="774700" cy="584775"/>
-          </a:xfrm>
-          <a:prstGeom prst="rect">
-            <a:avLst/>
-          </a:prstGeom>
-          <a:noFill/>
-        </p:spPr>
-        <p:txBody>
-          <a:bodyPr wrap="square" rtlCol="0">
-            <a:spAutoFit/>
-          </a:bodyPr>
-          <a:lstStyle/>
-          <a:p>
-            <a:r>
-              <a:rPr lang="pt-PT" sz="3200" dirty="0" smtClean="0"/>
-              <a:t>. . .</a:t>
-            </a:r>
-            <a:endParaRPr lang="pt-BR" sz="3200" dirty="0"/>
-          </a:p>
-        </p:txBody>
-      </p:sp>
-      <p:cxnSp>
-        <p:nvCxnSpPr>
-          <p:cNvPr id="39" name="Conector angulado 38"/>
-          <p:cNvCxnSpPr>
-            <a:stCxn id="23" idx="3"/>
-            <a:endCxn id="5" idx="1"/>
-          </p:cNvCxnSpPr>
-          <p:nvPr/>
-        </p:nvCxnSpPr>
-        <p:spPr>
-          <a:xfrm flipH="1" flipV="1">
-            <a:off x="1250886" y="1699590"/>
-            <a:ext cx="9023414" cy="2428198"/>
-          </a:xfrm>
-          <a:prstGeom prst="bentConnector5">
-            <a:avLst>
-              <a:gd name="adj1" fmla="val -2533"/>
-              <a:gd name="adj2" fmla="val -48144"/>
-              <a:gd name="adj3" fmla="val 103659"/>
-            </a:avLst>
-          </a:prstGeom>
-          <a:ln>
-            <a:tailEnd type="triangle"/>
-          </a:ln>
-        </p:spPr>
-        <p:style>
-          <a:lnRef idx="1">
-            <a:schemeClr val="accent1"/>
-          </a:lnRef>
-          <a:fillRef idx="0">
-            <a:schemeClr val="accent1"/>
-          </a:fillRef>
-          <a:effectRef idx="0">
-            <a:schemeClr val="accent1"/>
-          </a:effectRef>
-          <a:fontRef idx="minor">
-            <a:schemeClr val="tx1"/>
-          </a:fontRef>
-        </p:style>
-      </p:cxnSp>
-    </p:spTree>
-    <p:extLst>
-      <p:ext uri="{BB962C8B-B14F-4D97-AF65-F5344CB8AC3E}">
-        <p14:creationId xmlns:p14="http://schemas.microsoft.com/office/powerpoint/2010/main" xmlns="" val="2264095420"/>
+        <p14:creationId xmlns:p14="http://schemas.microsoft.com/office/powerpoint/2010/main" val="2564541181"/>
       </p:ext>
     </p:extLst>
   </p:cSld>
@@ -7234,6 +8512,1209 @@
           <a:chExt cx="0" cy="0"/>
         </a:xfrm>
       </p:grpSpPr>
+      <p:sp>
+        <p:nvSpPr>
+          <p:cNvPr id="3" name="Subtítulo 2"/>
+          <p:cNvSpPr>
+            <a:spLocks noGrp="1"/>
+          </p:cNvSpPr>
+          <p:nvPr>
+            <p:ph type="subTitle" idx="1"/>
+          </p:nvPr>
+        </p:nvSpPr>
+        <p:spPr>
+          <a:xfrm>
+            <a:off x="1910367" y="6272011"/>
+            <a:ext cx="9144000" cy="444321"/>
+          </a:xfrm>
+        </p:spPr>
+        <p:txBody>
+          <a:bodyPr/>
+          <a:lstStyle/>
+          <a:p>
+            <a:r>
+              <a:rPr lang="pt-PT" dirty="0" smtClean="0"/>
+              <a:t>Sequencia de quadros IBBPBBP...</a:t>
+            </a:r>
+            <a:endParaRPr lang="pt-BR" dirty="0"/>
+          </a:p>
+        </p:txBody>
+      </p:sp>
+      <p:sp>
+        <p:nvSpPr>
+          <p:cNvPr id="5" name="Retângulo de cantos arredondados 4"/>
+          <p:cNvSpPr/>
+          <p:nvPr/>
+        </p:nvSpPr>
+        <p:spPr>
+          <a:xfrm>
+            <a:off x="1250886" y="857365"/>
+            <a:ext cx="1790163" cy="1684449"/>
+          </a:xfrm>
+          <a:prstGeom prst="roundRect">
+            <a:avLst/>
+          </a:prstGeom>
+        </p:spPr>
+        <p:style>
+          <a:lnRef idx="1">
+            <a:schemeClr val="accent4"/>
+          </a:lnRef>
+          <a:fillRef idx="2">
+            <a:schemeClr val="accent4"/>
+          </a:fillRef>
+          <a:effectRef idx="1">
+            <a:schemeClr val="accent4"/>
+          </a:effectRef>
+          <a:fontRef idx="minor">
+            <a:schemeClr val="dk1"/>
+          </a:fontRef>
+        </p:style>
+        <p:txBody>
+          <a:bodyPr rtlCol="0" anchor="ctr"/>
+          <a:lstStyle/>
+          <a:p>
+            <a:pPr algn="ctr"/>
+            <a:endParaRPr lang="pt-PT" dirty="0" smtClean="0">
+              <a:solidFill>
+                <a:prstClr val="white"/>
+              </a:solidFill>
+            </a:endParaRPr>
+          </a:p>
+          <a:p>
+            <a:pPr algn="ctr"/>
+            <a:endParaRPr lang="pt-PT" dirty="0">
+              <a:solidFill>
+                <a:prstClr val="white"/>
+              </a:solidFill>
+            </a:endParaRPr>
+          </a:p>
+          <a:p>
+            <a:pPr algn="ctr"/>
+            <a:endParaRPr lang="pt-PT" dirty="0" smtClean="0">
+              <a:solidFill>
+                <a:prstClr val="white"/>
+              </a:solidFill>
+            </a:endParaRPr>
+          </a:p>
+          <a:p>
+            <a:pPr algn="ctr"/>
+            <a:endParaRPr lang="pt-PT" dirty="0">
+              <a:solidFill>
+                <a:prstClr val="white"/>
+              </a:solidFill>
+            </a:endParaRPr>
+          </a:p>
+          <a:p>
+            <a:pPr algn="ctr"/>
+            <a:endParaRPr lang="pt-PT" dirty="0" smtClean="0">
+              <a:solidFill>
+                <a:prstClr val="white"/>
+              </a:solidFill>
+            </a:endParaRPr>
+          </a:p>
+          <a:p>
+            <a:r>
+              <a:rPr lang="pt-PT" dirty="0" smtClean="0">
+                <a:solidFill>
+                  <a:prstClr val="white"/>
+                </a:solidFill>
+              </a:rPr>
+              <a:t>I</a:t>
+            </a:r>
+            <a:endParaRPr lang="pt-BR" sz="1400" dirty="0">
+              <a:solidFill>
+                <a:prstClr val="white"/>
+              </a:solidFill>
+            </a:endParaRPr>
+          </a:p>
+        </p:txBody>
+      </p:sp>
+      <p:sp>
+        <p:nvSpPr>
+          <p:cNvPr id="27" name="Retângulo de cantos arredondados 26"/>
+          <p:cNvSpPr/>
+          <p:nvPr/>
+        </p:nvSpPr>
+        <p:spPr>
+          <a:xfrm>
+            <a:off x="3211647" y="857364"/>
+            <a:ext cx="1790163" cy="1684449"/>
+          </a:xfrm>
+          <a:prstGeom prst="roundRect">
+            <a:avLst/>
+          </a:prstGeom>
+        </p:spPr>
+        <p:style>
+          <a:lnRef idx="1">
+            <a:schemeClr val="accent6"/>
+          </a:lnRef>
+          <a:fillRef idx="2">
+            <a:schemeClr val="accent6"/>
+          </a:fillRef>
+          <a:effectRef idx="1">
+            <a:schemeClr val="accent6"/>
+          </a:effectRef>
+          <a:fontRef idx="minor">
+            <a:schemeClr val="dk1"/>
+          </a:fontRef>
+        </p:style>
+        <p:txBody>
+          <a:bodyPr rtlCol="0" anchor="ctr"/>
+          <a:lstStyle/>
+          <a:p>
+            <a:pPr algn="ctr"/>
+            <a:endParaRPr lang="pt-PT" dirty="0" smtClean="0">
+              <a:solidFill>
+                <a:prstClr val="white"/>
+              </a:solidFill>
+            </a:endParaRPr>
+          </a:p>
+          <a:p>
+            <a:pPr algn="ctr"/>
+            <a:endParaRPr lang="pt-PT" dirty="0">
+              <a:solidFill>
+                <a:prstClr val="white"/>
+              </a:solidFill>
+            </a:endParaRPr>
+          </a:p>
+          <a:p>
+            <a:pPr algn="ctr"/>
+            <a:endParaRPr lang="pt-PT" dirty="0" smtClean="0">
+              <a:solidFill>
+                <a:prstClr val="white"/>
+              </a:solidFill>
+            </a:endParaRPr>
+          </a:p>
+          <a:p>
+            <a:pPr algn="ctr"/>
+            <a:endParaRPr lang="pt-PT" dirty="0">
+              <a:solidFill>
+                <a:prstClr val="white"/>
+              </a:solidFill>
+            </a:endParaRPr>
+          </a:p>
+          <a:p>
+            <a:pPr algn="ctr"/>
+            <a:endParaRPr lang="pt-PT" dirty="0" smtClean="0">
+              <a:solidFill>
+                <a:prstClr val="white"/>
+              </a:solidFill>
+            </a:endParaRPr>
+          </a:p>
+          <a:p>
+            <a:r>
+              <a:rPr lang="pt-PT" dirty="0">
+                <a:solidFill>
+                  <a:prstClr val="white"/>
+                </a:solidFill>
+              </a:rPr>
+              <a:t>B</a:t>
+            </a:r>
+            <a:endParaRPr lang="pt-BR" sz="1400" dirty="0">
+              <a:solidFill>
+                <a:prstClr val="white"/>
+              </a:solidFill>
+            </a:endParaRPr>
+          </a:p>
+        </p:txBody>
+      </p:sp>
+      <p:sp>
+        <p:nvSpPr>
+          <p:cNvPr id="28" name="Retângulo de cantos arredondados 27"/>
+          <p:cNvSpPr/>
+          <p:nvPr/>
+        </p:nvSpPr>
+        <p:spPr>
+          <a:xfrm>
+            <a:off x="5197539" y="857364"/>
+            <a:ext cx="1790163" cy="1684449"/>
+          </a:xfrm>
+          <a:prstGeom prst="roundRect">
+            <a:avLst/>
+          </a:prstGeom>
+        </p:spPr>
+        <p:style>
+          <a:lnRef idx="1">
+            <a:schemeClr val="accent6"/>
+          </a:lnRef>
+          <a:fillRef idx="2">
+            <a:schemeClr val="accent6"/>
+          </a:fillRef>
+          <a:effectRef idx="1">
+            <a:schemeClr val="accent6"/>
+          </a:effectRef>
+          <a:fontRef idx="minor">
+            <a:schemeClr val="dk1"/>
+          </a:fontRef>
+        </p:style>
+        <p:txBody>
+          <a:bodyPr rtlCol="0" anchor="ctr"/>
+          <a:lstStyle/>
+          <a:p>
+            <a:pPr algn="ctr"/>
+            <a:endParaRPr lang="pt-PT" dirty="0" smtClean="0">
+              <a:solidFill>
+                <a:prstClr val="white"/>
+              </a:solidFill>
+            </a:endParaRPr>
+          </a:p>
+          <a:p>
+            <a:pPr algn="ctr"/>
+            <a:endParaRPr lang="pt-PT" dirty="0">
+              <a:solidFill>
+                <a:prstClr val="white"/>
+              </a:solidFill>
+            </a:endParaRPr>
+          </a:p>
+          <a:p>
+            <a:pPr algn="ctr"/>
+            <a:endParaRPr lang="pt-PT" dirty="0" smtClean="0">
+              <a:solidFill>
+                <a:prstClr val="white"/>
+              </a:solidFill>
+            </a:endParaRPr>
+          </a:p>
+          <a:p>
+            <a:pPr algn="ctr"/>
+            <a:endParaRPr lang="pt-PT" dirty="0">
+              <a:solidFill>
+                <a:prstClr val="white"/>
+              </a:solidFill>
+            </a:endParaRPr>
+          </a:p>
+          <a:p>
+            <a:pPr algn="ctr"/>
+            <a:endParaRPr lang="pt-PT" dirty="0" smtClean="0">
+              <a:solidFill>
+                <a:prstClr val="white"/>
+              </a:solidFill>
+            </a:endParaRPr>
+          </a:p>
+          <a:p>
+            <a:r>
+              <a:rPr lang="pt-PT" dirty="0">
+                <a:solidFill>
+                  <a:prstClr val="white"/>
+                </a:solidFill>
+              </a:rPr>
+              <a:t>B</a:t>
+            </a:r>
+            <a:endParaRPr lang="pt-BR" sz="1400" dirty="0">
+              <a:solidFill>
+                <a:prstClr val="white"/>
+              </a:solidFill>
+            </a:endParaRPr>
+          </a:p>
+        </p:txBody>
+      </p:sp>
+      <p:sp>
+        <p:nvSpPr>
+          <p:cNvPr id="29" name="Retângulo de cantos arredondados 28"/>
+          <p:cNvSpPr/>
+          <p:nvPr/>
+        </p:nvSpPr>
+        <p:spPr>
+          <a:xfrm>
+            <a:off x="7158300" y="857364"/>
+            <a:ext cx="1790163" cy="1684449"/>
+          </a:xfrm>
+          <a:prstGeom prst="roundRect">
+            <a:avLst/>
+          </a:prstGeom>
+        </p:spPr>
+        <p:style>
+          <a:lnRef idx="1">
+            <a:schemeClr val="accent1"/>
+          </a:lnRef>
+          <a:fillRef idx="3">
+            <a:schemeClr val="accent1"/>
+          </a:fillRef>
+          <a:effectRef idx="2">
+            <a:schemeClr val="accent1"/>
+          </a:effectRef>
+          <a:fontRef idx="minor">
+            <a:schemeClr val="lt1"/>
+          </a:fontRef>
+        </p:style>
+        <p:txBody>
+          <a:bodyPr rtlCol="0" anchor="ctr"/>
+          <a:lstStyle/>
+          <a:p>
+            <a:pPr algn="ctr"/>
+            <a:endParaRPr lang="pt-PT" dirty="0" smtClean="0">
+              <a:solidFill>
+                <a:prstClr val="white"/>
+              </a:solidFill>
+            </a:endParaRPr>
+          </a:p>
+          <a:p>
+            <a:pPr algn="ctr"/>
+            <a:endParaRPr lang="pt-PT" dirty="0">
+              <a:solidFill>
+                <a:prstClr val="white"/>
+              </a:solidFill>
+            </a:endParaRPr>
+          </a:p>
+          <a:p>
+            <a:pPr algn="ctr"/>
+            <a:endParaRPr lang="pt-PT" dirty="0" smtClean="0">
+              <a:solidFill>
+                <a:prstClr val="white"/>
+              </a:solidFill>
+            </a:endParaRPr>
+          </a:p>
+          <a:p>
+            <a:pPr algn="ctr"/>
+            <a:endParaRPr lang="pt-PT" dirty="0">
+              <a:solidFill>
+                <a:prstClr val="white"/>
+              </a:solidFill>
+            </a:endParaRPr>
+          </a:p>
+          <a:p>
+            <a:pPr algn="ctr"/>
+            <a:endParaRPr lang="pt-PT" dirty="0" smtClean="0">
+              <a:solidFill>
+                <a:prstClr val="white"/>
+              </a:solidFill>
+            </a:endParaRPr>
+          </a:p>
+          <a:p>
+            <a:r>
+              <a:rPr lang="pt-PT" dirty="0" smtClean="0">
+                <a:solidFill>
+                  <a:prstClr val="white"/>
+                </a:solidFill>
+              </a:rPr>
+              <a:t>P</a:t>
+            </a:r>
+            <a:endParaRPr lang="pt-BR" sz="1400" dirty="0">
+              <a:solidFill>
+                <a:prstClr val="white"/>
+              </a:solidFill>
+            </a:endParaRPr>
+          </a:p>
+        </p:txBody>
+      </p:sp>
+      <p:sp>
+        <p:nvSpPr>
+          <p:cNvPr id="30" name="Retângulo de cantos arredondados 29"/>
+          <p:cNvSpPr/>
+          <p:nvPr/>
+        </p:nvSpPr>
+        <p:spPr>
+          <a:xfrm>
+            <a:off x="9119061" y="857364"/>
+            <a:ext cx="1790163" cy="1684449"/>
+          </a:xfrm>
+          <a:prstGeom prst="roundRect">
+            <a:avLst/>
+          </a:prstGeom>
+        </p:spPr>
+        <p:style>
+          <a:lnRef idx="1">
+            <a:schemeClr val="accent6"/>
+          </a:lnRef>
+          <a:fillRef idx="2">
+            <a:schemeClr val="accent6"/>
+          </a:fillRef>
+          <a:effectRef idx="1">
+            <a:schemeClr val="accent6"/>
+          </a:effectRef>
+          <a:fontRef idx="minor">
+            <a:schemeClr val="dk1"/>
+          </a:fontRef>
+        </p:style>
+        <p:txBody>
+          <a:bodyPr rtlCol="0" anchor="ctr"/>
+          <a:lstStyle/>
+          <a:p>
+            <a:pPr algn="ctr"/>
+            <a:endParaRPr lang="pt-PT" dirty="0" smtClean="0">
+              <a:solidFill>
+                <a:prstClr val="white"/>
+              </a:solidFill>
+            </a:endParaRPr>
+          </a:p>
+          <a:p>
+            <a:pPr algn="ctr"/>
+            <a:endParaRPr lang="pt-PT" dirty="0">
+              <a:solidFill>
+                <a:prstClr val="white"/>
+              </a:solidFill>
+            </a:endParaRPr>
+          </a:p>
+          <a:p>
+            <a:pPr algn="ctr"/>
+            <a:endParaRPr lang="pt-PT" dirty="0" smtClean="0">
+              <a:solidFill>
+                <a:prstClr val="white"/>
+              </a:solidFill>
+            </a:endParaRPr>
+          </a:p>
+          <a:p>
+            <a:pPr algn="ctr"/>
+            <a:endParaRPr lang="pt-PT" dirty="0">
+              <a:solidFill>
+                <a:prstClr val="white"/>
+              </a:solidFill>
+            </a:endParaRPr>
+          </a:p>
+          <a:p>
+            <a:pPr algn="ctr"/>
+            <a:endParaRPr lang="pt-PT" dirty="0" smtClean="0">
+              <a:solidFill>
+                <a:prstClr val="white"/>
+              </a:solidFill>
+            </a:endParaRPr>
+          </a:p>
+          <a:p>
+            <a:r>
+              <a:rPr lang="pt-PT" dirty="0">
+                <a:solidFill>
+                  <a:prstClr val="white"/>
+                </a:solidFill>
+              </a:rPr>
+              <a:t>B</a:t>
+            </a:r>
+            <a:endParaRPr lang="pt-BR" sz="1400" dirty="0">
+              <a:solidFill>
+                <a:prstClr val="white"/>
+              </a:solidFill>
+            </a:endParaRPr>
+          </a:p>
+        </p:txBody>
+      </p:sp>
+      <p:sp>
+        <p:nvSpPr>
+          <p:cNvPr id="31" name="Retângulo de cantos arredondados 30"/>
+          <p:cNvSpPr/>
+          <p:nvPr/>
+        </p:nvSpPr>
+        <p:spPr>
+          <a:xfrm>
+            <a:off x="1250885" y="3347434"/>
+            <a:ext cx="1790163" cy="1684449"/>
+          </a:xfrm>
+          <a:prstGeom prst="roundRect">
+            <a:avLst/>
+          </a:prstGeom>
+        </p:spPr>
+        <p:style>
+          <a:lnRef idx="1">
+            <a:schemeClr val="accent6"/>
+          </a:lnRef>
+          <a:fillRef idx="2">
+            <a:schemeClr val="accent6"/>
+          </a:fillRef>
+          <a:effectRef idx="1">
+            <a:schemeClr val="accent6"/>
+          </a:effectRef>
+          <a:fontRef idx="minor">
+            <a:schemeClr val="dk1"/>
+          </a:fontRef>
+        </p:style>
+        <p:txBody>
+          <a:bodyPr rtlCol="0" anchor="ctr"/>
+          <a:lstStyle/>
+          <a:p>
+            <a:pPr algn="ctr"/>
+            <a:endParaRPr lang="pt-PT" dirty="0" smtClean="0">
+              <a:solidFill>
+                <a:prstClr val="white"/>
+              </a:solidFill>
+            </a:endParaRPr>
+          </a:p>
+          <a:p>
+            <a:pPr algn="ctr"/>
+            <a:endParaRPr lang="pt-PT" dirty="0">
+              <a:solidFill>
+                <a:prstClr val="white"/>
+              </a:solidFill>
+            </a:endParaRPr>
+          </a:p>
+          <a:p>
+            <a:pPr algn="ctr"/>
+            <a:endParaRPr lang="pt-PT" dirty="0" smtClean="0">
+              <a:solidFill>
+                <a:prstClr val="white"/>
+              </a:solidFill>
+            </a:endParaRPr>
+          </a:p>
+          <a:p>
+            <a:pPr algn="ctr"/>
+            <a:endParaRPr lang="pt-PT" dirty="0">
+              <a:solidFill>
+                <a:prstClr val="white"/>
+              </a:solidFill>
+            </a:endParaRPr>
+          </a:p>
+          <a:p>
+            <a:pPr algn="ctr"/>
+            <a:endParaRPr lang="pt-PT" dirty="0" smtClean="0">
+              <a:solidFill>
+                <a:prstClr val="white"/>
+              </a:solidFill>
+            </a:endParaRPr>
+          </a:p>
+          <a:p>
+            <a:r>
+              <a:rPr lang="pt-PT" dirty="0">
+                <a:solidFill>
+                  <a:prstClr val="white"/>
+                </a:solidFill>
+              </a:rPr>
+              <a:t>B</a:t>
+            </a:r>
+            <a:endParaRPr lang="pt-BR" sz="1400" dirty="0">
+              <a:solidFill>
+                <a:prstClr val="white"/>
+              </a:solidFill>
+            </a:endParaRPr>
+          </a:p>
+        </p:txBody>
+      </p:sp>
+      <p:sp>
+        <p:nvSpPr>
+          <p:cNvPr id="32" name="Retângulo de cantos arredondados 31"/>
+          <p:cNvSpPr/>
+          <p:nvPr/>
+        </p:nvSpPr>
+        <p:spPr>
+          <a:xfrm>
+            <a:off x="3228401" y="3347434"/>
+            <a:ext cx="1790163" cy="1684449"/>
+          </a:xfrm>
+          <a:prstGeom prst="roundRect">
+            <a:avLst/>
+          </a:prstGeom>
+        </p:spPr>
+        <p:style>
+          <a:lnRef idx="1">
+            <a:schemeClr val="accent1"/>
+          </a:lnRef>
+          <a:fillRef idx="3">
+            <a:schemeClr val="accent1"/>
+          </a:fillRef>
+          <a:effectRef idx="2">
+            <a:schemeClr val="accent1"/>
+          </a:effectRef>
+          <a:fontRef idx="minor">
+            <a:schemeClr val="lt1"/>
+          </a:fontRef>
+        </p:style>
+        <p:txBody>
+          <a:bodyPr rtlCol="0" anchor="ctr"/>
+          <a:lstStyle/>
+          <a:p>
+            <a:pPr algn="ctr"/>
+            <a:endParaRPr lang="pt-PT" dirty="0" smtClean="0">
+              <a:solidFill>
+                <a:prstClr val="white"/>
+              </a:solidFill>
+            </a:endParaRPr>
+          </a:p>
+          <a:p>
+            <a:pPr algn="ctr"/>
+            <a:endParaRPr lang="pt-PT" dirty="0">
+              <a:solidFill>
+                <a:prstClr val="white"/>
+              </a:solidFill>
+            </a:endParaRPr>
+          </a:p>
+          <a:p>
+            <a:pPr algn="ctr"/>
+            <a:endParaRPr lang="pt-PT" dirty="0" smtClean="0">
+              <a:solidFill>
+                <a:prstClr val="white"/>
+              </a:solidFill>
+            </a:endParaRPr>
+          </a:p>
+          <a:p>
+            <a:pPr algn="ctr"/>
+            <a:endParaRPr lang="pt-PT" dirty="0">
+              <a:solidFill>
+                <a:prstClr val="white"/>
+              </a:solidFill>
+            </a:endParaRPr>
+          </a:p>
+          <a:p>
+            <a:pPr algn="ctr"/>
+            <a:endParaRPr lang="pt-PT" dirty="0" smtClean="0">
+              <a:solidFill>
+                <a:prstClr val="white"/>
+              </a:solidFill>
+            </a:endParaRPr>
+          </a:p>
+          <a:p>
+            <a:r>
+              <a:rPr lang="pt-PT" dirty="0" smtClean="0">
+                <a:solidFill>
+                  <a:prstClr val="white"/>
+                </a:solidFill>
+              </a:rPr>
+              <a:t>P</a:t>
+            </a:r>
+            <a:endParaRPr lang="pt-BR" sz="1400" dirty="0">
+              <a:solidFill>
+                <a:prstClr val="white"/>
+              </a:solidFill>
+            </a:endParaRPr>
+          </a:p>
+        </p:txBody>
+      </p:sp>
+      <p:sp>
+        <p:nvSpPr>
+          <p:cNvPr id="33" name="Retângulo de cantos arredondados 32"/>
+          <p:cNvSpPr/>
+          <p:nvPr/>
+        </p:nvSpPr>
+        <p:spPr>
+          <a:xfrm>
+            <a:off x="5189162" y="3347434"/>
+            <a:ext cx="1790163" cy="1684449"/>
+          </a:xfrm>
+          <a:prstGeom prst="roundRect">
+            <a:avLst/>
+          </a:prstGeom>
+        </p:spPr>
+        <p:style>
+          <a:lnRef idx="1">
+            <a:schemeClr val="accent6"/>
+          </a:lnRef>
+          <a:fillRef idx="2">
+            <a:schemeClr val="accent6"/>
+          </a:fillRef>
+          <a:effectRef idx="1">
+            <a:schemeClr val="accent6"/>
+          </a:effectRef>
+          <a:fontRef idx="minor">
+            <a:schemeClr val="dk1"/>
+          </a:fontRef>
+        </p:style>
+        <p:txBody>
+          <a:bodyPr rtlCol="0" anchor="ctr"/>
+          <a:lstStyle/>
+          <a:p>
+            <a:pPr algn="ctr"/>
+            <a:endParaRPr lang="pt-PT" dirty="0" smtClean="0">
+              <a:solidFill>
+                <a:prstClr val="white"/>
+              </a:solidFill>
+            </a:endParaRPr>
+          </a:p>
+          <a:p>
+            <a:pPr algn="ctr"/>
+            <a:endParaRPr lang="pt-PT" dirty="0">
+              <a:solidFill>
+                <a:prstClr val="white"/>
+              </a:solidFill>
+            </a:endParaRPr>
+          </a:p>
+          <a:p>
+            <a:pPr algn="ctr"/>
+            <a:endParaRPr lang="pt-PT" dirty="0" smtClean="0">
+              <a:solidFill>
+                <a:prstClr val="white"/>
+              </a:solidFill>
+            </a:endParaRPr>
+          </a:p>
+          <a:p>
+            <a:pPr algn="ctr"/>
+            <a:endParaRPr lang="pt-PT" dirty="0">
+              <a:solidFill>
+                <a:prstClr val="white"/>
+              </a:solidFill>
+            </a:endParaRPr>
+          </a:p>
+          <a:p>
+            <a:pPr algn="ctr"/>
+            <a:endParaRPr lang="pt-PT" dirty="0" smtClean="0">
+              <a:solidFill>
+                <a:prstClr val="white"/>
+              </a:solidFill>
+            </a:endParaRPr>
+          </a:p>
+          <a:p>
+            <a:r>
+              <a:rPr lang="pt-PT" dirty="0">
+                <a:solidFill>
+                  <a:prstClr val="white"/>
+                </a:solidFill>
+              </a:rPr>
+              <a:t>B</a:t>
+            </a:r>
+            <a:endParaRPr lang="pt-BR" sz="1400" dirty="0">
+              <a:solidFill>
+                <a:prstClr val="white"/>
+              </a:solidFill>
+            </a:endParaRPr>
+          </a:p>
+        </p:txBody>
+      </p:sp>
+      <p:sp>
+        <p:nvSpPr>
+          <p:cNvPr id="34" name="Retângulo de cantos arredondados 33"/>
+          <p:cNvSpPr/>
+          <p:nvPr/>
+        </p:nvSpPr>
+        <p:spPr>
+          <a:xfrm>
+            <a:off x="7158300" y="3347434"/>
+            <a:ext cx="1790163" cy="1684449"/>
+          </a:xfrm>
+          <a:prstGeom prst="roundRect">
+            <a:avLst/>
+          </a:prstGeom>
+        </p:spPr>
+        <p:style>
+          <a:lnRef idx="1">
+            <a:schemeClr val="accent6"/>
+          </a:lnRef>
+          <a:fillRef idx="2">
+            <a:schemeClr val="accent6"/>
+          </a:fillRef>
+          <a:effectRef idx="1">
+            <a:schemeClr val="accent6"/>
+          </a:effectRef>
+          <a:fontRef idx="minor">
+            <a:schemeClr val="dk1"/>
+          </a:fontRef>
+        </p:style>
+        <p:txBody>
+          <a:bodyPr rtlCol="0" anchor="ctr"/>
+          <a:lstStyle/>
+          <a:p>
+            <a:pPr algn="ctr"/>
+            <a:endParaRPr lang="pt-PT" dirty="0" smtClean="0">
+              <a:solidFill>
+                <a:prstClr val="white"/>
+              </a:solidFill>
+            </a:endParaRPr>
+          </a:p>
+          <a:p>
+            <a:pPr algn="ctr"/>
+            <a:endParaRPr lang="pt-PT" dirty="0">
+              <a:solidFill>
+                <a:prstClr val="white"/>
+              </a:solidFill>
+            </a:endParaRPr>
+          </a:p>
+          <a:p>
+            <a:pPr algn="ctr"/>
+            <a:endParaRPr lang="pt-PT" dirty="0" smtClean="0">
+              <a:solidFill>
+                <a:prstClr val="white"/>
+              </a:solidFill>
+            </a:endParaRPr>
+          </a:p>
+          <a:p>
+            <a:pPr algn="ctr"/>
+            <a:endParaRPr lang="pt-PT" dirty="0">
+              <a:solidFill>
+                <a:prstClr val="white"/>
+              </a:solidFill>
+            </a:endParaRPr>
+          </a:p>
+          <a:p>
+            <a:pPr algn="ctr"/>
+            <a:endParaRPr lang="pt-PT" dirty="0" smtClean="0">
+              <a:solidFill>
+                <a:prstClr val="white"/>
+              </a:solidFill>
+            </a:endParaRPr>
+          </a:p>
+          <a:p>
+            <a:r>
+              <a:rPr lang="pt-PT" dirty="0">
+                <a:solidFill>
+                  <a:prstClr val="white"/>
+                </a:solidFill>
+              </a:rPr>
+              <a:t>B</a:t>
+            </a:r>
+            <a:endParaRPr lang="pt-BR" sz="1400" dirty="0">
+              <a:solidFill>
+                <a:prstClr val="white"/>
+              </a:solidFill>
+            </a:endParaRPr>
+          </a:p>
+        </p:txBody>
+      </p:sp>
+      <p:cxnSp>
+        <p:nvCxnSpPr>
+          <p:cNvPr id="8" name="Conector angulado 7"/>
+          <p:cNvCxnSpPr>
+            <a:stCxn id="5" idx="3"/>
+            <a:endCxn id="27" idx="1"/>
+          </p:cNvCxnSpPr>
+          <p:nvPr/>
+        </p:nvCxnSpPr>
+        <p:spPr>
+          <a:xfrm flipV="1">
+            <a:off x="3041049" y="1699589"/>
+            <a:ext cx="170598" cy="1"/>
+          </a:xfrm>
+          <a:prstGeom prst="bentConnector3">
+            <a:avLst/>
+          </a:prstGeom>
+          <a:ln>
+            <a:tailEnd type="triangle"/>
+          </a:ln>
+        </p:spPr>
+        <p:style>
+          <a:lnRef idx="1">
+            <a:schemeClr val="accent1"/>
+          </a:lnRef>
+          <a:fillRef idx="0">
+            <a:schemeClr val="accent1"/>
+          </a:fillRef>
+          <a:effectRef idx="0">
+            <a:schemeClr val="accent1"/>
+          </a:effectRef>
+          <a:fontRef idx="minor">
+            <a:schemeClr val="tx1"/>
+          </a:fontRef>
+        </p:style>
+      </p:cxnSp>
+      <p:cxnSp>
+        <p:nvCxnSpPr>
+          <p:cNvPr id="40" name="Conector angulado 39"/>
+          <p:cNvCxnSpPr/>
+          <p:nvPr/>
+        </p:nvCxnSpPr>
+        <p:spPr>
+          <a:xfrm flipV="1">
+            <a:off x="5001810" y="1699587"/>
+            <a:ext cx="170598" cy="1"/>
+          </a:xfrm>
+          <a:prstGeom prst="bentConnector3">
+            <a:avLst/>
+          </a:prstGeom>
+          <a:ln>
+            <a:tailEnd type="triangle"/>
+          </a:ln>
+        </p:spPr>
+        <p:style>
+          <a:lnRef idx="1">
+            <a:schemeClr val="accent1"/>
+          </a:lnRef>
+          <a:fillRef idx="0">
+            <a:schemeClr val="accent1"/>
+          </a:fillRef>
+          <a:effectRef idx="0">
+            <a:schemeClr val="accent1"/>
+          </a:effectRef>
+          <a:fontRef idx="minor">
+            <a:schemeClr val="tx1"/>
+          </a:fontRef>
+        </p:style>
+      </p:cxnSp>
+      <p:cxnSp>
+        <p:nvCxnSpPr>
+          <p:cNvPr id="45" name="Conector angulado 44"/>
+          <p:cNvCxnSpPr/>
+          <p:nvPr/>
+        </p:nvCxnSpPr>
+        <p:spPr>
+          <a:xfrm flipV="1">
+            <a:off x="6988494" y="1699586"/>
+            <a:ext cx="170598" cy="1"/>
+          </a:xfrm>
+          <a:prstGeom prst="bentConnector3">
+            <a:avLst/>
+          </a:prstGeom>
+          <a:ln>
+            <a:tailEnd type="triangle"/>
+          </a:ln>
+        </p:spPr>
+        <p:style>
+          <a:lnRef idx="1">
+            <a:schemeClr val="accent1"/>
+          </a:lnRef>
+          <a:fillRef idx="0">
+            <a:schemeClr val="accent1"/>
+          </a:fillRef>
+          <a:effectRef idx="0">
+            <a:schemeClr val="accent1"/>
+          </a:effectRef>
+          <a:fontRef idx="minor">
+            <a:schemeClr val="tx1"/>
+          </a:fontRef>
+        </p:style>
+      </p:cxnSp>
+      <p:cxnSp>
+        <p:nvCxnSpPr>
+          <p:cNvPr id="47" name="Conector angulado 46"/>
+          <p:cNvCxnSpPr/>
+          <p:nvPr/>
+        </p:nvCxnSpPr>
+        <p:spPr>
+          <a:xfrm flipV="1">
+            <a:off x="8947671" y="1692291"/>
+            <a:ext cx="170598" cy="1"/>
+          </a:xfrm>
+          <a:prstGeom prst="bentConnector3">
+            <a:avLst/>
+          </a:prstGeom>
+          <a:ln>
+            <a:tailEnd type="triangle"/>
+          </a:ln>
+        </p:spPr>
+        <p:style>
+          <a:lnRef idx="1">
+            <a:schemeClr val="accent1"/>
+          </a:lnRef>
+          <a:fillRef idx="0">
+            <a:schemeClr val="accent1"/>
+          </a:fillRef>
+          <a:effectRef idx="0">
+            <a:schemeClr val="accent1"/>
+          </a:effectRef>
+          <a:fontRef idx="minor">
+            <a:schemeClr val="tx1"/>
+          </a:fontRef>
+        </p:style>
+      </p:cxnSp>
+      <p:cxnSp>
+        <p:nvCxnSpPr>
+          <p:cNvPr id="48" name="Conector angulado 47"/>
+          <p:cNvCxnSpPr/>
+          <p:nvPr/>
+        </p:nvCxnSpPr>
+        <p:spPr>
+          <a:xfrm flipV="1">
+            <a:off x="6979325" y="4193794"/>
+            <a:ext cx="170598" cy="1"/>
+          </a:xfrm>
+          <a:prstGeom prst="bentConnector3">
+            <a:avLst/>
+          </a:prstGeom>
+          <a:ln>
+            <a:tailEnd type="triangle"/>
+          </a:ln>
+        </p:spPr>
+        <p:style>
+          <a:lnRef idx="1">
+            <a:schemeClr val="accent1"/>
+          </a:lnRef>
+          <a:fillRef idx="0">
+            <a:schemeClr val="accent1"/>
+          </a:fillRef>
+          <a:effectRef idx="0">
+            <a:schemeClr val="accent1"/>
+          </a:effectRef>
+          <a:fontRef idx="minor">
+            <a:schemeClr val="tx1"/>
+          </a:fontRef>
+        </p:style>
+      </p:cxnSp>
+      <p:cxnSp>
+        <p:nvCxnSpPr>
+          <p:cNvPr id="50" name="Conector angulado 49"/>
+          <p:cNvCxnSpPr/>
+          <p:nvPr/>
+        </p:nvCxnSpPr>
+        <p:spPr>
+          <a:xfrm flipV="1">
+            <a:off x="5018564" y="4189658"/>
+            <a:ext cx="170598" cy="1"/>
+          </a:xfrm>
+          <a:prstGeom prst="bentConnector3">
+            <a:avLst/>
+          </a:prstGeom>
+          <a:ln>
+            <a:tailEnd type="triangle"/>
+          </a:ln>
+        </p:spPr>
+        <p:style>
+          <a:lnRef idx="1">
+            <a:schemeClr val="accent1"/>
+          </a:lnRef>
+          <a:fillRef idx="0">
+            <a:schemeClr val="accent1"/>
+          </a:fillRef>
+          <a:effectRef idx="0">
+            <a:schemeClr val="accent1"/>
+          </a:effectRef>
+          <a:fontRef idx="minor">
+            <a:schemeClr val="tx1"/>
+          </a:fontRef>
+        </p:style>
+      </p:cxnSp>
+      <p:cxnSp>
+        <p:nvCxnSpPr>
+          <p:cNvPr id="51" name="Conector angulado 50"/>
+          <p:cNvCxnSpPr/>
+          <p:nvPr/>
+        </p:nvCxnSpPr>
+        <p:spPr>
+          <a:xfrm flipV="1">
+            <a:off x="3057803" y="4189658"/>
+            <a:ext cx="170598" cy="1"/>
+          </a:xfrm>
+          <a:prstGeom prst="bentConnector3">
+            <a:avLst/>
+          </a:prstGeom>
+          <a:ln>
+            <a:tailEnd type="triangle"/>
+          </a:ln>
+        </p:spPr>
+        <p:style>
+          <a:lnRef idx="1">
+            <a:schemeClr val="accent1"/>
+          </a:lnRef>
+          <a:fillRef idx="0">
+            <a:schemeClr val="accent1"/>
+          </a:fillRef>
+          <a:effectRef idx="0">
+            <a:schemeClr val="accent1"/>
+          </a:effectRef>
+          <a:fontRef idx="minor">
+            <a:schemeClr val="tx1"/>
+          </a:fontRef>
+        </p:style>
+      </p:cxnSp>
+      <p:cxnSp>
+        <p:nvCxnSpPr>
+          <p:cNvPr id="14" name="Conector angulado 13"/>
+          <p:cNvCxnSpPr>
+            <a:stCxn id="30" idx="3"/>
+            <a:endCxn id="31" idx="1"/>
+          </p:cNvCxnSpPr>
+          <p:nvPr/>
+        </p:nvCxnSpPr>
+        <p:spPr>
+          <a:xfrm flipH="1">
+            <a:off x="1250885" y="1699589"/>
+            <a:ext cx="9658339" cy="2490070"/>
+          </a:xfrm>
+          <a:prstGeom prst="bentConnector5">
+            <a:avLst>
+              <a:gd name="adj1" fmla="val -2367"/>
+              <a:gd name="adj2" fmla="val 50000"/>
+              <a:gd name="adj3" fmla="val 102367"/>
+            </a:avLst>
+          </a:prstGeom>
+          <a:ln>
+            <a:tailEnd type="triangle"/>
+          </a:ln>
+        </p:spPr>
+        <p:style>
+          <a:lnRef idx="1">
+            <a:schemeClr val="accent1"/>
+          </a:lnRef>
+          <a:fillRef idx="0">
+            <a:schemeClr val="accent1"/>
+          </a:fillRef>
+          <a:effectRef idx="0">
+            <a:schemeClr val="accent1"/>
+          </a:effectRef>
+          <a:fontRef idx="minor">
+            <a:schemeClr val="tx1"/>
+          </a:fontRef>
+        </p:style>
+      </p:cxnSp>
+      <p:sp>
+        <p:nvSpPr>
+          <p:cNvPr id="23" name="CaixaDeTexto 22"/>
+          <p:cNvSpPr txBox="1"/>
+          <p:nvPr/>
+        </p:nvSpPr>
+        <p:spPr>
+          <a:xfrm>
+            <a:off x="9499600" y="3835400"/>
+            <a:ext cx="774700" cy="584775"/>
+          </a:xfrm>
+          <a:prstGeom prst="rect">
+            <a:avLst/>
+          </a:prstGeom>
+          <a:noFill/>
+        </p:spPr>
+        <p:txBody>
+          <a:bodyPr wrap="square" rtlCol="0">
+            <a:spAutoFit/>
+          </a:bodyPr>
+          <a:lstStyle/>
+          <a:p>
+            <a:r>
+              <a:rPr lang="pt-PT" sz="3200" dirty="0" smtClean="0"/>
+              <a:t>. . .</a:t>
+            </a:r>
+            <a:endParaRPr lang="pt-BR" sz="3200" dirty="0"/>
+          </a:p>
+        </p:txBody>
+      </p:sp>
+      <p:cxnSp>
+        <p:nvCxnSpPr>
+          <p:cNvPr id="39" name="Conector angulado 38"/>
+          <p:cNvCxnSpPr>
+            <a:stCxn id="23" idx="3"/>
+            <a:endCxn id="5" idx="1"/>
+          </p:cNvCxnSpPr>
+          <p:nvPr/>
+        </p:nvCxnSpPr>
+        <p:spPr>
+          <a:xfrm flipH="1" flipV="1">
+            <a:off x="1250886" y="1699590"/>
+            <a:ext cx="9023414" cy="2428198"/>
+          </a:xfrm>
+          <a:prstGeom prst="bentConnector5">
+            <a:avLst>
+              <a:gd name="adj1" fmla="val -2533"/>
+              <a:gd name="adj2" fmla="val -48144"/>
+              <a:gd name="adj3" fmla="val 103659"/>
+            </a:avLst>
+          </a:prstGeom>
+          <a:ln>
+            <a:tailEnd type="triangle"/>
+          </a:ln>
+        </p:spPr>
+        <p:style>
+          <a:lnRef idx="1">
+            <a:schemeClr val="accent1"/>
+          </a:lnRef>
+          <a:fillRef idx="0">
+            <a:schemeClr val="accent1"/>
+          </a:fillRef>
+          <a:effectRef idx="0">
+            <a:schemeClr val="accent1"/>
+          </a:effectRef>
+          <a:fontRef idx="minor">
+            <a:schemeClr val="tx1"/>
+          </a:fontRef>
+        </p:style>
+      </p:cxnSp>
+    </p:spTree>
+    <p:extLst>
+      <p:ext uri="{BB962C8B-B14F-4D97-AF65-F5344CB8AC3E}">
+        <p14:creationId xmlns:p14="http://schemas.microsoft.com/office/powerpoint/2010/main" val="2264095420"/>
+      </p:ext>
+    </p:extLst>
+  </p:cSld>
+  <p:clrMapOvr>
+    <a:masterClrMapping/>
+  </p:clrMapOvr>
+</p:sld>
+</file>
+
+<file path=ppt/slides/slide6.xml><?xml version="1.0" encoding="utf-8"?>
+<p:sld xmlns:a="http://schemas.openxmlformats.org/drawingml/2006/main" xmlns:r="http://schemas.openxmlformats.org/officeDocument/2006/relationships" xmlns:p="http://schemas.openxmlformats.org/presentationml/2006/main">
+  <p:cSld>
+    <p:spTree>
+      <p:nvGrpSpPr>
+        <p:cNvPr id="1" name=""/>
+        <p:cNvGrpSpPr/>
+        <p:nvPr/>
+      </p:nvGrpSpPr>
+      <p:grpSpPr>
+        <a:xfrm>
+          <a:off x="0" y="0"/>
+          <a:ext cx="0" cy="0"/>
+          <a:chOff x="0" y="0"/>
+          <a:chExt cx="0" cy="0"/>
+        </a:xfrm>
+      </p:grpSpPr>
       <p:cxnSp>
         <p:nvCxnSpPr>
           <p:cNvPr id="35" name="Conector de seta reta 34"/>
@@ -7802,11 +10283,7 @@
             <a:pPr algn="ctr"/>
             <a:r>
               <a:rPr lang="pt-PT" dirty="0" smtClean="0"/>
-              <a:t>27M</a:t>
-            </a:r>
-            <a:r>
-              <a:rPr lang="pt-PT" dirty="0" smtClean="0"/>
-              <a:t>Hz</a:t>
+              <a:t>27MHz</a:t>
             </a:r>
             <a:endParaRPr lang="pt-BR" dirty="0"/>
           </a:p>
@@ -8288,7 +10765,7 @@
     </p:spTree>
     <p:extLst>
       <p:ext uri="{BB962C8B-B14F-4D97-AF65-F5344CB8AC3E}">
-        <p14:creationId xmlns:p14="http://schemas.microsoft.com/office/powerpoint/2010/main" xmlns="" val="32127210"/>
+        <p14:creationId xmlns:p14="http://schemas.microsoft.com/office/powerpoint/2010/main" val="32127210"/>
       </p:ext>
     </p:extLst>
   </p:cSld>
@@ -8553,7 +11030,7 @@
   <a:extraClrSchemeLst/>
   <a:extLst>
     <a:ext uri="{05A4C25C-085E-4340-85A3-A5531E510DB2}">
-      <thm15:themeFamily xmlns:thm15="http://schemas.microsoft.com/office/thememl/2012/main" xmlns="" name="Office Theme" id="{62F939B6-93AF-4DB8-9C6B-D6C7DFDC589F}" vid="{4A3C46E8-61CC-4603-A589-7422A47A8E4A}"/>
+      <thm15:themeFamily xmlns:thm15="http://schemas.microsoft.com/office/thememl/2012/main" name="Office Theme" id="{62F939B6-93AF-4DB8-9C6B-D6C7DFDC589F}" vid="{4A3C46E8-61CC-4603-A589-7422A47A8E4A}"/>
     </a:ext>
   </a:extLst>
 </a:theme>

--- a/relatorio/abntex2-modelos-1.9.2/figuras/diagramas.pptx
+++ b/relatorio/abntex2-modelos-1.9.2/figuras/diagramas.pptx
@@ -11,6 +11,7 @@
     <p:sldId id="258" r:id="rId5"/>
     <p:sldId id="259" r:id="rId6"/>
     <p:sldId id="260" r:id="rId7"/>
+    <p:sldId id="262" r:id="rId8"/>
   </p:sldIdLst>
   <p:sldSz cx="12192000" cy="6858000"/>
   <p:notesSz cx="6858000" cy="9144000"/>
@@ -260,7 +261,7 @@
             <a:fld id="{7F981E3C-F023-4B2E-8C30-C087B244E656}" type="datetimeFigureOut">
               <a:rPr lang="pt-BR" smtClean="0"/>
               <a:pPr/>
-              <a:t>09/06/2014</a:t>
+              <a:t>11/06/2014</a:t>
             </a:fld>
             <a:endParaRPr lang="pt-BR"/>
           </a:p>
@@ -432,7 +433,7 @@
             <a:fld id="{7F981E3C-F023-4B2E-8C30-C087B244E656}" type="datetimeFigureOut">
               <a:rPr lang="pt-BR" smtClean="0"/>
               <a:pPr/>
-              <a:t>09/06/2014</a:t>
+              <a:t>11/06/2014</a:t>
             </a:fld>
             <a:endParaRPr lang="pt-BR"/>
           </a:p>
@@ -614,7 +615,7 @@
             <a:fld id="{7F981E3C-F023-4B2E-8C30-C087B244E656}" type="datetimeFigureOut">
               <a:rPr lang="pt-BR" smtClean="0"/>
               <a:pPr/>
-              <a:t>09/06/2014</a:t>
+              <a:t>11/06/2014</a:t>
             </a:fld>
             <a:endParaRPr lang="pt-BR"/>
           </a:p>
@@ -786,7 +787,7 @@
             <a:fld id="{7F981E3C-F023-4B2E-8C30-C087B244E656}" type="datetimeFigureOut">
               <a:rPr lang="pt-BR" smtClean="0"/>
               <a:pPr/>
-              <a:t>09/06/2014</a:t>
+              <a:t>11/06/2014</a:t>
             </a:fld>
             <a:endParaRPr lang="pt-BR"/>
           </a:p>
@@ -1034,7 +1035,7 @@
             <a:fld id="{7F981E3C-F023-4B2E-8C30-C087B244E656}" type="datetimeFigureOut">
               <a:rPr lang="pt-BR" smtClean="0"/>
               <a:pPr/>
-              <a:t>09/06/2014</a:t>
+              <a:t>11/06/2014</a:t>
             </a:fld>
             <a:endParaRPr lang="pt-BR"/>
           </a:p>
@@ -1268,7 +1269,7 @@
             <a:fld id="{7F981E3C-F023-4B2E-8C30-C087B244E656}" type="datetimeFigureOut">
               <a:rPr lang="pt-BR" smtClean="0"/>
               <a:pPr/>
-              <a:t>09/06/2014</a:t>
+              <a:t>11/06/2014</a:t>
             </a:fld>
             <a:endParaRPr lang="pt-BR"/>
           </a:p>
@@ -1637,7 +1638,7 @@
             <a:fld id="{7F981E3C-F023-4B2E-8C30-C087B244E656}" type="datetimeFigureOut">
               <a:rPr lang="pt-BR" smtClean="0"/>
               <a:pPr/>
-              <a:t>09/06/2014</a:t>
+              <a:t>11/06/2014</a:t>
             </a:fld>
             <a:endParaRPr lang="pt-BR"/>
           </a:p>
@@ -1757,7 +1758,7 @@
             <a:fld id="{7F981E3C-F023-4B2E-8C30-C087B244E656}" type="datetimeFigureOut">
               <a:rPr lang="pt-BR" smtClean="0"/>
               <a:pPr/>
-              <a:t>09/06/2014</a:t>
+              <a:t>11/06/2014</a:t>
             </a:fld>
             <a:endParaRPr lang="pt-BR"/>
           </a:p>
@@ -1854,7 +1855,7 @@
             <a:fld id="{7F981E3C-F023-4B2E-8C30-C087B244E656}" type="datetimeFigureOut">
               <a:rPr lang="pt-BR" smtClean="0"/>
               <a:pPr/>
-              <a:t>09/06/2014</a:t>
+              <a:t>11/06/2014</a:t>
             </a:fld>
             <a:endParaRPr lang="pt-BR"/>
           </a:p>
@@ -2133,7 +2134,7 @@
             <a:fld id="{7F981E3C-F023-4B2E-8C30-C087B244E656}" type="datetimeFigureOut">
               <a:rPr lang="pt-BR" smtClean="0"/>
               <a:pPr/>
-              <a:t>09/06/2014</a:t>
+              <a:t>11/06/2014</a:t>
             </a:fld>
             <a:endParaRPr lang="pt-BR"/>
           </a:p>
@@ -2388,7 +2389,7 @@
             <a:fld id="{7F981E3C-F023-4B2E-8C30-C087B244E656}" type="datetimeFigureOut">
               <a:rPr lang="pt-BR" smtClean="0"/>
               <a:pPr/>
-              <a:t>09/06/2014</a:t>
+              <a:t>11/06/2014</a:t>
             </a:fld>
             <a:endParaRPr lang="pt-BR"/>
           </a:p>
@@ -2603,7 +2604,7 @@
             <a:fld id="{7F981E3C-F023-4B2E-8C30-C087B244E656}" type="datetimeFigureOut">
               <a:rPr lang="pt-BR" smtClean="0"/>
               <a:pPr/>
-              <a:t>09/06/2014</a:t>
+              <a:t>11/06/2014</a:t>
             </a:fld>
             <a:endParaRPr lang="pt-BR"/>
           </a:p>
@@ -4142,6 +4143,13 @@
   <p:clrMapOvr>
     <a:masterClrMapping/>
   </p:clrMapOvr>
+  <p:timing>
+    <p:tnLst>
+      <p:par>
+        <p:cTn id="1" dur="indefinite" restart="never" nodeType="tmRoot"/>
+      </p:par>
+    </p:tnLst>
+  </p:timing>
 </p:sld>
 </file>
 
@@ -4542,8 +4550,8 @@
         </p:nvSpPr>
         <p:spPr>
           <a:xfrm>
-            <a:off x="5507442" y="497935"/>
-            <a:ext cx="6298939" cy="1920507"/>
+            <a:off x="5507443" y="497935"/>
+            <a:ext cx="2911650" cy="1920507"/>
           </a:xfrm>
           <a:prstGeom prst="roundRect">
             <a:avLst/>
@@ -6601,6 +6609,230 @@
           </a:fontRef>
         </p:style>
       </p:cxnSp>
+      <p:sp>
+        <p:nvSpPr>
+          <p:cNvPr id="112" name="Retângulo de cantos arredondados 111"/>
+          <p:cNvSpPr/>
+          <p:nvPr/>
+        </p:nvSpPr>
+        <p:spPr>
+          <a:xfrm>
+            <a:off x="8656911" y="312771"/>
+            <a:ext cx="3056976" cy="1131423"/>
+          </a:xfrm>
+          <a:prstGeom prst="roundRect">
+            <a:avLst/>
+          </a:prstGeom>
+          <a:solidFill>
+            <a:schemeClr val="bg1">
+              <a:lumMod val="85000"/>
+            </a:schemeClr>
+          </a:solidFill>
+        </p:spPr>
+        <p:style>
+          <a:lnRef idx="2">
+            <a:schemeClr val="accent3">
+              <a:shade val="50000"/>
+            </a:schemeClr>
+          </a:lnRef>
+          <a:fillRef idx="1">
+            <a:schemeClr val="accent3"/>
+          </a:fillRef>
+          <a:effectRef idx="0">
+            <a:schemeClr val="accent3"/>
+          </a:effectRef>
+          <a:fontRef idx="minor">
+            <a:schemeClr val="lt1"/>
+          </a:fontRef>
+        </p:style>
+        <p:txBody>
+          <a:bodyPr rtlCol="0" anchor="t"/>
+          <a:lstStyle/>
+          <a:p>
+            <a:pPr algn="ctr"/>
+            <a:r>
+              <a:rPr lang="pt-PT" dirty="0" smtClean="0">
+                <a:ln w="0"/>
+                <a:solidFill>
+                  <a:schemeClr val="tx1"/>
+                </a:solidFill>
+                <a:effectLst>
+                  <a:outerShdw blurRad="38100" dist="19050" dir="2700000" algn="tl" rotWithShape="0">
+                    <a:schemeClr val="dk1">
+                      <a:alpha val="40000"/>
+                    </a:schemeClr>
+                  </a:outerShdw>
+                </a:effectLst>
+                <a:latin typeface="Consolas" panose="020B0609020204030204" pitchFamily="49" charset="0"/>
+                <a:cs typeface="Consolas" panose="020B0609020204030204" pitchFamily="49" charset="0"/>
+              </a:rPr>
+              <a:t>MpegTSSection NIT</a:t>
+            </a:r>
+            <a:endParaRPr lang="pt-PT" dirty="0">
+              <a:ln w="0"/>
+              <a:solidFill>
+                <a:schemeClr val="tx1"/>
+              </a:solidFill>
+              <a:effectLst>
+                <a:outerShdw blurRad="38100" dist="19050" dir="2700000" algn="tl" rotWithShape="0">
+                  <a:schemeClr val="dk1">
+                    <a:alpha val="40000"/>
+                  </a:schemeClr>
+                </a:outerShdw>
+              </a:effectLst>
+              <a:latin typeface="Consolas" panose="020B0609020204030204" pitchFamily="49" charset="0"/>
+              <a:cs typeface="Consolas" panose="020B0609020204030204" pitchFamily="49" charset="0"/>
+            </a:endParaRPr>
+          </a:p>
+          <a:p>
+            <a:r>
+              <a:rPr lang="pt-PT" sz="1200" dirty="0" smtClean="0">
+                <a:ln w="0"/>
+                <a:solidFill>
+                  <a:schemeClr val="tx1"/>
+                </a:solidFill>
+                <a:effectLst>
+                  <a:outerShdw blurRad="38100" dist="19050" dir="2700000" algn="tl" rotWithShape="0">
+                    <a:schemeClr val="dk1">
+                      <a:alpha val="40000"/>
+                    </a:schemeClr>
+                  </a:outerShdw>
+                </a:effectLst>
+                <a:latin typeface="Consolas" panose="020B0609020204030204" pitchFamily="49" charset="0"/>
+                <a:cs typeface="Consolas" panose="020B0609020204030204" pitchFamily="49" charset="0"/>
+              </a:rPr>
+              <a:t>int pid;</a:t>
+            </a:r>
+          </a:p>
+          <a:p>
+            <a:r>
+              <a:rPr lang="pt-PT" sz="1200" dirty="0" smtClean="0">
+                <a:ln w="0"/>
+                <a:solidFill>
+                  <a:schemeClr val="tx1"/>
+                </a:solidFill>
+                <a:effectLst>
+                  <a:outerShdw blurRad="38100" dist="19050" dir="2700000" algn="tl" rotWithShape="0">
+                    <a:schemeClr val="dk1">
+                      <a:alpha val="40000"/>
+                    </a:schemeClr>
+                  </a:outerShdw>
+                </a:effectLst>
+                <a:latin typeface="Consolas" panose="020B0609020204030204" pitchFamily="49" charset="0"/>
+                <a:cs typeface="Consolas" panose="020B0609020204030204" pitchFamily="49" charset="0"/>
+              </a:rPr>
+              <a:t>int </a:t>
+            </a:r>
+            <a:r>
+              <a:rPr lang="pt-PT" sz="1200" dirty="0">
+                <a:ln w="0"/>
+                <a:solidFill>
+                  <a:schemeClr val="tx1"/>
+                </a:solidFill>
+                <a:effectLst>
+                  <a:outerShdw blurRad="38100" dist="19050" dir="2700000" algn="tl" rotWithShape="0">
+                    <a:schemeClr val="dk1">
+                      <a:alpha val="40000"/>
+                    </a:schemeClr>
+                  </a:outerShdw>
+                </a:effectLst>
+                <a:latin typeface="Consolas" panose="020B0609020204030204" pitchFamily="49" charset="0"/>
+                <a:cs typeface="Consolas" panose="020B0609020204030204" pitchFamily="49" charset="0"/>
+              </a:rPr>
+              <a:t>cc;</a:t>
+            </a:r>
+          </a:p>
+          <a:p>
+            <a:r>
+              <a:rPr lang="pt-PT" sz="1200" dirty="0">
+                <a:ln w="0"/>
+                <a:solidFill>
+                  <a:schemeClr val="tx1"/>
+                </a:solidFill>
+                <a:effectLst>
+                  <a:outerShdw blurRad="38100" dist="19050" dir="2700000" algn="tl" rotWithShape="0">
+                    <a:schemeClr val="dk1">
+                      <a:alpha val="40000"/>
+                    </a:schemeClr>
+                  </a:outerShdw>
+                </a:effectLst>
+                <a:latin typeface="Consolas" panose="020B0609020204030204" pitchFamily="49" charset="0"/>
+                <a:cs typeface="Consolas" panose="020B0609020204030204" pitchFamily="49" charset="0"/>
+              </a:rPr>
+              <a:t>void *opaque</a:t>
+            </a:r>
+            <a:r>
+              <a:rPr lang="pt-PT" sz="1200" dirty="0" smtClean="0">
+                <a:ln w="0"/>
+                <a:solidFill>
+                  <a:schemeClr val="tx1"/>
+                </a:solidFill>
+                <a:effectLst>
+                  <a:outerShdw blurRad="38100" dist="19050" dir="2700000" algn="tl" rotWithShape="0">
+                    <a:schemeClr val="dk1">
+                      <a:alpha val="40000"/>
+                    </a:schemeClr>
+                  </a:outerShdw>
+                </a:effectLst>
+                <a:latin typeface="Consolas" panose="020B0609020204030204" pitchFamily="49" charset="0"/>
+                <a:cs typeface="Consolas" panose="020B0609020204030204" pitchFamily="49" charset="0"/>
+              </a:rPr>
+              <a:t>;</a:t>
+            </a:r>
+            <a:endParaRPr lang="pt-PT" sz="1200" dirty="0">
+              <a:ln w="0"/>
+              <a:solidFill>
+                <a:schemeClr val="tx1"/>
+              </a:solidFill>
+              <a:effectLst>
+                <a:outerShdw blurRad="38100" dist="19050" dir="2700000" algn="tl" rotWithShape="0">
+                  <a:schemeClr val="dk1">
+                    <a:alpha val="40000"/>
+                  </a:schemeClr>
+                </a:outerShdw>
+              </a:effectLst>
+              <a:latin typeface="Consolas" panose="020B0609020204030204" pitchFamily="49" charset="0"/>
+              <a:cs typeface="Consolas" panose="020B0609020204030204" pitchFamily="49" charset="0"/>
+            </a:endParaRPr>
+          </a:p>
+        </p:txBody>
+      </p:sp>
+      <p:cxnSp>
+        <p:nvCxnSpPr>
+          <p:cNvPr id="113" name="Conector angulado 112"/>
+          <p:cNvCxnSpPr/>
+          <p:nvPr/>
+        </p:nvCxnSpPr>
+        <p:spPr>
+          <a:xfrm flipV="1">
+            <a:off x="7257834" y="298257"/>
+            <a:ext cx="2913051" cy="889955"/>
+          </a:xfrm>
+          <a:prstGeom prst="bentConnector4">
+            <a:avLst>
+              <a:gd name="adj1" fmla="val 23765"/>
+              <a:gd name="adj2" fmla="val 125687"/>
+            </a:avLst>
+          </a:prstGeom>
+          <a:ln w="38100">
+            <a:tailEnd type="triangle"/>
+          </a:ln>
+        </p:spPr>
+        <p:style>
+          <a:lnRef idx="1">
+            <a:schemeClr val="accent1"/>
+          </a:lnRef>
+          <a:fillRef idx="0">
+            <a:schemeClr val="accent1"/>
+          </a:fillRef>
+          <a:effectRef idx="0">
+            <a:schemeClr val="accent1"/>
+          </a:effectRef>
+          <a:fontRef idx="minor">
+            <a:schemeClr val="tx1"/>
+          </a:fontRef>
+        </p:style>
+      </p:cxnSp>
     </p:spTree>
     <p:extLst>
       <p:ext uri="{BB962C8B-B14F-4D97-AF65-F5344CB8AC3E}">
@@ -6611,6 +6843,13 @@
   <p:clrMapOvr>
     <a:masterClrMapping/>
   </p:clrMapOvr>
+  <p:timing>
+    <p:tnLst>
+      <p:par>
+        <p:cTn id="1" dur="indefinite" restart="never" nodeType="tmRoot"/>
+      </p:par>
+    </p:tnLst>
+  </p:timing>
 </p:sld>
 </file>
 
@@ -7368,6 +7607,13 @@
   <p:clrMapOvr>
     <a:masterClrMapping/>
   </p:clrMapOvr>
+  <p:timing>
+    <p:tnLst>
+      <p:par>
+        <p:cTn id="1" dur="indefinite" restart="never" nodeType="tmRoot"/>
+      </p:par>
+    </p:tnLst>
+  </p:timing>
 </p:sld>
 </file>
 
@@ -9695,6 +9941,13 @@
   <p:clrMapOvr>
     <a:masterClrMapping/>
   </p:clrMapOvr>
+  <p:timing>
+    <p:tnLst>
+      <p:par>
+        <p:cTn id="1" dur="indefinite" restart="never" nodeType="tmRoot"/>
+      </p:par>
+    </p:tnLst>
+  </p:timing>
 </p:sld>
 </file>
 
@@ -10772,6 +11025,2114 @@
   <p:clrMapOvr>
     <a:masterClrMapping/>
   </p:clrMapOvr>
+  <p:timing>
+    <p:tnLst>
+      <p:par>
+        <p:cTn id="1" dur="indefinite" restart="never" nodeType="tmRoot"/>
+      </p:par>
+    </p:tnLst>
+  </p:timing>
+</p:sld>
+</file>
+
+<file path=ppt/slides/slide7.xml><?xml version="1.0" encoding="utf-8"?>
+<p:sld xmlns:a="http://schemas.openxmlformats.org/drawingml/2006/main" xmlns:r="http://schemas.openxmlformats.org/officeDocument/2006/relationships" xmlns:p="http://schemas.openxmlformats.org/presentationml/2006/main">
+  <p:cSld>
+    <p:spTree>
+      <p:nvGrpSpPr>
+        <p:cNvPr id="1" name=""/>
+        <p:cNvGrpSpPr/>
+        <p:nvPr/>
+      </p:nvGrpSpPr>
+      <p:grpSpPr>
+        <a:xfrm>
+          <a:off x="0" y="0"/>
+          <a:ext cx="0" cy="0"/>
+          <a:chOff x="0" y="0"/>
+          <a:chExt cx="0" cy="0"/>
+        </a:xfrm>
+      </p:grpSpPr>
+      <p:sp>
+        <p:nvSpPr>
+          <p:cNvPr id="4" name="Retângulo 3"/>
+          <p:cNvSpPr/>
+          <p:nvPr/>
+        </p:nvSpPr>
+        <p:spPr>
+          <a:xfrm>
+            <a:off x="1884226" y="41561"/>
+            <a:ext cx="1413163" cy="595746"/>
+          </a:xfrm>
+          <a:prstGeom prst="rect">
+            <a:avLst/>
+          </a:prstGeom>
+        </p:spPr>
+        <p:style>
+          <a:lnRef idx="2">
+            <a:schemeClr val="dk1"/>
+          </a:lnRef>
+          <a:fillRef idx="1">
+            <a:schemeClr val="lt1"/>
+          </a:fillRef>
+          <a:effectRef idx="0">
+            <a:schemeClr val="dk1"/>
+          </a:effectRef>
+          <a:fontRef idx="minor">
+            <a:schemeClr val="dk1"/>
+          </a:fontRef>
+        </p:style>
+        <p:txBody>
+          <a:bodyPr rtlCol="0" anchor="ctr"/>
+          <a:lstStyle/>
+          <a:p>
+            <a:pPr algn="ctr"/>
+            <a:endParaRPr lang="pt-BR"/>
+          </a:p>
+        </p:txBody>
+      </p:sp>
+      <p:sp>
+        <p:nvSpPr>
+          <p:cNvPr id="6" name="Retângulo 5"/>
+          <p:cNvSpPr/>
+          <p:nvPr/>
+        </p:nvSpPr>
+        <p:spPr>
+          <a:xfrm>
+            <a:off x="3297389" y="41561"/>
+            <a:ext cx="1413163" cy="595746"/>
+          </a:xfrm>
+          <a:prstGeom prst="rect">
+            <a:avLst/>
+          </a:prstGeom>
+        </p:spPr>
+        <p:style>
+          <a:lnRef idx="2">
+            <a:schemeClr val="dk1"/>
+          </a:lnRef>
+          <a:fillRef idx="1">
+            <a:schemeClr val="lt1"/>
+          </a:fillRef>
+          <a:effectRef idx="0">
+            <a:schemeClr val="dk1"/>
+          </a:effectRef>
+          <a:fontRef idx="minor">
+            <a:schemeClr val="dk1"/>
+          </a:fontRef>
+        </p:style>
+        <p:txBody>
+          <a:bodyPr rtlCol="0" anchor="ctr"/>
+          <a:lstStyle/>
+          <a:p>
+            <a:pPr algn="ctr"/>
+            <a:endParaRPr lang="pt-BR"/>
+          </a:p>
+        </p:txBody>
+      </p:sp>
+      <p:sp>
+        <p:nvSpPr>
+          <p:cNvPr id="7" name="Retângulo 6"/>
+          <p:cNvSpPr/>
+          <p:nvPr/>
+        </p:nvSpPr>
+        <p:spPr>
+          <a:xfrm>
+            <a:off x="4710552" y="41561"/>
+            <a:ext cx="1413163" cy="595746"/>
+          </a:xfrm>
+          <a:prstGeom prst="rect">
+            <a:avLst/>
+          </a:prstGeom>
+        </p:spPr>
+        <p:style>
+          <a:lnRef idx="2">
+            <a:schemeClr val="dk1"/>
+          </a:lnRef>
+          <a:fillRef idx="1">
+            <a:schemeClr val="lt1"/>
+          </a:fillRef>
+          <a:effectRef idx="0">
+            <a:schemeClr val="dk1"/>
+          </a:effectRef>
+          <a:fontRef idx="minor">
+            <a:schemeClr val="dk1"/>
+          </a:fontRef>
+        </p:style>
+        <p:txBody>
+          <a:bodyPr rtlCol="0" anchor="ctr"/>
+          <a:lstStyle/>
+          <a:p>
+            <a:pPr algn="ctr"/>
+            <a:endParaRPr lang="pt-BR"/>
+          </a:p>
+        </p:txBody>
+      </p:sp>
+      <p:sp>
+        <p:nvSpPr>
+          <p:cNvPr id="8" name="Retângulo 7"/>
+          <p:cNvSpPr/>
+          <p:nvPr/>
+        </p:nvSpPr>
+        <p:spPr>
+          <a:xfrm>
+            <a:off x="6123715" y="41561"/>
+            <a:ext cx="1413163" cy="595746"/>
+          </a:xfrm>
+          <a:prstGeom prst="rect">
+            <a:avLst/>
+          </a:prstGeom>
+        </p:spPr>
+        <p:style>
+          <a:lnRef idx="2">
+            <a:schemeClr val="dk1"/>
+          </a:lnRef>
+          <a:fillRef idx="1">
+            <a:schemeClr val="lt1"/>
+          </a:fillRef>
+          <a:effectRef idx="0">
+            <a:schemeClr val="dk1"/>
+          </a:effectRef>
+          <a:fontRef idx="minor">
+            <a:schemeClr val="dk1"/>
+          </a:fontRef>
+        </p:style>
+        <p:txBody>
+          <a:bodyPr rtlCol="0" anchor="ctr"/>
+          <a:lstStyle/>
+          <a:p>
+            <a:pPr algn="ctr"/>
+            <a:endParaRPr lang="pt-BR"/>
+          </a:p>
+        </p:txBody>
+      </p:sp>
+      <p:sp>
+        <p:nvSpPr>
+          <p:cNvPr id="9" name="Retângulo 8"/>
+          <p:cNvSpPr/>
+          <p:nvPr/>
+        </p:nvSpPr>
+        <p:spPr>
+          <a:xfrm>
+            <a:off x="7536878" y="41561"/>
+            <a:ext cx="1413163" cy="595746"/>
+          </a:xfrm>
+          <a:prstGeom prst="rect">
+            <a:avLst/>
+          </a:prstGeom>
+        </p:spPr>
+        <p:style>
+          <a:lnRef idx="2">
+            <a:schemeClr val="dk1"/>
+          </a:lnRef>
+          <a:fillRef idx="1">
+            <a:schemeClr val="lt1"/>
+          </a:fillRef>
+          <a:effectRef idx="0">
+            <a:schemeClr val="dk1"/>
+          </a:effectRef>
+          <a:fontRef idx="minor">
+            <a:schemeClr val="dk1"/>
+          </a:fontRef>
+        </p:style>
+        <p:txBody>
+          <a:bodyPr rtlCol="0" anchor="ctr"/>
+          <a:lstStyle/>
+          <a:p>
+            <a:pPr algn="ctr"/>
+            <a:endParaRPr lang="pt-BR"/>
+          </a:p>
+        </p:txBody>
+      </p:sp>
+      <p:sp>
+        <p:nvSpPr>
+          <p:cNvPr id="10" name="Retângulo 9"/>
+          <p:cNvSpPr/>
+          <p:nvPr/>
+        </p:nvSpPr>
+        <p:spPr>
+          <a:xfrm>
+            <a:off x="8950041" y="41561"/>
+            <a:ext cx="1413163" cy="595746"/>
+          </a:xfrm>
+          <a:prstGeom prst="rect">
+            <a:avLst/>
+          </a:prstGeom>
+        </p:spPr>
+        <p:style>
+          <a:lnRef idx="2">
+            <a:schemeClr val="dk1"/>
+          </a:lnRef>
+          <a:fillRef idx="1">
+            <a:schemeClr val="lt1"/>
+          </a:fillRef>
+          <a:effectRef idx="0">
+            <a:schemeClr val="dk1"/>
+          </a:effectRef>
+          <a:fontRef idx="minor">
+            <a:schemeClr val="dk1"/>
+          </a:fontRef>
+        </p:style>
+        <p:txBody>
+          <a:bodyPr rtlCol="0" anchor="ctr"/>
+          <a:lstStyle/>
+          <a:p>
+            <a:pPr algn="ctr"/>
+            <a:endParaRPr lang="pt-BR"/>
+          </a:p>
+        </p:txBody>
+      </p:sp>
+      <p:sp>
+        <p:nvSpPr>
+          <p:cNvPr id="11" name="CaixaDeTexto 10"/>
+          <p:cNvSpPr txBox="1"/>
+          <p:nvPr/>
+        </p:nvSpPr>
+        <p:spPr>
+          <a:xfrm>
+            <a:off x="133101" y="708945"/>
+            <a:ext cx="1584863" cy="369332"/>
+          </a:xfrm>
+          <a:prstGeom prst="rect">
+            <a:avLst/>
+          </a:prstGeom>
+          <a:noFill/>
+        </p:spPr>
+        <p:txBody>
+          <a:bodyPr wrap="square" rtlCol="0">
+            <a:spAutoFit/>
+          </a:bodyPr>
+          <a:lstStyle/>
+          <a:p>
+            <a:r>
+              <a:rPr lang="pt-PT" dirty="0">
+                <a:latin typeface="Consolas" panose="020B0609020204030204" pitchFamily="49" charset="0"/>
+                <a:cs typeface="Consolas" panose="020B0609020204030204" pitchFamily="49" charset="0"/>
+              </a:rPr>
+              <a:t>1</a:t>
+            </a:r>
+            <a:r>
+              <a:rPr lang="pt-PT" dirty="0" smtClean="0">
+                <a:latin typeface="Consolas" panose="020B0609020204030204" pitchFamily="49" charset="0"/>
+                <a:cs typeface="Consolas" panose="020B0609020204030204" pitchFamily="49" charset="0"/>
+              </a:rPr>
+              <a:t>. </a:t>
+            </a:r>
+            <a:r>
+              <a:rPr lang="pt-PT" dirty="0" smtClean="0">
+                <a:solidFill>
+                  <a:schemeClr val="accent1">
+                    <a:lumMod val="75000"/>
+                  </a:schemeClr>
+                </a:solidFill>
+                <a:latin typeface="Consolas" panose="020B0609020204030204" pitchFamily="49" charset="0"/>
+                <a:cs typeface="Consolas" panose="020B0609020204030204" pitchFamily="49" charset="0"/>
+              </a:rPr>
+              <a:t>q</a:t>
+            </a:r>
+            <a:r>
+              <a:rPr lang="pt-PT" dirty="0" smtClean="0">
+                <a:latin typeface="Consolas" panose="020B0609020204030204" pitchFamily="49" charset="0"/>
+                <a:cs typeface="Consolas" panose="020B0609020204030204" pitchFamily="49" charset="0"/>
+              </a:rPr>
+              <a:t> = data</a:t>
+            </a:r>
+            <a:endParaRPr lang="pt-PT" dirty="0" smtClean="0">
+              <a:latin typeface="Consolas" panose="020B0609020204030204" pitchFamily="49" charset="0"/>
+              <a:cs typeface="Consolas" panose="020B0609020204030204" pitchFamily="49" charset="0"/>
+            </a:endParaRPr>
+          </a:p>
+        </p:txBody>
+      </p:sp>
+      <p:cxnSp>
+        <p:nvCxnSpPr>
+          <p:cNvPr id="13" name="Conector angulado 12"/>
+          <p:cNvCxnSpPr>
+            <a:stCxn id="11" idx="3"/>
+            <a:endCxn id="4" idx="2"/>
+          </p:cNvCxnSpPr>
+          <p:nvPr/>
+        </p:nvCxnSpPr>
+        <p:spPr>
+          <a:xfrm flipV="1">
+            <a:off x="1717964" y="637307"/>
+            <a:ext cx="872844" cy="256304"/>
+          </a:xfrm>
+          <a:prstGeom prst="bentConnector2">
+            <a:avLst/>
+          </a:prstGeom>
+          <a:ln>
+            <a:tailEnd type="triangle"/>
+          </a:ln>
+        </p:spPr>
+        <p:style>
+          <a:lnRef idx="1">
+            <a:schemeClr val="accent1"/>
+          </a:lnRef>
+          <a:fillRef idx="0">
+            <a:schemeClr val="accent1"/>
+          </a:fillRef>
+          <a:effectRef idx="0">
+            <a:schemeClr val="accent1"/>
+          </a:effectRef>
+          <a:fontRef idx="minor">
+            <a:schemeClr val="tx1"/>
+          </a:fontRef>
+        </p:style>
+      </p:cxnSp>
+      <p:sp>
+        <p:nvSpPr>
+          <p:cNvPr id="19" name="CaixaDeTexto 18"/>
+          <p:cNvSpPr txBox="1"/>
+          <p:nvPr/>
+        </p:nvSpPr>
+        <p:spPr>
+          <a:xfrm>
+            <a:off x="133103" y="1895881"/>
+            <a:ext cx="2139042" cy="369332"/>
+          </a:xfrm>
+          <a:prstGeom prst="rect">
+            <a:avLst/>
+          </a:prstGeom>
+          <a:noFill/>
+        </p:spPr>
+        <p:txBody>
+          <a:bodyPr wrap="square" rtlCol="0">
+            <a:spAutoFit/>
+          </a:bodyPr>
+          <a:lstStyle/>
+          <a:p>
+            <a:r>
+              <a:rPr lang="pt-PT" dirty="0">
+                <a:latin typeface="Consolas" panose="020B0609020204030204" pitchFamily="49" charset="0"/>
+                <a:cs typeface="Consolas" panose="020B0609020204030204" pitchFamily="49" charset="0"/>
+              </a:rPr>
+              <a:t>2</a:t>
+            </a:r>
+            <a:r>
+              <a:rPr lang="pt-PT" dirty="0" smtClean="0">
+                <a:latin typeface="Consolas" panose="020B0609020204030204" pitchFamily="49" charset="0"/>
+                <a:cs typeface="Consolas" panose="020B0609020204030204" pitchFamily="49" charset="0"/>
+              </a:rPr>
+              <a:t>. *q++ = 0x10</a:t>
+            </a:r>
+            <a:endParaRPr lang="pt-PT" dirty="0" smtClean="0">
+              <a:latin typeface="Consolas" panose="020B0609020204030204" pitchFamily="49" charset="0"/>
+              <a:cs typeface="Consolas" panose="020B0609020204030204" pitchFamily="49" charset="0"/>
+            </a:endParaRPr>
+          </a:p>
+        </p:txBody>
+      </p:sp>
+      <p:cxnSp>
+        <p:nvCxnSpPr>
+          <p:cNvPr id="22" name="Conector angulado 21"/>
+          <p:cNvCxnSpPr>
+            <a:stCxn id="19" idx="3"/>
+            <a:endCxn id="28" idx="2"/>
+          </p:cNvCxnSpPr>
+          <p:nvPr/>
+        </p:nvCxnSpPr>
+        <p:spPr>
+          <a:xfrm flipV="1">
+            <a:off x="2272145" y="1683323"/>
+            <a:ext cx="1731826" cy="397224"/>
+          </a:xfrm>
+          <a:prstGeom prst="bentConnector2">
+            <a:avLst/>
+          </a:prstGeom>
+          <a:ln>
+            <a:tailEnd type="triangle"/>
+          </a:ln>
+        </p:spPr>
+        <p:style>
+          <a:lnRef idx="1">
+            <a:schemeClr val="accent1"/>
+          </a:lnRef>
+          <a:fillRef idx="0">
+            <a:schemeClr val="accent1"/>
+          </a:fillRef>
+          <a:effectRef idx="0">
+            <a:schemeClr val="accent1"/>
+          </a:effectRef>
+          <a:fontRef idx="minor">
+            <a:schemeClr val="tx1"/>
+          </a:fontRef>
+        </p:style>
+      </p:cxnSp>
+      <p:sp>
+        <p:nvSpPr>
+          <p:cNvPr id="27" name="Retângulo 26"/>
+          <p:cNvSpPr/>
+          <p:nvPr/>
+        </p:nvSpPr>
+        <p:spPr>
+          <a:xfrm>
+            <a:off x="1884226" y="1087577"/>
+            <a:ext cx="1413163" cy="595746"/>
+          </a:xfrm>
+          <a:prstGeom prst="rect">
+            <a:avLst/>
+          </a:prstGeom>
+        </p:spPr>
+        <p:style>
+          <a:lnRef idx="2">
+            <a:schemeClr val="dk1"/>
+          </a:lnRef>
+          <a:fillRef idx="1">
+            <a:schemeClr val="lt1"/>
+          </a:fillRef>
+          <a:effectRef idx="0">
+            <a:schemeClr val="dk1"/>
+          </a:effectRef>
+          <a:fontRef idx="minor">
+            <a:schemeClr val="dk1"/>
+          </a:fontRef>
+        </p:style>
+        <p:txBody>
+          <a:bodyPr rtlCol="0" anchor="ctr"/>
+          <a:lstStyle/>
+          <a:p>
+            <a:pPr algn="ctr"/>
+            <a:endParaRPr lang="pt-BR"/>
+          </a:p>
+        </p:txBody>
+      </p:sp>
+      <p:sp>
+        <p:nvSpPr>
+          <p:cNvPr id="28" name="Retângulo 27"/>
+          <p:cNvSpPr/>
+          <p:nvPr/>
+        </p:nvSpPr>
+        <p:spPr>
+          <a:xfrm>
+            <a:off x="3297389" y="1087577"/>
+            <a:ext cx="1413163" cy="595746"/>
+          </a:xfrm>
+          <a:prstGeom prst="rect">
+            <a:avLst/>
+          </a:prstGeom>
+        </p:spPr>
+        <p:style>
+          <a:lnRef idx="2">
+            <a:schemeClr val="dk1"/>
+          </a:lnRef>
+          <a:fillRef idx="1">
+            <a:schemeClr val="lt1"/>
+          </a:fillRef>
+          <a:effectRef idx="0">
+            <a:schemeClr val="dk1"/>
+          </a:effectRef>
+          <a:fontRef idx="minor">
+            <a:schemeClr val="dk1"/>
+          </a:fontRef>
+        </p:style>
+        <p:txBody>
+          <a:bodyPr rtlCol="0" anchor="ctr"/>
+          <a:lstStyle/>
+          <a:p>
+            <a:pPr algn="ctr"/>
+            <a:endParaRPr lang="pt-BR"/>
+          </a:p>
+        </p:txBody>
+      </p:sp>
+      <p:sp>
+        <p:nvSpPr>
+          <p:cNvPr id="29" name="Retângulo 28"/>
+          <p:cNvSpPr/>
+          <p:nvPr/>
+        </p:nvSpPr>
+        <p:spPr>
+          <a:xfrm>
+            <a:off x="4710552" y="1087577"/>
+            <a:ext cx="1413163" cy="595746"/>
+          </a:xfrm>
+          <a:prstGeom prst="rect">
+            <a:avLst/>
+          </a:prstGeom>
+        </p:spPr>
+        <p:style>
+          <a:lnRef idx="2">
+            <a:schemeClr val="dk1"/>
+          </a:lnRef>
+          <a:fillRef idx="1">
+            <a:schemeClr val="lt1"/>
+          </a:fillRef>
+          <a:effectRef idx="0">
+            <a:schemeClr val="dk1"/>
+          </a:effectRef>
+          <a:fontRef idx="minor">
+            <a:schemeClr val="dk1"/>
+          </a:fontRef>
+        </p:style>
+        <p:txBody>
+          <a:bodyPr rtlCol="0" anchor="ctr"/>
+          <a:lstStyle/>
+          <a:p>
+            <a:pPr algn="ctr"/>
+            <a:endParaRPr lang="pt-BR"/>
+          </a:p>
+        </p:txBody>
+      </p:sp>
+      <p:sp>
+        <p:nvSpPr>
+          <p:cNvPr id="30" name="Retângulo 29"/>
+          <p:cNvSpPr/>
+          <p:nvPr/>
+        </p:nvSpPr>
+        <p:spPr>
+          <a:xfrm>
+            <a:off x="6123715" y="1087577"/>
+            <a:ext cx="1413163" cy="595746"/>
+          </a:xfrm>
+          <a:prstGeom prst="rect">
+            <a:avLst/>
+          </a:prstGeom>
+        </p:spPr>
+        <p:style>
+          <a:lnRef idx="2">
+            <a:schemeClr val="dk1"/>
+          </a:lnRef>
+          <a:fillRef idx="1">
+            <a:schemeClr val="lt1"/>
+          </a:fillRef>
+          <a:effectRef idx="0">
+            <a:schemeClr val="dk1"/>
+          </a:effectRef>
+          <a:fontRef idx="minor">
+            <a:schemeClr val="dk1"/>
+          </a:fontRef>
+        </p:style>
+        <p:txBody>
+          <a:bodyPr rtlCol="0" anchor="ctr"/>
+          <a:lstStyle/>
+          <a:p>
+            <a:pPr algn="ctr"/>
+            <a:endParaRPr lang="pt-BR"/>
+          </a:p>
+        </p:txBody>
+      </p:sp>
+      <p:sp>
+        <p:nvSpPr>
+          <p:cNvPr id="31" name="Retângulo 30"/>
+          <p:cNvSpPr/>
+          <p:nvPr/>
+        </p:nvSpPr>
+        <p:spPr>
+          <a:xfrm>
+            <a:off x="7536878" y="1087577"/>
+            <a:ext cx="1413163" cy="595746"/>
+          </a:xfrm>
+          <a:prstGeom prst="rect">
+            <a:avLst/>
+          </a:prstGeom>
+        </p:spPr>
+        <p:style>
+          <a:lnRef idx="2">
+            <a:schemeClr val="dk1"/>
+          </a:lnRef>
+          <a:fillRef idx="1">
+            <a:schemeClr val="lt1"/>
+          </a:fillRef>
+          <a:effectRef idx="0">
+            <a:schemeClr val="dk1"/>
+          </a:effectRef>
+          <a:fontRef idx="minor">
+            <a:schemeClr val="dk1"/>
+          </a:fontRef>
+        </p:style>
+        <p:txBody>
+          <a:bodyPr rtlCol="0" anchor="ctr"/>
+          <a:lstStyle/>
+          <a:p>
+            <a:pPr algn="ctr"/>
+            <a:endParaRPr lang="pt-BR"/>
+          </a:p>
+        </p:txBody>
+      </p:sp>
+      <p:sp>
+        <p:nvSpPr>
+          <p:cNvPr id="32" name="Retângulo 31"/>
+          <p:cNvSpPr/>
+          <p:nvPr/>
+        </p:nvSpPr>
+        <p:spPr>
+          <a:xfrm>
+            <a:off x="8950041" y="1087577"/>
+            <a:ext cx="1413163" cy="595746"/>
+          </a:xfrm>
+          <a:prstGeom prst="rect">
+            <a:avLst/>
+          </a:prstGeom>
+        </p:spPr>
+        <p:style>
+          <a:lnRef idx="2">
+            <a:schemeClr val="dk1"/>
+          </a:lnRef>
+          <a:fillRef idx="1">
+            <a:schemeClr val="lt1"/>
+          </a:fillRef>
+          <a:effectRef idx="0">
+            <a:schemeClr val="dk1"/>
+          </a:effectRef>
+          <a:fontRef idx="minor">
+            <a:schemeClr val="dk1"/>
+          </a:fontRef>
+        </p:style>
+        <p:txBody>
+          <a:bodyPr rtlCol="0" anchor="ctr"/>
+          <a:lstStyle/>
+          <a:p>
+            <a:pPr algn="ctr"/>
+            <a:endParaRPr lang="pt-BR"/>
+          </a:p>
+        </p:txBody>
+      </p:sp>
+      <p:sp>
+        <p:nvSpPr>
+          <p:cNvPr id="33" name="CaixaDeTexto 32"/>
+          <p:cNvSpPr txBox="1"/>
+          <p:nvPr/>
+        </p:nvSpPr>
+        <p:spPr>
+          <a:xfrm>
+            <a:off x="2054687" y="1165964"/>
+            <a:ext cx="1090297" cy="369332"/>
+          </a:xfrm>
+          <a:prstGeom prst="rect">
+            <a:avLst/>
+          </a:prstGeom>
+          <a:noFill/>
+        </p:spPr>
+        <p:txBody>
+          <a:bodyPr wrap="square" rtlCol="0">
+            <a:spAutoFit/>
+          </a:bodyPr>
+          <a:lstStyle/>
+          <a:p>
+            <a:pPr algn="ctr"/>
+            <a:r>
+              <a:rPr lang="pt-PT" dirty="0" smtClean="0">
+                <a:latin typeface="Consolas" panose="020B0609020204030204" pitchFamily="49" charset="0"/>
+                <a:cs typeface="Consolas" panose="020B0609020204030204" pitchFamily="49" charset="0"/>
+              </a:rPr>
+              <a:t>0x10</a:t>
+            </a:r>
+            <a:endParaRPr lang="pt-PT" dirty="0" smtClean="0">
+              <a:latin typeface="Consolas" panose="020B0609020204030204" pitchFamily="49" charset="0"/>
+              <a:cs typeface="Consolas" panose="020B0609020204030204" pitchFamily="49" charset="0"/>
+            </a:endParaRPr>
+          </a:p>
+        </p:txBody>
+      </p:sp>
+      <p:sp>
+        <p:nvSpPr>
+          <p:cNvPr id="39" name="CaixaDeTexto 38"/>
+          <p:cNvSpPr txBox="1"/>
+          <p:nvPr/>
+        </p:nvSpPr>
+        <p:spPr>
+          <a:xfrm>
+            <a:off x="133102" y="2949021"/>
+            <a:ext cx="2346862" cy="923330"/>
+          </a:xfrm>
+          <a:prstGeom prst="rect">
+            <a:avLst/>
+          </a:prstGeom>
+          <a:noFill/>
+        </p:spPr>
+        <p:txBody>
+          <a:bodyPr wrap="square" rtlCol="0">
+            <a:spAutoFit/>
+          </a:bodyPr>
+          <a:lstStyle/>
+          <a:p>
+            <a:r>
+              <a:rPr lang="pt-PT" dirty="0">
+                <a:latin typeface="Consolas" panose="020B0609020204030204" pitchFamily="49" charset="0"/>
+                <a:cs typeface="Consolas" panose="020B0609020204030204" pitchFamily="49" charset="0"/>
+              </a:rPr>
+              <a:t>3</a:t>
+            </a:r>
+            <a:r>
+              <a:rPr lang="pt-PT" dirty="0" smtClean="0">
+                <a:latin typeface="Consolas" panose="020B0609020204030204" pitchFamily="49" charset="0"/>
+                <a:cs typeface="Consolas" panose="020B0609020204030204" pitchFamily="49" charset="0"/>
+              </a:rPr>
+              <a:t>. </a:t>
+            </a:r>
+            <a:r>
+              <a:rPr lang="pt-PT" dirty="0" smtClean="0">
+                <a:solidFill>
+                  <a:schemeClr val="accent2">
+                    <a:lumMod val="75000"/>
+                  </a:schemeClr>
+                </a:solidFill>
+                <a:latin typeface="Consolas" panose="020B0609020204030204" pitchFamily="49" charset="0"/>
+                <a:cs typeface="Consolas" panose="020B0609020204030204" pitchFamily="49" charset="0"/>
+              </a:rPr>
+              <a:t>len_ptr</a:t>
+            </a:r>
+            <a:r>
+              <a:rPr lang="pt-PT" dirty="0" smtClean="0">
+                <a:latin typeface="Consolas" panose="020B0609020204030204" pitchFamily="49" charset="0"/>
+                <a:cs typeface="Consolas" panose="020B0609020204030204" pitchFamily="49" charset="0"/>
+              </a:rPr>
+              <a:t> = q</a:t>
+            </a:r>
+          </a:p>
+          <a:p>
+            <a:r>
+              <a:rPr lang="pt-PT" dirty="0" smtClean="0">
+                <a:latin typeface="Consolas" panose="020B0609020204030204" pitchFamily="49" charset="0"/>
+                <a:cs typeface="Consolas" panose="020B0609020204030204" pitchFamily="49" charset="0"/>
+              </a:rPr>
+              <a:t>   </a:t>
+            </a:r>
+            <a:r>
+              <a:rPr lang="pt-PT" dirty="0" smtClean="0">
+                <a:solidFill>
+                  <a:schemeClr val="accent1">
+                    <a:lumMod val="75000"/>
+                  </a:schemeClr>
+                </a:solidFill>
+                <a:latin typeface="Consolas" panose="020B0609020204030204" pitchFamily="49" charset="0"/>
+                <a:cs typeface="Consolas" panose="020B0609020204030204" pitchFamily="49" charset="0"/>
+              </a:rPr>
+              <a:t>q</a:t>
+            </a:r>
+            <a:r>
+              <a:rPr lang="pt-PT" dirty="0" smtClean="0">
+                <a:latin typeface="Consolas" panose="020B0609020204030204" pitchFamily="49" charset="0"/>
+                <a:cs typeface="Consolas" panose="020B0609020204030204" pitchFamily="49" charset="0"/>
+              </a:rPr>
+              <a:t> += 2</a:t>
+            </a:r>
+          </a:p>
+          <a:p>
+            <a:endParaRPr lang="pt-PT" dirty="0" smtClean="0">
+              <a:latin typeface="Consolas" panose="020B0609020204030204" pitchFamily="49" charset="0"/>
+              <a:cs typeface="Consolas" panose="020B0609020204030204" pitchFamily="49" charset="0"/>
+            </a:endParaRPr>
+          </a:p>
+        </p:txBody>
+      </p:sp>
+      <p:cxnSp>
+        <p:nvCxnSpPr>
+          <p:cNvPr id="40" name="Conector angulado 39"/>
+          <p:cNvCxnSpPr>
+            <a:stCxn id="39" idx="3"/>
+            <a:endCxn id="44" idx="2"/>
+          </p:cNvCxnSpPr>
+          <p:nvPr/>
+        </p:nvCxnSpPr>
+        <p:spPr>
+          <a:xfrm flipV="1">
+            <a:off x="2479964" y="2900334"/>
+            <a:ext cx="4350333" cy="510352"/>
+          </a:xfrm>
+          <a:prstGeom prst="bentConnector2">
+            <a:avLst/>
+          </a:prstGeom>
+          <a:ln>
+            <a:tailEnd type="triangle"/>
+          </a:ln>
+        </p:spPr>
+        <p:style>
+          <a:lnRef idx="1">
+            <a:schemeClr val="accent1"/>
+          </a:lnRef>
+          <a:fillRef idx="0">
+            <a:schemeClr val="accent1"/>
+          </a:fillRef>
+          <a:effectRef idx="0">
+            <a:schemeClr val="accent1"/>
+          </a:effectRef>
+          <a:fontRef idx="minor">
+            <a:schemeClr val="tx1"/>
+          </a:fontRef>
+        </p:style>
+      </p:cxnSp>
+      <p:sp>
+        <p:nvSpPr>
+          <p:cNvPr id="41" name="Retângulo 40"/>
+          <p:cNvSpPr/>
+          <p:nvPr/>
+        </p:nvSpPr>
+        <p:spPr>
+          <a:xfrm>
+            <a:off x="1884226" y="2304588"/>
+            <a:ext cx="1413163" cy="595746"/>
+          </a:xfrm>
+          <a:prstGeom prst="rect">
+            <a:avLst/>
+          </a:prstGeom>
+        </p:spPr>
+        <p:style>
+          <a:lnRef idx="2">
+            <a:schemeClr val="dk1"/>
+          </a:lnRef>
+          <a:fillRef idx="1">
+            <a:schemeClr val="lt1"/>
+          </a:fillRef>
+          <a:effectRef idx="0">
+            <a:schemeClr val="dk1"/>
+          </a:effectRef>
+          <a:fontRef idx="minor">
+            <a:schemeClr val="dk1"/>
+          </a:fontRef>
+        </p:style>
+        <p:txBody>
+          <a:bodyPr rtlCol="0" anchor="ctr"/>
+          <a:lstStyle/>
+          <a:p>
+            <a:pPr algn="ctr"/>
+            <a:endParaRPr lang="pt-BR"/>
+          </a:p>
+        </p:txBody>
+      </p:sp>
+      <p:sp>
+        <p:nvSpPr>
+          <p:cNvPr id="42" name="Retângulo 41"/>
+          <p:cNvSpPr/>
+          <p:nvPr/>
+        </p:nvSpPr>
+        <p:spPr>
+          <a:xfrm>
+            <a:off x="3297389" y="2304588"/>
+            <a:ext cx="1413163" cy="595746"/>
+          </a:xfrm>
+          <a:prstGeom prst="rect">
+            <a:avLst/>
+          </a:prstGeom>
+        </p:spPr>
+        <p:style>
+          <a:lnRef idx="2">
+            <a:schemeClr val="dk1"/>
+          </a:lnRef>
+          <a:fillRef idx="1">
+            <a:schemeClr val="lt1"/>
+          </a:fillRef>
+          <a:effectRef idx="0">
+            <a:schemeClr val="dk1"/>
+          </a:effectRef>
+          <a:fontRef idx="minor">
+            <a:schemeClr val="dk1"/>
+          </a:fontRef>
+        </p:style>
+        <p:txBody>
+          <a:bodyPr rtlCol="0" anchor="ctr"/>
+          <a:lstStyle/>
+          <a:p>
+            <a:pPr algn="ctr"/>
+            <a:endParaRPr lang="pt-BR"/>
+          </a:p>
+        </p:txBody>
+      </p:sp>
+      <p:sp>
+        <p:nvSpPr>
+          <p:cNvPr id="43" name="Retângulo 42"/>
+          <p:cNvSpPr/>
+          <p:nvPr/>
+        </p:nvSpPr>
+        <p:spPr>
+          <a:xfrm>
+            <a:off x="4710552" y="2304588"/>
+            <a:ext cx="1413163" cy="595746"/>
+          </a:xfrm>
+          <a:prstGeom prst="rect">
+            <a:avLst/>
+          </a:prstGeom>
+        </p:spPr>
+        <p:style>
+          <a:lnRef idx="2">
+            <a:schemeClr val="dk1"/>
+          </a:lnRef>
+          <a:fillRef idx="1">
+            <a:schemeClr val="lt1"/>
+          </a:fillRef>
+          <a:effectRef idx="0">
+            <a:schemeClr val="dk1"/>
+          </a:effectRef>
+          <a:fontRef idx="minor">
+            <a:schemeClr val="dk1"/>
+          </a:fontRef>
+        </p:style>
+        <p:txBody>
+          <a:bodyPr rtlCol="0" anchor="ctr"/>
+          <a:lstStyle/>
+          <a:p>
+            <a:pPr algn="ctr"/>
+            <a:endParaRPr lang="pt-BR"/>
+          </a:p>
+        </p:txBody>
+      </p:sp>
+      <p:sp>
+        <p:nvSpPr>
+          <p:cNvPr id="44" name="Retângulo 43"/>
+          <p:cNvSpPr/>
+          <p:nvPr/>
+        </p:nvSpPr>
+        <p:spPr>
+          <a:xfrm>
+            <a:off x="6123715" y="2304588"/>
+            <a:ext cx="1413163" cy="595746"/>
+          </a:xfrm>
+          <a:prstGeom prst="rect">
+            <a:avLst/>
+          </a:prstGeom>
+        </p:spPr>
+        <p:style>
+          <a:lnRef idx="2">
+            <a:schemeClr val="dk1"/>
+          </a:lnRef>
+          <a:fillRef idx="1">
+            <a:schemeClr val="lt1"/>
+          </a:fillRef>
+          <a:effectRef idx="0">
+            <a:schemeClr val="dk1"/>
+          </a:effectRef>
+          <a:fontRef idx="minor">
+            <a:schemeClr val="dk1"/>
+          </a:fontRef>
+        </p:style>
+        <p:txBody>
+          <a:bodyPr rtlCol="0" anchor="ctr"/>
+          <a:lstStyle/>
+          <a:p>
+            <a:pPr algn="ctr"/>
+            <a:endParaRPr lang="pt-BR"/>
+          </a:p>
+        </p:txBody>
+      </p:sp>
+      <p:sp>
+        <p:nvSpPr>
+          <p:cNvPr id="45" name="Retângulo 44"/>
+          <p:cNvSpPr/>
+          <p:nvPr/>
+        </p:nvSpPr>
+        <p:spPr>
+          <a:xfrm>
+            <a:off x="7536878" y="2304588"/>
+            <a:ext cx="1413163" cy="595746"/>
+          </a:xfrm>
+          <a:prstGeom prst="rect">
+            <a:avLst/>
+          </a:prstGeom>
+        </p:spPr>
+        <p:style>
+          <a:lnRef idx="2">
+            <a:schemeClr val="dk1"/>
+          </a:lnRef>
+          <a:fillRef idx="1">
+            <a:schemeClr val="lt1"/>
+          </a:fillRef>
+          <a:effectRef idx="0">
+            <a:schemeClr val="dk1"/>
+          </a:effectRef>
+          <a:fontRef idx="minor">
+            <a:schemeClr val="dk1"/>
+          </a:fontRef>
+        </p:style>
+        <p:txBody>
+          <a:bodyPr rtlCol="0" anchor="ctr"/>
+          <a:lstStyle/>
+          <a:p>
+            <a:pPr algn="ctr"/>
+            <a:endParaRPr lang="pt-BR"/>
+          </a:p>
+        </p:txBody>
+      </p:sp>
+      <p:sp>
+        <p:nvSpPr>
+          <p:cNvPr id="46" name="Retângulo 45"/>
+          <p:cNvSpPr/>
+          <p:nvPr/>
+        </p:nvSpPr>
+        <p:spPr>
+          <a:xfrm>
+            <a:off x="8950041" y="2304588"/>
+            <a:ext cx="1413163" cy="595746"/>
+          </a:xfrm>
+          <a:prstGeom prst="rect">
+            <a:avLst/>
+          </a:prstGeom>
+        </p:spPr>
+        <p:style>
+          <a:lnRef idx="2">
+            <a:schemeClr val="dk1"/>
+          </a:lnRef>
+          <a:fillRef idx="1">
+            <a:schemeClr val="lt1"/>
+          </a:fillRef>
+          <a:effectRef idx="0">
+            <a:schemeClr val="dk1"/>
+          </a:effectRef>
+          <a:fontRef idx="minor">
+            <a:schemeClr val="dk1"/>
+          </a:fontRef>
+        </p:style>
+        <p:txBody>
+          <a:bodyPr rtlCol="0" anchor="ctr"/>
+          <a:lstStyle/>
+          <a:p>
+            <a:pPr algn="ctr"/>
+            <a:endParaRPr lang="pt-BR"/>
+          </a:p>
+        </p:txBody>
+      </p:sp>
+      <p:sp>
+        <p:nvSpPr>
+          <p:cNvPr id="47" name="CaixaDeTexto 46"/>
+          <p:cNvSpPr txBox="1"/>
+          <p:nvPr/>
+        </p:nvSpPr>
+        <p:spPr>
+          <a:xfrm>
+            <a:off x="2054687" y="2382975"/>
+            <a:ext cx="1090297" cy="369332"/>
+          </a:xfrm>
+          <a:prstGeom prst="rect">
+            <a:avLst/>
+          </a:prstGeom>
+          <a:noFill/>
+        </p:spPr>
+        <p:txBody>
+          <a:bodyPr wrap="square" rtlCol="0">
+            <a:spAutoFit/>
+          </a:bodyPr>
+          <a:lstStyle/>
+          <a:p>
+            <a:pPr algn="ctr"/>
+            <a:r>
+              <a:rPr lang="pt-PT" dirty="0" smtClean="0">
+                <a:latin typeface="Consolas" panose="020B0609020204030204" pitchFamily="49" charset="0"/>
+                <a:cs typeface="Consolas" panose="020B0609020204030204" pitchFamily="49" charset="0"/>
+              </a:rPr>
+              <a:t>0x10</a:t>
+            </a:r>
+            <a:endParaRPr lang="pt-PT" dirty="0" smtClean="0">
+              <a:latin typeface="Consolas" panose="020B0609020204030204" pitchFamily="49" charset="0"/>
+              <a:cs typeface="Consolas" panose="020B0609020204030204" pitchFamily="49" charset="0"/>
+            </a:endParaRPr>
+          </a:p>
+        </p:txBody>
+      </p:sp>
+      <p:sp>
+        <p:nvSpPr>
+          <p:cNvPr id="56" name="CaixaDeTexto 55"/>
+          <p:cNvSpPr txBox="1"/>
+          <p:nvPr/>
+        </p:nvSpPr>
+        <p:spPr>
+          <a:xfrm>
+            <a:off x="133101" y="4429074"/>
+            <a:ext cx="2139043" cy="369332"/>
+          </a:xfrm>
+          <a:prstGeom prst="rect">
+            <a:avLst/>
+          </a:prstGeom>
+          <a:noFill/>
+        </p:spPr>
+        <p:txBody>
+          <a:bodyPr wrap="square" rtlCol="0">
+            <a:spAutoFit/>
+          </a:bodyPr>
+          <a:lstStyle/>
+          <a:p>
+            <a:r>
+              <a:rPr lang="pt-PT" dirty="0" smtClean="0">
+                <a:latin typeface="Consolas" panose="020B0609020204030204" pitchFamily="49" charset="0"/>
+                <a:cs typeface="Consolas" panose="020B0609020204030204" pitchFamily="49" charset="0"/>
+              </a:rPr>
+              <a:t>4. *q++ = 0x45</a:t>
+            </a:r>
+            <a:endParaRPr lang="pt-PT" dirty="0" smtClean="0">
+              <a:latin typeface="Consolas" panose="020B0609020204030204" pitchFamily="49" charset="0"/>
+              <a:cs typeface="Consolas" panose="020B0609020204030204" pitchFamily="49" charset="0"/>
+            </a:endParaRPr>
+          </a:p>
+        </p:txBody>
+      </p:sp>
+      <p:cxnSp>
+        <p:nvCxnSpPr>
+          <p:cNvPr id="57" name="Conector angulado 56"/>
+          <p:cNvCxnSpPr>
+            <a:stCxn id="56" idx="3"/>
+            <a:endCxn id="62" idx="2"/>
+          </p:cNvCxnSpPr>
+          <p:nvPr/>
+        </p:nvCxnSpPr>
+        <p:spPr>
+          <a:xfrm flipV="1">
+            <a:off x="2272144" y="4145057"/>
+            <a:ext cx="5971316" cy="468683"/>
+          </a:xfrm>
+          <a:prstGeom prst="bentConnector2">
+            <a:avLst/>
+          </a:prstGeom>
+          <a:ln>
+            <a:tailEnd type="triangle"/>
+          </a:ln>
+        </p:spPr>
+        <p:style>
+          <a:lnRef idx="1">
+            <a:schemeClr val="accent1"/>
+          </a:lnRef>
+          <a:fillRef idx="0">
+            <a:schemeClr val="accent1"/>
+          </a:fillRef>
+          <a:effectRef idx="0">
+            <a:schemeClr val="accent1"/>
+          </a:effectRef>
+          <a:fontRef idx="minor">
+            <a:schemeClr val="tx1"/>
+          </a:fontRef>
+        </p:style>
+      </p:cxnSp>
+      <p:sp>
+        <p:nvSpPr>
+          <p:cNvPr id="58" name="Retângulo 57"/>
+          <p:cNvSpPr/>
+          <p:nvPr/>
+        </p:nvSpPr>
+        <p:spPr>
+          <a:xfrm>
+            <a:off x="1884226" y="3549311"/>
+            <a:ext cx="1413163" cy="595746"/>
+          </a:xfrm>
+          <a:prstGeom prst="rect">
+            <a:avLst/>
+          </a:prstGeom>
+        </p:spPr>
+        <p:style>
+          <a:lnRef idx="2">
+            <a:schemeClr val="dk1"/>
+          </a:lnRef>
+          <a:fillRef idx="1">
+            <a:schemeClr val="lt1"/>
+          </a:fillRef>
+          <a:effectRef idx="0">
+            <a:schemeClr val="dk1"/>
+          </a:effectRef>
+          <a:fontRef idx="minor">
+            <a:schemeClr val="dk1"/>
+          </a:fontRef>
+        </p:style>
+        <p:txBody>
+          <a:bodyPr rtlCol="0" anchor="ctr"/>
+          <a:lstStyle/>
+          <a:p>
+            <a:pPr algn="ctr"/>
+            <a:endParaRPr lang="pt-BR"/>
+          </a:p>
+        </p:txBody>
+      </p:sp>
+      <p:sp>
+        <p:nvSpPr>
+          <p:cNvPr id="59" name="Retângulo 58"/>
+          <p:cNvSpPr/>
+          <p:nvPr/>
+        </p:nvSpPr>
+        <p:spPr>
+          <a:xfrm>
+            <a:off x="3297389" y="3549311"/>
+            <a:ext cx="1413163" cy="595746"/>
+          </a:xfrm>
+          <a:prstGeom prst="rect">
+            <a:avLst/>
+          </a:prstGeom>
+        </p:spPr>
+        <p:style>
+          <a:lnRef idx="2">
+            <a:schemeClr val="dk1"/>
+          </a:lnRef>
+          <a:fillRef idx="1">
+            <a:schemeClr val="lt1"/>
+          </a:fillRef>
+          <a:effectRef idx="0">
+            <a:schemeClr val="dk1"/>
+          </a:effectRef>
+          <a:fontRef idx="minor">
+            <a:schemeClr val="dk1"/>
+          </a:fontRef>
+        </p:style>
+        <p:txBody>
+          <a:bodyPr rtlCol="0" anchor="ctr"/>
+          <a:lstStyle/>
+          <a:p>
+            <a:pPr algn="ctr"/>
+            <a:endParaRPr lang="pt-BR"/>
+          </a:p>
+        </p:txBody>
+      </p:sp>
+      <p:sp>
+        <p:nvSpPr>
+          <p:cNvPr id="60" name="Retângulo 59"/>
+          <p:cNvSpPr/>
+          <p:nvPr/>
+        </p:nvSpPr>
+        <p:spPr>
+          <a:xfrm>
+            <a:off x="4710552" y="3549311"/>
+            <a:ext cx="1413163" cy="595746"/>
+          </a:xfrm>
+          <a:prstGeom prst="rect">
+            <a:avLst/>
+          </a:prstGeom>
+        </p:spPr>
+        <p:style>
+          <a:lnRef idx="2">
+            <a:schemeClr val="dk1"/>
+          </a:lnRef>
+          <a:fillRef idx="1">
+            <a:schemeClr val="lt1"/>
+          </a:fillRef>
+          <a:effectRef idx="0">
+            <a:schemeClr val="dk1"/>
+          </a:effectRef>
+          <a:fontRef idx="minor">
+            <a:schemeClr val="dk1"/>
+          </a:fontRef>
+        </p:style>
+        <p:txBody>
+          <a:bodyPr rtlCol="0" anchor="ctr"/>
+          <a:lstStyle/>
+          <a:p>
+            <a:pPr algn="ctr"/>
+            <a:endParaRPr lang="pt-BR"/>
+          </a:p>
+        </p:txBody>
+      </p:sp>
+      <p:sp>
+        <p:nvSpPr>
+          <p:cNvPr id="61" name="Retângulo 60"/>
+          <p:cNvSpPr/>
+          <p:nvPr/>
+        </p:nvSpPr>
+        <p:spPr>
+          <a:xfrm>
+            <a:off x="6123715" y="3549311"/>
+            <a:ext cx="1413163" cy="595746"/>
+          </a:xfrm>
+          <a:prstGeom prst="rect">
+            <a:avLst/>
+          </a:prstGeom>
+        </p:spPr>
+        <p:style>
+          <a:lnRef idx="2">
+            <a:schemeClr val="dk1"/>
+          </a:lnRef>
+          <a:fillRef idx="1">
+            <a:schemeClr val="lt1"/>
+          </a:fillRef>
+          <a:effectRef idx="0">
+            <a:schemeClr val="dk1"/>
+          </a:effectRef>
+          <a:fontRef idx="minor">
+            <a:schemeClr val="dk1"/>
+          </a:fontRef>
+        </p:style>
+        <p:txBody>
+          <a:bodyPr rtlCol="0" anchor="ctr"/>
+          <a:lstStyle/>
+          <a:p>
+            <a:pPr algn="ctr"/>
+            <a:endParaRPr lang="pt-BR"/>
+          </a:p>
+        </p:txBody>
+      </p:sp>
+      <p:sp>
+        <p:nvSpPr>
+          <p:cNvPr id="62" name="Retângulo 61"/>
+          <p:cNvSpPr/>
+          <p:nvPr/>
+        </p:nvSpPr>
+        <p:spPr>
+          <a:xfrm>
+            <a:off x="7536878" y="3549311"/>
+            <a:ext cx="1413163" cy="595746"/>
+          </a:xfrm>
+          <a:prstGeom prst="rect">
+            <a:avLst/>
+          </a:prstGeom>
+        </p:spPr>
+        <p:style>
+          <a:lnRef idx="2">
+            <a:schemeClr val="dk1"/>
+          </a:lnRef>
+          <a:fillRef idx="1">
+            <a:schemeClr val="lt1"/>
+          </a:fillRef>
+          <a:effectRef idx="0">
+            <a:schemeClr val="dk1"/>
+          </a:effectRef>
+          <a:fontRef idx="minor">
+            <a:schemeClr val="dk1"/>
+          </a:fontRef>
+        </p:style>
+        <p:txBody>
+          <a:bodyPr rtlCol="0" anchor="ctr"/>
+          <a:lstStyle/>
+          <a:p>
+            <a:pPr algn="ctr"/>
+            <a:endParaRPr lang="pt-BR"/>
+          </a:p>
+        </p:txBody>
+      </p:sp>
+      <p:sp>
+        <p:nvSpPr>
+          <p:cNvPr id="63" name="Retângulo 62"/>
+          <p:cNvSpPr/>
+          <p:nvPr/>
+        </p:nvSpPr>
+        <p:spPr>
+          <a:xfrm>
+            <a:off x="8950041" y="3549311"/>
+            <a:ext cx="1413163" cy="595746"/>
+          </a:xfrm>
+          <a:prstGeom prst="rect">
+            <a:avLst/>
+          </a:prstGeom>
+        </p:spPr>
+        <p:style>
+          <a:lnRef idx="2">
+            <a:schemeClr val="dk1"/>
+          </a:lnRef>
+          <a:fillRef idx="1">
+            <a:schemeClr val="lt1"/>
+          </a:fillRef>
+          <a:effectRef idx="0">
+            <a:schemeClr val="dk1"/>
+          </a:effectRef>
+          <a:fontRef idx="minor">
+            <a:schemeClr val="dk1"/>
+          </a:fontRef>
+        </p:style>
+        <p:txBody>
+          <a:bodyPr rtlCol="0" anchor="ctr"/>
+          <a:lstStyle/>
+          <a:p>
+            <a:pPr algn="ctr"/>
+            <a:endParaRPr lang="pt-BR"/>
+          </a:p>
+        </p:txBody>
+      </p:sp>
+      <p:sp>
+        <p:nvSpPr>
+          <p:cNvPr id="64" name="CaixaDeTexto 63"/>
+          <p:cNvSpPr txBox="1"/>
+          <p:nvPr/>
+        </p:nvSpPr>
+        <p:spPr>
+          <a:xfrm>
+            <a:off x="2054687" y="3627698"/>
+            <a:ext cx="1090297" cy="369332"/>
+          </a:xfrm>
+          <a:prstGeom prst="rect">
+            <a:avLst/>
+          </a:prstGeom>
+          <a:noFill/>
+        </p:spPr>
+        <p:txBody>
+          <a:bodyPr wrap="square" rtlCol="0">
+            <a:spAutoFit/>
+          </a:bodyPr>
+          <a:lstStyle/>
+          <a:p>
+            <a:pPr algn="ctr"/>
+            <a:r>
+              <a:rPr lang="pt-PT" dirty="0" smtClean="0">
+                <a:latin typeface="Consolas" panose="020B0609020204030204" pitchFamily="49" charset="0"/>
+                <a:cs typeface="Consolas" panose="020B0609020204030204" pitchFamily="49" charset="0"/>
+              </a:rPr>
+              <a:t>0x10</a:t>
+            </a:r>
+            <a:endParaRPr lang="pt-PT" dirty="0" smtClean="0">
+              <a:latin typeface="Consolas" panose="020B0609020204030204" pitchFamily="49" charset="0"/>
+              <a:cs typeface="Consolas" panose="020B0609020204030204" pitchFamily="49" charset="0"/>
+            </a:endParaRPr>
+          </a:p>
+        </p:txBody>
+      </p:sp>
+      <p:sp>
+        <p:nvSpPr>
+          <p:cNvPr id="69" name="CaixaDeTexto 68"/>
+          <p:cNvSpPr txBox="1"/>
+          <p:nvPr/>
+        </p:nvSpPr>
+        <p:spPr>
+          <a:xfrm>
+            <a:off x="6285148" y="3627698"/>
+            <a:ext cx="1090297" cy="369332"/>
+          </a:xfrm>
+          <a:prstGeom prst="rect">
+            <a:avLst/>
+          </a:prstGeom>
+          <a:noFill/>
+        </p:spPr>
+        <p:txBody>
+          <a:bodyPr wrap="square" rtlCol="0">
+            <a:spAutoFit/>
+          </a:bodyPr>
+          <a:lstStyle/>
+          <a:p>
+            <a:pPr algn="ctr"/>
+            <a:r>
+              <a:rPr lang="pt-PT" dirty="0" smtClean="0">
+                <a:latin typeface="Consolas" panose="020B0609020204030204" pitchFamily="49" charset="0"/>
+                <a:cs typeface="Consolas" panose="020B0609020204030204" pitchFamily="49" charset="0"/>
+              </a:rPr>
+              <a:t>0x45</a:t>
+            </a:r>
+            <a:endParaRPr lang="pt-PT" dirty="0" smtClean="0">
+              <a:latin typeface="Consolas" panose="020B0609020204030204" pitchFamily="49" charset="0"/>
+              <a:cs typeface="Consolas" panose="020B0609020204030204" pitchFamily="49" charset="0"/>
+            </a:endParaRPr>
+          </a:p>
+        </p:txBody>
+      </p:sp>
+      <p:cxnSp>
+        <p:nvCxnSpPr>
+          <p:cNvPr id="76" name="Conector angulado 75"/>
+          <p:cNvCxnSpPr>
+            <a:endCxn id="42" idx="2"/>
+          </p:cNvCxnSpPr>
+          <p:nvPr/>
+        </p:nvCxnSpPr>
+        <p:spPr>
+          <a:xfrm flipV="1">
+            <a:off x="2479963" y="2900334"/>
+            <a:ext cx="1524008" cy="244632"/>
+          </a:xfrm>
+          <a:prstGeom prst="bentConnector2">
+            <a:avLst/>
+          </a:prstGeom>
+          <a:ln>
+            <a:tailEnd type="triangle"/>
+          </a:ln>
+        </p:spPr>
+        <p:style>
+          <a:lnRef idx="1">
+            <a:schemeClr val="accent2"/>
+          </a:lnRef>
+          <a:fillRef idx="0">
+            <a:schemeClr val="accent2"/>
+          </a:fillRef>
+          <a:effectRef idx="0">
+            <a:schemeClr val="accent2"/>
+          </a:effectRef>
+          <a:fontRef idx="minor">
+            <a:schemeClr val="tx1"/>
+          </a:fontRef>
+        </p:style>
+      </p:cxnSp>
+      <p:sp>
+        <p:nvSpPr>
+          <p:cNvPr id="83" name="CaixaDeTexto 82"/>
+          <p:cNvSpPr txBox="1"/>
+          <p:nvPr/>
+        </p:nvSpPr>
+        <p:spPr>
+          <a:xfrm>
+            <a:off x="133101" y="5858564"/>
+            <a:ext cx="2831772" cy="646331"/>
+          </a:xfrm>
+          <a:prstGeom prst="rect">
+            <a:avLst/>
+          </a:prstGeom>
+          <a:noFill/>
+        </p:spPr>
+        <p:txBody>
+          <a:bodyPr wrap="square" rtlCol="0">
+            <a:spAutoFit/>
+          </a:bodyPr>
+          <a:lstStyle/>
+          <a:p>
+            <a:r>
+              <a:rPr lang="pt-PT" dirty="0">
+                <a:latin typeface="Consolas" panose="020B0609020204030204" pitchFamily="49" charset="0"/>
+                <a:cs typeface="Consolas" panose="020B0609020204030204" pitchFamily="49" charset="0"/>
+              </a:rPr>
+              <a:t>5</a:t>
+            </a:r>
+            <a:r>
+              <a:rPr lang="pt-PT" dirty="0" smtClean="0">
+                <a:latin typeface="Consolas" panose="020B0609020204030204" pitchFamily="49" charset="0"/>
+                <a:cs typeface="Consolas" panose="020B0609020204030204" pitchFamily="49" charset="0"/>
+              </a:rPr>
+              <a:t>. </a:t>
+            </a:r>
+            <a:r>
+              <a:rPr lang="pt-PT" dirty="0" smtClean="0">
+                <a:solidFill>
+                  <a:schemeClr val="accent2">
+                    <a:lumMod val="75000"/>
+                  </a:schemeClr>
+                </a:solidFill>
+                <a:latin typeface="Consolas" panose="020B0609020204030204" pitchFamily="49" charset="0"/>
+                <a:cs typeface="Consolas" panose="020B0609020204030204" pitchFamily="49" charset="0"/>
+              </a:rPr>
+              <a:t>len_ptr[0]</a:t>
+            </a:r>
+            <a:r>
+              <a:rPr lang="pt-PT" dirty="0" smtClean="0">
+                <a:latin typeface="Consolas" panose="020B0609020204030204" pitchFamily="49" charset="0"/>
+                <a:cs typeface="Consolas" panose="020B0609020204030204" pitchFamily="49" charset="0"/>
+              </a:rPr>
+              <a:t> = 0x0C</a:t>
+            </a:r>
+          </a:p>
+          <a:p>
+            <a:r>
+              <a:rPr lang="pt-PT" dirty="0">
+                <a:latin typeface="Consolas" panose="020B0609020204030204" pitchFamily="49" charset="0"/>
+                <a:cs typeface="Consolas" panose="020B0609020204030204" pitchFamily="49" charset="0"/>
+              </a:rPr>
+              <a:t> </a:t>
+            </a:r>
+            <a:r>
+              <a:rPr lang="pt-PT" dirty="0" smtClean="0">
+                <a:latin typeface="Consolas" panose="020B0609020204030204" pitchFamily="49" charset="0"/>
+                <a:cs typeface="Consolas" panose="020B0609020204030204" pitchFamily="49" charset="0"/>
+              </a:rPr>
+              <a:t>  </a:t>
+            </a:r>
+            <a:r>
+              <a:rPr lang="pt-PT" dirty="0" smtClean="0">
+                <a:solidFill>
+                  <a:schemeClr val="accent2">
+                    <a:lumMod val="75000"/>
+                  </a:schemeClr>
+                </a:solidFill>
+                <a:latin typeface="Consolas" panose="020B0609020204030204" pitchFamily="49" charset="0"/>
+                <a:cs typeface="Consolas" panose="020B0609020204030204" pitchFamily="49" charset="0"/>
+              </a:rPr>
+              <a:t>len_ptr[1]</a:t>
+            </a:r>
+            <a:r>
+              <a:rPr lang="pt-PT" dirty="0" smtClean="0">
+                <a:latin typeface="Consolas" panose="020B0609020204030204" pitchFamily="49" charset="0"/>
+                <a:cs typeface="Consolas" panose="020B0609020204030204" pitchFamily="49" charset="0"/>
+              </a:rPr>
+              <a:t> </a:t>
+            </a:r>
+            <a:r>
+              <a:rPr lang="pt-PT" dirty="0">
+                <a:latin typeface="Consolas" panose="020B0609020204030204" pitchFamily="49" charset="0"/>
+                <a:cs typeface="Consolas" panose="020B0609020204030204" pitchFamily="49" charset="0"/>
+              </a:rPr>
+              <a:t>= </a:t>
+            </a:r>
+            <a:r>
+              <a:rPr lang="pt-PT" dirty="0" smtClean="0">
+                <a:latin typeface="Consolas" panose="020B0609020204030204" pitchFamily="49" charset="0"/>
+                <a:cs typeface="Consolas" panose="020B0609020204030204" pitchFamily="49" charset="0"/>
+              </a:rPr>
+              <a:t>0xBF</a:t>
+            </a:r>
+            <a:endParaRPr lang="pt-PT" dirty="0">
+              <a:latin typeface="Consolas" panose="020B0609020204030204" pitchFamily="49" charset="0"/>
+              <a:cs typeface="Consolas" panose="020B0609020204030204" pitchFamily="49" charset="0"/>
+            </a:endParaRPr>
+          </a:p>
+        </p:txBody>
+      </p:sp>
+      <p:sp>
+        <p:nvSpPr>
+          <p:cNvPr id="85" name="Retângulo 84"/>
+          <p:cNvSpPr/>
+          <p:nvPr/>
+        </p:nvSpPr>
+        <p:spPr>
+          <a:xfrm>
+            <a:off x="1884226" y="4978801"/>
+            <a:ext cx="1413163" cy="595746"/>
+          </a:xfrm>
+          <a:prstGeom prst="rect">
+            <a:avLst/>
+          </a:prstGeom>
+        </p:spPr>
+        <p:style>
+          <a:lnRef idx="2">
+            <a:schemeClr val="dk1"/>
+          </a:lnRef>
+          <a:fillRef idx="1">
+            <a:schemeClr val="lt1"/>
+          </a:fillRef>
+          <a:effectRef idx="0">
+            <a:schemeClr val="dk1"/>
+          </a:effectRef>
+          <a:fontRef idx="minor">
+            <a:schemeClr val="dk1"/>
+          </a:fontRef>
+        </p:style>
+        <p:txBody>
+          <a:bodyPr rtlCol="0" anchor="ctr"/>
+          <a:lstStyle/>
+          <a:p>
+            <a:pPr algn="ctr"/>
+            <a:endParaRPr lang="pt-BR"/>
+          </a:p>
+        </p:txBody>
+      </p:sp>
+      <p:sp>
+        <p:nvSpPr>
+          <p:cNvPr id="86" name="Retângulo 85"/>
+          <p:cNvSpPr/>
+          <p:nvPr/>
+        </p:nvSpPr>
+        <p:spPr>
+          <a:xfrm>
+            <a:off x="3297389" y="4978801"/>
+            <a:ext cx="1413163" cy="595746"/>
+          </a:xfrm>
+          <a:prstGeom prst="rect">
+            <a:avLst/>
+          </a:prstGeom>
+        </p:spPr>
+        <p:style>
+          <a:lnRef idx="2">
+            <a:schemeClr val="dk1"/>
+          </a:lnRef>
+          <a:fillRef idx="1">
+            <a:schemeClr val="lt1"/>
+          </a:fillRef>
+          <a:effectRef idx="0">
+            <a:schemeClr val="dk1"/>
+          </a:effectRef>
+          <a:fontRef idx="minor">
+            <a:schemeClr val="dk1"/>
+          </a:fontRef>
+        </p:style>
+        <p:txBody>
+          <a:bodyPr rtlCol="0" anchor="ctr"/>
+          <a:lstStyle/>
+          <a:p>
+            <a:pPr algn="ctr"/>
+            <a:endParaRPr lang="pt-BR"/>
+          </a:p>
+        </p:txBody>
+      </p:sp>
+      <p:sp>
+        <p:nvSpPr>
+          <p:cNvPr id="87" name="Retângulo 86"/>
+          <p:cNvSpPr/>
+          <p:nvPr/>
+        </p:nvSpPr>
+        <p:spPr>
+          <a:xfrm>
+            <a:off x="4710552" y="4978801"/>
+            <a:ext cx="1413163" cy="595746"/>
+          </a:xfrm>
+          <a:prstGeom prst="rect">
+            <a:avLst/>
+          </a:prstGeom>
+        </p:spPr>
+        <p:style>
+          <a:lnRef idx="2">
+            <a:schemeClr val="dk1"/>
+          </a:lnRef>
+          <a:fillRef idx="1">
+            <a:schemeClr val="lt1"/>
+          </a:fillRef>
+          <a:effectRef idx="0">
+            <a:schemeClr val="dk1"/>
+          </a:effectRef>
+          <a:fontRef idx="minor">
+            <a:schemeClr val="dk1"/>
+          </a:fontRef>
+        </p:style>
+        <p:txBody>
+          <a:bodyPr rtlCol="0" anchor="ctr"/>
+          <a:lstStyle/>
+          <a:p>
+            <a:pPr algn="ctr"/>
+            <a:endParaRPr lang="pt-BR"/>
+          </a:p>
+        </p:txBody>
+      </p:sp>
+      <p:sp>
+        <p:nvSpPr>
+          <p:cNvPr id="88" name="Retângulo 87"/>
+          <p:cNvSpPr/>
+          <p:nvPr/>
+        </p:nvSpPr>
+        <p:spPr>
+          <a:xfrm>
+            <a:off x="6123715" y="4978801"/>
+            <a:ext cx="1413163" cy="595746"/>
+          </a:xfrm>
+          <a:prstGeom prst="rect">
+            <a:avLst/>
+          </a:prstGeom>
+        </p:spPr>
+        <p:style>
+          <a:lnRef idx="2">
+            <a:schemeClr val="dk1"/>
+          </a:lnRef>
+          <a:fillRef idx="1">
+            <a:schemeClr val="lt1"/>
+          </a:fillRef>
+          <a:effectRef idx="0">
+            <a:schemeClr val="dk1"/>
+          </a:effectRef>
+          <a:fontRef idx="minor">
+            <a:schemeClr val="dk1"/>
+          </a:fontRef>
+        </p:style>
+        <p:txBody>
+          <a:bodyPr rtlCol="0" anchor="ctr"/>
+          <a:lstStyle/>
+          <a:p>
+            <a:pPr algn="ctr"/>
+            <a:endParaRPr lang="pt-BR"/>
+          </a:p>
+        </p:txBody>
+      </p:sp>
+      <p:sp>
+        <p:nvSpPr>
+          <p:cNvPr id="89" name="Retângulo 88"/>
+          <p:cNvSpPr/>
+          <p:nvPr/>
+        </p:nvSpPr>
+        <p:spPr>
+          <a:xfrm>
+            <a:off x="7536878" y="4978801"/>
+            <a:ext cx="1413163" cy="595746"/>
+          </a:xfrm>
+          <a:prstGeom prst="rect">
+            <a:avLst/>
+          </a:prstGeom>
+        </p:spPr>
+        <p:style>
+          <a:lnRef idx="2">
+            <a:schemeClr val="dk1"/>
+          </a:lnRef>
+          <a:fillRef idx="1">
+            <a:schemeClr val="lt1"/>
+          </a:fillRef>
+          <a:effectRef idx="0">
+            <a:schemeClr val="dk1"/>
+          </a:effectRef>
+          <a:fontRef idx="minor">
+            <a:schemeClr val="dk1"/>
+          </a:fontRef>
+        </p:style>
+        <p:txBody>
+          <a:bodyPr rtlCol="0" anchor="ctr"/>
+          <a:lstStyle/>
+          <a:p>
+            <a:pPr algn="ctr"/>
+            <a:endParaRPr lang="pt-BR"/>
+          </a:p>
+        </p:txBody>
+      </p:sp>
+      <p:sp>
+        <p:nvSpPr>
+          <p:cNvPr id="90" name="Retângulo 89"/>
+          <p:cNvSpPr/>
+          <p:nvPr/>
+        </p:nvSpPr>
+        <p:spPr>
+          <a:xfrm>
+            <a:off x="8950041" y="4978801"/>
+            <a:ext cx="1413163" cy="595746"/>
+          </a:xfrm>
+          <a:prstGeom prst="rect">
+            <a:avLst/>
+          </a:prstGeom>
+        </p:spPr>
+        <p:style>
+          <a:lnRef idx="2">
+            <a:schemeClr val="dk1"/>
+          </a:lnRef>
+          <a:fillRef idx="1">
+            <a:schemeClr val="lt1"/>
+          </a:fillRef>
+          <a:effectRef idx="0">
+            <a:schemeClr val="dk1"/>
+          </a:effectRef>
+          <a:fontRef idx="minor">
+            <a:schemeClr val="dk1"/>
+          </a:fontRef>
+        </p:style>
+        <p:txBody>
+          <a:bodyPr rtlCol="0" anchor="ctr"/>
+          <a:lstStyle/>
+          <a:p>
+            <a:pPr algn="ctr"/>
+            <a:endParaRPr lang="pt-BR"/>
+          </a:p>
+        </p:txBody>
+      </p:sp>
+      <p:sp>
+        <p:nvSpPr>
+          <p:cNvPr id="91" name="CaixaDeTexto 90"/>
+          <p:cNvSpPr txBox="1"/>
+          <p:nvPr/>
+        </p:nvSpPr>
+        <p:spPr>
+          <a:xfrm>
+            <a:off x="2054687" y="5057188"/>
+            <a:ext cx="1090297" cy="369332"/>
+          </a:xfrm>
+          <a:prstGeom prst="rect">
+            <a:avLst/>
+          </a:prstGeom>
+          <a:noFill/>
+        </p:spPr>
+        <p:txBody>
+          <a:bodyPr wrap="square" rtlCol="0">
+            <a:spAutoFit/>
+          </a:bodyPr>
+          <a:lstStyle/>
+          <a:p>
+            <a:pPr algn="ctr"/>
+            <a:r>
+              <a:rPr lang="pt-PT" dirty="0" smtClean="0">
+                <a:latin typeface="Consolas" panose="020B0609020204030204" pitchFamily="49" charset="0"/>
+                <a:cs typeface="Consolas" panose="020B0609020204030204" pitchFamily="49" charset="0"/>
+              </a:rPr>
+              <a:t>0x10</a:t>
+            </a:r>
+            <a:endParaRPr lang="pt-PT" dirty="0" smtClean="0">
+              <a:latin typeface="Consolas" panose="020B0609020204030204" pitchFamily="49" charset="0"/>
+              <a:cs typeface="Consolas" panose="020B0609020204030204" pitchFamily="49" charset="0"/>
+            </a:endParaRPr>
+          </a:p>
+        </p:txBody>
+      </p:sp>
+      <p:sp>
+        <p:nvSpPr>
+          <p:cNvPr id="92" name="CaixaDeTexto 91"/>
+          <p:cNvSpPr txBox="1"/>
+          <p:nvPr/>
+        </p:nvSpPr>
+        <p:spPr>
+          <a:xfrm>
+            <a:off x="6285148" y="5057188"/>
+            <a:ext cx="1090297" cy="369332"/>
+          </a:xfrm>
+          <a:prstGeom prst="rect">
+            <a:avLst/>
+          </a:prstGeom>
+          <a:noFill/>
+        </p:spPr>
+        <p:txBody>
+          <a:bodyPr wrap="square" rtlCol="0">
+            <a:spAutoFit/>
+          </a:bodyPr>
+          <a:lstStyle/>
+          <a:p>
+            <a:pPr algn="ctr"/>
+            <a:r>
+              <a:rPr lang="pt-PT" dirty="0" smtClean="0">
+                <a:latin typeface="Consolas" panose="020B0609020204030204" pitchFamily="49" charset="0"/>
+                <a:cs typeface="Consolas" panose="020B0609020204030204" pitchFamily="49" charset="0"/>
+              </a:rPr>
+              <a:t>0x45</a:t>
+            </a:r>
+            <a:endParaRPr lang="pt-PT" dirty="0" smtClean="0">
+              <a:latin typeface="Consolas" panose="020B0609020204030204" pitchFamily="49" charset="0"/>
+              <a:cs typeface="Consolas" panose="020B0609020204030204" pitchFamily="49" charset="0"/>
+            </a:endParaRPr>
+          </a:p>
+        </p:txBody>
+      </p:sp>
+      <p:cxnSp>
+        <p:nvCxnSpPr>
+          <p:cNvPr id="94" name="Conector angulado 93"/>
+          <p:cNvCxnSpPr>
+            <a:endCxn id="87" idx="2"/>
+          </p:cNvCxnSpPr>
+          <p:nvPr/>
+        </p:nvCxnSpPr>
+        <p:spPr>
+          <a:xfrm flipV="1">
+            <a:off x="2964873" y="5574547"/>
+            <a:ext cx="2452261" cy="770835"/>
+          </a:xfrm>
+          <a:prstGeom prst="bentConnector2">
+            <a:avLst/>
+          </a:prstGeom>
+          <a:ln>
+            <a:tailEnd type="triangle"/>
+          </a:ln>
+        </p:spPr>
+        <p:style>
+          <a:lnRef idx="1">
+            <a:schemeClr val="accent2"/>
+          </a:lnRef>
+          <a:fillRef idx="0">
+            <a:schemeClr val="accent2"/>
+          </a:fillRef>
+          <a:effectRef idx="0">
+            <a:schemeClr val="accent2"/>
+          </a:effectRef>
+          <a:fontRef idx="minor">
+            <a:schemeClr val="tx1"/>
+          </a:fontRef>
+        </p:style>
+      </p:cxnSp>
+      <p:cxnSp>
+        <p:nvCxnSpPr>
+          <p:cNvPr id="97" name="Conector angulado 96"/>
+          <p:cNvCxnSpPr>
+            <a:endCxn id="86" idx="2"/>
+          </p:cNvCxnSpPr>
+          <p:nvPr/>
+        </p:nvCxnSpPr>
+        <p:spPr>
+          <a:xfrm flipV="1">
+            <a:off x="2964873" y="5574547"/>
+            <a:ext cx="1039098" cy="447719"/>
+          </a:xfrm>
+          <a:prstGeom prst="bentConnector2">
+            <a:avLst/>
+          </a:prstGeom>
+          <a:ln>
+            <a:tailEnd type="triangle"/>
+          </a:ln>
+        </p:spPr>
+        <p:style>
+          <a:lnRef idx="1">
+            <a:schemeClr val="accent2"/>
+          </a:lnRef>
+          <a:fillRef idx="0">
+            <a:schemeClr val="accent2"/>
+          </a:fillRef>
+          <a:effectRef idx="0">
+            <a:schemeClr val="accent2"/>
+          </a:effectRef>
+          <a:fontRef idx="minor">
+            <a:schemeClr val="tx1"/>
+          </a:fontRef>
+        </p:style>
+      </p:cxnSp>
+      <p:sp>
+        <p:nvSpPr>
+          <p:cNvPr id="100" name="CaixaDeTexto 99"/>
+          <p:cNvSpPr txBox="1"/>
+          <p:nvPr/>
+        </p:nvSpPr>
+        <p:spPr>
+          <a:xfrm>
+            <a:off x="3484422" y="5073692"/>
+            <a:ext cx="1090297" cy="369332"/>
+          </a:xfrm>
+          <a:prstGeom prst="rect">
+            <a:avLst/>
+          </a:prstGeom>
+          <a:noFill/>
+        </p:spPr>
+        <p:txBody>
+          <a:bodyPr wrap="square" rtlCol="0">
+            <a:spAutoFit/>
+          </a:bodyPr>
+          <a:lstStyle/>
+          <a:p>
+            <a:pPr algn="ctr"/>
+            <a:r>
+              <a:rPr lang="pt-PT" dirty="0" smtClean="0">
+                <a:latin typeface="Consolas" panose="020B0609020204030204" pitchFamily="49" charset="0"/>
+                <a:cs typeface="Consolas" panose="020B0609020204030204" pitchFamily="49" charset="0"/>
+              </a:rPr>
+              <a:t>0x0C</a:t>
+            </a:r>
+            <a:endParaRPr lang="pt-PT" dirty="0" smtClean="0">
+              <a:latin typeface="Consolas" panose="020B0609020204030204" pitchFamily="49" charset="0"/>
+              <a:cs typeface="Consolas" panose="020B0609020204030204" pitchFamily="49" charset="0"/>
+            </a:endParaRPr>
+          </a:p>
+        </p:txBody>
+      </p:sp>
+      <p:sp>
+        <p:nvSpPr>
+          <p:cNvPr id="101" name="CaixaDeTexto 100"/>
+          <p:cNvSpPr txBox="1"/>
+          <p:nvPr/>
+        </p:nvSpPr>
+        <p:spPr>
+          <a:xfrm>
+            <a:off x="4871985" y="5073692"/>
+            <a:ext cx="1090297" cy="369332"/>
+          </a:xfrm>
+          <a:prstGeom prst="rect">
+            <a:avLst/>
+          </a:prstGeom>
+          <a:noFill/>
+        </p:spPr>
+        <p:txBody>
+          <a:bodyPr wrap="square" rtlCol="0">
+            <a:spAutoFit/>
+          </a:bodyPr>
+          <a:lstStyle/>
+          <a:p>
+            <a:pPr algn="ctr"/>
+            <a:r>
+              <a:rPr lang="pt-PT" dirty="0" smtClean="0">
+                <a:latin typeface="Consolas" panose="020B0609020204030204" pitchFamily="49" charset="0"/>
+                <a:cs typeface="Consolas" panose="020B0609020204030204" pitchFamily="49" charset="0"/>
+              </a:rPr>
+              <a:t>0xBF</a:t>
+            </a:r>
+            <a:endParaRPr lang="pt-PT" dirty="0" smtClean="0">
+              <a:latin typeface="Consolas" panose="020B0609020204030204" pitchFamily="49" charset="0"/>
+              <a:cs typeface="Consolas" panose="020B0609020204030204" pitchFamily="49" charset="0"/>
+            </a:endParaRPr>
+          </a:p>
+        </p:txBody>
+      </p:sp>
+      <p:cxnSp>
+        <p:nvCxnSpPr>
+          <p:cNvPr id="102" name="Conector angulado 101"/>
+          <p:cNvCxnSpPr>
+            <a:endCxn id="89" idx="2"/>
+          </p:cNvCxnSpPr>
+          <p:nvPr/>
+        </p:nvCxnSpPr>
+        <p:spPr>
+          <a:xfrm flipV="1">
+            <a:off x="2154386" y="5574547"/>
+            <a:ext cx="6089074" cy="997241"/>
+          </a:xfrm>
+          <a:prstGeom prst="bentConnector2">
+            <a:avLst/>
+          </a:prstGeom>
+          <a:ln>
+            <a:tailEnd type="triangle"/>
+          </a:ln>
+        </p:spPr>
+        <p:style>
+          <a:lnRef idx="1">
+            <a:schemeClr val="accent1"/>
+          </a:lnRef>
+          <a:fillRef idx="0">
+            <a:schemeClr val="accent1"/>
+          </a:fillRef>
+          <a:effectRef idx="0">
+            <a:schemeClr val="accent1"/>
+          </a:effectRef>
+          <a:fontRef idx="minor">
+            <a:schemeClr val="tx1"/>
+          </a:fontRef>
+        </p:style>
+      </p:cxnSp>
+    </p:spTree>
+    <p:extLst>
+      <p:ext uri="{BB962C8B-B14F-4D97-AF65-F5344CB8AC3E}">
+        <p14:creationId xmlns:p14="http://schemas.microsoft.com/office/powerpoint/2010/main" val="1757194867"/>
+      </p:ext>
+    </p:extLst>
+  </p:cSld>
+  <p:clrMapOvr>
+    <a:masterClrMapping/>
+  </p:clrMapOvr>
+  <p:timing>
+    <p:tnLst>
+      <p:par>
+        <p:cTn id="1" dur="indefinite" restart="never" nodeType="tmRoot"/>
+      </p:par>
+    </p:tnLst>
+  </p:timing>
 </p:sld>
 </file>
 

--- a/relatorio/abntex2-modelos-1.9.2/figuras/diagramas.pptx
+++ b/relatorio/abntex2-modelos-1.9.2/figuras/diagramas.pptx
@@ -261,7 +261,7 @@
             <a:fld id="{7F981E3C-F023-4B2E-8C30-C087B244E656}" type="datetimeFigureOut">
               <a:rPr lang="pt-BR" smtClean="0"/>
               <a:pPr/>
-              <a:t>11/06/2014</a:t>
+              <a:t>14/06/2014</a:t>
             </a:fld>
             <a:endParaRPr lang="pt-BR"/>
           </a:p>
@@ -433,7 +433,7 @@
             <a:fld id="{7F981E3C-F023-4B2E-8C30-C087B244E656}" type="datetimeFigureOut">
               <a:rPr lang="pt-BR" smtClean="0"/>
               <a:pPr/>
-              <a:t>11/06/2014</a:t>
+              <a:t>14/06/2014</a:t>
             </a:fld>
             <a:endParaRPr lang="pt-BR"/>
           </a:p>
@@ -615,7 +615,7 @@
             <a:fld id="{7F981E3C-F023-4B2E-8C30-C087B244E656}" type="datetimeFigureOut">
               <a:rPr lang="pt-BR" smtClean="0"/>
               <a:pPr/>
-              <a:t>11/06/2014</a:t>
+              <a:t>14/06/2014</a:t>
             </a:fld>
             <a:endParaRPr lang="pt-BR"/>
           </a:p>
@@ -787,7 +787,7 @@
             <a:fld id="{7F981E3C-F023-4B2E-8C30-C087B244E656}" type="datetimeFigureOut">
               <a:rPr lang="pt-BR" smtClean="0"/>
               <a:pPr/>
-              <a:t>11/06/2014</a:t>
+              <a:t>14/06/2014</a:t>
             </a:fld>
             <a:endParaRPr lang="pt-BR"/>
           </a:p>
@@ -1035,7 +1035,7 @@
             <a:fld id="{7F981E3C-F023-4B2E-8C30-C087B244E656}" type="datetimeFigureOut">
               <a:rPr lang="pt-BR" smtClean="0"/>
               <a:pPr/>
-              <a:t>11/06/2014</a:t>
+              <a:t>14/06/2014</a:t>
             </a:fld>
             <a:endParaRPr lang="pt-BR"/>
           </a:p>
@@ -1269,7 +1269,7 @@
             <a:fld id="{7F981E3C-F023-4B2E-8C30-C087B244E656}" type="datetimeFigureOut">
               <a:rPr lang="pt-BR" smtClean="0"/>
               <a:pPr/>
-              <a:t>11/06/2014</a:t>
+              <a:t>14/06/2014</a:t>
             </a:fld>
             <a:endParaRPr lang="pt-BR"/>
           </a:p>
@@ -1638,7 +1638,7 @@
             <a:fld id="{7F981E3C-F023-4B2E-8C30-C087B244E656}" type="datetimeFigureOut">
               <a:rPr lang="pt-BR" smtClean="0"/>
               <a:pPr/>
-              <a:t>11/06/2014</a:t>
+              <a:t>14/06/2014</a:t>
             </a:fld>
             <a:endParaRPr lang="pt-BR"/>
           </a:p>
@@ -1758,7 +1758,7 @@
             <a:fld id="{7F981E3C-F023-4B2E-8C30-C087B244E656}" type="datetimeFigureOut">
               <a:rPr lang="pt-BR" smtClean="0"/>
               <a:pPr/>
-              <a:t>11/06/2014</a:t>
+              <a:t>14/06/2014</a:t>
             </a:fld>
             <a:endParaRPr lang="pt-BR"/>
           </a:p>
@@ -1855,7 +1855,7 @@
             <a:fld id="{7F981E3C-F023-4B2E-8C30-C087B244E656}" type="datetimeFigureOut">
               <a:rPr lang="pt-BR" smtClean="0"/>
               <a:pPr/>
-              <a:t>11/06/2014</a:t>
+              <a:t>14/06/2014</a:t>
             </a:fld>
             <a:endParaRPr lang="pt-BR"/>
           </a:p>
@@ -2134,7 +2134,7 @@
             <a:fld id="{7F981E3C-F023-4B2E-8C30-C087B244E656}" type="datetimeFigureOut">
               <a:rPr lang="pt-BR" smtClean="0"/>
               <a:pPr/>
-              <a:t>11/06/2014</a:t>
+              <a:t>14/06/2014</a:t>
             </a:fld>
             <a:endParaRPr lang="pt-BR"/>
           </a:p>
@@ -2389,7 +2389,7 @@
             <a:fld id="{7F981E3C-F023-4B2E-8C30-C087B244E656}" type="datetimeFigureOut">
               <a:rPr lang="pt-BR" smtClean="0"/>
               <a:pPr/>
-              <a:t>11/06/2014</a:t>
+              <a:t>14/06/2014</a:t>
             </a:fld>
             <a:endParaRPr lang="pt-BR"/>
           </a:p>
@@ -2604,7 +2604,7 @@
             <a:fld id="{7F981E3C-F023-4B2E-8C30-C087B244E656}" type="datetimeFigureOut">
               <a:rPr lang="pt-BR" smtClean="0"/>
               <a:pPr/>
-              <a:t>11/06/2014</a:t>
+              <a:t>14/06/2014</a:t>
             </a:fld>
             <a:endParaRPr lang="pt-BR"/>
           </a:p>
@@ -4143,13 +4143,6 @@
   <p:clrMapOvr>
     <a:masterClrMapping/>
   </p:clrMapOvr>
-  <p:timing>
-    <p:tnLst>
-      <p:par>
-        <p:cTn id="1" dur="indefinite" restart="never" nodeType="tmRoot"/>
-      </p:par>
-    </p:tnLst>
-  </p:timing>
 </p:sld>
 </file>
 
@@ -6843,13 +6836,6 @@
   <p:clrMapOvr>
     <a:masterClrMapping/>
   </p:clrMapOvr>
-  <p:timing>
-    <p:tnLst>
-      <p:par>
-        <p:cTn id="1" dur="indefinite" restart="never" nodeType="tmRoot"/>
-      </p:par>
-    </p:tnLst>
-  </p:timing>
 </p:sld>
 </file>
 
@@ -7607,13 +7593,6 @@
   <p:clrMapOvr>
     <a:masterClrMapping/>
   </p:clrMapOvr>
-  <p:timing>
-    <p:tnLst>
-      <p:par>
-        <p:cTn id="1" dur="indefinite" restart="never" nodeType="tmRoot"/>
-      </p:par>
-    </p:tnLst>
-  </p:timing>
 </p:sld>
 </file>
 
@@ -7642,7 +7621,7 @@
         </p:nvSpPr>
         <p:spPr>
           <a:xfrm>
-            <a:off x="570607" y="169751"/>
+            <a:off x="584462" y="197461"/>
             <a:ext cx="627937" cy="577127"/>
           </a:xfrm>
           <a:prstGeom prst="roundRect">
@@ -7823,7 +7802,7 @@
         </p:nvSpPr>
         <p:spPr>
           <a:xfrm>
-            <a:off x="6553022" y="1455503"/>
+            <a:off x="7000577" y="2120971"/>
             <a:ext cx="1790163" cy="577127"/>
           </a:xfrm>
           <a:prstGeom prst="roundRect">
@@ -7853,8 +7832,9 @@
             <a:pPr algn="ctr"/>
             <a:r>
               <a:rPr lang="pt-PT" dirty="0" smtClean="0"/>
-              <a:t>MPEG2 Muxer</a:t>
-            </a:r>
+              <a:t>EiTVMuxer</a:t>
+            </a:r>
+            <a:endParaRPr lang="pt-PT" dirty="0" smtClean="0"/>
           </a:p>
         </p:txBody>
       </p:sp>
@@ -8071,7 +8051,7 @@
         </p:nvSpPr>
         <p:spPr>
           <a:xfrm>
-            <a:off x="608707" y="2329490"/>
+            <a:off x="820273" y="4473151"/>
             <a:ext cx="851436" cy="849737"/>
           </a:xfrm>
           <a:prstGeom prst="roundRect">
@@ -8133,37 +8113,6 @@
               <a:latin typeface="Consolas" panose="020B0609020204030204" pitchFamily="49" charset="0"/>
               <a:cs typeface="Consolas" panose="020B0609020204030204" pitchFamily="49" charset="0"/>
             </a:endParaRPr>
-          </a:p>
-        </p:txBody>
-      </p:sp>
-      <p:sp>
-        <p:nvSpPr>
-          <p:cNvPr id="29" name="CaixaDeTexto 28"/>
-          <p:cNvSpPr txBox="1"/>
-          <p:nvPr/>
-        </p:nvSpPr>
-        <p:spPr>
-          <a:xfrm>
-            <a:off x="1549400" y="2772109"/>
-            <a:ext cx="1104900" cy="369332"/>
-          </a:xfrm>
-          <a:prstGeom prst="rect">
-            <a:avLst/>
-          </a:prstGeom>
-          <a:noFill/>
-        </p:spPr>
-        <p:txBody>
-          <a:bodyPr wrap="square" rtlCol="0">
-            <a:spAutoFit/>
-          </a:bodyPr>
-          <a:lstStyle/>
-          <a:p>
-            <a:pPr algn="ctr"/>
-            <a:r>
-              <a:rPr lang="pt-PT" dirty="0"/>
-              <a:t>Data</a:t>
-            </a:r>
-            <a:endParaRPr lang="pt-BR" dirty="0"/>
           </a:p>
         </p:txBody>
       </p:sp>
@@ -8267,76 +8216,14 @@
       </p:pic>
       <p:sp>
         <p:nvSpPr>
-          <p:cNvPr id="73" name="CaixaDeTexto 72"/>
-          <p:cNvSpPr txBox="1"/>
-          <p:nvPr/>
-        </p:nvSpPr>
-        <p:spPr>
-          <a:xfrm>
-            <a:off x="1574800" y="1872344"/>
-            <a:ext cx="1104900" cy="369332"/>
-          </a:xfrm>
-          <a:prstGeom prst="rect">
-            <a:avLst/>
-          </a:prstGeom>
-          <a:noFill/>
-        </p:spPr>
-        <p:txBody>
-          <a:bodyPr wrap="square" rtlCol="0">
-            <a:spAutoFit/>
-          </a:bodyPr>
-          <a:lstStyle/>
-          <a:p>
-            <a:pPr algn="ctr"/>
-            <a:r>
-              <a:rPr lang="pt-PT" dirty="0" smtClean="0"/>
-              <a:t>Audio</a:t>
-            </a:r>
-            <a:endParaRPr lang="pt-BR" dirty="0"/>
-          </a:p>
-        </p:txBody>
-      </p:sp>
-      <p:sp>
-        <p:nvSpPr>
-          <p:cNvPr id="74" name="CaixaDeTexto 73"/>
-          <p:cNvSpPr txBox="1"/>
-          <p:nvPr/>
-        </p:nvSpPr>
-        <p:spPr>
-          <a:xfrm>
-            <a:off x="1543096" y="821763"/>
-            <a:ext cx="1104900" cy="369332"/>
-          </a:xfrm>
-          <a:prstGeom prst="rect">
-            <a:avLst/>
-          </a:prstGeom>
-          <a:noFill/>
-        </p:spPr>
-        <p:txBody>
-          <a:bodyPr wrap="square" rtlCol="0">
-            <a:spAutoFit/>
-          </a:bodyPr>
-          <a:lstStyle/>
-          <a:p>
-            <a:pPr algn="ctr"/>
-            <a:r>
-              <a:rPr lang="pt-PT" dirty="0" smtClean="0"/>
-              <a:t>Video</a:t>
-            </a:r>
-            <a:endParaRPr lang="pt-BR" dirty="0"/>
-          </a:p>
-        </p:txBody>
-      </p:sp>
-      <p:sp>
-        <p:nvSpPr>
-          <p:cNvPr id="75" name="Retângulo de cantos arredondados 74"/>
+          <p:cNvPr id="76" name="Retângulo de cantos arredondados 75"/>
           <p:cNvSpPr/>
           <p:nvPr/>
         </p:nvSpPr>
         <p:spPr>
           <a:xfrm>
-            <a:off x="9519098" y="228022"/>
-            <a:ext cx="1790163" cy="577128"/>
+            <a:off x="9519097" y="1176504"/>
+            <a:ext cx="1790163" cy="424868"/>
           </a:xfrm>
           <a:prstGeom prst="roundRect">
             <a:avLst/>
@@ -8365,51 +8252,9 @@
             <a:pPr algn="ctr"/>
             <a:r>
               <a:rPr lang="pt-PT" dirty="0" smtClean="0"/>
-              <a:t>Error Correction Encoder</a:t>
-            </a:r>
-          </a:p>
-        </p:txBody>
-      </p:sp>
-      <p:sp>
-        <p:nvSpPr>
-          <p:cNvPr id="76" name="Retângulo de cantos arredondados 75"/>
-          <p:cNvSpPr/>
-          <p:nvPr/>
-        </p:nvSpPr>
-        <p:spPr>
-          <a:xfrm>
-            <a:off x="9519097" y="1176504"/>
-            <a:ext cx="1790163" cy="424868"/>
-          </a:xfrm>
-          <a:prstGeom prst="roundRect">
-            <a:avLst/>
-          </a:prstGeom>
-        </p:spPr>
-        <p:style>
-          <a:lnRef idx="2">
-            <a:schemeClr val="accent6">
-              <a:shade val="50000"/>
-            </a:schemeClr>
-          </a:lnRef>
-          <a:fillRef idx="1">
-            <a:schemeClr val="accent6"/>
-          </a:fillRef>
-          <a:effectRef idx="0">
-            <a:schemeClr val="accent6"/>
-          </a:effectRef>
-          <a:fontRef idx="minor">
-            <a:schemeClr val="lt1"/>
-          </a:fontRef>
-        </p:style>
-        <p:txBody>
-          <a:bodyPr rtlCol="0" anchor="ctr"/>
-          <a:lstStyle/>
-          <a:p>
-            <a:pPr algn="ctr"/>
-            <a:r>
-              <a:rPr lang="pt-PT" dirty="0" smtClean="0"/>
-              <a:t>Modulator</a:t>
-            </a:r>
+              <a:t>EiTV Modulator</a:t>
+            </a:r>
+            <a:endParaRPr lang="pt-PT" dirty="0" smtClean="0"/>
           </a:p>
         </p:txBody>
       </p:sp>
@@ -8418,14 +8263,14 @@
           <p:cNvPr id="84" name="Conector angulado 83"/>
           <p:cNvCxnSpPr>
             <a:stCxn id="7" idx="3"/>
-            <a:endCxn id="8" idx="0"/>
+            <a:endCxn id="51" idx="0"/>
           </p:cNvCxnSpPr>
           <p:nvPr/>
         </p:nvCxnSpPr>
         <p:spPr>
           <a:xfrm>
             <a:off x="4533543" y="748089"/>
-            <a:ext cx="2914561" cy="707414"/>
+            <a:ext cx="1303178" cy="164361"/>
           </a:xfrm>
           <a:prstGeom prst="bentConnector2">
             <a:avLst/>
@@ -8460,8 +8305,8 @@
         </p:nvCxnSpPr>
         <p:spPr>
           <a:xfrm flipV="1">
-            <a:off x="1460143" y="2032630"/>
-            <a:ext cx="5987961" cy="721729"/>
+            <a:off x="1671709" y="2698098"/>
+            <a:ext cx="6223950" cy="2199922"/>
           </a:xfrm>
           <a:prstGeom prst="bentConnector2">
             <a:avLst/>
@@ -8490,71 +8335,35 @@
           <p:cNvPr id="95" name="Conector angulado 94"/>
           <p:cNvCxnSpPr>
             <a:stCxn id="8" idx="3"/>
-            <a:endCxn id="75" idx="1"/>
+            <a:endCxn id="76" idx="0"/>
           </p:cNvCxnSpPr>
           <p:nvPr/>
         </p:nvCxnSpPr>
         <p:spPr>
           <a:xfrm flipV="1">
-            <a:off x="8343185" y="516586"/>
-            <a:ext cx="1175913" cy="1227481"/>
-          </a:xfrm>
-          <a:prstGeom prst="bentConnector3">
+            <a:off x="8790740" y="1176504"/>
+            <a:ext cx="1623439" cy="1233031"/>
+          </a:xfrm>
+          <a:prstGeom prst="bentConnector4">
             <a:avLst>
-              <a:gd name="adj1" fmla="val 78080"/>
+              <a:gd name="adj1" fmla="val 22433"/>
+              <a:gd name="adj2" fmla="val 118540"/>
             </a:avLst>
           </a:prstGeom>
           <a:ln>
+            <a:prstDash val="dash"/>
             <a:tailEnd type="triangle"/>
           </a:ln>
         </p:spPr>
         <p:style>
           <a:lnRef idx="1">
-            <a:schemeClr val="accent1"/>
+            <a:schemeClr val="accent2"/>
           </a:lnRef>
           <a:fillRef idx="0">
-            <a:schemeClr val="accent1"/>
-          </a:fillRef>
-          <a:effectRef idx="0">
-            <a:schemeClr val="accent1"/>
-          </a:effectRef>
-          <a:fontRef idx="minor">
-            <a:schemeClr val="tx1"/>
-          </a:fontRef>
-        </p:style>
-      </p:cxnSp>
-      <p:cxnSp>
-        <p:nvCxnSpPr>
-          <p:cNvPr id="97" name="Conector angulado 96"/>
-          <p:cNvCxnSpPr>
-            <a:stCxn id="75" idx="2"/>
-            <a:endCxn id="76" idx="0"/>
-          </p:cNvCxnSpPr>
-          <p:nvPr/>
-        </p:nvCxnSpPr>
-        <p:spPr>
-          <a:xfrm rot="5400000">
-            <a:off x="10228503" y="990827"/>
-            <a:ext cx="371354" cy="1"/>
-          </a:xfrm>
-          <a:prstGeom prst="bentConnector3">
-            <a:avLst>
-              <a:gd name="adj1" fmla="val 50000"/>
-            </a:avLst>
-          </a:prstGeom>
-          <a:ln>
-            <a:tailEnd type="triangle"/>
-          </a:ln>
-        </p:spPr>
-        <p:style>
-          <a:lnRef idx="1">
-            <a:schemeClr val="accent1"/>
-          </a:lnRef>
-          <a:fillRef idx="0">
-            <a:schemeClr val="accent1"/>
-          </a:fillRef>
-          <a:effectRef idx="0">
-            <a:schemeClr val="accent1"/>
+            <a:schemeClr val="accent2"/>
+          </a:fillRef>
+          <a:effectRef idx="0">
+            <a:schemeClr val="accent2"/>
           </a:effectRef>
           <a:fontRef idx="minor">
             <a:schemeClr val="tx1"/>
@@ -8581,6 +8390,10 @@
             </a:avLst>
           </a:prstGeom>
           <a:ln>
+            <a:solidFill>
+              <a:schemeClr val="tx1"/>
+            </a:solidFill>
+            <a:prstDash val="lgDashDotDot"/>
             <a:tailEnd type="triangle"/>
           </a:ln>
         </p:spPr>
@@ -8607,7 +8420,7 @@
         </p:nvSpPr>
         <p:spPr>
           <a:xfrm>
-            <a:off x="4392594" y="765488"/>
+            <a:off x="9771490" y="5230053"/>
             <a:ext cx="2420510" cy="307777"/>
           </a:xfrm>
           <a:prstGeom prst="rect">
@@ -8630,19 +8443,267 @@
           </a:p>
         </p:txBody>
       </p:sp>
+      <p:sp>
+        <p:nvSpPr>
+          <p:cNvPr id="110" name="CaixaDeTexto 109"/>
+          <p:cNvSpPr txBox="1"/>
+          <p:nvPr/>
+        </p:nvSpPr>
+        <p:spPr>
+          <a:xfrm>
+            <a:off x="9685090" y="6182114"/>
+            <a:ext cx="2420510" cy="307777"/>
+          </a:xfrm>
+          <a:prstGeom prst="rect">
+            <a:avLst/>
+          </a:prstGeom>
+          <a:noFill/>
+        </p:spPr>
+        <p:txBody>
+          <a:bodyPr wrap="square" rtlCol="0">
+            <a:spAutoFit/>
+          </a:bodyPr>
+          <a:lstStyle/>
+          <a:p>
+            <a:pPr algn="ctr"/>
+            <a:r>
+              <a:rPr lang="pt-PT" sz="1400" dirty="0" smtClean="0"/>
+              <a:t>Audio Elementary Stream</a:t>
+            </a:r>
+            <a:endParaRPr lang="pt-BR" sz="1400" dirty="0"/>
+          </a:p>
+        </p:txBody>
+      </p:sp>
+      <p:sp>
+        <p:nvSpPr>
+          <p:cNvPr id="113" name="CaixaDeTexto 112"/>
+          <p:cNvSpPr txBox="1"/>
+          <p:nvPr/>
+        </p:nvSpPr>
+        <p:spPr>
+          <a:xfrm>
+            <a:off x="8529921" y="2478059"/>
+            <a:ext cx="1500029" cy="523220"/>
+          </a:xfrm>
+          <a:prstGeom prst="rect">
+            <a:avLst/>
+          </a:prstGeom>
+          <a:noFill/>
+        </p:spPr>
+        <p:txBody>
+          <a:bodyPr wrap="square" rtlCol="0">
+            <a:spAutoFit/>
+          </a:bodyPr>
+          <a:lstStyle/>
+          <a:p>
+            <a:pPr algn="ctr"/>
+            <a:r>
+              <a:rPr lang="pt-PT" sz="1400" dirty="0" smtClean="0"/>
+              <a:t>Multi Service</a:t>
+            </a:r>
+          </a:p>
+          <a:p>
+            <a:pPr algn="ctr"/>
+            <a:r>
+              <a:rPr lang="pt-PT" sz="1400" dirty="0" smtClean="0"/>
+              <a:t>Transport </a:t>
+            </a:r>
+            <a:r>
+              <a:rPr lang="pt-PT" sz="1400" dirty="0" smtClean="0"/>
+              <a:t>Stream</a:t>
+            </a:r>
+            <a:endParaRPr lang="pt-BR" sz="1400" dirty="0"/>
+          </a:p>
+        </p:txBody>
+      </p:sp>
+      <p:sp>
+        <p:nvSpPr>
+          <p:cNvPr id="35" name="Retângulo de cantos arredondados 34"/>
+          <p:cNvSpPr/>
+          <p:nvPr/>
+        </p:nvSpPr>
+        <p:spPr>
+          <a:xfrm>
+            <a:off x="698183" y="2292358"/>
+            <a:ext cx="627937" cy="577127"/>
+          </a:xfrm>
+          <a:prstGeom prst="roundRect">
+            <a:avLst/>
+          </a:prstGeom>
+          <a:solidFill>
+            <a:schemeClr val="accent4">
+              <a:lumMod val="60000"/>
+              <a:lumOff val="40000"/>
+            </a:schemeClr>
+          </a:solidFill>
+        </p:spPr>
+        <p:style>
+          <a:lnRef idx="2">
+            <a:schemeClr val="accent4">
+              <a:shade val="50000"/>
+            </a:schemeClr>
+          </a:lnRef>
+          <a:fillRef idx="1">
+            <a:schemeClr val="accent4"/>
+          </a:fillRef>
+          <a:effectRef idx="0">
+            <a:schemeClr val="accent4"/>
+          </a:effectRef>
+          <a:fontRef idx="minor">
+            <a:schemeClr val="lt1"/>
+          </a:fontRef>
+        </p:style>
+        <p:txBody>
+          <a:bodyPr rtlCol="0" anchor="ctr"/>
+          <a:lstStyle/>
+          <a:p>
+            <a:pPr algn="ctr"/>
+            <a:endParaRPr lang="pt-BR" dirty="0"/>
+          </a:p>
+        </p:txBody>
+      </p:sp>
+      <p:sp>
+        <p:nvSpPr>
+          <p:cNvPr id="36" name="Retângulo de cantos arredondados 35"/>
+          <p:cNvSpPr/>
+          <p:nvPr/>
+        </p:nvSpPr>
+        <p:spPr>
+          <a:xfrm>
+            <a:off x="792457" y="2409535"/>
+            <a:ext cx="627937" cy="577127"/>
+          </a:xfrm>
+          <a:prstGeom prst="roundRect">
+            <a:avLst/>
+          </a:prstGeom>
+          <a:solidFill>
+            <a:srgbClr val="7030A0"/>
+          </a:solidFill>
+        </p:spPr>
+        <p:style>
+          <a:lnRef idx="2">
+            <a:schemeClr val="accent4">
+              <a:shade val="50000"/>
+            </a:schemeClr>
+          </a:lnRef>
+          <a:fillRef idx="1">
+            <a:schemeClr val="accent4"/>
+          </a:fillRef>
+          <a:effectRef idx="0">
+            <a:schemeClr val="accent4"/>
+          </a:effectRef>
+          <a:fontRef idx="minor">
+            <a:schemeClr val="lt1"/>
+          </a:fontRef>
+        </p:style>
+        <p:txBody>
+          <a:bodyPr rtlCol="0" anchor="ctr"/>
+          <a:lstStyle/>
+          <a:p>
+            <a:pPr algn="ctr"/>
+            <a:endParaRPr lang="pt-BR" dirty="0"/>
+          </a:p>
+        </p:txBody>
+      </p:sp>
+      <p:sp>
+        <p:nvSpPr>
+          <p:cNvPr id="37" name="Retângulo de cantos arredondados 36"/>
+          <p:cNvSpPr/>
+          <p:nvPr/>
+        </p:nvSpPr>
+        <p:spPr>
+          <a:xfrm>
+            <a:off x="900586" y="2554422"/>
+            <a:ext cx="627937" cy="577127"/>
+          </a:xfrm>
+          <a:prstGeom prst="roundRect">
+            <a:avLst/>
+          </a:prstGeom>
+          <a:solidFill>
+            <a:srgbClr val="92D050"/>
+          </a:solidFill>
+        </p:spPr>
+        <p:style>
+          <a:lnRef idx="2">
+            <a:schemeClr val="accent4">
+              <a:shade val="50000"/>
+            </a:schemeClr>
+          </a:lnRef>
+          <a:fillRef idx="1">
+            <a:schemeClr val="accent4"/>
+          </a:fillRef>
+          <a:effectRef idx="0">
+            <a:schemeClr val="accent4"/>
+          </a:effectRef>
+          <a:fontRef idx="minor">
+            <a:schemeClr val="lt1"/>
+          </a:fontRef>
+        </p:style>
+        <p:txBody>
+          <a:bodyPr rtlCol="0" anchor="ctr"/>
+          <a:lstStyle/>
+          <a:p>
+            <a:pPr algn="ctr"/>
+            <a:endParaRPr lang="pt-BR" dirty="0"/>
+          </a:p>
+        </p:txBody>
+      </p:sp>
+      <p:sp>
+        <p:nvSpPr>
+          <p:cNvPr id="38" name="Retângulo de cantos arredondados 37"/>
+          <p:cNvSpPr/>
+          <p:nvPr/>
+        </p:nvSpPr>
+        <p:spPr>
+          <a:xfrm>
+            <a:off x="2857101" y="2554422"/>
+            <a:ext cx="1790163" cy="577127"/>
+          </a:xfrm>
+          <a:prstGeom prst="roundRect">
+            <a:avLst/>
+          </a:prstGeom>
+        </p:spPr>
+        <p:style>
+          <a:lnRef idx="2">
+            <a:schemeClr val="accent6">
+              <a:shade val="50000"/>
+            </a:schemeClr>
+          </a:lnRef>
+          <a:fillRef idx="1">
+            <a:schemeClr val="accent6"/>
+          </a:fillRef>
+          <a:effectRef idx="0">
+            <a:schemeClr val="accent6"/>
+          </a:effectRef>
+          <a:fontRef idx="minor">
+            <a:schemeClr val="lt1"/>
+          </a:fontRef>
+        </p:style>
+        <p:txBody>
+          <a:bodyPr rtlCol="0" anchor="ctr"/>
+          <a:lstStyle/>
+          <a:p>
+            <a:pPr algn="ctr"/>
+            <a:r>
+              <a:rPr lang="pt-PT" dirty="0" smtClean="0"/>
+              <a:t>Video Encoder</a:t>
+            </a:r>
+          </a:p>
+        </p:txBody>
+      </p:sp>
       <p:cxnSp>
         <p:nvCxnSpPr>
-          <p:cNvPr id="108" name="Conector de seta reta 107"/>
+          <p:cNvPr id="39" name="Conector de seta reta 38"/>
           <p:cNvCxnSpPr>
-            <a:stCxn id="21" idx="3"/>
-            <a:endCxn id="8" idx="1"/>
+            <a:stCxn id="37" idx="3"/>
+            <a:endCxn id="38" idx="1"/>
           </p:cNvCxnSpPr>
           <p:nvPr/>
         </p:nvCxnSpPr>
         <p:spPr>
           <a:xfrm>
-            <a:off x="4508143" y="1728862"/>
-            <a:ext cx="2044879" cy="15205"/>
+            <a:off x="1528523" y="2842986"/>
+            <a:ext cx="1328578" cy="0"/>
           </a:xfrm>
           <a:prstGeom prst="straightConnector1">
             <a:avLst/>
@@ -8668,14 +8729,350 @@
       </p:cxnSp>
       <p:sp>
         <p:nvSpPr>
-          <p:cNvPr id="110" name="CaixaDeTexto 109"/>
+          <p:cNvPr id="40" name="Retângulo de cantos arredondados 39"/>
+          <p:cNvSpPr/>
+          <p:nvPr/>
+        </p:nvSpPr>
+        <p:spPr>
+          <a:xfrm>
+            <a:off x="2831701" y="3561713"/>
+            <a:ext cx="1790163" cy="524092"/>
+          </a:xfrm>
+          <a:prstGeom prst="roundRect">
+            <a:avLst/>
+          </a:prstGeom>
+        </p:spPr>
+        <p:style>
+          <a:lnRef idx="2">
+            <a:schemeClr val="accent6">
+              <a:shade val="50000"/>
+            </a:schemeClr>
+          </a:lnRef>
+          <a:fillRef idx="1">
+            <a:schemeClr val="accent6"/>
+          </a:fillRef>
+          <a:effectRef idx="0">
+            <a:schemeClr val="accent6"/>
+          </a:effectRef>
+          <a:fontRef idx="minor">
+            <a:schemeClr val="lt1"/>
+          </a:fontRef>
+        </p:style>
+        <p:txBody>
+          <a:bodyPr rtlCol="0" anchor="ctr"/>
+          <a:lstStyle/>
+          <a:p>
+            <a:pPr algn="ctr"/>
+            <a:r>
+              <a:rPr lang="pt-PT" dirty="0" smtClean="0"/>
+              <a:t>Audio Encoder</a:t>
+            </a:r>
+          </a:p>
+        </p:txBody>
+      </p:sp>
+      <p:cxnSp>
+        <p:nvCxnSpPr>
+          <p:cNvPr id="41" name="Conector de seta reta 40"/>
+          <p:cNvCxnSpPr>
+            <a:endCxn id="40" idx="1"/>
+          </p:cNvCxnSpPr>
+          <p:nvPr/>
+        </p:nvCxnSpPr>
+        <p:spPr>
+          <a:xfrm>
+            <a:off x="1750414" y="3823759"/>
+            <a:ext cx="1081287" cy="0"/>
+          </a:xfrm>
+          <a:prstGeom prst="straightConnector1">
+            <a:avLst/>
+          </a:prstGeom>
+          <a:ln>
+            <a:tailEnd type="triangle"/>
+          </a:ln>
+        </p:spPr>
+        <p:style>
+          <a:lnRef idx="1">
+            <a:schemeClr val="accent1"/>
+          </a:lnRef>
+          <a:fillRef idx="0">
+            <a:schemeClr val="accent1"/>
+          </a:fillRef>
+          <a:effectRef idx="0">
+            <a:schemeClr val="accent1"/>
+          </a:effectRef>
+          <a:fontRef idx="minor">
+            <a:schemeClr val="tx1"/>
+          </a:fontRef>
+        </p:style>
+      </p:cxnSp>
+      <p:pic>
+        <p:nvPicPr>
+          <p:cNvPr id="42" name="Picture 4" descr="https://encrypted-tbn2.gstatic.com/images?q=tbn:ANd9GcTbuG_HREhJ9FI0ZMC8KKMljMgX3ppf3hUWokoVLcxoG9pCz68V"/>
+          <p:cNvPicPr>
+            <a:picLocks noChangeAspect="1" noChangeArrowheads="1"/>
+          </p:cNvPicPr>
+          <p:nvPr/>
+        </p:nvPicPr>
+        <p:blipFill rotWithShape="1">
+          <a:blip r:embed="rId2" cstate="print">
+            <a:clrChange>
+              <a:clrFrom>
+                <a:srgbClr val="FFFFFF"/>
+              </a:clrFrom>
+              <a:clrTo>
+                <a:srgbClr val="FFFFFF">
+                  <a:alpha val="0"/>
+                </a:srgbClr>
+              </a:clrTo>
+            </a:clrChange>
+            <a:extLst>
+              <a:ext uri="{28A0092B-C50C-407E-A947-70E740481C1C}">
+                <a14:useLocalDpi xmlns:a14="http://schemas.microsoft.com/office/drawing/2010/main" val="0"/>
+              </a:ext>
+            </a:extLst>
+          </a:blip>
+          <a:srcRect l="33333" t="32034" r="32690" b="30852"/>
+          <a:stretch/>
+        </p:blipFill>
+        <p:spPr bwMode="auto">
+          <a:xfrm>
+            <a:off x="830023" y="3408540"/>
+            <a:ext cx="566221" cy="463272"/>
+          </a:xfrm>
+          <a:prstGeom prst="rect">
+            <a:avLst/>
+          </a:prstGeom>
+          <a:noFill/>
+          <a:extLst>
+            <a:ext uri="{909E8E84-426E-40DD-AFC4-6F175D3DCCD1}">
+              <a14:hiddenFill xmlns:a14="http://schemas.microsoft.com/office/drawing/2010/main">
+                <a:solidFill>
+                  <a:srgbClr val="FFFFFF"/>
+                </a:solidFill>
+              </a14:hiddenFill>
+            </a:ext>
+          </a:extLst>
+        </p:spPr>
+      </p:pic>
+      <p:pic>
+        <p:nvPicPr>
+          <p:cNvPr id="43" name="Picture 4" descr="https://encrypted-tbn2.gstatic.com/images?q=tbn:ANd9GcTbuG_HREhJ9FI0ZMC8KKMljMgX3ppf3hUWokoVLcxoG9pCz68V"/>
+          <p:cNvPicPr>
+            <a:picLocks noChangeAspect="1" noChangeArrowheads="1"/>
+          </p:cNvPicPr>
+          <p:nvPr/>
+        </p:nvPicPr>
+        <p:blipFill rotWithShape="1">
+          <a:blip r:embed="rId2" cstate="print">
+            <a:clrChange>
+              <a:clrFrom>
+                <a:srgbClr val="FFFFFF"/>
+              </a:clrFrom>
+              <a:clrTo>
+                <a:srgbClr val="FFFFFF">
+                  <a:alpha val="0"/>
+                </a:srgbClr>
+              </a:clrTo>
+            </a:clrChange>
+            <a:extLst>
+              <a:ext uri="{28A0092B-C50C-407E-A947-70E740481C1C}">
+                <a14:useLocalDpi xmlns:a14="http://schemas.microsoft.com/office/drawing/2010/main" val="0"/>
+              </a:ext>
+            </a:extLst>
+          </a:blip>
+          <a:srcRect l="33333" t="32034" r="32690" b="30852"/>
+          <a:stretch/>
+        </p:blipFill>
+        <p:spPr bwMode="auto">
+          <a:xfrm>
+            <a:off x="1076602" y="3736832"/>
+            <a:ext cx="566221" cy="463272"/>
+          </a:xfrm>
+          <a:prstGeom prst="rect">
+            <a:avLst/>
+          </a:prstGeom>
+          <a:noFill/>
+          <a:extLst>
+            <a:ext uri="{909E8E84-426E-40DD-AFC4-6F175D3DCCD1}">
+              <a14:hiddenFill xmlns:a14="http://schemas.microsoft.com/office/drawing/2010/main">
+                <a:solidFill>
+                  <a:srgbClr val="FFFFFF"/>
+                </a:solidFill>
+              </a14:hiddenFill>
+            </a:ext>
+          </a:extLst>
+        </p:spPr>
+      </p:pic>
+      <p:sp>
+        <p:nvSpPr>
+          <p:cNvPr id="48" name="Retângulo de cantos arredondados 47"/>
+          <p:cNvSpPr/>
+          <p:nvPr/>
+        </p:nvSpPr>
+        <p:spPr>
+          <a:xfrm>
+            <a:off x="4849721" y="3004763"/>
+            <a:ext cx="1790163" cy="577127"/>
+          </a:xfrm>
+          <a:prstGeom prst="roundRect">
+            <a:avLst/>
+          </a:prstGeom>
+        </p:spPr>
+        <p:style>
+          <a:lnRef idx="2">
+            <a:schemeClr val="accent6">
+              <a:shade val="50000"/>
+            </a:schemeClr>
+          </a:lnRef>
+          <a:fillRef idx="1">
+            <a:schemeClr val="accent6"/>
+          </a:fillRef>
+          <a:effectRef idx="0">
+            <a:schemeClr val="accent6"/>
+          </a:effectRef>
+          <a:fontRef idx="minor">
+            <a:schemeClr val="lt1"/>
+          </a:fontRef>
+        </p:style>
+        <p:txBody>
+          <a:bodyPr rtlCol="0" anchor="ctr"/>
+          <a:lstStyle/>
+          <a:p>
+            <a:pPr algn="ctr"/>
+            <a:r>
+              <a:rPr lang="pt-PT" dirty="0" smtClean="0"/>
+              <a:t>FFmpeg MPEG2 Muxer</a:t>
+            </a:r>
+            <a:endParaRPr lang="pt-PT" dirty="0" smtClean="0"/>
+          </a:p>
+        </p:txBody>
+      </p:sp>
+      <p:sp>
+        <p:nvSpPr>
+          <p:cNvPr id="51" name="Retângulo de cantos arredondados 50"/>
+          <p:cNvSpPr/>
+          <p:nvPr/>
+        </p:nvSpPr>
+        <p:spPr>
+          <a:xfrm>
+            <a:off x="4941639" y="912450"/>
+            <a:ext cx="1790163" cy="577127"/>
+          </a:xfrm>
+          <a:prstGeom prst="roundRect">
+            <a:avLst/>
+          </a:prstGeom>
+        </p:spPr>
+        <p:style>
+          <a:lnRef idx="2">
+            <a:schemeClr val="accent6">
+              <a:shade val="50000"/>
+            </a:schemeClr>
+          </a:lnRef>
+          <a:fillRef idx="1">
+            <a:schemeClr val="accent6"/>
+          </a:fillRef>
+          <a:effectRef idx="0">
+            <a:schemeClr val="accent6"/>
+          </a:effectRef>
+          <a:fontRef idx="minor">
+            <a:schemeClr val="lt1"/>
+          </a:fontRef>
+        </p:style>
+        <p:txBody>
+          <a:bodyPr rtlCol="0" anchor="ctr"/>
+          <a:lstStyle/>
+          <a:p>
+            <a:pPr algn="ctr"/>
+            <a:r>
+              <a:rPr lang="pt-PT" dirty="0" smtClean="0"/>
+              <a:t>FFmpeg MPEG2 Muxer</a:t>
+            </a:r>
+            <a:endParaRPr lang="pt-PT" dirty="0" smtClean="0"/>
+          </a:p>
+        </p:txBody>
+      </p:sp>
+      <p:cxnSp>
+        <p:nvCxnSpPr>
+          <p:cNvPr id="53" name="Conector angulado 52"/>
+          <p:cNvCxnSpPr>
+            <a:stCxn id="21" idx="3"/>
+            <a:endCxn id="51" idx="2"/>
+          </p:cNvCxnSpPr>
+          <p:nvPr/>
+        </p:nvCxnSpPr>
+        <p:spPr>
+          <a:xfrm flipV="1">
+            <a:off x="4508143" y="1489577"/>
+            <a:ext cx="1328578" cy="239285"/>
+          </a:xfrm>
+          <a:prstGeom prst="bentConnector2">
+            <a:avLst/>
+          </a:prstGeom>
+          <a:ln>
+            <a:tailEnd type="triangle"/>
+          </a:ln>
+        </p:spPr>
+        <p:style>
+          <a:lnRef idx="1">
+            <a:schemeClr val="accent1"/>
+          </a:lnRef>
+          <a:fillRef idx="0">
+            <a:schemeClr val="accent1"/>
+          </a:fillRef>
+          <a:effectRef idx="0">
+            <a:schemeClr val="accent1"/>
+          </a:effectRef>
+          <a:fontRef idx="minor">
+            <a:schemeClr val="tx1"/>
+          </a:fontRef>
+        </p:style>
+      </p:cxnSp>
+      <p:cxnSp>
+        <p:nvCxnSpPr>
+          <p:cNvPr id="57" name="Conector angulado 56"/>
+          <p:cNvCxnSpPr>
+            <a:stCxn id="51" idx="3"/>
+            <a:endCxn id="8" idx="0"/>
+          </p:cNvCxnSpPr>
+          <p:nvPr/>
+        </p:nvCxnSpPr>
+        <p:spPr>
+          <a:xfrm>
+            <a:off x="6731802" y="1201014"/>
+            <a:ext cx="1163857" cy="919957"/>
+          </a:xfrm>
+          <a:prstGeom prst="bentConnector2">
+            <a:avLst/>
+          </a:prstGeom>
+          <a:ln>
+            <a:tailEnd type="triangle"/>
+          </a:ln>
+        </p:spPr>
+        <p:style>
+          <a:lnRef idx="1">
+            <a:schemeClr val="accent1"/>
+          </a:lnRef>
+          <a:fillRef idx="0">
+            <a:schemeClr val="accent1"/>
+          </a:fillRef>
+          <a:effectRef idx="0">
+            <a:schemeClr val="accent1"/>
+          </a:effectRef>
+          <a:fontRef idx="minor">
+            <a:schemeClr val="tx1"/>
+          </a:fontRef>
+        </p:style>
+      </p:cxnSp>
+      <p:sp>
+        <p:nvSpPr>
+          <p:cNvPr id="60" name="CaixaDeTexto 59"/>
           <p:cNvSpPr txBox="1"/>
           <p:nvPr/>
         </p:nvSpPr>
         <p:spPr>
           <a:xfrm>
-            <a:off x="4306194" y="1717549"/>
-            <a:ext cx="2420510" cy="307777"/>
+            <a:off x="6884415" y="652066"/>
+            <a:ext cx="1500029" cy="523220"/>
           </a:xfrm>
           <a:prstGeom prst="rect">
             <a:avLst/>
@@ -8691,22 +9088,141 @@
             <a:pPr algn="ctr"/>
             <a:r>
               <a:rPr lang="pt-PT" sz="1400" dirty="0" smtClean="0"/>
-              <a:t>Audio Elementary Stream</a:t>
+              <a:t>Single Service</a:t>
+            </a:r>
+          </a:p>
+          <a:p>
+            <a:pPr algn="ctr"/>
+            <a:r>
+              <a:rPr lang="pt-PT" sz="1400" dirty="0" smtClean="0"/>
+              <a:t>Transport </a:t>
+            </a:r>
+            <a:r>
+              <a:rPr lang="pt-PT" sz="1400" dirty="0" smtClean="0"/>
+              <a:t>Stream</a:t>
             </a:r>
             <a:endParaRPr lang="pt-BR" sz="1400" dirty="0"/>
           </a:p>
         </p:txBody>
       </p:sp>
-      <p:sp>
-        <p:nvSpPr>
-          <p:cNvPr id="113" name="CaixaDeTexto 112"/>
+      <p:cxnSp>
+        <p:nvCxnSpPr>
+          <p:cNvPr id="61" name="Conector angulado 60"/>
+          <p:cNvCxnSpPr>
+            <a:stCxn id="38" idx="3"/>
+            <a:endCxn id="48" idx="0"/>
+          </p:cNvCxnSpPr>
+          <p:nvPr/>
+        </p:nvCxnSpPr>
+        <p:spPr>
+          <a:xfrm>
+            <a:off x="4647264" y="2842986"/>
+            <a:ext cx="1097539" cy="161777"/>
+          </a:xfrm>
+          <a:prstGeom prst="bentConnector2">
+            <a:avLst/>
+          </a:prstGeom>
+          <a:ln>
+            <a:tailEnd type="triangle"/>
+          </a:ln>
+        </p:spPr>
+        <p:style>
+          <a:lnRef idx="1">
+            <a:schemeClr val="accent1"/>
+          </a:lnRef>
+          <a:fillRef idx="0">
+            <a:schemeClr val="accent1"/>
+          </a:fillRef>
+          <a:effectRef idx="0">
+            <a:schemeClr val="accent1"/>
+          </a:effectRef>
+          <a:fontRef idx="minor">
+            <a:schemeClr val="tx1"/>
+          </a:fontRef>
+        </p:style>
+      </p:cxnSp>
+      <p:cxnSp>
+        <p:nvCxnSpPr>
+          <p:cNvPr id="62" name="Conector angulado 61"/>
+          <p:cNvCxnSpPr>
+            <a:stCxn id="40" idx="3"/>
+            <a:endCxn id="48" idx="2"/>
+          </p:cNvCxnSpPr>
+          <p:nvPr/>
+        </p:nvCxnSpPr>
+        <p:spPr>
+          <a:xfrm flipV="1">
+            <a:off x="4621864" y="3581890"/>
+            <a:ext cx="1122939" cy="241869"/>
+          </a:xfrm>
+          <a:prstGeom prst="bentConnector2">
+            <a:avLst/>
+          </a:prstGeom>
+          <a:ln>
+            <a:tailEnd type="triangle"/>
+          </a:ln>
+        </p:spPr>
+        <p:style>
+          <a:lnRef idx="1">
+            <a:schemeClr val="accent1"/>
+          </a:lnRef>
+          <a:fillRef idx="0">
+            <a:schemeClr val="accent1"/>
+          </a:fillRef>
+          <a:effectRef idx="0">
+            <a:schemeClr val="accent1"/>
+          </a:effectRef>
+          <a:fontRef idx="minor">
+            <a:schemeClr val="tx1"/>
+          </a:fontRef>
+        </p:style>
+      </p:cxnSp>
+      <p:cxnSp>
+        <p:nvCxnSpPr>
+          <p:cNvPr id="71" name="Conector angulado 70"/>
+          <p:cNvCxnSpPr>
+            <a:stCxn id="48" idx="3"/>
+            <a:endCxn id="8" idx="2"/>
+          </p:cNvCxnSpPr>
+          <p:nvPr/>
+        </p:nvCxnSpPr>
+        <p:spPr>
+          <a:xfrm flipV="1">
+            <a:off x="6639884" y="2698098"/>
+            <a:ext cx="1255775" cy="595229"/>
+          </a:xfrm>
+          <a:prstGeom prst="bentConnector2">
+            <a:avLst/>
+          </a:prstGeom>
+          <a:ln>
+            <a:tailEnd type="triangle"/>
+          </a:ln>
+        </p:spPr>
+        <p:style>
+          <a:lnRef idx="1">
+            <a:schemeClr val="accent1"/>
+          </a:lnRef>
+          <a:fillRef idx="0">
+            <a:schemeClr val="accent1"/>
+          </a:fillRef>
+          <a:effectRef idx="0">
+            <a:schemeClr val="accent1"/>
+          </a:effectRef>
+          <a:fontRef idx="minor">
+            <a:schemeClr val="tx1"/>
+          </a:fontRef>
+        </p:style>
+      </p:cxnSp>
+      <p:sp>
+        <p:nvSpPr>
+          <p:cNvPr id="77" name="CaixaDeTexto 76"/>
           <p:cNvSpPr txBox="1"/>
           <p:nvPr/>
         </p:nvSpPr>
         <p:spPr>
           <a:xfrm>
-            <a:off x="8299540" y="1749233"/>
-            <a:ext cx="1500029" cy="307777"/>
+            <a:off x="6480142" y="2806272"/>
+            <a:ext cx="1500029" cy="523220"/>
           </a:xfrm>
           <a:prstGeom prst="rect">
             <a:avLst/>
@@ -8722,7 +9238,18 @@
             <a:pPr algn="ctr"/>
             <a:r>
               <a:rPr lang="pt-PT" sz="1400" dirty="0" smtClean="0"/>
-              <a:t>Transport Stream</a:t>
+              <a:t>Single Service</a:t>
+            </a:r>
+          </a:p>
+          <a:p>
+            <a:pPr algn="ctr"/>
+            <a:r>
+              <a:rPr lang="pt-PT" sz="1400" dirty="0" smtClean="0"/>
+              <a:t>Transport </a:t>
+            </a:r>
+            <a:r>
+              <a:rPr lang="pt-PT" sz="1400" dirty="0" smtClean="0"/>
+              <a:t>Stream</a:t>
             </a:r>
             <a:endParaRPr lang="pt-BR" sz="1400" dirty="0"/>
           </a:p>
@@ -9941,13 +10468,6 @@
   <p:clrMapOvr>
     <a:masterClrMapping/>
   </p:clrMapOvr>
-  <p:timing>
-    <p:tnLst>
-      <p:par>
-        <p:cTn id="1" dur="indefinite" restart="never" nodeType="tmRoot"/>
-      </p:par>
-    </p:tnLst>
-  </p:timing>
 </p:sld>
 </file>
 
@@ -11335,10 +11855,6 @@
               </a:rPr>
               <a:t> = data</a:t>
             </a:r>
-            <a:endParaRPr lang="pt-PT" dirty="0" smtClean="0">
-              <a:latin typeface="Consolas" panose="020B0609020204030204" pitchFamily="49" charset="0"/>
-              <a:cs typeface="Consolas" panose="020B0609020204030204" pitchFamily="49" charset="0"/>
-            </a:endParaRPr>
           </a:p>
         </p:txBody>
       </p:sp>
@@ -11359,7 +11875,7 @@
           <a:prstGeom prst="bentConnector2">
             <a:avLst/>
           </a:prstGeom>
-          <a:ln>
+          <a:ln w="28575">
             <a:tailEnd type="triangle"/>
           </a:ln>
         </p:spPr>
@@ -11414,10 +11930,6 @@
               </a:rPr>
               <a:t>. *q++ = 0x10</a:t>
             </a:r>
-            <a:endParaRPr lang="pt-PT" dirty="0" smtClean="0">
-              <a:latin typeface="Consolas" panose="020B0609020204030204" pitchFamily="49" charset="0"/>
-              <a:cs typeface="Consolas" panose="020B0609020204030204" pitchFamily="49" charset="0"/>
-            </a:endParaRPr>
           </a:p>
         </p:txBody>
       </p:sp>
@@ -11438,7 +11950,7 @@
           <a:prstGeom prst="bentConnector2">
             <a:avLst/>
           </a:prstGeom>
-          <a:ln>
+          <a:ln w="28575">
             <a:tailEnd type="triangle"/>
           </a:ln>
         </p:spPr>
@@ -11715,10 +12227,6 @@
               </a:rPr>
               <a:t>0x10</a:t>
             </a:r>
-            <a:endParaRPr lang="pt-PT" dirty="0" smtClean="0">
-              <a:latin typeface="Consolas" panose="020B0609020204030204" pitchFamily="49" charset="0"/>
-              <a:cs typeface="Consolas" panose="020B0609020204030204" pitchFamily="49" charset="0"/>
-            </a:endParaRPr>
           </a:p>
         </p:txBody>
       </p:sp>
@@ -11831,7 +12339,7 @@
           <a:prstGeom prst="bentConnector2">
             <a:avLst/>
           </a:prstGeom>
-          <a:ln>
+          <a:ln w="28575">
             <a:tailEnd type="triangle"/>
           </a:ln>
         </p:spPr>
@@ -12108,10 +12616,6 @@
               </a:rPr>
               <a:t>0x10</a:t>
             </a:r>
-            <a:endParaRPr lang="pt-PT" dirty="0" smtClean="0">
-              <a:latin typeface="Consolas" panose="020B0609020204030204" pitchFamily="49" charset="0"/>
-              <a:cs typeface="Consolas" panose="020B0609020204030204" pitchFamily="49" charset="0"/>
-            </a:endParaRPr>
           </a:p>
         </p:txBody>
       </p:sp>
@@ -12144,10 +12648,6 @@
               </a:rPr>
               <a:t>4. *q++ = 0x45</a:t>
             </a:r>
-            <a:endParaRPr lang="pt-PT" dirty="0" smtClean="0">
-              <a:latin typeface="Consolas" panose="020B0609020204030204" pitchFamily="49" charset="0"/>
-              <a:cs typeface="Consolas" panose="020B0609020204030204" pitchFamily="49" charset="0"/>
-            </a:endParaRPr>
           </a:p>
         </p:txBody>
       </p:sp>
@@ -12168,7 +12668,7 @@
           <a:prstGeom prst="bentConnector2">
             <a:avLst/>
           </a:prstGeom>
-          <a:ln>
+          <a:ln w="28575">
             <a:tailEnd type="triangle"/>
           </a:ln>
         </p:spPr>
@@ -12445,10 +12945,6 @@
               </a:rPr>
               <a:t>0x10</a:t>
             </a:r>
-            <a:endParaRPr lang="pt-PT" dirty="0" smtClean="0">
-              <a:latin typeface="Consolas" panose="020B0609020204030204" pitchFamily="49" charset="0"/>
-              <a:cs typeface="Consolas" panose="020B0609020204030204" pitchFamily="49" charset="0"/>
-            </a:endParaRPr>
           </a:p>
         </p:txBody>
       </p:sp>
@@ -12482,10 +12978,6 @@
               </a:rPr>
               <a:t>0x45</a:t>
             </a:r>
-            <a:endParaRPr lang="pt-PT" dirty="0" smtClean="0">
-              <a:latin typeface="Consolas" panose="020B0609020204030204" pitchFamily="49" charset="0"/>
-              <a:cs typeface="Consolas" panose="020B0609020204030204" pitchFamily="49" charset="0"/>
-            </a:endParaRPr>
           </a:p>
         </p:txBody>
       </p:sp>
@@ -12505,7 +12997,8 @@
           <a:prstGeom prst="bentConnector2">
             <a:avLst/>
           </a:prstGeom>
-          <a:ln>
+          <a:ln w="28575">
+            <a:prstDash val="dash"/>
             <a:tailEnd type="triangle"/>
           </a:ln>
         </p:spPr>
@@ -12532,7 +13025,7 @@
         </p:nvSpPr>
         <p:spPr>
           <a:xfrm>
-            <a:off x="133101" y="5858564"/>
+            <a:off x="133101" y="5983249"/>
             <a:ext cx="2831772" cy="646331"/>
           </a:xfrm>
           <a:prstGeom prst="rect">
@@ -12643,7 +13136,7 @@
         </p:nvSpPr>
         <p:spPr>
           <a:xfrm>
-            <a:off x="1884226" y="4978801"/>
+            <a:off x="1884226" y="5297456"/>
             <a:ext cx="1413163" cy="595746"/>
           </a:xfrm>
           <a:prstGeom prst="rect">
@@ -12681,7 +13174,7 @@
         </p:nvSpPr>
         <p:spPr>
           <a:xfrm>
-            <a:off x="3297389" y="4978801"/>
+            <a:off x="3297389" y="5297456"/>
             <a:ext cx="1413163" cy="595746"/>
           </a:xfrm>
           <a:prstGeom prst="rect">
@@ -12719,7 +13212,7 @@
         </p:nvSpPr>
         <p:spPr>
           <a:xfrm>
-            <a:off x="4710552" y="4978801"/>
+            <a:off x="4710552" y="5297456"/>
             <a:ext cx="1413163" cy="595746"/>
           </a:xfrm>
           <a:prstGeom prst="rect">
@@ -12757,7 +13250,7 @@
         </p:nvSpPr>
         <p:spPr>
           <a:xfrm>
-            <a:off x="6123715" y="4978801"/>
+            <a:off x="6123715" y="5297456"/>
             <a:ext cx="1413163" cy="595746"/>
           </a:xfrm>
           <a:prstGeom prst="rect">
@@ -12795,7 +13288,7 @@
         </p:nvSpPr>
         <p:spPr>
           <a:xfrm>
-            <a:off x="7536878" y="4978801"/>
+            <a:off x="7536878" y="5297456"/>
             <a:ext cx="1413163" cy="595746"/>
           </a:xfrm>
           <a:prstGeom prst="rect">
@@ -12833,7 +13326,7 @@
         </p:nvSpPr>
         <p:spPr>
           <a:xfrm>
-            <a:off x="8950041" y="4978801"/>
+            <a:off x="8950041" y="5297456"/>
             <a:ext cx="1413163" cy="595746"/>
           </a:xfrm>
           <a:prstGeom prst="rect">
@@ -12871,7 +13364,7 @@
         </p:nvSpPr>
         <p:spPr>
           <a:xfrm>
-            <a:off x="2054687" y="5057188"/>
+            <a:off x="2054687" y="5375843"/>
             <a:ext cx="1090297" cy="369332"/>
           </a:xfrm>
           <a:prstGeom prst="rect">
@@ -12893,10 +13386,6 @@
               </a:rPr>
               <a:t>0x10</a:t>
             </a:r>
-            <a:endParaRPr lang="pt-PT" dirty="0" smtClean="0">
-              <a:latin typeface="Consolas" panose="020B0609020204030204" pitchFamily="49" charset="0"/>
-              <a:cs typeface="Consolas" panose="020B0609020204030204" pitchFamily="49" charset="0"/>
-            </a:endParaRPr>
           </a:p>
         </p:txBody>
       </p:sp>
@@ -12908,7 +13397,7 @@
         </p:nvSpPr>
         <p:spPr>
           <a:xfrm>
-            <a:off x="6285148" y="5057188"/>
+            <a:off x="6285148" y="5375843"/>
             <a:ext cx="1090297" cy="369332"/>
           </a:xfrm>
           <a:prstGeom prst="rect">
@@ -12930,10 +13419,6 @@
               </a:rPr>
               <a:t>0x45</a:t>
             </a:r>
-            <a:endParaRPr lang="pt-PT" dirty="0" smtClean="0">
-              <a:latin typeface="Consolas" panose="020B0609020204030204" pitchFamily="49" charset="0"/>
-              <a:cs typeface="Consolas" panose="020B0609020204030204" pitchFamily="49" charset="0"/>
-            </a:endParaRPr>
           </a:p>
         </p:txBody>
       </p:sp>
@@ -12947,13 +13432,14 @@
         </p:nvCxnSpPr>
         <p:spPr>
           <a:xfrm flipV="1">
-            <a:off x="2964873" y="5574547"/>
-            <a:ext cx="2452261" cy="770835"/>
+            <a:off x="2964873" y="5893202"/>
+            <a:ext cx="2452261" cy="576866"/>
           </a:xfrm>
           <a:prstGeom prst="bentConnector2">
             <a:avLst/>
           </a:prstGeom>
-          <a:ln>
+          <a:ln w="28575">
+            <a:prstDash val="dash"/>
             <a:tailEnd type="triangle"/>
           </a:ln>
         </p:spPr>
@@ -12982,13 +13468,14 @@
         </p:nvCxnSpPr>
         <p:spPr>
           <a:xfrm flipV="1">
-            <a:off x="2964873" y="5574547"/>
-            <a:ext cx="1039098" cy="447719"/>
+            <a:off x="2964873" y="5893202"/>
+            <a:ext cx="1039098" cy="253750"/>
           </a:xfrm>
           <a:prstGeom prst="bentConnector2">
             <a:avLst/>
           </a:prstGeom>
-          <a:ln>
+          <a:ln w="28575">
+            <a:prstDash val="dash"/>
             <a:tailEnd type="triangle"/>
           </a:ln>
         </p:spPr>
@@ -13015,7 +13502,7 @@
         </p:nvSpPr>
         <p:spPr>
           <a:xfrm>
-            <a:off x="3484422" y="5073692"/>
+            <a:off x="3484422" y="5392347"/>
             <a:ext cx="1090297" cy="369332"/>
           </a:xfrm>
           <a:prstGeom prst="rect">
@@ -13037,10 +13524,6 @@
               </a:rPr>
               <a:t>0x0C</a:t>
             </a:r>
-            <a:endParaRPr lang="pt-PT" dirty="0" smtClean="0">
-              <a:latin typeface="Consolas" panose="020B0609020204030204" pitchFamily="49" charset="0"/>
-              <a:cs typeface="Consolas" panose="020B0609020204030204" pitchFamily="49" charset="0"/>
-            </a:endParaRPr>
           </a:p>
         </p:txBody>
       </p:sp>
@@ -13052,7 +13535,7 @@
         </p:nvSpPr>
         <p:spPr>
           <a:xfrm>
-            <a:off x="4871985" y="5073692"/>
+            <a:off x="4871985" y="5392347"/>
             <a:ext cx="1090297" cy="369332"/>
           </a:xfrm>
           <a:prstGeom prst="rect">
@@ -13074,6 +13557,71 @@
               </a:rPr>
               <a:t>0xBF</a:t>
             </a:r>
+          </a:p>
+        </p:txBody>
+      </p:sp>
+      <p:sp>
+        <p:nvSpPr>
+          <p:cNvPr id="107" name="CaixaDeTexto 106"/>
+          <p:cNvSpPr txBox="1"/>
+          <p:nvPr/>
+        </p:nvSpPr>
+        <p:spPr>
+          <a:xfrm>
+            <a:off x="925532" y="5057194"/>
+            <a:ext cx="301522" cy="477054"/>
+          </a:xfrm>
+          <a:prstGeom prst="rect">
+            <a:avLst/>
+          </a:prstGeom>
+          <a:noFill/>
+        </p:spPr>
+        <p:txBody>
+          <a:bodyPr wrap="square" rtlCol="0">
+            <a:spAutoFit/>
+          </a:bodyPr>
+          <a:lstStyle/>
+          <a:p>
+            <a:pPr>
+              <a:lnSpc>
+                <a:spcPts val="1000"/>
+              </a:lnSpc>
+            </a:pPr>
+            <a:r>
+              <a:rPr lang="pt-PT" dirty="0" smtClean="0">
+                <a:latin typeface="Consolas" panose="020B0609020204030204" pitchFamily="49" charset="0"/>
+                <a:cs typeface="Consolas" panose="020B0609020204030204" pitchFamily="49" charset="0"/>
+              </a:rPr>
+              <a:t>.</a:t>
+            </a:r>
+          </a:p>
+          <a:p>
+            <a:pPr>
+              <a:lnSpc>
+                <a:spcPts val="1000"/>
+              </a:lnSpc>
+            </a:pPr>
+            <a:r>
+              <a:rPr lang="pt-PT" dirty="0" smtClean="0">
+                <a:latin typeface="Consolas" panose="020B0609020204030204" pitchFamily="49" charset="0"/>
+                <a:cs typeface="Consolas" panose="020B0609020204030204" pitchFamily="49" charset="0"/>
+              </a:rPr>
+              <a:t>.</a:t>
+            </a:r>
+          </a:p>
+          <a:p>
+            <a:pPr>
+              <a:lnSpc>
+                <a:spcPts val="1000"/>
+              </a:lnSpc>
+            </a:pPr>
+            <a:r>
+              <a:rPr lang="pt-PT" dirty="0">
+                <a:latin typeface="Consolas" panose="020B0609020204030204" pitchFamily="49" charset="0"/>
+                <a:cs typeface="Consolas" panose="020B0609020204030204" pitchFamily="49" charset="0"/>
+              </a:rPr>
+              <a:t>.</a:t>
+            </a:r>
             <a:endParaRPr lang="pt-PT" dirty="0" smtClean="0">
               <a:latin typeface="Consolas" panose="020B0609020204030204" pitchFamily="49" charset="0"/>
               <a:cs typeface="Consolas" panose="020B0609020204030204" pitchFamily="49" charset="0"/>
@@ -13081,41 +13629,72 @@
           </a:p>
         </p:txBody>
       </p:sp>
-      <p:cxnSp>
-        <p:nvCxnSpPr>
-          <p:cNvPr id="102" name="Conector angulado 101"/>
-          <p:cNvCxnSpPr>
-            <a:endCxn id="89" idx="2"/>
-          </p:cNvCxnSpPr>
-          <p:nvPr/>
-        </p:nvCxnSpPr>
-        <p:spPr>
-          <a:xfrm flipV="1">
-            <a:off x="2154386" y="5574547"/>
-            <a:ext cx="6089074" cy="997241"/>
-          </a:xfrm>
-          <a:prstGeom prst="bentConnector2">
-            <a:avLst/>
-          </a:prstGeom>
-          <a:ln>
-            <a:tailEnd type="triangle"/>
-          </a:ln>
-        </p:spPr>
-        <p:style>
-          <a:lnRef idx="1">
-            <a:schemeClr val="accent1"/>
-          </a:lnRef>
-          <a:fillRef idx="0">
-            <a:schemeClr val="accent1"/>
-          </a:fillRef>
-          <a:effectRef idx="0">
-            <a:schemeClr val="accent1"/>
-          </a:effectRef>
-          <a:fontRef idx="minor">
-            <a:schemeClr val="tx1"/>
-          </a:fontRef>
-        </p:style>
-      </p:cxnSp>
+      <p:sp>
+        <p:nvSpPr>
+          <p:cNvPr id="108" name="CaixaDeTexto 107"/>
+          <p:cNvSpPr txBox="1"/>
+          <p:nvPr/>
+        </p:nvSpPr>
+        <p:spPr>
+          <a:xfrm>
+            <a:off x="7698310" y="5375843"/>
+            <a:ext cx="1090297" cy="369332"/>
+          </a:xfrm>
+          <a:prstGeom prst="rect">
+            <a:avLst/>
+          </a:prstGeom>
+          <a:noFill/>
+        </p:spPr>
+        <p:txBody>
+          <a:bodyPr wrap="square" rtlCol="0">
+            <a:spAutoFit/>
+          </a:bodyPr>
+          <a:lstStyle/>
+          <a:p>
+            <a:pPr algn="ctr"/>
+            <a:r>
+              <a:rPr lang="pt-PT" dirty="0" smtClean="0">
+                <a:latin typeface="Consolas" panose="020B0609020204030204" pitchFamily="49" charset="0"/>
+                <a:cs typeface="Consolas" panose="020B0609020204030204" pitchFamily="49" charset="0"/>
+              </a:rPr>
+              <a:t>0x11</a:t>
+            </a:r>
+          </a:p>
+        </p:txBody>
+      </p:sp>
+      <p:sp>
+        <p:nvSpPr>
+          <p:cNvPr id="109" name="CaixaDeTexto 108"/>
+          <p:cNvSpPr txBox="1"/>
+          <p:nvPr/>
+        </p:nvSpPr>
+        <p:spPr>
+          <a:xfrm>
+            <a:off x="9118101" y="5390535"/>
+            <a:ext cx="1090297" cy="369332"/>
+          </a:xfrm>
+          <a:prstGeom prst="rect">
+            <a:avLst/>
+          </a:prstGeom>
+          <a:noFill/>
+        </p:spPr>
+        <p:txBody>
+          <a:bodyPr wrap="square" rtlCol="0">
+            <a:spAutoFit/>
+          </a:bodyPr>
+          <a:lstStyle/>
+          <a:p>
+            <a:pPr algn="ctr"/>
+            <a:r>
+              <a:rPr lang="pt-PT" dirty="0" smtClean="0">
+                <a:latin typeface="Consolas" panose="020B0609020204030204" pitchFamily="49" charset="0"/>
+                <a:cs typeface="Consolas" panose="020B0609020204030204" pitchFamily="49" charset="0"/>
+              </a:rPr>
+              <a:t>0x22</a:t>
+            </a:r>
+          </a:p>
+        </p:txBody>
+      </p:sp>
     </p:spTree>
     <p:extLst>
       <p:ext uri="{BB962C8B-B14F-4D97-AF65-F5344CB8AC3E}">
